--- a/Design Specification/Design Specification.pptx
+++ b/Design Specification/Design Specification.pptx
@@ -10,13 +10,21 @@
     <p:sldId id="261" r:id="rId4"/>
     <p:sldId id="264" r:id="rId5"/>
     <p:sldId id="265" r:id="rId6"/>
-    <p:sldId id="260" r:id="rId7"/>
+    <p:sldId id="271" r:id="rId7"/>
     <p:sldId id="259" r:id="rId8"/>
     <p:sldId id="266" r:id="rId9"/>
     <p:sldId id="267" r:id="rId10"/>
     <p:sldId id="268" r:id="rId11"/>
     <p:sldId id="269" r:id="rId12"/>
     <p:sldId id="262" r:id="rId13"/>
+    <p:sldId id="272" r:id="rId14"/>
+    <p:sldId id="273" r:id="rId15"/>
+    <p:sldId id="274" r:id="rId16"/>
+    <p:sldId id="275" r:id="rId17"/>
+    <p:sldId id="276" r:id="rId18"/>
+    <p:sldId id="277" r:id="rId19"/>
+    <p:sldId id="279" r:id="rId20"/>
+    <p:sldId id="278" r:id="rId21"/>
   </p:sldIdLst>
   <p:sldSz cx="9144000" cy="6858000" type="screen4x3"/>
   <p:notesSz cx="6858000" cy="9144000"/>
@@ -3547,15 +3555,7 @@
                   <a:schemeClr val="tx1"/>
                 </a:solidFill>
               </a:rPr>
-              <a:t>3/10</a:t>
-            </a:r>
-            <a:r>
-              <a:rPr lang="en-US" smtClean="0">
-                <a:solidFill>
-                  <a:schemeClr val="tx1"/>
-                </a:solidFill>
-              </a:rPr>
-              <a:t>/2015</a:t>
+              <a:t>3/10/2015</a:t>
             </a:r>
             <a:endParaRPr lang="en-US" dirty="0">
               <a:solidFill>
@@ -3939,6 +3939,1916 @@
 </p:sld>
 </file>
 
+<file path=ppt/slides/slide13.xml><?xml version="1.0" encoding="utf-8"?>
+<p:sld xmlns:a="http://schemas.openxmlformats.org/drawingml/2006/main" xmlns:r="http://schemas.openxmlformats.org/officeDocument/2006/relationships" xmlns:p="http://schemas.openxmlformats.org/presentationml/2006/main">
+  <p:cSld>
+    <p:spTree>
+      <p:nvGrpSpPr>
+        <p:cNvPr id="1" name=""/>
+        <p:cNvGrpSpPr/>
+        <p:nvPr/>
+      </p:nvGrpSpPr>
+      <p:grpSpPr>
+        <a:xfrm>
+          <a:off x="0" y="0"/>
+          <a:ext cx="0" cy="0"/>
+          <a:chOff x="0" y="0"/>
+          <a:chExt cx="0" cy="0"/>
+        </a:xfrm>
+      </p:grpSpPr>
+      <p:sp>
+        <p:nvSpPr>
+          <p:cNvPr id="3" name="Text Placeholder 2"/>
+          <p:cNvSpPr>
+            <a:spLocks noGrp="1"/>
+          </p:cNvSpPr>
+          <p:nvPr>
+            <p:ph type="body" idx="1"/>
+          </p:nvPr>
+        </p:nvSpPr>
+        <p:spPr>
+          <a:xfrm>
+            <a:off x="533400" y="1295400"/>
+            <a:ext cx="7239000" cy="4419600"/>
+          </a:xfrm>
+        </p:spPr>
+        <p:txBody>
+          <a:bodyPr>
+            <a:normAutofit/>
+          </a:bodyPr>
+          <a:lstStyle/>
+          <a:p>
+            <a:r>
+              <a:rPr lang="en-US" sz="4000" dirty="0" smtClean="0"/>
+              <a:t>Use cases:</a:t>
+            </a:r>
+          </a:p>
+          <a:p>
+            <a:r>
+              <a:rPr lang="en-US" sz="3000" dirty="0" smtClean="0"/>
+              <a:t>Register</a:t>
+            </a:r>
+          </a:p>
+          <a:p>
+            <a:r>
+              <a:rPr lang="en-US" sz="2200" dirty="0" smtClean="0"/>
+              <a:t>Normal Flow: ☺</a:t>
+            </a:r>
+          </a:p>
+          <a:p>
+            <a:r>
+              <a:rPr lang="en-US" sz="2200" dirty="0"/>
+              <a:t>	</a:t>
+            </a:r>
+            <a:endParaRPr lang="en-US" sz="2200" dirty="0" smtClean="0"/>
+          </a:p>
+          <a:p>
+            <a:endParaRPr lang="en-US" sz="4000" dirty="0"/>
+          </a:p>
+          <a:p>
+            <a:r>
+              <a:rPr lang="en-US" sz="4000" dirty="0" smtClean="0"/>
+              <a:t>	</a:t>
+            </a:r>
+            <a:endParaRPr lang="en-US" sz="4000" dirty="0"/>
+          </a:p>
+        </p:txBody>
+      </p:sp>
+      <p:sp>
+        <p:nvSpPr>
+          <p:cNvPr id="4" name="Title 3"/>
+          <p:cNvSpPr>
+            <a:spLocks noGrp="1"/>
+          </p:cNvSpPr>
+          <p:nvPr>
+            <p:ph type="title"/>
+          </p:nvPr>
+        </p:nvSpPr>
+        <p:spPr>
+          <a:xfrm>
+            <a:off x="381000" y="457200"/>
+            <a:ext cx="7659687" cy="1168400"/>
+          </a:xfrm>
+        </p:spPr>
+        <p:txBody>
+          <a:bodyPr/>
+          <a:lstStyle/>
+          <a:p>
+            <a:r>
+              <a:rPr lang="en-US" dirty="0" smtClean="0"/>
+              <a:t>System design</a:t>
+            </a:r>
+            <a:endParaRPr lang="en-US" dirty="0"/>
+          </a:p>
+        </p:txBody>
+      </p:sp>
+      <p:pic>
+        <p:nvPicPr>
+          <p:cNvPr id="1026" name="Picture 2"/>
+          <p:cNvPicPr>
+            <a:picLocks noChangeAspect="1" noChangeArrowheads="1"/>
+          </p:cNvPicPr>
+          <p:nvPr/>
+        </p:nvPicPr>
+        <p:blipFill>
+          <a:blip r:embed="rId2">
+            <a:extLst>
+              <a:ext uri="{28A0092B-C50C-407E-A947-70E740481C1C}">
+                <a14:useLocalDpi xmlns:a14="http://schemas.microsoft.com/office/drawing/2010/main" val="0"/>
+              </a:ext>
+            </a:extLst>
+          </a:blip>
+          <a:srcRect/>
+          <a:stretch>
+            <a:fillRect/>
+          </a:stretch>
+        </p:blipFill>
+        <p:spPr bwMode="auto">
+          <a:xfrm>
+            <a:off x="914400" y="4191000"/>
+            <a:ext cx="6934200" cy="609600"/>
+          </a:xfrm>
+          <a:prstGeom prst="rect">
+            <a:avLst/>
+          </a:prstGeom>
+          <a:noFill/>
+          <a:ln>
+            <a:noFill/>
+          </a:ln>
+          <a:effectLst/>
+          <a:extLst>
+            <a:ext uri="{909E8E84-426E-40DD-AFC4-6F175D3DCCD1}">
+              <a14:hiddenFill xmlns:a14="http://schemas.microsoft.com/office/drawing/2010/main">
+                <a:solidFill>
+                  <a:schemeClr val="accent1"/>
+                </a:solidFill>
+              </a14:hiddenFill>
+            </a:ext>
+            <a:ext uri="{91240B29-F687-4F45-9708-019B960494DF}">
+              <a14:hiddenLine xmlns:a14="http://schemas.microsoft.com/office/drawing/2010/main" w="9525">
+                <a:solidFill>
+                  <a:schemeClr val="tx1"/>
+                </a:solidFill>
+                <a:miter lim="800000"/>
+                <a:headEnd/>
+                <a:tailEnd/>
+              </a14:hiddenLine>
+            </a:ext>
+            <a:ext uri="{AF507438-7753-43E0-B8FC-AC1667EBCBE1}">
+              <a14:hiddenEffects xmlns:a14="http://schemas.microsoft.com/office/drawing/2010/main">
+                <a:effectLst>
+                  <a:outerShdw dist="35921" dir="2700000" algn="ctr" rotWithShape="0">
+                    <a:schemeClr val="bg2"/>
+                  </a:outerShdw>
+                </a:effectLst>
+              </a14:hiddenEffects>
+            </a:ext>
+          </a:extLst>
+        </p:spPr>
+      </p:pic>
+    </p:spTree>
+    <p:extLst>
+      <p:ext uri="{BB962C8B-B14F-4D97-AF65-F5344CB8AC3E}">
+        <p14:creationId xmlns:p14="http://schemas.microsoft.com/office/powerpoint/2010/main" val="1332120998"/>
+      </p:ext>
+    </p:extLst>
+  </p:cSld>
+  <p:clrMapOvr>
+    <a:masterClrMapping/>
+  </p:clrMapOvr>
+  <p:timing>
+    <p:tnLst>
+      <p:par>
+        <p:cTn id="1" dur="indefinite" restart="never" nodeType="tmRoot"/>
+      </p:par>
+    </p:tnLst>
+  </p:timing>
+</p:sld>
+</file>
+
+<file path=ppt/slides/slide14.xml><?xml version="1.0" encoding="utf-8"?>
+<p:sld xmlns:a="http://schemas.openxmlformats.org/drawingml/2006/main" xmlns:r="http://schemas.openxmlformats.org/officeDocument/2006/relationships" xmlns:p="http://schemas.openxmlformats.org/presentationml/2006/main">
+  <p:cSld>
+    <p:spTree>
+      <p:nvGrpSpPr>
+        <p:cNvPr id="1" name=""/>
+        <p:cNvGrpSpPr/>
+        <p:nvPr/>
+      </p:nvGrpSpPr>
+      <p:grpSpPr>
+        <a:xfrm>
+          <a:off x="0" y="0"/>
+          <a:ext cx="0" cy="0"/>
+          <a:chOff x="0" y="0"/>
+          <a:chExt cx="0" cy="0"/>
+        </a:xfrm>
+      </p:grpSpPr>
+      <p:sp>
+        <p:nvSpPr>
+          <p:cNvPr id="3" name="Text Placeholder 2"/>
+          <p:cNvSpPr>
+            <a:spLocks noGrp="1"/>
+          </p:cNvSpPr>
+          <p:nvPr>
+            <p:ph type="body" idx="1"/>
+          </p:nvPr>
+        </p:nvSpPr>
+        <p:spPr>
+          <a:xfrm>
+            <a:off x="533400" y="1295400"/>
+            <a:ext cx="7239000" cy="4419600"/>
+          </a:xfrm>
+        </p:spPr>
+        <p:txBody>
+          <a:bodyPr>
+            <a:normAutofit/>
+          </a:bodyPr>
+          <a:lstStyle/>
+          <a:p>
+            <a:r>
+              <a:rPr lang="en-US" sz="2200" dirty="0"/>
+              <a:t>	</a:t>
+            </a:r>
+            <a:endParaRPr lang="en-US" sz="2200" dirty="0" smtClean="0"/>
+          </a:p>
+          <a:p>
+            <a:endParaRPr lang="en-US" sz="4000" dirty="0"/>
+          </a:p>
+          <a:p>
+            <a:r>
+              <a:rPr lang="en-US" sz="4000" dirty="0" smtClean="0"/>
+              <a:t>	</a:t>
+            </a:r>
+            <a:endParaRPr lang="en-US" sz="4000" dirty="0"/>
+          </a:p>
+        </p:txBody>
+      </p:sp>
+      <p:sp>
+        <p:nvSpPr>
+          <p:cNvPr id="4" name="Title 3"/>
+          <p:cNvSpPr>
+            <a:spLocks noGrp="1"/>
+          </p:cNvSpPr>
+          <p:nvPr>
+            <p:ph type="title"/>
+          </p:nvPr>
+        </p:nvSpPr>
+        <p:spPr>
+          <a:xfrm>
+            <a:off x="381000" y="457200"/>
+            <a:ext cx="7659687" cy="1168400"/>
+          </a:xfrm>
+        </p:spPr>
+        <p:txBody>
+          <a:bodyPr/>
+          <a:lstStyle/>
+          <a:p>
+            <a:r>
+              <a:rPr lang="en-US" dirty="0" smtClean="0"/>
+              <a:t>Use case – register - exception</a:t>
+            </a:r>
+            <a:endParaRPr lang="en-US" dirty="0"/>
+          </a:p>
+        </p:txBody>
+      </p:sp>
+      <p:pic>
+        <p:nvPicPr>
+          <p:cNvPr id="2050" name="Picture 2"/>
+          <p:cNvPicPr>
+            <a:picLocks noChangeAspect="1" noChangeArrowheads="1"/>
+          </p:cNvPicPr>
+          <p:nvPr/>
+        </p:nvPicPr>
+        <p:blipFill>
+          <a:blip r:embed="rId2">
+            <a:extLst>
+              <a:ext uri="{28A0092B-C50C-407E-A947-70E740481C1C}">
+                <a14:useLocalDpi xmlns:a14="http://schemas.microsoft.com/office/drawing/2010/main" val="0"/>
+              </a:ext>
+            </a:extLst>
+          </a:blip>
+          <a:srcRect/>
+          <a:stretch>
+            <a:fillRect/>
+          </a:stretch>
+        </p:blipFill>
+        <p:spPr bwMode="auto">
+          <a:xfrm>
+            <a:off x="1066800" y="1752600"/>
+            <a:ext cx="7162800" cy="3886200"/>
+          </a:xfrm>
+          <a:prstGeom prst="rect">
+            <a:avLst/>
+          </a:prstGeom>
+          <a:noFill/>
+          <a:ln>
+            <a:noFill/>
+          </a:ln>
+          <a:effectLst/>
+          <a:extLst>
+            <a:ext uri="{909E8E84-426E-40DD-AFC4-6F175D3DCCD1}">
+              <a14:hiddenFill xmlns:a14="http://schemas.microsoft.com/office/drawing/2010/main">
+                <a:solidFill>
+                  <a:schemeClr val="accent1"/>
+                </a:solidFill>
+              </a14:hiddenFill>
+            </a:ext>
+            <a:ext uri="{91240B29-F687-4F45-9708-019B960494DF}">
+              <a14:hiddenLine xmlns:a14="http://schemas.microsoft.com/office/drawing/2010/main" w="9525">
+                <a:solidFill>
+                  <a:schemeClr val="tx1"/>
+                </a:solidFill>
+                <a:miter lim="800000"/>
+                <a:headEnd/>
+                <a:tailEnd/>
+              </a14:hiddenLine>
+            </a:ext>
+            <a:ext uri="{AF507438-7753-43E0-B8FC-AC1667EBCBE1}">
+              <a14:hiddenEffects xmlns:a14="http://schemas.microsoft.com/office/drawing/2010/main">
+                <a:effectLst>
+                  <a:outerShdw dist="35921" dir="2700000" algn="ctr" rotWithShape="0">
+                    <a:schemeClr val="bg2"/>
+                  </a:outerShdw>
+                </a:effectLst>
+              </a14:hiddenEffects>
+            </a:ext>
+          </a:extLst>
+        </p:spPr>
+      </p:pic>
+    </p:spTree>
+    <p:extLst>
+      <p:ext uri="{BB962C8B-B14F-4D97-AF65-F5344CB8AC3E}">
+        <p14:creationId xmlns:p14="http://schemas.microsoft.com/office/powerpoint/2010/main" val="112083345"/>
+      </p:ext>
+    </p:extLst>
+  </p:cSld>
+  <p:clrMapOvr>
+    <a:masterClrMapping/>
+  </p:clrMapOvr>
+  <p:timing>
+    <p:tnLst>
+      <p:par>
+        <p:cTn id="1" dur="indefinite" restart="never" nodeType="tmRoot"/>
+      </p:par>
+    </p:tnLst>
+  </p:timing>
+</p:sld>
+</file>
+
+<file path=ppt/slides/slide15.xml><?xml version="1.0" encoding="utf-8"?>
+<p:sld xmlns:a="http://schemas.openxmlformats.org/drawingml/2006/main" xmlns:r="http://schemas.openxmlformats.org/officeDocument/2006/relationships" xmlns:p="http://schemas.openxmlformats.org/presentationml/2006/main">
+  <p:cSld>
+    <p:spTree>
+      <p:nvGrpSpPr>
+        <p:cNvPr id="1" name=""/>
+        <p:cNvGrpSpPr/>
+        <p:nvPr/>
+      </p:nvGrpSpPr>
+      <p:grpSpPr>
+        <a:xfrm>
+          <a:off x="0" y="0"/>
+          <a:ext cx="0" cy="0"/>
+          <a:chOff x="0" y="0"/>
+          <a:chExt cx="0" cy="0"/>
+        </a:xfrm>
+      </p:grpSpPr>
+      <p:sp>
+        <p:nvSpPr>
+          <p:cNvPr id="3" name="Text Placeholder 2"/>
+          <p:cNvSpPr>
+            <a:spLocks noGrp="1"/>
+          </p:cNvSpPr>
+          <p:nvPr>
+            <p:ph type="body" idx="1"/>
+          </p:nvPr>
+        </p:nvSpPr>
+        <p:spPr>
+          <a:xfrm>
+            <a:off x="533400" y="1295400"/>
+            <a:ext cx="7239000" cy="4419600"/>
+          </a:xfrm>
+        </p:spPr>
+        <p:txBody>
+          <a:bodyPr>
+            <a:normAutofit/>
+          </a:bodyPr>
+          <a:lstStyle/>
+          <a:p>
+            <a:r>
+              <a:rPr lang="en-US" sz="2200" dirty="0"/>
+              <a:t>	</a:t>
+            </a:r>
+            <a:endParaRPr lang="en-US" sz="2200" dirty="0" smtClean="0"/>
+          </a:p>
+          <a:p>
+            <a:endParaRPr lang="en-US" sz="4000" dirty="0"/>
+          </a:p>
+          <a:p>
+            <a:r>
+              <a:rPr lang="en-US" sz="4000" dirty="0" smtClean="0"/>
+              <a:t>	</a:t>
+            </a:r>
+            <a:endParaRPr lang="en-US" sz="4000" dirty="0"/>
+          </a:p>
+        </p:txBody>
+      </p:sp>
+      <p:sp>
+        <p:nvSpPr>
+          <p:cNvPr id="4" name="Title 3"/>
+          <p:cNvSpPr>
+            <a:spLocks noGrp="1"/>
+          </p:cNvSpPr>
+          <p:nvPr>
+            <p:ph type="title"/>
+          </p:nvPr>
+        </p:nvSpPr>
+        <p:spPr>
+          <a:xfrm>
+            <a:off x="381000" y="457200"/>
+            <a:ext cx="7659687" cy="1168400"/>
+          </a:xfrm>
+        </p:spPr>
+        <p:txBody>
+          <a:bodyPr/>
+          <a:lstStyle/>
+          <a:p>
+            <a:r>
+              <a:rPr lang="en-US" dirty="0" smtClean="0"/>
+              <a:t>Use case – Login- normal flow ☺</a:t>
+            </a:r>
+            <a:endParaRPr lang="en-US" dirty="0"/>
+          </a:p>
+        </p:txBody>
+      </p:sp>
+      <p:sp>
+        <p:nvSpPr>
+          <p:cNvPr id="2" name="Rectangle 2"/>
+          <p:cNvSpPr>
+            <a:spLocks noChangeArrowheads="1"/>
+          </p:cNvSpPr>
+          <p:nvPr/>
+        </p:nvSpPr>
+        <p:spPr bwMode="auto">
+          <a:xfrm>
+            <a:off x="0" y="0"/>
+            <a:ext cx="9144000" cy="0"/>
+          </a:xfrm>
+          <a:prstGeom prst="rect">
+            <a:avLst/>
+          </a:prstGeom>
+          <a:noFill/>
+          <a:ln>
+            <a:noFill/>
+          </a:ln>
+          <a:effectLst/>
+          <a:extLst>
+            <a:ext uri="{909E8E84-426E-40DD-AFC4-6F175D3DCCD1}">
+              <a14:hiddenFill xmlns:a14="http://schemas.microsoft.com/office/drawing/2010/main">
+                <a:solidFill>
+                  <a:schemeClr val="accent1"/>
+                </a:solidFill>
+              </a14:hiddenFill>
+            </a:ext>
+            <a:ext uri="{91240B29-F687-4F45-9708-019B960494DF}">
+              <a14:hiddenLine xmlns:a14="http://schemas.microsoft.com/office/drawing/2010/main" w="9525">
+                <a:solidFill>
+                  <a:schemeClr val="tx1"/>
+                </a:solidFill>
+                <a:miter lim="800000"/>
+                <a:headEnd/>
+                <a:tailEnd/>
+              </a14:hiddenLine>
+            </a:ext>
+            <a:ext uri="{AF507438-7753-43E0-B8FC-AC1667EBCBE1}">
+              <a14:hiddenEffects xmlns:a14="http://schemas.microsoft.com/office/drawing/2010/main">
+                <a:effectLst>
+                  <a:outerShdw dist="35921" dir="2700000" algn="ctr" rotWithShape="0">
+                    <a:schemeClr val="bg2"/>
+                  </a:outerShdw>
+                </a:effectLst>
+              </a14:hiddenEffects>
+            </a:ext>
+          </a:extLst>
+        </p:spPr>
+        <p:txBody>
+          <a:bodyPr vert="horz" wrap="none" lIns="91440" tIns="45720" rIns="91440" bIns="45720" numCol="1" anchor="ctr" anchorCtr="0" compatLnSpc="1">
+            <a:prstTxWarp prst="textNoShape">
+              <a:avLst/>
+            </a:prstTxWarp>
+            <a:spAutoFit/>
+          </a:bodyPr>
+          <a:lstStyle/>
+          <a:p>
+            <a:endParaRPr lang="en-US"/>
+          </a:p>
+        </p:txBody>
+      </p:sp>
+      <p:graphicFrame>
+        <p:nvGraphicFramePr>
+          <p:cNvPr id="5" name="Object 4"/>
+          <p:cNvGraphicFramePr>
+            <a:graphicFrameLocks noChangeAspect="1"/>
+          </p:cNvGraphicFramePr>
+          <p:nvPr>
+            <p:extLst>
+              <p:ext uri="{D42A27DB-BD31-4B8C-83A1-F6EECF244321}">
+                <p14:modId xmlns:p14="http://schemas.microsoft.com/office/powerpoint/2010/main" val="3226787702"/>
+              </p:ext>
+            </p:extLst>
+          </p:nvPr>
+        </p:nvGraphicFramePr>
+        <p:xfrm>
+          <a:off x="685800" y="2362200"/>
+          <a:ext cx="6705600" cy="1066800"/>
+        </p:xfrm>
+        <a:graphic>
+          <a:graphicData uri="http://schemas.openxmlformats.org/presentationml/2006/ole">
+            <mc:AlternateContent xmlns:mc="http://schemas.openxmlformats.org/markup-compatibility/2006">
+              <mc:Choice xmlns:v="urn:schemas-microsoft-com:vml" Requires="v">
+                <p:oleObj spid="_x0000_s4101" name="Visio" r:id="rId3" imgW="6334163" imgH="580897" progId="Visio.Drawing.15">
+                  <p:embed/>
+                </p:oleObj>
+              </mc:Choice>
+              <mc:Fallback>
+                <p:oleObj name="Visio" r:id="rId3" imgW="6334163" imgH="580897" progId="Visio.Drawing.15">
+                  <p:embed/>
+                  <p:pic>
+                    <p:nvPicPr>
+                      <p:cNvPr id="0" name="Object 1"/>
+                      <p:cNvPicPr>
+                        <a:picLocks noChangeAspect="1" noChangeArrowheads="1"/>
+                      </p:cNvPicPr>
+                      <p:nvPr/>
+                    </p:nvPicPr>
+                    <p:blipFill>
+                      <a:blip r:embed="rId4">
+                        <a:extLst>
+                          <a:ext uri="{28A0092B-C50C-407E-A947-70E740481C1C}">
+                            <a14:useLocalDpi xmlns:a14="http://schemas.microsoft.com/office/drawing/2010/main" val="0"/>
+                          </a:ext>
+                        </a:extLst>
+                      </a:blip>
+                      <a:srcRect/>
+                      <a:stretch>
+                        <a:fillRect/>
+                      </a:stretch>
+                    </p:blipFill>
+                    <p:spPr bwMode="auto">
+                      <a:xfrm>
+                        <a:off x="685800" y="2362200"/>
+                        <a:ext cx="6705600" cy="1066800"/>
+                      </a:xfrm>
+                      <a:prstGeom prst="rect">
+                        <a:avLst/>
+                      </a:prstGeom>
+                      <a:noFill/>
+                    </p:spPr>
+                  </p:pic>
+                </p:oleObj>
+              </mc:Fallback>
+            </mc:AlternateContent>
+          </a:graphicData>
+        </a:graphic>
+      </p:graphicFrame>
+    </p:spTree>
+    <p:extLst>
+      <p:ext uri="{BB962C8B-B14F-4D97-AF65-F5344CB8AC3E}">
+        <p14:creationId xmlns:p14="http://schemas.microsoft.com/office/powerpoint/2010/main" val="2161578243"/>
+      </p:ext>
+    </p:extLst>
+  </p:cSld>
+  <p:clrMapOvr>
+    <a:masterClrMapping/>
+  </p:clrMapOvr>
+  <p:timing>
+    <p:tnLst>
+      <p:par>
+        <p:cTn id="1" dur="indefinite" restart="never" nodeType="tmRoot"/>
+      </p:par>
+    </p:tnLst>
+  </p:timing>
+</p:sld>
+</file>
+
+<file path=ppt/slides/slide16.xml><?xml version="1.0" encoding="utf-8"?>
+<p:sld xmlns:a="http://schemas.openxmlformats.org/drawingml/2006/main" xmlns:r="http://schemas.openxmlformats.org/officeDocument/2006/relationships" xmlns:p="http://schemas.openxmlformats.org/presentationml/2006/main">
+  <p:cSld>
+    <p:spTree>
+      <p:nvGrpSpPr>
+        <p:cNvPr id="1" name=""/>
+        <p:cNvGrpSpPr/>
+        <p:nvPr/>
+      </p:nvGrpSpPr>
+      <p:grpSpPr>
+        <a:xfrm>
+          <a:off x="0" y="0"/>
+          <a:ext cx="0" cy="0"/>
+          <a:chOff x="0" y="0"/>
+          <a:chExt cx="0" cy="0"/>
+        </a:xfrm>
+      </p:grpSpPr>
+      <p:sp>
+        <p:nvSpPr>
+          <p:cNvPr id="3" name="Text Placeholder 2"/>
+          <p:cNvSpPr>
+            <a:spLocks noGrp="1"/>
+          </p:cNvSpPr>
+          <p:nvPr>
+            <p:ph type="body" idx="1"/>
+          </p:nvPr>
+        </p:nvSpPr>
+        <p:spPr>
+          <a:xfrm>
+            <a:off x="533400" y="1295400"/>
+            <a:ext cx="7239000" cy="4419600"/>
+          </a:xfrm>
+        </p:spPr>
+        <p:txBody>
+          <a:bodyPr>
+            <a:normAutofit/>
+          </a:bodyPr>
+          <a:lstStyle/>
+          <a:p>
+            <a:r>
+              <a:rPr lang="en-US" sz="2200" dirty="0"/>
+              <a:t>	</a:t>
+            </a:r>
+            <a:endParaRPr lang="en-US" sz="2200" dirty="0" smtClean="0"/>
+          </a:p>
+          <a:p>
+            <a:endParaRPr lang="en-US" sz="4000" dirty="0"/>
+          </a:p>
+          <a:p>
+            <a:r>
+              <a:rPr lang="en-US" sz="4000" dirty="0" smtClean="0"/>
+              <a:t>	</a:t>
+            </a:r>
+            <a:endParaRPr lang="en-US" sz="4000" dirty="0"/>
+          </a:p>
+        </p:txBody>
+      </p:sp>
+      <p:sp>
+        <p:nvSpPr>
+          <p:cNvPr id="4" name="Title 3"/>
+          <p:cNvSpPr>
+            <a:spLocks noGrp="1"/>
+          </p:cNvSpPr>
+          <p:nvPr>
+            <p:ph type="title"/>
+          </p:nvPr>
+        </p:nvSpPr>
+        <p:spPr>
+          <a:xfrm>
+            <a:off x="381000" y="457200"/>
+            <a:ext cx="7659687" cy="1168400"/>
+          </a:xfrm>
+        </p:spPr>
+        <p:txBody>
+          <a:bodyPr/>
+          <a:lstStyle/>
+          <a:p>
+            <a:r>
+              <a:rPr lang="en-US" dirty="0" smtClean="0"/>
+              <a:t>Use case – Login- </a:t>
+            </a:r>
+            <a:r>
+              <a:rPr lang="en-US" dirty="0" err="1" smtClean="0"/>
+              <a:t>EXception</a:t>
+            </a:r>
+            <a:endParaRPr lang="en-US" dirty="0"/>
+          </a:p>
+        </p:txBody>
+      </p:sp>
+      <p:sp>
+        <p:nvSpPr>
+          <p:cNvPr id="2" name="Rectangle 2"/>
+          <p:cNvSpPr>
+            <a:spLocks noChangeArrowheads="1"/>
+          </p:cNvSpPr>
+          <p:nvPr/>
+        </p:nvSpPr>
+        <p:spPr bwMode="auto">
+          <a:xfrm>
+            <a:off x="0" y="0"/>
+            <a:ext cx="9144000" cy="0"/>
+          </a:xfrm>
+          <a:prstGeom prst="rect">
+            <a:avLst/>
+          </a:prstGeom>
+          <a:noFill/>
+          <a:ln>
+            <a:noFill/>
+          </a:ln>
+          <a:effectLst/>
+          <a:extLst>
+            <a:ext uri="{909E8E84-426E-40DD-AFC4-6F175D3DCCD1}">
+              <a14:hiddenFill xmlns:a14="http://schemas.microsoft.com/office/drawing/2010/main">
+                <a:solidFill>
+                  <a:schemeClr val="accent1"/>
+                </a:solidFill>
+              </a14:hiddenFill>
+            </a:ext>
+            <a:ext uri="{91240B29-F687-4F45-9708-019B960494DF}">
+              <a14:hiddenLine xmlns:a14="http://schemas.microsoft.com/office/drawing/2010/main" w="9525">
+                <a:solidFill>
+                  <a:schemeClr val="tx1"/>
+                </a:solidFill>
+                <a:miter lim="800000"/>
+                <a:headEnd/>
+                <a:tailEnd/>
+              </a14:hiddenLine>
+            </a:ext>
+            <a:ext uri="{AF507438-7753-43E0-B8FC-AC1667EBCBE1}">
+              <a14:hiddenEffects xmlns:a14="http://schemas.microsoft.com/office/drawing/2010/main">
+                <a:effectLst>
+                  <a:outerShdw dist="35921" dir="2700000" algn="ctr" rotWithShape="0">
+                    <a:schemeClr val="bg2"/>
+                  </a:outerShdw>
+                </a:effectLst>
+              </a14:hiddenEffects>
+            </a:ext>
+          </a:extLst>
+        </p:spPr>
+        <p:txBody>
+          <a:bodyPr vert="horz" wrap="none" lIns="91440" tIns="45720" rIns="91440" bIns="45720" numCol="1" anchor="ctr" anchorCtr="0" compatLnSpc="1">
+            <a:prstTxWarp prst="textNoShape">
+              <a:avLst/>
+            </a:prstTxWarp>
+            <a:spAutoFit/>
+          </a:bodyPr>
+          <a:lstStyle/>
+          <a:p>
+            <a:endParaRPr lang="en-US"/>
+          </a:p>
+        </p:txBody>
+      </p:sp>
+      <p:pic>
+        <p:nvPicPr>
+          <p:cNvPr id="5122" name="Picture 2"/>
+          <p:cNvPicPr>
+            <a:picLocks noChangeAspect="1" noChangeArrowheads="1"/>
+          </p:cNvPicPr>
+          <p:nvPr/>
+        </p:nvPicPr>
+        <p:blipFill>
+          <a:blip r:embed="rId2">
+            <a:extLst>
+              <a:ext uri="{28A0092B-C50C-407E-A947-70E740481C1C}">
+                <a14:useLocalDpi xmlns:a14="http://schemas.microsoft.com/office/drawing/2010/main" val="0"/>
+              </a:ext>
+            </a:extLst>
+          </a:blip>
+          <a:srcRect/>
+          <a:stretch>
+            <a:fillRect/>
+          </a:stretch>
+        </p:blipFill>
+        <p:spPr bwMode="auto">
+          <a:xfrm>
+            <a:off x="990600" y="1752600"/>
+            <a:ext cx="6553200" cy="2667000"/>
+          </a:xfrm>
+          <a:prstGeom prst="rect">
+            <a:avLst/>
+          </a:prstGeom>
+          <a:noFill/>
+          <a:ln>
+            <a:noFill/>
+          </a:ln>
+          <a:effectLst/>
+          <a:extLst>
+            <a:ext uri="{909E8E84-426E-40DD-AFC4-6F175D3DCCD1}">
+              <a14:hiddenFill xmlns:a14="http://schemas.microsoft.com/office/drawing/2010/main">
+                <a:solidFill>
+                  <a:schemeClr val="accent1"/>
+                </a:solidFill>
+              </a14:hiddenFill>
+            </a:ext>
+            <a:ext uri="{91240B29-F687-4F45-9708-019B960494DF}">
+              <a14:hiddenLine xmlns:a14="http://schemas.microsoft.com/office/drawing/2010/main" w="9525">
+                <a:solidFill>
+                  <a:schemeClr val="tx1"/>
+                </a:solidFill>
+                <a:miter lim="800000"/>
+                <a:headEnd/>
+                <a:tailEnd/>
+              </a14:hiddenLine>
+            </a:ext>
+            <a:ext uri="{AF507438-7753-43E0-B8FC-AC1667EBCBE1}">
+              <a14:hiddenEffects xmlns:a14="http://schemas.microsoft.com/office/drawing/2010/main">
+                <a:effectLst>
+                  <a:outerShdw dist="35921" dir="2700000" algn="ctr" rotWithShape="0">
+                    <a:schemeClr val="bg2"/>
+                  </a:outerShdw>
+                </a:effectLst>
+              </a14:hiddenEffects>
+            </a:ext>
+          </a:extLst>
+        </p:spPr>
+      </p:pic>
+    </p:spTree>
+    <p:extLst>
+      <p:ext uri="{BB962C8B-B14F-4D97-AF65-F5344CB8AC3E}">
+        <p14:creationId xmlns:p14="http://schemas.microsoft.com/office/powerpoint/2010/main" val="517985571"/>
+      </p:ext>
+    </p:extLst>
+  </p:cSld>
+  <p:clrMapOvr>
+    <a:masterClrMapping/>
+  </p:clrMapOvr>
+  <p:timing>
+    <p:tnLst>
+      <p:par>
+        <p:cTn id="1" dur="indefinite" restart="never" nodeType="tmRoot"/>
+      </p:par>
+    </p:tnLst>
+  </p:timing>
+</p:sld>
+</file>
+
+<file path=ppt/slides/slide17.xml><?xml version="1.0" encoding="utf-8"?>
+<p:sld xmlns:a="http://schemas.openxmlformats.org/drawingml/2006/main" xmlns:r="http://schemas.openxmlformats.org/officeDocument/2006/relationships" xmlns:p="http://schemas.openxmlformats.org/presentationml/2006/main">
+  <p:cSld>
+    <p:spTree>
+      <p:nvGrpSpPr>
+        <p:cNvPr id="1" name=""/>
+        <p:cNvGrpSpPr/>
+        <p:nvPr/>
+      </p:nvGrpSpPr>
+      <p:grpSpPr>
+        <a:xfrm>
+          <a:off x="0" y="0"/>
+          <a:ext cx="0" cy="0"/>
+          <a:chOff x="0" y="0"/>
+          <a:chExt cx="0" cy="0"/>
+        </a:xfrm>
+      </p:grpSpPr>
+      <p:sp>
+        <p:nvSpPr>
+          <p:cNvPr id="3" name="Text Placeholder 2"/>
+          <p:cNvSpPr>
+            <a:spLocks noGrp="1"/>
+          </p:cNvSpPr>
+          <p:nvPr>
+            <p:ph type="body" idx="1"/>
+          </p:nvPr>
+        </p:nvSpPr>
+        <p:spPr>
+          <a:xfrm>
+            <a:off x="533400" y="1295400"/>
+            <a:ext cx="7239000" cy="4419600"/>
+          </a:xfrm>
+        </p:spPr>
+        <p:txBody>
+          <a:bodyPr>
+            <a:normAutofit/>
+          </a:bodyPr>
+          <a:lstStyle/>
+          <a:p>
+            <a:r>
+              <a:rPr lang="en-US" sz="2200" dirty="0"/>
+              <a:t>	</a:t>
+            </a:r>
+            <a:endParaRPr lang="en-US" sz="2200" dirty="0" smtClean="0"/>
+          </a:p>
+          <a:p>
+            <a:endParaRPr lang="en-US" sz="4000" dirty="0"/>
+          </a:p>
+          <a:p>
+            <a:r>
+              <a:rPr lang="en-US" sz="4000" dirty="0" smtClean="0"/>
+              <a:t>	</a:t>
+            </a:r>
+            <a:endParaRPr lang="en-US" sz="4000" dirty="0"/>
+          </a:p>
+        </p:txBody>
+      </p:sp>
+      <p:sp>
+        <p:nvSpPr>
+          <p:cNvPr id="4" name="Title 3"/>
+          <p:cNvSpPr>
+            <a:spLocks noGrp="1"/>
+          </p:cNvSpPr>
+          <p:nvPr>
+            <p:ph type="title"/>
+          </p:nvPr>
+        </p:nvSpPr>
+        <p:spPr>
+          <a:xfrm>
+            <a:off x="381000" y="457200"/>
+            <a:ext cx="7659687" cy="1168400"/>
+          </a:xfrm>
+        </p:spPr>
+        <p:txBody>
+          <a:bodyPr/>
+          <a:lstStyle/>
+          <a:p>
+            <a:r>
+              <a:rPr lang="en-US" dirty="0" smtClean="0"/>
+              <a:t>Use case – Apply – normal flow ☺</a:t>
+            </a:r>
+            <a:endParaRPr lang="en-US" dirty="0"/>
+          </a:p>
+        </p:txBody>
+      </p:sp>
+      <p:sp>
+        <p:nvSpPr>
+          <p:cNvPr id="2" name="Rectangle 2"/>
+          <p:cNvSpPr>
+            <a:spLocks noChangeArrowheads="1"/>
+          </p:cNvSpPr>
+          <p:nvPr/>
+        </p:nvSpPr>
+        <p:spPr bwMode="auto">
+          <a:xfrm>
+            <a:off x="0" y="0"/>
+            <a:ext cx="9144000" cy="0"/>
+          </a:xfrm>
+          <a:prstGeom prst="rect">
+            <a:avLst/>
+          </a:prstGeom>
+          <a:noFill/>
+          <a:ln>
+            <a:noFill/>
+          </a:ln>
+          <a:effectLst/>
+          <a:extLst>
+            <a:ext uri="{909E8E84-426E-40DD-AFC4-6F175D3DCCD1}">
+              <a14:hiddenFill xmlns:a14="http://schemas.microsoft.com/office/drawing/2010/main">
+                <a:solidFill>
+                  <a:schemeClr val="accent1"/>
+                </a:solidFill>
+              </a14:hiddenFill>
+            </a:ext>
+            <a:ext uri="{91240B29-F687-4F45-9708-019B960494DF}">
+              <a14:hiddenLine xmlns:a14="http://schemas.microsoft.com/office/drawing/2010/main" w="9525">
+                <a:solidFill>
+                  <a:schemeClr val="tx1"/>
+                </a:solidFill>
+                <a:miter lim="800000"/>
+                <a:headEnd/>
+                <a:tailEnd/>
+              </a14:hiddenLine>
+            </a:ext>
+            <a:ext uri="{AF507438-7753-43E0-B8FC-AC1667EBCBE1}">
+              <a14:hiddenEffects xmlns:a14="http://schemas.microsoft.com/office/drawing/2010/main">
+                <a:effectLst>
+                  <a:outerShdw dist="35921" dir="2700000" algn="ctr" rotWithShape="0">
+                    <a:schemeClr val="bg2"/>
+                  </a:outerShdw>
+                </a:effectLst>
+              </a14:hiddenEffects>
+            </a:ext>
+          </a:extLst>
+        </p:spPr>
+        <p:txBody>
+          <a:bodyPr vert="horz" wrap="none" lIns="91440" tIns="45720" rIns="91440" bIns="45720" numCol="1" anchor="ctr" anchorCtr="0" compatLnSpc="1">
+            <a:prstTxWarp prst="textNoShape">
+              <a:avLst/>
+            </a:prstTxWarp>
+            <a:spAutoFit/>
+          </a:bodyPr>
+          <a:lstStyle/>
+          <a:p>
+            <a:endParaRPr lang="en-US"/>
+          </a:p>
+        </p:txBody>
+      </p:sp>
+      <p:sp>
+        <p:nvSpPr>
+          <p:cNvPr id="5" name="Rectangle 2"/>
+          <p:cNvSpPr>
+            <a:spLocks noChangeArrowheads="1"/>
+          </p:cNvSpPr>
+          <p:nvPr/>
+        </p:nvSpPr>
+        <p:spPr bwMode="auto">
+          <a:xfrm>
+            <a:off x="0" y="0"/>
+            <a:ext cx="9144000" cy="0"/>
+          </a:xfrm>
+          <a:prstGeom prst="rect">
+            <a:avLst/>
+          </a:prstGeom>
+          <a:noFill/>
+          <a:ln>
+            <a:noFill/>
+          </a:ln>
+          <a:effectLst/>
+          <a:extLst>
+            <a:ext uri="{909E8E84-426E-40DD-AFC4-6F175D3DCCD1}">
+              <a14:hiddenFill xmlns:a14="http://schemas.microsoft.com/office/drawing/2010/main">
+                <a:solidFill>
+                  <a:schemeClr val="accent1"/>
+                </a:solidFill>
+              </a14:hiddenFill>
+            </a:ext>
+            <a:ext uri="{91240B29-F687-4F45-9708-019B960494DF}">
+              <a14:hiddenLine xmlns:a14="http://schemas.microsoft.com/office/drawing/2010/main" w="9525">
+                <a:solidFill>
+                  <a:schemeClr val="tx1"/>
+                </a:solidFill>
+                <a:miter lim="800000"/>
+                <a:headEnd/>
+                <a:tailEnd/>
+              </a14:hiddenLine>
+            </a:ext>
+            <a:ext uri="{AF507438-7753-43E0-B8FC-AC1667EBCBE1}">
+              <a14:hiddenEffects xmlns:a14="http://schemas.microsoft.com/office/drawing/2010/main">
+                <a:effectLst>
+                  <a:outerShdw dist="35921" dir="2700000" algn="ctr" rotWithShape="0">
+                    <a:schemeClr val="bg2"/>
+                  </a:outerShdw>
+                </a:effectLst>
+              </a14:hiddenEffects>
+            </a:ext>
+          </a:extLst>
+        </p:spPr>
+        <p:txBody>
+          <a:bodyPr vert="horz" wrap="none" lIns="91440" tIns="45720" rIns="91440" bIns="45720" numCol="1" anchor="ctr" anchorCtr="0" compatLnSpc="1">
+            <a:prstTxWarp prst="textNoShape">
+              <a:avLst/>
+            </a:prstTxWarp>
+            <a:spAutoFit/>
+          </a:bodyPr>
+          <a:lstStyle/>
+          <a:p>
+            <a:endParaRPr lang="en-US"/>
+          </a:p>
+        </p:txBody>
+      </p:sp>
+      <p:graphicFrame>
+        <p:nvGraphicFramePr>
+          <p:cNvPr id="6" name="Object 5"/>
+          <p:cNvGraphicFramePr>
+            <a:graphicFrameLocks noChangeAspect="1"/>
+          </p:cNvGraphicFramePr>
+          <p:nvPr>
+            <p:extLst>
+              <p:ext uri="{D42A27DB-BD31-4B8C-83A1-F6EECF244321}">
+                <p14:modId xmlns:p14="http://schemas.microsoft.com/office/powerpoint/2010/main" val="27570180"/>
+              </p:ext>
+            </p:extLst>
+          </p:nvPr>
+        </p:nvGraphicFramePr>
+        <p:xfrm>
+          <a:off x="1404937" y="1676400"/>
+          <a:ext cx="6334125" cy="2895600"/>
+        </p:xfrm>
+        <a:graphic>
+          <a:graphicData uri="http://schemas.openxmlformats.org/presentationml/2006/ole">
+            <mc:AlternateContent xmlns:mc="http://schemas.openxmlformats.org/markup-compatibility/2006">
+              <mc:Choice xmlns:v="urn:schemas-microsoft-com:vml" Requires="v">
+                <p:oleObj spid="_x0000_s6147" name="Visio" r:id="rId3" imgW="8277197" imgH="3152824" progId="Visio.Drawing.15">
+                  <p:embed/>
+                </p:oleObj>
+              </mc:Choice>
+              <mc:Fallback>
+                <p:oleObj name="Visio" r:id="rId3" imgW="8277197" imgH="3152824" progId="Visio.Drawing.15">
+                  <p:embed/>
+                  <p:pic>
+                    <p:nvPicPr>
+                      <p:cNvPr id="0" name="Object 1"/>
+                      <p:cNvPicPr>
+                        <a:picLocks noChangeAspect="1" noChangeArrowheads="1"/>
+                      </p:cNvPicPr>
+                      <p:nvPr/>
+                    </p:nvPicPr>
+                    <p:blipFill>
+                      <a:blip r:embed="rId4">
+                        <a:extLst>
+                          <a:ext uri="{28A0092B-C50C-407E-A947-70E740481C1C}">
+                            <a14:useLocalDpi xmlns:a14="http://schemas.microsoft.com/office/drawing/2010/main" val="0"/>
+                          </a:ext>
+                        </a:extLst>
+                      </a:blip>
+                      <a:srcRect/>
+                      <a:stretch>
+                        <a:fillRect/>
+                      </a:stretch>
+                    </p:blipFill>
+                    <p:spPr bwMode="auto">
+                      <a:xfrm>
+                        <a:off x="1404937" y="1676400"/>
+                        <a:ext cx="6334125" cy="2895600"/>
+                      </a:xfrm>
+                      <a:prstGeom prst="rect">
+                        <a:avLst/>
+                      </a:prstGeom>
+                      <a:noFill/>
+                    </p:spPr>
+                  </p:pic>
+                </p:oleObj>
+              </mc:Fallback>
+            </mc:AlternateContent>
+          </a:graphicData>
+        </a:graphic>
+      </p:graphicFrame>
+    </p:spTree>
+    <p:extLst>
+      <p:ext uri="{BB962C8B-B14F-4D97-AF65-F5344CB8AC3E}">
+        <p14:creationId xmlns:p14="http://schemas.microsoft.com/office/powerpoint/2010/main" val="1544613592"/>
+      </p:ext>
+    </p:extLst>
+  </p:cSld>
+  <p:clrMapOvr>
+    <a:masterClrMapping/>
+  </p:clrMapOvr>
+  <p:timing>
+    <p:tnLst>
+      <p:par>
+        <p:cTn id="1" dur="indefinite" restart="never" nodeType="tmRoot"/>
+      </p:par>
+    </p:tnLst>
+  </p:timing>
+</p:sld>
+</file>
+
+<file path=ppt/slides/slide18.xml><?xml version="1.0" encoding="utf-8"?>
+<p:sld xmlns:a="http://schemas.openxmlformats.org/drawingml/2006/main" xmlns:r="http://schemas.openxmlformats.org/officeDocument/2006/relationships" xmlns:p="http://schemas.openxmlformats.org/presentationml/2006/main">
+  <p:cSld>
+    <p:spTree>
+      <p:nvGrpSpPr>
+        <p:cNvPr id="1" name=""/>
+        <p:cNvGrpSpPr/>
+        <p:nvPr/>
+      </p:nvGrpSpPr>
+      <p:grpSpPr>
+        <a:xfrm>
+          <a:off x="0" y="0"/>
+          <a:ext cx="0" cy="0"/>
+          <a:chOff x="0" y="0"/>
+          <a:chExt cx="0" cy="0"/>
+        </a:xfrm>
+      </p:grpSpPr>
+      <p:sp>
+        <p:nvSpPr>
+          <p:cNvPr id="3" name="Text Placeholder 2"/>
+          <p:cNvSpPr>
+            <a:spLocks noGrp="1"/>
+          </p:cNvSpPr>
+          <p:nvPr>
+            <p:ph type="body" idx="1"/>
+          </p:nvPr>
+        </p:nvSpPr>
+        <p:spPr>
+          <a:xfrm>
+            <a:off x="533400" y="1295400"/>
+            <a:ext cx="7239000" cy="4419600"/>
+          </a:xfrm>
+        </p:spPr>
+        <p:txBody>
+          <a:bodyPr>
+            <a:normAutofit/>
+          </a:bodyPr>
+          <a:lstStyle/>
+          <a:p>
+            <a:r>
+              <a:rPr lang="en-US" sz="2200" dirty="0"/>
+              <a:t>	</a:t>
+            </a:r>
+            <a:endParaRPr lang="en-US" sz="2200" dirty="0" smtClean="0"/>
+          </a:p>
+          <a:p>
+            <a:endParaRPr lang="en-US" sz="4000" dirty="0"/>
+          </a:p>
+          <a:p>
+            <a:r>
+              <a:rPr lang="en-US" sz="4000" dirty="0" smtClean="0"/>
+              <a:t>	</a:t>
+            </a:r>
+            <a:endParaRPr lang="en-US" sz="4000" dirty="0"/>
+          </a:p>
+        </p:txBody>
+      </p:sp>
+      <p:sp>
+        <p:nvSpPr>
+          <p:cNvPr id="4" name="Title 3"/>
+          <p:cNvSpPr>
+            <a:spLocks noGrp="1"/>
+          </p:cNvSpPr>
+          <p:nvPr>
+            <p:ph type="title"/>
+          </p:nvPr>
+        </p:nvSpPr>
+        <p:spPr>
+          <a:xfrm>
+            <a:off x="381000" y="457200"/>
+            <a:ext cx="7659687" cy="1168400"/>
+          </a:xfrm>
+        </p:spPr>
+        <p:txBody>
+          <a:bodyPr/>
+          <a:lstStyle/>
+          <a:p>
+            <a:r>
+              <a:rPr lang="en-US" dirty="0" smtClean="0"/>
+              <a:t>Use case – Apply – exception</a:t>
+            </a:r>
+            <a:endParaRPr lang="en-US" dirty="0"/>
+          </a:p>
+        </p:txBody>
+      </p:sp>
+      <p:sp>
+        <p:nvSpPr>
+          <p:cNvPr id="2" name="Rectangle 2"/>
+          <p:cNvSpPr>
+            <a:spLocks noChangeArrowheads="1"/>
+          </p:cNvSpPr>
+          <p:nvPr/>
+        </p:nvSpPr>
+        <p:spPr bwMode="auto">
+          <a:xfrm>
+            <a:off x="0" y="0"/>
+            <a:ext cx="9144000" cy="0"/>
+          </a:xfrm>
+          <a:prstGeom prst="rect">
+            <a:avLst/>
+          </a:prstGeom>
+          <a:noFill/>
+          <a:ln>
+            <a:noFill/>
+          </a:ln>
+          <a:effectLst/>
+          <a:extLst>
+            <a:ext uri="{909E8E84-426E-40DD-AFC4-6F175D3DCCD1}">
+              <a14:hiddenFill xmlns:a14="http://schemas.microsoft.com/office/drawing/2010/main">
+                <a:solidFill>
+                  <a:schemeClr val="accent1"/>
+                </a:solidFill>
+              </a14:hiddenFill>
+            </a:ext>
+            <a:ext uri="{91240B29-F687-4F45-9708-019B960494DF}">
+              <a14:hiddenLine xmlns:a14="http://schemas.microsoft.com/office/drawing/2010/main" w="9525">
+                <a:solidFill>
+                  <a:schemeClr val="tx1"/>
+                </a:solidFill>
+                <a:miter lim="800000"/>
+                <a:headEnd/>
+                <a:tailEnd/>
+              </a14:hiddenLine>
+            </a:ext>
+            <a:ext uri="{AF507438-7753-43E0-B8FC-AC1667EBCBE1}">
+              <a14:hiddenEffects xmlns:a14="http://schemas.microsoft.com/office/drawing/2010/main">
+                <a:effectLst>
+                  <a:outerShdw dist="35921" dir="2700000" algn="ctr" rotWithShape="0">
+                    <a:schemeClr val="bg2"/>
+                  </a:outerShdw>
+                </a:effectLst>
+              </a14:hiddenEffects>
+            </a:ext>
+          </a:extLst>
+        </p:spPr>
+        <p:txBody>
+          <a:bodyPr vert="horz" wrap="none" lIns="91440" tIns="45720" rIns="91440" bIns="45720" numCol="1" anchor="ctr" anchorCtr="0" compatLnSpc="1">
+            <a:prstTxWarp prst="textNoShape">
+              <a:avLst/>
+            </a:prstTxWarp>
+            <a:spAutoFit/>
+          </a:bodyPr>
+          <a:lstStyle/>
+          <a:p>
+            <a:endParaRPr lang="en-US"/>
+          </a:p>
+        </p:txBody>
+      </p:sp>
+      <p:sp>
+        <p:nvSpPr>
+          <p:cNvPr id="5" name="Rectangle 2"/>
+          <p:cNvSpPr>
+            <a:spLocks noChangeArrowheads="1"/>
+          </p:cNvSpPr>
+          <p:nvPr/>
+        </p:nvSpPr>
+        <p:spPr bwMode="auto">
+          <a:xfrm>
+            <a:off x="0" y="0"/>
+            <a:ext cx="9144000" cy="0"/>
+          </a:xfrm>
+          <a:prstGeom prst="rect">
+            <a:avLst/>
+          </a:prstGeom>
+          <a:noFill/>
+          <a:ln>
+            <a:noFill/>
+          </a:ln>
+          <a:effectLst/>
+          <a:extLst>
+            <a:ext uri="{909E8E84-426E-40DD-AFC4-6F175D3DCCD1}">
+              <a14:hiddenFill xmlns:a14="http://schemas.microsoft.com/office/drawing/2010/main">
+                <a:solidFill>
+                  <a:schemeClr val="accent1"/>
+                </a:solidFill>
+              </a14:hiddenFill>
+            </a:ext>
+            <a:ext uri="{91240B29-F687-4F45-9708-019B960494DF}">
+              <a14:hiddenLine xmlns:a14="http://schemas.microsoft.com/office/drawing/2010/main" w="9525">
+                <a:solidFill>
+                  <a:schemeClr val="tx1"/>
+                </a:solidFill>
+                <a:miter lim="800000"/>
+                <a:headEnd/>
+                <a:tailEnd/>
+              </a14:hiddenLine>
+            </a:ext>
+            <a:ext uri="{AF507438-7753-43E0-B8FC-AC1667EBCBE1}">
+              <a14:hiddenEffects xmlns:a14="http://schemas.microsoft.com/office/drawing/2010/main">
+                <a:effectLst>
+                  <a:outerShdw dist="35921" dir="2700000" algn="ctr" rotWithShape="0">
+                    <a:schemeClr val="bg2"/>
+                  </a:outerShdw>
+                </a:effectLst>
+              </a14:hiddenEffects>
+            </a:ext>
+          </a:extLst>
+        </p:spPr>
+        <p:txBody>
+          <a:bodyPr vert="horz" wrap="none" lIns="91440" tIns="45720" rIns="91440" bIns="45720" numCol="1" anchor="ctr" anchorCtr="0" compatLnSpc="1">
+            <a:prstTxWarp prst="textNoShape">
+              <a:avLst/>
+            </a:prstTxWarp>
+            <a:spAutoFit/>
+          </a:bodyPr>
+          <a:lstStyle/>
+          <a:p>
+            <a:endParaRPr lang="en-US"/>
+          </a:p>
+        </p:txBody>
+      </p:sp>
+      <p:sp>
+        <p:nvSpPr>
+          <p:cNvPr id="7" name="Rectangle 2"/>
+          <p:cNvSpPr>
+            <a:spLocks noChangeArrowheads="1"/>
+          </p:cNvSpPr>
+          <p:nvPr/>
+        </p:nvSpPr>
+        <p:spPr bwMode="auto">
+          <a:xfrm>
+            <a:off x="0" y="0"/>
+            <a:ext cx="9144000" cy="0"/>
+          </a:xfrm>
+          <a:prstGeom prst="rect">
+            <a:avLst/>
+          </a:prstGeom>
+          <a:noFill/>
+          <a:ln>
+            <a:noFill/>
+          </a:ln>
+          <a:effectLst/>
+          <a:extLst>
+            <a:ext uri="{909E8E84-426E-40DD-AFC4-6F175D3DCCD1}">
+              <a14:hiddenFill xmlns:a14="http://schemas.microsoft.com/office/drawing/2010/main">
+                <a:solidFill>
+                  <a:schemeClr val="accent1"/>
+                </a:solidFill>
+              </a14:hiddenFill>
+            </a:ext>
+            <a:ext uri="{91240B29-F687-4F45-9708-019B960494DF}">
+              <a14:hiddenLine xmlns:a14="http://schemas.microsoft.com/office/drawing/2010/main" w="9525">
+                <a:solidFill>
+                  <a:schemeClr val="tx1"/>
+                </a:solidFill>
+                <a:miter lim="800000"/>
+                <a:headEnd/>
+                <a:tailEnd/>
+              </a14:hiddenLine>
+            </a:ext>
+            <a:ext uri="{AF507438-7753-43E0-B8FC-AC1667EBCBE1}">
+              <a14:hiddenEffects xmlns:a14="http://schemas.microsoft.com/office/drawing/2010/main">
+                <a:effectLst>
+                  <a:outerShdw dist="35921" dir="2700000" algn="ctr" rotWithShape="0">
+                    <a:schemeClr val="bg2"/>
+                  </a:outerShdw>
+                </a:effectLst>
+              </a14:hiddenEffects>
+            </a:ext>
+          </a:extLst>
+        </p:spPr>
+        <p:txBody>
+          <a:bodyPr vert="horz" wrap="none" lIns="91440" tIns="45720" rIns="91440" bIns="45720" numCol="1" anchor="ctr" anchorCtr="0" compatLnSpc="1">
+            <a:prstTxWarp prst="textNoShape">
+              <a:avLst/>
+            </a:prstTxWarp>
+            <a:spAutoFit/>
+          </a:bodyPr>
+          <a:lstStyle/>
+          <a:p>
+            <a:endParaRPr lang="en-US"/>
+          </a:p>
+        </p:txBody>
+      </p:sp>
+      <p:graphicFrame>
+        <p:nvGraphicFramePr>
+          <p:cNvPr id="8" name="Object 7"/>
+          <p:cNvGraphicFramePr>
+            <a:graphicFrameLocks noChangeAspect="1"/>
+          </p:cNvGraphicFramePr>
+          <p:nvPr>
+            <p:extLst>
+              <p:ext uri="{D42A27DB-BD31-4B8C-83A1-F6EECF244321}">
+                <p14:modId xmlns:p14="http://schemas.microsoft.com/office/powerpoint/2010/main" val="2430908336"/>
+              </p:ext>
+            </p:extLst>
+          </p:nvPr>
+        </p:nvGraphicFramePr>
+        <p:xfrm>
+          <a:off x="609600" y="1600200"/>
+          <a:ext cx="7696200" cy="3657600"/>
+        </p:xfrm>
+        <a:graphic>
+          <a:graphicData uri="http://schemas.openxmlformats.org/presentationml/2006/ole">
+            <mc:AlternateContent xmlns:mc="http://schemas.openxmlformats.org/markup-compatibility/2006">
+              <mc:Choice xmlns:v="urn:schemas-microsoft-com:vml" Requires="v">
+                <p:oleObj spid="_x0000_s7171" name="Visio" r:id="rId3" imgW="8458327" imgH="3876786" progId="Visio.Drawing.15">
+                  <p:embed/>
+                </p:oleObj>
+              </mc:Choice>
+              <mc:Fallback>
+                <p:oleObj name="Visio" r:id="rId3" imgW="8458327" imgH="3876786" progId="Visio.Drawing.15">
+                  <p:embed/>
+                  <p:pic>
+                    <p:nvPicPr>
+                      <p:cNvPr id="0" name="Object 1"/>
+                      <p:cNvPicPr>
+                        <a:picLocks noChangeAspect="1" noChangeArrowheads="1"/>
+                      </p:cNvPicPr>
+                      <p:nvPr/>
+                    </p:nvPicPr>
+                    <p:blipFill>
+                      <a:blip r:embed="rId4">
+                        <a:extLst>
+                          <a:ext uri="{28A0092B-C50C-407E-A947-70E740481C1C}">
+                            <a14:useLocalDpi xmlns:a14="http://schemas.microsoft.com/office/drawing/2010/main" val="0"/>
+                          </a:ext>
+                        </a:extLst>
+                      </a:blip>
+                      <a:srcRect/>
+                      <a:stretch>
+                        <a:fillRect/>
+                      </a:stretch>
+                    </p:blipFill>
+                    <p:spPr bwMode="auto">
+                      <a:xfrm>
+                        <a:off x="609600" y="1600200"/>
+                        <a:ext cx="7696200" cy="3657600"/>
+                      </a:xfrm>
+                      <a:prstGeom prst="rect">
+                        <a:avLst/>
+                      </a:prstGeom>
+                      <a:noFill/>
+                    </p:spPr>
+                  </p:pic>
+                </p:oleObj>
+              </mc:Fallback>
+            </mc:AlternateContent>
+          </a:graphicData>
+        </a:graphic>
+      </p:graphicFrame>
+    </p:spTree>
+    <p:extLst>
+      <p:ext uri="{BB962C8B-B14F-4D97-AF65-F5344CB8AC3E}">
+        <p14:creationId xmlns:p14="http://schemas.microsoft.com/office/powerpoint/2010/main" val="2403176887"/>
+      </p:ext>
+    </p:extLst>
+  </p:cSld>
+  <p:clrMapOvr>
+    <a:masterClrMapping/>
+  </p:clrMapOvr>
+  <p:timing>
+    <p:tnLst>
+      <p:par>
+        <p:cTn id="1" dur="indefinite" restart="never" nodeType="tmRoot"/>
+      </p:par>
+    </p:tnLst>
+  </p:timing>
+</p:sld>
+</file>
+
+<file path=ppt/slides/slide19.xml><?xml version="1.0" encoding="utf-8"?>
+<p:sld xmlns:a="http://schemas.openxmlformats.org/drawingml/2006/main" xmlns:r="http://schemas.openxmlformats.org/officeDocument/2006/relationships" xmlns:p="http://schemas.openxmlformats.org/presentationml/2006/main">
+  <p:cSld>
+    <p:spTree>
+      <p:nvGrpSpPr>
+        <p:cNvPr id="1" name=""/>
+        <p:cNvGrpSpPr/>
+        <p:nvPr/>
+      </p:nvGrpSpPr>
+      <p:grpSpPr>
+        <a:xfrm>
+          <a:off x="0" y="0"/>
+          <a:ext cx="0" cy="0"/>
+          <a:chOff x="0" y="0"/>
+          <a:chExt cx="0" cy="0"/>
+        </a:xfrm>
+      </p:grpSpPr>
+      <p:sp>
+        <p:nvSpPr>
+          <p:cNvPr id="3" name="Text Placeholder 2"/>
+          <p:cNvSpPr>
+            <a:spLocks noGrp="1"/>
+          </p:cNvSpPr>
+          <p:nvPr>
+            <p:ph type="body" idx="1"/>
+          </p:nvPr>
+        </p:nvSpPr>
+        <p:spPr>
+          <a:xfrm>
+            <a:off x="533400" y="1295400"/>
+            <a:ext cx="7239000" cy="4419600"/>
+          </a:xfrm>
+        </p:spPr>
+        <p:txBody>
+          <a:bodyPr>
+            <a:normAutofit/>
+          </a:bodyPr>
+          <a:lstStyle/>
+          <a:p>
+            <a:r>
+              <a:rPr lang="en-US" sz="2200" dirty="0"/>
+              <a:t>	</a:t>
+            </a:r>
+            <a:endParaRPr lang="en-US" sz="2200" dirty="0" smtClean="0"/>
+          </a:p>
+          <a:p>
+            <a:endParaRPr lang="en-US" sz="4000" dirty="0"/>
+          </a:p>
+          <a:p>
+            <a:r>
+              <a:rPr lang="en-US" sz="4000" dirty="0" smtClean="0"/>
+              <a:t>	</a:t>
+            </a:r>
+            <a:endParaRPr lang="en-US" sz="4000" dirty="0"/>
+          </a:p>
+        </p:txBody>
+      </p:sp>
+      <p:sp>
+        <p:nvSpPr>
+          <p:cNvPr id="4" name="Title 3"/>
+          <p:cNvSpPr>
+            <a:spLocks noGrp="1"/>
+          </p:cNvSpPr>
+          <p:nvPr>
+            <p:ph type="title"/>
+          </p:nvPr>
+        </p:nvSpPr>
+        <p:spPr>
+          <a:xfrm>
+            <a:off x="381000" y="457200"/>
+            <a:ext cx="7659687" cy="1168400"/>
+          </a:xfrm>
+        </p:spPr>
+        <p:txBody>
+          <a:bodyPr/>
+          <a:lstStyle/>
+          <a:p>
+            <a:r>
+              <a:rPr lang="en-US" dirty="0" smtClean="0"/>
+              <a:t>Database design</a:t>
+            </a:r>
+            <a:endParaRPr lang="en-US" dirty="0"/>
+          </a:p>
+        </p:txBody>
+      </p:sp>
+      <p:sp>
+        <p:nvSpPr>
+          <p:cNvPr id="2" name="Rectangle 2"/>
+          <p:cNvSpPr>
+            <a:spLocks noChangeArrowheads="1"/>
+          </p:cNvSpPr>
+          <p:nvPr/>
+        </p:nvSpPr>
+        <p:spPr bwMode="auto">
+          <a:xfrm>
+            <a:off x="0" y="0"/>
+            <a:ext cx="9144000" cy="0"/>
+          </a:xfrm>
+          <a:prstGeom prst="rect">
+            <a:avLst/>
+          </a:prstGeom>
+          <a:noFill/>
+          <a:ln>
+            <a:noFill/>
+          </a:ln>
+          <a:effectLst/>
+          <a:extLst>
+            <a:ext uri="{909E8E84-426E-40DD-AFC4-6F175D3DCCD1}">
+              <a14:hiddenFill xmlns:a14="http://schemas.microsoft.com/office/drawing/2010/main">
+                <a:solidFill>
+                  <a:schemeClr val="accent1"/>
+                </a:solidFill>
+              </a14:hiddenFill>
+            </a:ext>
+            <a:ext uri="{91240B29-F687-4F45-9708-019B960494DF}">
+              <a14:hiddenLine xmlns:a14="http://schemas.microsoft.com/office/drawing/2010/main" w="9525">
+                <a:solidFill>
+                  <a:schemeClr val="tx1"/>
+                </a:solidFill>
+                <a:miter lim="800000"/>
+                <a:headEnd/>
+                <a:tailEnd/>
+              </a14:hiddenLine>
+            </a:ext>
+            <a:ext uri="{AF507438-7753-43E0-B8FC-AC1667EBCBE1}">
+              <a14:hiddenEffects xmlns:a14="http://schemas.microsoft.com/office/drawing/2010/main">
+                <a:effectLst>
+                  <a:outerShdw dist="35921" dir="2700000" algn="ctr" rotWithShape="0">
+                    <a:schemeClr val="bg2"/>
+                  </a:outerShdw>
+                </a:effectLst>
+              </a14:hiddenEffects>
+            </a:ext>
+          </a:extLst>
+        </p:spPr>
+        <p:txBody>
+          <a:bodyPr vert="horz" wrap="none" lIns="91440" tIns="45720" rIns="91440" bIns="45720" numCol="1" anchor="ctr" anchorCtr="0" compatLnSpc="1">
+            <a:prstTxWarp prst="textNoShape">
+              <a:avLst/>
+            </a:prstTxWarp>
+            <a:spAutoFit/>
+          </a:bodyPr>
+          <a:lstStyle/>
+          <a:p>
+            <a:endParaRPr lang="en-US"/>
+          </a:p>
+        </p:txBody>
+      </p:sp>
+      <p:sp>
+        <p:nvSpPr>
+          <p:cNvPr id="5" name="Rectangle 2"/>
+          <p:cNvSpPr>
+            <a:spLocks noChangeArrowheads="1"/>
+          </p:cNvSpPr>
+          <p:nvPr/>
+        </p:nvSpPr>
+        <p:spPr bwMode="auto">
+          <a:xfrm>
+            <a:off x="0" y="0"/>
+            <a:ext cx="9144000" cy="0"/>
+          </a:xfrm>
+          <a:prstGeom prst="rect">
+            <a:avLst/>
+          </a:prstGeom>
+          <a:noFill/>
+          <a:ln>
+            <a:noFill/>
+          </a:ln>
+          <a:effectLst/>
+          <a:extLst>
+            <a:ext uri="{909E8E84-426E-40DD-AFC4-6F175D3DCCD1}">
+              <a14:hiddenFill xmlns:a14="http://schemas.microsoft.com/office/drawing/2010/main">
+                <a:solidFill>
+                  <a:schemeClr val="accent1"/>
+                </a:solidFill>
+              </a14:hiddenFill>
+            </a:ext>
+            <a:ext uri="{91240B29-F687-4F45-9708-019B960494DF}">
+              <a14:hiddenLine xmlns:a14="http://schemas.microsoft.com/office/drawing/2010/main" w="9525">
+                <a:solidFill>
+                  <a:schemeClr val="tx1"/>
+                </a:solidFill>
+                <a:miter lim="800000"/>
+                <a:headEnd/>
+                <a:tailEnd/>
+              </a14:hiddenLine>
+            </a:ext>
+            <a:ext uri="{AF507438-7753-43E0-B8FC-AC1667EBCBE1}">
+              <a14:hiddenEffects xmlns:a14="http://schemas.microsoft.com/office/drawing/2010/main">
+                <a:effectLst>
+                  <a:outerShdw dist="35921" dir="2700000" algn="ctr" rotWithShape="0">
+                    <a:schemeClr val="bg2"/>
+                  </a:outerShdw>
+                </a:effectLst>
+              </a14:hiddenEffects>
+            </a:ext>
+          </a:extLst>
+        </p:spPr>
+        <p:txBody>
+          <a:bodyPr vert="horz" wrap="none" lIns="91440" tIns="45720" rIns="91440" bIns="45720" numCol="1" anchor="ctr" anchorCtr="0" compatLnSpc="1">
+            <a:prstTxWarp prst="textNoShape">
+              <a:avLst/>
+            </a:prstTxWarp>
+            <a:spAutoFit/>
+          </a:bodyPr>
+          <a:lstStyle/>
+          <a:p>
+            <a:endParaRPr lang="en-US"/>
+          </a:p>
+        </p:txBody>
+      </p:sp>
+      <p:sp>
+        <p:nvSpPr>
+          <p:cNvPr id="7" name="Rectangle 2"/>
+          <p:cNvSpPr>
+            <a:spLocks noChangeArrowheads="1"/>
+          </p:cNvSpPr>
+          <p:nvPr/>
+        </p:nvSpPr>
+        <p:spPr bwMode="auto">
+          <a:xfrm>
+            <a:off x="0" y="0"/>
+            <a:ext cx="9144000" cy="0"/>
+          </a:xfrm>
+          <a:prstGeom prst="rect">
+            <a:avLst/>
+          </a:prstGeom>
+          <a:noFill/>
+          <a:ln>
+            <a:noFill/>
+          </a:ln>
+          <a:effectLst/>
+          <a:extLst>
+            <a:ext uri="{909E8E84-426E-40DD-AFC4-6F175D3DCCD1}">
+              <a14:hiddenFill xmlns:a14="http://schemas.microsoft.com/office/drawing/2010/main">
+                <a:solidFill>
+                  <a:schemeClr val="accent1"/>
+                </a:solidFill>
+              </a14:hiddenFill>
+            </a:ext>
+            <a:ext uri="{91240B29-F687-4F45-9708-019B960494DF}">
+              <a14:hiddenLine xmlns:a14="http://schemas.microsoft.com/office/drawing/2010/main" w="9525">
+                <a:solidFill>
+                  <a:schemeClr val="tx1"/>
+                </a:solidFill>
+                <a:miter lim="800000"/>
+                <a:headEnd/>
+                <a:tailEnd/>
+              </a14:hiddenLine>
+            </a:ext>
+            <a:ext uri="{AF507438-7753-43E0-B8FC-AC1667EBCBE1}">
+              <a14:hiddenEffects xmlns:a14="http://schemas.microsoft.com/office/drawing/2010/main">
+                <a:effectLst>
+                  <a:outerShdw dist="35921" dir="2700000" algn="ctr" rotWithShape="0">
+                    <a:schemeClr val="bg2"/>
+                  </a:outerShdw>
+                </a:effectLst>
+              </a14:hiddenEffects>
+            </a:ext>
+          </a:extLst>
+        </p:spPr>
+        <p:txBody>
+          <a:bodyPr vert="horz" wrap="none" lIns="91440" tIns="45720" rIns="91440" bIns="45720" numCol="1" anchor="ctr" anchorCtr="0" compatLnSpc="1">
+            <a:prstTxWarp prst="textNoShape">
+              <a:avLst/>
+            </a:prstTxWarp>
+            <a:spAutoFit/>
+          </a:bodyPr>
+          <a:lstStyle/>
+          <a:p>
+            <a:endParaRPr lang="en-US"/>
+          </a:p>
+        </p:txBody>
+      </p:sp>
+      <p:sp>
+        <p:nvSpPr>
+          <p:cNvPr id="6" name="Rectangle 2"/>
+          <p:cNvSpPr>
+            <a:spLocks noChangeArrowheads="1"/>
+          </p:cNvSpPr>
+          <p:nvPr/>
+        </p:nvSpPr>
+        <p:spPr bwMode="auto">
+          <a:xfrm>
+            <a:off x="0" y="0"/>
+            <a:ext cx="9144000" cy="0"/>
+          </a:xfrm>
+          <a:prstGeom prst="rect">
+            <a:avLst/>
+          </a:prstGeom>
+          <a:noFill/>
+          <a:ln>
+            <a:noFill/>
+          </a:ln>
+          <a:effectLst/>
+          <a:extLst>
+            <a:ext uri="{909E8E84-426E-40DD-AFC4-6F175D3DCCD1}">
+              <a14:hiddenFill xmlns:a14="http://schemas.microsoft.com/office/drawing/2010/main">
+                <a:solidFill>
+                  <a:schemeClr val="accent1"/>
+                </a:solidFill>
+              </a14:hiddenFill>
+            </a:ext>
+            <a:ext uri="{91240B29-F687-4F45-9708-019B960494DF}">
+              <a14:hiddenLine xmlns:a14="http://schemas.microsoft.com/office/drawing/2010/main" w="9525">
+                <a:solidFill>
+                  <a:schemeClr val="tx1"/>
+                </a:solidFill>
+                <a:miter lim="800000"/>
+                <a:headEnd/>
+                <a:tailEnd/>
+              </a14:hiddenLine>
+            </a:ext>
+            <a:ext uri="{AF507438-7753-43E0-B8FC-AC1667EBCBE1}">
+              <a14:hiddenEffects xmlns:a14="http://schemas.microsoft.com/office/drawing/2010/main">
+                <a:effectLst>
+                  <a:outerShdw dist="35921" dir="2700000" algn="ctr" rotWithShape="0">
+                    <a:schemeClr val="bg2"/>
+                  </a:outerShdw>
+                </a:effectLst>
+              </a14:hiddenEffects>
+            </a:ext>
+          </a:extLst>
+        </p:spPr>
+        <p:txBody>
+          <a:bodyPr vert="horz" wrap="none" lIns="91440" tIns="45720" rIns="91440" bIns="45720" numCol="1" anchor="ctr" anchorCtr="0" compatLnSpc="1">
+            <a:prstTxWarp prst="textNoShape">
+              <a:avLst/>
+            </a:prstTxWarp>
+            <a:spAutoFit/>
+          </a:bodyPr>
+          <a:lstStyle/>
+          <a:p>
+            <a:endParaRPr lang="en-US"/>
+          </a:p>
+        </p:txBody>
+      </p:sp>
+      <p:graphicFrame>
+        <p:nvGraphicFramePr>
+          <p:cNvPr id="9" name="Object 8"/>
+          <p:cNvGraphicFramePr>
+            <a:graphicFrameLocks noChangeAspect="1"/>
+          </p:cNvGraphicFramePr>
+          <p:nvPr>
+            <p:extLst>
+              <p:ext uri="{D42A27DB-BD31-4B8C-83A1-F6EECF244321}">
+                <p14:modId xmlns:p14="http://schemas.microsoft.com/office/powerpoint/2010/main" val="3791207940"/>
+              </p:ext>
+            </p:extLst>
+          </p:nvPr>
+        </p:nvGraphicFramePr>
+        <p:xfrm>
+          <a:off x="533400" y="1219200"/>
+          <a:ext cx="7239000" cy="5105400"/>
+        </p:xfrm>
+        <a:graphic>
+          <a:graphicData uri="http://schemas.openxmlformats.org/presentationml/2006/ole">
+            <mc:AlternateContent xmlns:mc="http://schemas.openxmlformats.org/markup-compatibility/2006">
+              <mc:Choice xmlns:v="urn:schemas-microsoft-com:vml" Requires="v">
+                <p:oleObj spid="_x0000_s8195" name="Visio" r:id="rId3" imgW="6200812" imgH="5143584" progId="Visio.Drawing.15">
+                  <p:embed/>
+                </p:oleObj>
+              </mc:Choice>
+              <mc:Fallback>
+                <p:oleObj name="Visio" r:id="rId3" imgW="6200812" imgH="5143584" progId="Visio.Drawing.15">
+                  <p:embed/>
+                  <p:pic>
+                    <p:nvPicPr>
+                      <p:cNvPr id="0" name="Object 1"/>
+                      <p:cNvPicPr>
+                        <a:picLocks noChangeAspect="1" noChangeArrowheads="1"/>
+                      </p:cNvPicPr>
+                      <p:nvPr/>
+                    </p:nvPicPr>
+                    <p:blipFill>
+                      <a:blip r:embed="rId4">
+                        <a:extLst>
+                          <a:ext uri="{28A0092B-C50C-407E-A947-70E740481C1C}">
+                            <a14:useLocalDpi xmlns:a14="http://schemas.microsoft.com/office/drawing/2010/main" val="0"/>
+                          </a:ext>
+                        </a:extLst>
+                      </a:blip>
+                      <a:srcRect/>
+                      <a:stretch>
+                        <a:fillRect/>
+                      </a:stretch>
+                    </p:blipFill>
+                    <p:spPr bwMode="auto">
+                      <a:xfrm>
+                        <a:off x="533400" y="1219200"/>
+                        <a:ext cx="7239000" cy="5105400"/>
+                      </a:xfrm>
+                      <a:prstGeom prst="rect">
+                        <a:avLst/>
+                      </a:prstGeom>
+                      <a:noFill/>
+                    </p:spPr>
+                  </p:pic>
+                </p:oleObj>
+              </mc:Fallback>
+            </mc:AlternateContent>
+          </a:graphicData>
+        </a:graphic>
+      </p:graphicFrame>
+    </p:spTree>
+    <p:extLst>
+      <p:ext uri="{BB962C8B-B14F-4D97-AF65-F5344CB8AC3E}">
+        <p14:creationId xmlns:p14="http://schemas.microsoft.com/office/powerpoint/2010/main" val="49059819"/>
+      </p:ext>
+    </p:extLst>
+  </p:cSld>
+  <p:clrMapOvr>
+    <a:masterClrMapping/>
+  </p:clrMapOvr>
+  <p:timing>
+    <p:tnLst>
+      <p:par>
+        <p:cTn id="1" dur="indefinite" restart="never" nodeType="tmRoot"/>
+      </p:par>
+    </p:tnLst>
+  </p:timing>
+</p:sld>
+</file>
+
 <file path=ppt/slides/slide2.xml><?xml version="1.0" encoding="utf-8"?>
 <p:sld xmlns:a="http://schemas.openxmlformats.org/drawingml/2006/main" xmlns:r="http://schemas.openxmlformats.org/officeDocument/2006/relationships" xmlns:p="http://schemas.openxmlformats.org/presentationml/2006/main">
   <p:cSld>
@@ -4051,6 +5961,74 @@
     <p:extLst>
       <p:ext uri="{BB962C8B-B14F-4D97-AF65-F5344CB8AC3E}">
         <p14:creationId xmlns:p14="http://schemas.microsoft.com/office/powerpoint/2010/main" val="2847966912"/>
+      </p:ext>
+    </p:extLst>
+  </p:cSld>
+  <p:clrMapOvr>
+    <a:masterClrMapping/>
+  </p:clrMapOvr>
+</p:sld>
+</file>
+
+<file path=ppt/slides/slide20.xml><?xml version="1.0" encoding="utf-8"?>
+<p:sld xmlns:a="http://schemas.openxmlformats.org/drawingml/2006/main" xmlns:r="http://schemas.openxmlformats.org/officeDocument/2006/relationships" xmlns:p="http://schemas.openxmlformats.org/presentationml/2006/main">
+  <p:cSld>
+    <p:spTree>
+      <p:nvGrpSpPr>
+        <p:cNvPr id="1" name=""/>
+        <p:cNvGrpSpPr/>
+        <p:nvPr/>
+      </p:nvGrpSpPr>
+      <p:grpSpPr>
+        <a:xfrm>
+          <a:off x="0" y="0"/>
+          <a:ext cx="0" cy="0"/>
+          <a:chOff x="0" y="0"/>
+          <a:chExt cx="0" cy="0"/>
+        </a:xfrm>
+      </p:grpSpPr>
+      <p:sp>
+        <p:nvSpPr>
+          <p:cNvPr id="2" name="Title 1"/>
+          <p:cNvSpPr>
+            <a:spLocks noGrp="1"/>
+          </p:cNvSpPr>
+          <p:nvPr>
+            <p:ph type="title"/>
+          </p:nvPr>
+        </p:nvSpPr>
+        <p:spPr/>
+        <p:txBody>
+          <a:bodyPr/>
+          <a:lstStyle/>
+          <a:p>
+            <a:endParaRPr lang="en-US"/>
+          </a:p>
+        </p:txBody>
+      </p:sp>
+      <p:sp>
+        <p:nvSpPr>
+          <p:cNvPr id="3" name="Text Placeholder 2"/>
+          <p:cNvSpPr>
+            <a:spLocks noGrp="1"/>
+          </p:cNvSpPr>
+          <p:nvPr>
+            <p:ph type="body" idx="1"/>
+          </p:nvPr>
+        </p:nvSpPr>
+        <p:spPr/>
+        <p:txBody>
+          <a:bodyPr/>
+          <a:lstStyle/>
+          <a:p>
+            <a:endParaRPr lang="en-US"/>
+          </a:p>
+        </p:txBody>
+      </p:sp>
+    </p:spTree>
+    <p:extLst>
+      <p:ext uri="{BB962C8B-B14F-4D97-AF65-F5344CB8AC3E}">
+        <p14:creationId xmlns:p14="http://schemas.microsoft.com/office/powerpoint/2010/main" val="2635085487"/>
       </p:ext>
     </p:extLst>
   </p:cSld>
@@ -4185,10 +6163,10 @@
           <a:lstStyle/>
           <a:p>
             <a:r>
-              <a:rPr lang="en-US" smtClean="0"/>
-              <a:t>Purpose &amp; Scope</a:t>
-            </a:r>
-            <a:endParaRPr lang="en-US"/>
+              <a:rPr lang="en-US" dirty="0" smtClean="0"/>
+              <a:t>Purpose</a:t>
+            </a:r>
+            <a:endParaRPr lang="en-US" dirty="0"/>
           </a:p>
         </p:txBody>
       </p:sp>
@@ -4207,7 +6185,66 @@
           <a:bodyPr/>
           <a:lstStyle/>
           <a:p>
-            <a:endParaRPr lang="en-US"/>
+            <a:r>
+              <a:rPr lang="en-US" dirty="0"/>
+              <a:t>P</a:t>
+            </a:r>
+            <a:r>
+              <a:rPr lang="en-US" dirty="0" smtClean="0"/>
+              <a:t>rovide </a:t>
+            </a:r>
+            <a:r>
+              <a:rPr lang="en-US" dirty="0"/>
+              <a:t>a detailed description of the </a:t>
+            </a:r>
+            <a:endParaRPr lang="en-US" dirty="0" smtClean="0"/>
+          </a:p>
+          <a:p>
+            <a:pPr lvl="1"/>
+            <a:r>
+              <a:rPr lang="en-US" dirty="0"/>
+              <a:t>D</a:t>
+            </a:r>
+            <a:r>
+              <a:rPr lang="en-US" dirty="0" smtClean="0"/>
+              <a:t>esign framework</a:t>
+            </a:r>
+          </a:p>
+          <a:p>
+            <a:pPr lvl="1"/>
+            <a:r>
+              <a:rPr lang="en-US" dirty="0" smtClean="0"/>
+              <a:t>Software and hardware architecture</a:t>
+            </a:r>
+          </a:p>
+          <a:p>
+            <a:pPr lvl="1"/>
+            <a:r>
+              <a:rPr lang="en-US" dirty="0" smtClean="0"/>
+              <a:t>Security and Communication architecture</a:t>
+            </a:r>
+          </a:p>
+          <a:p>
+            <a:pPr lvl="1"/>
+            <a:r>
+              <a:rPr lang="en-US" dirty="0" smtClean="0"/>
+              <a:t>Database Design</a:t>
+            </a:r>
+          </a:p>
+          <a:p>
+            <a:pPr lvl="1"/>
+            <a:r>
+              <a:rPr lang="en-US" dirty="0" smtClean="0"/>
+              <a:t>Use cases</a:t>
+            </a:r>
+          </a:p>
+          <a:p>
+            <a:pPr lvl="1"/>
+            <a:r>
+              <a:rPr lang="en-US" dirty="0" smtClean="0"/>
+              <a:t>Sequence Diagrams</a:t>
+            </a:r>
+            <a:endParaRPr lang="en-US" dirty="0"/>
           </a:p>
         </p:txBody>
       </p:sp>
@@ -4258,11 +6295,7 @@
           <a:p>
             <a:r>
               <a:rPr lang="en-US"/>
-              <a:t>Definitions</a:t>
-            </a:r>
-            <a:r>
-              <a:rPr lang="en-US"/>
-              <a:t>, </a:t>
+              <a:t>Definitions, </a:t>
             </a:r>
             <a:r>
               <a:rPr lang="en-US" smtClean="0"/>
@@ -4457,11 +6490,7 @@
             </a:r>
             <a:r>
               <a:rPr lang="en-US"/>
-              <a:t>–Machine that will host the web application as well as </a:t>
-            </a:r>
-            <a:r>
-              <a:rPr lang="en-US"/>
-              <a:t>database</a:t>
+              <a:t>–Machine that will host the web application as well as database</a:t>
             </a:r>
             <a:r>
               <a:rPr lang="en-US" smtClean="0"/>
@@ -4511,44 +6540,26 @@
             <p:ph type="title"/>
           </p:nvPr>
         </p:nvSpPr>
-        <p:spPr>
-          <a:xfrm>
-            <a:off x="533400" y="2514600"/>
-            <a:ext cx="7659687" cy="1168400"/>
-          </a:xfrm>
-        </p:spPr>
+        <p:spPr/>
         <p:txBody>
           <a:bodyPr/>
           <a:lstStyle/>
           <a:p>
-            <a:r>
-              <a:rPr lang="en-US" b="1" smtClean="0"/>
-              <a:t>Assumptions, Constraints, &amp; </a:t>
-            </a:r>
-            <a:r>
-              <a:rPr lang="en-US" b="1"/>
-              <a:t>Standards</a:t>
-            </a:r>
-            <a:endParaRPr lang="en-US" b="1"/>
-          </a:p>
-        </p:txBody>
-      </p:sp>
-      <p:sp>
-        <p:nvSpPr>
-          <p:cNvPr id="3" name="Text Placeholder 2"/>
-          <p:cNvSpPr>
-            <a:spLocks noGrp="1"/>
-          </p:cNvSpPr>
-          <p:nvPr>
-            <p:ph type="body" idx="1"/>
-          </p:nvPr>
-        </p:nvSpPr>
-        <p:spPr>
-          <a:xfrm>
-            <a:off x="533400" y="838200"/>
-            <a:ext cx="6135687" cy="1633538"/>
-          </a:xfrm>
-        </p:spPr>
+            <a:endParaRPr lang="en-US" dirty="0"/>
+          </a:p>
+        </p:txBody>
+      </p:sp>
+      <p:sp>
+        <p:nvSpPr>
+          <p:cNvPr id="3" name="Content Placeholder 2"/>
+          <p:cNvSpPr>
+            <a:spLocks noGrp="1"/>
+          </p:cNvSpPr>
+          <p:nvPr>
+            <p:ph idx="1"/>
+          </p:nvPr>
+        </p:nvSpPr>
+        <p:spPr/>
         <p:txBody>
           <a:bodyPr>
             <a:normAutofit/>
@@ -4556,21 +6567,87 @@
           <a:lstStyle/>
           <a:p>
             <a:r>
-              <a:rPr lang="en-US" sz="4000"/>
-              <a:t>2</a:t>
-            </a:r>
-            <a:r>
-              <a:rPr lang="en-US" sz="4000" smtClean="0"/>
-              <a:t>.</a:t>
-            </a:r>
-            <a:endParaRPr lang="en-US" sz="4000"/>
+              <a:rPr lang="en-US" sz="3000" dirty="0" smtClean="0"/>
+              <a:t>Constraints</a:t>
+            </a:r>
+            <a:r>
+              <a:rPr lang="en-US" dirty="0" smtClean="0"/>
+              <a:t>		</a:t>
+            </a:r>
+          </a:p>
+          <a:p>
+            <a:pPr lvl="1"/>
+            <a:r>
+              <a:rPr lang="en-US" dirty="0" smtClean="0"/>
+              <a:t>UI based </a:t>
+            </a:r>
+            <a:r>
+              <a:rPr lang="en-US" dirty="0"/>
+              <a:t>on the type of device used</a:t>
+            </a:r>
+            <a:endParaRPr lang="en-US" dirty="0" smtClean="0"/>
+          </a:p>
+          <a:p>
+            <a:pPr lvl="1"/>
+            <a:r>
+              <a:rPr lang="en-US" dirty="0" smtClean="0"/>
+              <a:t>Required modern </a:t>
+            </a:r>
+            <a:r>
+              <a:rPr lang="en-US" dirty="0"/>
+              <a:t>internet browser such as Safari, Google Chrome, or Internet </a:t>
+            </a:r>
+            <a:r>
+              <a:rPr lang="en-US" dirty="0" smtClean="0"/>
+              <a:t>Explorer.</a:t>
+            </a:r>
+          </a:p>
+          <a:p>
+            <a:pPr lvl="1"/>
+            <a:endParaRPr lang="en-US" dirty="0"/>
+          </a:p>
+          <a:p>
+            <a:r>
+              <a:rPr lang="en-US" sz="3000" dirty="0" smtClean="0"/>
+              <a:t>Assumptions</a:t>
+            </a:r>
+          </a:p>
+          <a:p>
+            <a:pPr lvl="1"/>
+            <a:r>
+              <a:rPr lang="en-US" sz="2100" dirty="0"/>
+              <a:t>Internet connection with enough bandwidth (about 1 to 2 mbps) </a:t>
+            </a:r>
+            <a:endParaRPr lang="en-US" sz="2100" dirty="0" smtClean="0"/>
+          </a:p>
+          <a:p>
+            <a:pPr lvl="1"/>
+            <a:r>
+              <a:rPr lang="en-US" sz="2100" dirty="0" smtClean="0"/>
+              <a:t>Internet </a:t>
+            </a:r>
+            <a:r>
+              <a:rPr lang="en-US" sz="2100" dirty="0"/>
+              <a:t>b</a:t>
+            </a:r>
+            <a:r>
+              <a:rPr lang="en-US" sz="2100" dirty="0" smtClean="0"/>
+              <a:t>rowser </a:t>
+            </a:r>
+            <a:r>
+              <a:rPr lang="en-US" sz="2100" dirty="0"/>
+              <a:t>with an up to date JavaScript engine and support for HTTP cookies to remember returning user logins </a:t>
+            </a:r>
+          </a:p>
+          <a:p>
+            <a:endParaRPr lang="en-US" sz="3000" dirty="0"/>
           </a:p>
         </p:txBody>
       </p:sp>
     </p:spTree>
     <p:extLst>
       <p:ext uri="{BB962C8B-B14F-4D97-AF65-F5344CB8AC3E}">
-        <p14:creationId xmlns:p14="http://schemas.microsoft.com/office/powerpoint/2010/main" val="3570095582"/>
+        <p14:creationId xmlns:p14="http://schemas.microsoft.com/office/powerpoint/2010/main" val="3396614719"/>
       </p:ext>
     </p:extLst>
   </p:cSld>
@@ -4736,26 +6813,18 @@
             <a:pPr lvl="1"/>
             <a:r>
               <a:rPr lang="en-US"/>
-              <a:t>Windows Server 2008 </a:t>
-            </a:r>
+              <a:t>Windows Server 2008 R2 </a:t>
+            </a:r>
+            <a:r>
+              <a:rPr lang="en-US" smtClean="0"/>
+              <a:t>Standard</a:t>
+            </a:r>
+          </a:p>
+          <a:p>
+            <a:pPr lvl="1"/>
             <a:r>
               <a:rPr lang="en-US"/>
-              <a:t>R2 </a:t>
-            </a:r>
-            <a:r>
-              <a:rPr lang="en-US" smtClean="0"/>
-              <a:t>Standard</a:t>
-            </a:r>
-          </a:p>
-          <a:p>
-            <a:pPr lvl="1"/>
-            <a:r>
-              <a:rPr lang="en-US"/>
-              <a:t>16 GB </a:t>
-            </a:r>
-            <a:r>
-              <a:rPr lang="en-US"/>
-              <a:t>of </a:t>
+              <a:t>16 GB of </a:t>
             </a:r>
             <a:r>
               <a:rPr lang="en-US" smtClean="0"/>
@@ -4781,22 +6850,14 @@
             </a:r>
             <a:r>
               <a:rPr lang="en-US" smtClean="0"/>
-              <a:t>W</a:t>
-            </a:r>
-            <a:r>
-              <a:rPr lang="en-US" smtClean="0"/>
-              <a:t>ebserver </a:t>
+              <a:t>Webserver </a:t>
             </a:r>
           </a:p>
           <a:p>
             <a:pPr lvl="2"/>
             <a:r>
               <a:rPr lang="en-US"/>
-              <a:t>Microsoft SQL Server 2008 </a:t>
-            </a:r>
-            <a:r>
-              <a:rPr lang="en-US"/>
-              <a:t>R2 </a:t>
+              <a:t>Microsoft SQL Server 2008 R2 </a:t>
             </a:r>
             <a:r>
               <a:rPr lang="en-US" smtClean="0"/>

--- a/Design Specification/Design Specification.pptx
+++ b/Design Specification/Design Specification.pptx
@@ -10,21 +10,25 @@
     <p:sldId id="261" r:id="rId4"/>
     <p:sldId id="264" r:id="rId5"/>
     <p:sldId id="265" r:id="rId6"/>
-    <p:sldId id="271" r:id="rId7"/>
-    <p:sldId id="259" r:id="rId8"/>
-    <p:sldId id="266" r:id="rId9"/>
-    <p:sldId id="267" r:id="rId10"/>
-    <p:sldId id="268" r:id="rId11"/>
-    <p:sldId id="269" r:id="rId12"/>
-    <p:sldId id="262" r:id="rId13"/>
-    <p:sldId id="272" r:id="rId14"/>
-    <p:sldId id="273" r:id="rId15"/>
-    <p:sldId id="274" r:id="rId16"/>
-    <p:sldId id="275" r:id="rId17"/>
-    <p:sldId id="276" r:id="rId18"/>
-    <p:sldId id="277" r:id="rId19"/>
-    <p:sldId id="279" r:id="rId20"/>
-    <p:sldId id="278" r:id="rId21"/>
+    <p:sldId id="280" r:id="rId7"/>
+    <p:sldId id="271" r:id="rId8"/>
+    <p:sldId id="259" r:id="rId9"/>
+    <p:sldId id="281" r:id="rId10"/>
+    <p:sldId id="282" r:id="rId11"/>
+    <p:sldId id="283" r:id="rId12"/>
+    <p:sldId id="267" r:id="rId13"/>
+    <p:sldId id="268" r:id="rId14"/>
+    <p:sldId id="269" r:id="rId15"/>
+    <p:sldId id="262" r:id="rId16"/>
+    <p:sldId id="272" r:id="rId17"/>
+    <p:sldId id="273" r:id="rId18"/>
+    <p:sldId id="274" r:id="rId19"/>
+    <p:sldId id="275" r:id="rId20"/>
+    <p:sldId id="276" r:id="rId21"/>
+    <p:sldId id="277" r:id="rId22"/>
+    <p:sldId id="279" r:id="rId23"/>
+    <p:sldId id="284" r:id="rId24"/>
+    <p:sldId id="285" r:id="rId25"/>
   </p:sldIdLst>
   <p:sldSz cx="9144000" cy="6858000" type="screen4x3"/>
   <p:notesSz cx="6858000" cy="9144000"/>
@@ -3737,35 +3741,82 @@
           <a:p>
             <a:r>
               <a:rPr lang="en-US" smtClean="0"/>
-              <a:t>Security Architecture</a:t>
+              <a:t>Hardware Architecture</a:t>
             </a:r>
             <a:endParaRPr lang="en-US"/>
           </a:p>
         </p:txBody>
       </p:sp>
-      <p:sp>
-        <p:nvSpPr>
-          <p:cNvPr id="3" name="Content Placeholder 2"/>
-          <p:cNvSpPr>
-            <a:spLocks noGrp="1"/>
-          </p:cNvSpPr>
+      <p:pic>
+        <p:nvPicPr>
+          <p:cNvPr id="1026" name="Picture 2"/>
+          <p:cNvPicPr>
+            <a:picLocks noGrp="1" noChangeAspect="1" noChangeArrowheads="1"/>
+          </p:cNvPicPr>
           <p:nvPr>
             <p:ph idx="1"/>
           </p:nvPr>
-        </p:nvSpPr>
-        <p:spPr/>
-        <p:txBody>
-          <a:bodyPr/>
-          <a:lstStyle/>
-          <a:p>
-            <a:endParaRPr lang="en-US"/>
-          </a:p>
-        </p:txBody>
-      </p:sp>
+        </p:nvPicPr>
+        <p:blipFill>
+          <a:blip r:embed="rId2">
+            <a:extLst>
+              <a:ext uri="{28A0092B-C50C-407E-A947-70E740481C1C}">
+                <a14:useLocalDpi xmlns:a14="http://schemas.microsoft.com/office/drawing/2010/main" val="0"/>
+              </a:ext>
+            </a:extLst>
+          </a:blip>
+          <a:srcRect/>
+          <a:stretch>
+            <a:fillRect/>
+          </a:stretch>
+        </p:blipFill>
+        <p:spPr bwMode="auto">
+          <a:xfrm>
+            <a:off x="152400" y="2286000"/>
+            <a:ext cx="8268987" cy="2819400"/>
+          </a:xfrm>
+          <a:prstGeom prst="rect">
+            <a:avLst/>
+          </a:prstGeom>
+          <a:noFill/>
+          <a:ln>
+            <a:noFill/>
+          </a:ln>
+          <a:effectLst/>
+          <a:extLst>
+            <a:ext uri="{909E8E84-426E-40DD-AFC4-6F175D3DCCD1}">
+              <a14:hiddenFill xmlns:a14="http://schemas.microsoft.com/office/drawing/2010/main">
+                <a:solidFill>
+                  <a:schemeClr val="accent1"/>
+                </a:solidFill>
+              </a14:hiddenFill>
+            </a:ext>
+            <a:ext uri="{91240B29-F687-4F45-9708-019B960494DF}">
+              <a14:hiddenLine xmlns:a14="http://schemas.microsoft.com/office/drawing/2010/main" w="9525">
+                <a:solidFill>
+                  <a:schemeClr val="tx1"/>
+                </a:solidFill>
+                <a:miter lim="800000"/>
+                <a:headEnd/>
+                <a:tailEnd/>
+              </a14:hiddenLine>
+            </a:ext>
+            <a:ext uri="{AF507438-7753-43E0-B8FC-AC1667EBCBE1}">
+              <a14:hiddenEffects xmlns:a14="http://schemas.microsoft.com/office/drawing/2010/main">
+                <a:effectLst>
+                  <a:outerShdw dist="35921" dir="2700000" algn="ctr" rotWithShape="0">
+                    <a:schemeClr val="bg2"/>
+                  </a:outerShdw>
+                </a:effectLst>
+              </a14:hiddenEffects>
+            </a:ext>
+          </a:extLst>
+        </p:spPr>
+      </p:pic>
     </p:spTree>
     <p:extLst>
       <p:ext uri="{BB962C8B-B14F-4D97-AF65-F5344CB8AC3E}">
-        <p14:creationId xmlns:p14="http://schemas.microsoft.com/office/powerpoint/2010/main" val="1459832691"/>
+        <p14:creationId xmlns:p14="http://schemas.microsoft.com/office/powerpoint/2010/main" val="411476993"/>
       </p:ext>
     </p:extLst>
   </p:cSld>
@@ -3809,7 +3860,7 @@
           <a:p>
             <a:r>
               <a:rPr lang="en-US" smtClean="0"/>
-              <a:t>Communication Architecture</a:t>
+              <a:t>Software Architecture</a:t>
             </a:r>
             <a:endParaRPr lang="en-US"/>
           </a:p>
@@ -3827,9 +3878,92 @@
         </p:nvSpPr>
         <p:spPr/>
         <p:txBody>
-          <a:bodyPr/>
-          <a:lstStyle/>
-          <a:p>
+          <a:bodyPr>
+            <a:normAutofit lnSpcReduction="10000"/>
+          </a:bodyPr>
+          <a:lstStyle/>
+          <a:p>
+            <a:r>
+              <a:rPr lang="en-US" smtClean="0"/>
+              <a:t>Microsoft’s ASP.NET MVC design pattern</a:t>
+            </a:r>
+          </a:p>
+          <a:p>
+            <a:pPr lvl="1"/>
+            <a:r>
+              <a:rPr lang="en-US" sz="2200" smtClean="0"/>
+              <a:t>Models: C# classes</a:t>
+            </a:r>
+          </a:p>
+          <a:p>
+            <a:pPr lvl="2"/>
+            <a:r>
+              <a:rPr lang="en-US" sz="2200" smtClean="0"/>
+              <a:t>3 self-written user models</a:t>
+            </a:r>
+          </a:p>
+          <a:p>
+            <a:pPr lvl="2"/>
+            <a:r>
+              <a:rPr lang="en-US" sz="2200" smtClean="0"/>
+              <a:t>Entity Framework C# classes representing db tables</a:t>
+            </a:r>
+          </a:p>
+          <a:p>
+            <a:pPr lvl="1"/>
+            <a:r>
+              <a:rPr lang="en-US" sz="2200" smtClean="0"/>
+              <a:t>Views: CSHTML files</a:t>
+            </a:r>
+          </a:p>
+          <a:p>
+            <a:pPr lvl="2"/>
+            <a:r>
+              <a:rPr lang="en-US" sz="2200" smtClean="0"/>
+              <a:t>Individual view file for each web site page, uses Razor syntax</a:t>
+            </a:r>
+          </a:p>
+          <a:p>
+            <a:pPr lvl="2"/>
+            <a:r>
+              <a:rPr lang="en-US" sz="2200" smtClean="0"/>
+              <a:t>Loaded by controller method associated</a:t>
+            </a:r>
+          </a:p>
+          <a:p>
+            <a:pPr lvl="2"/>
+            <a:r>
+              <a:rPr lang="en-US" sz="2200" smtClean="0"/>
+              <a:t>Uses Bootstrap CSS and JavaScript, as well as Jquery JavaScript</a:t>
+            </a:r>
+          </a:p>
+          <a:p>
+            <a:pPr lvl="1"/>
+            <a:r>
+              <a:rPr lang="en-US" sz="2200" smtClean="0"/>
+              <a:t>Controllers: C# classes</a:t>
+            </a:r>
+          </a:p>
+          <a:p>
+            <a:pPr lvl="2"/>
+            <a:r>
+              <a:rPr lang="en-US" sz="2200" smtClean="0"/>
+              <a:t>Interface and logic between Models and Views</a:t>
+            </a:r>
+          </a:p>
+          <a:p>
+            <a:pPr lvl="2"/>
+            <a:r>
+              <a:rPr lang="en-US" sz="2200" smtClean="0"/>
+              <a:t>UserController, JobSearchController, HomeController</a:t>
+            </a:r>
+          </a:p>
+          <a:p>
+            <a:pPr lvl="2"/>
+            <a:endParaRPr lang="en-US" smtClean="0"/>
+          </a:p>
+          <a:p>
+            <a:pPr lvl="2"/>
             <a:endParaRPr lang="en-US"/>
           </a:p>
         </p:txBody>
@@ -3837,13 +3971,20 @@
     </p:spTree>
     <p:extLst>
       <p:ext uri="{BB962C8B-B14F-4D97-AF65-F5344CB8AC3E}">
-        <p14:creationId xmlns:p14="http://schemas.microsoft.com/office/powerpoint/2010/main" val="42402608"/>
+        <p14:creationId xmlns:p14="http://schemas.microsoft.com/office/powerpoint/2010/main" val="1206645603"/>
       </p:ext>
     </p:extLst>
   </p:cSld>
   <p:clrMapOvr>
     <a:masterClrMapping/>
   </p:clrMapOvr>
+  <p:timing>
+    <p:tnLst>
+      <p:par>
+        <p:cTn id="1" dur="indefinite" restart="never" nodeType="tmRoot"/>
+      </p:par>
+    </p:tnLst>
+  </p:timing>
 </p:sld>
 </file>
 
@@ -3874,6 +4015,489 @@
             <p:ph type="title"/>
           </p:nvPr>
         </p:nvSpPr>
+        <p:spPr/>
+        <p:txBody>
+          <a:bodyPr/>
+          <a:lstStyle/>
+          <a:p>
+            <a:r>
+              <a:rPr lang="en-US" smtClean="0"/>
+              <a:t>Software Architecture</a:t>
+            </a:r>
+            <a:endParaRPr lang="en-US"/>
+          </a:p>
+        </p:txBody>
+      </p:sp>
+      <p:pic>
+        <p:nvPicPr>
+          <p:cNvPr id="4" name="Picture 2"/>
+          <p:cNvPicPr>
+            <a:picLocks noGrp="1" noChangeAspect="1" noChangeArrowheads="1"/>
+          </p:cNvPicPr>
+          <p:nvPr>
+            <p:ph idx="1"/>
+          </p:nvPr>
+        </p:nvPicPr>
+        <p:blipFill>
+          <a:blip r:embed="rId2">
+            <a:extLst>
+              <a:ext uri="{28A0092B-C50C-407E-A947-70E740481C1C}">
+                <a14:useLocalDpi xmlns:a14="http://schemas.microsoft.com/office/drawing/2010/main" val="0"/>
+              </a:ext>
+            </a:extLst>
+          </a:blip>
+          <a:srcRect/>
+          <a:stretch>
+            <a:fillRect/>
+          </a:stretch>
+        </p:blipFill>
+        <p:spPr bwMode="auto">
+          <a:xfrm>
+            <a:off x="152400" y="1524000"/>
+            <a:ext cx="8226648" cy="4419600"/>
+          </a:xfrm>
+          <a:prstGeom prst="rect">
+            <a:avLst/>
+          </a:prstGeom>
+          <a:noFill/>
+          <a:ln>
+            <a:noFill/>
+          </a:ln>
+          <a:effectLst/>
+          <a:extLst>
+            <a:ext uri="{909E8E84-426E-40DD-AFC4-6F175D3DCCD1}">
+              <a14:hiddenFill xmlns:a14="http://schemas.microsoft.com/office/drawing/2010/main">
+                <a:solidFill>
+                  <a:schemeClr val="accent1"/>
+                </a:solidFill>
+              </a14:hiddenFill>
+            </a:ext>
+            <a:ext uri="{91240B29-F687-4F45-9708-019B960494DF}">
+              <a14:hiddenLine xmlns:a14="http://schemas.microsoft.com/office/drawing/2010/main" w="9525">
+                <a:solidFill>
+                  <a:schemeClr val="tx1"/>
+                </a:solidFill>
+                <a:miter lim="800000"/>
+                <a:headEnd/>
+                <a:tailEnd/>
+              </a14:hiddenLine>
+            </a:ext>
+            <a:ext uri="{AF507438-7753-43E0-B8FC-AC1667EBCBE1}">
+              <a14:hiddenEffects xmlns:a14="http://schemas.microsoft.com/office/drawing/2010/main">
+                <a:effectLst>
+                  <a:outerShdw dist="35921" dir="2700000" algn="ctr" rotWithShape="0">
+                    <a:schemeClr val="bg2"/>
+                  </a:outerShdw>
+                </a:effectLst>
+              </a14:hiddenEffects>
+            </a:ext>
+          </a:extLst>
+        </p:spPr>
+      </p:pic>
+    </p:spTree>
+    <p:extLst>
+      <p:ext uri="{BB962C8B-B14F-4D97-AF65-F5344CB8AC3E}">
+        <p14:creationId xmlns:p14="http://schemas.microsoft.com/office/powerpoint/2010/main" val="261764190"/>
+      </p:ext>
+    </p:extLst>
+  </p:cSld>
+  <p:clrMapOvr>
+    <a:masterClrMapping/>
+  </p:clrMapOvr>
+</p:sld>
+</file>
+
+<file path=ppt/slides/slide13.xml><?xml version="1.0" encoding="utf-8"?>
+<p:sld xmlns:a="http://schemas.openxmlformats.org/drawingml/2006/main" xmlns:r="http://schemas.openxmlformats.org/officeDocument/2006/relationships" xmlns:p="http://schemas.openxmlformats.org/presentationml/2006/main">
+  <p:cSld>
+    <p:spTree>
+      <p:nvGrpSpPr>
+        <p:cNvPr id="1" name=""/>
+        <p:cNvGrpSpPr/>
+        <p:nvPr/>
+      </p:nvGrpSpPr>
+      <p:grpSpPr>
+        <a:xfrm>
+          <a:off x="0" y="0"/>
+          <a:ext cx="0" cy="0"/>
+          <a:chOff x="0" y="0"/>
+          <a:chExt cx="0" cy="0"/>
+        </a:xfrm>
+      </p:grpSpPr>
+      <p:sp>
+        <p:nvSpPr>
+          <p:cNvPr id="2" name="Title 1"/>
+          <p:cNvSpPr>
+            <a:spLocks noGrp="1"/>
+          </p:cNvSpPr>
+          <p:nvPr>
+            <p:ph type="title"/>
+          </p:nvPr>
+        </p:nvSpPr>
+        <p:spPr/>
+        <p:txBody>
+          <a:bodyPr/>
+          <a:lstStyle/>
+          <a:p>
+            <a:r>
+              <a:rPr lang="en-US" smtClean="0"/>
+              <a:t>Security Architecture</a:t>
+            </a:r>
+            <a:endParaRPr lang="en-US"/>
+          </a:p>
+        </p:txBody>
+      </p:sp>
+      <p:sp>
+        <p:nvSpPr>
+          <p:cNvPr id="3" name="Content Placeholder 2"/>
+          <p:cNvSpPr>
+            <a:spLocks noGrp="1"/>
+          </p:cNvSpPr>
+          <p:nvPr>
+            <p:ph idx="1"/>
+          </p:nvPr>
+        </p:nvSpPr>
+        <p:spPr/>
+        <p:txBody>
+          <a:bodyPr/>
+          <a:lstStyle/>
+          <a:p>
+            <a:r>
+              <a:rPr lang="en-US" sz="2400"/>
+              <a:t>The web application has the following security features:</a:t>
+            </a:r>
+          </a:p>
+          <a:p>
+            <a:pPr lvl="1"/>
+            <a:r>
+              <a:rPr lang="en-US" sz="2400"/>
+              <a:t>Admin mode</a:t>
+            </a:r>
+          </a:p>
+          <a:p>
+            <a:pPr lvl="1"/>
+            <a:r>
+              <a:rPr lang="en-US" sz="2400"/>
+              <a:t>SHA1 user password encryption</a:t>
+            </a:r>
+          </a:p>
+          <a:p>
+            <a:pPr lvl="1"/>
+            <a:r>
+              <a:rPr lang="en-US" sz="2400"/>
+              <a:t>Login validation</a:t>
+            </a:r>
+          </a:p>
+          <a:p>
+            <a:pPr lvl="1"/>
+            <a:r>
+              <a:rPr lang="en-US" sz="2400"/>
+              <a:t>SSL </a:t>
+            </a:r>
+            <a:r>
+              <a:rPr lang="en-US" sz="2400" smtClean="0"/>
+              <a:t>encryption</a:t>
+            </a:r>
+            <a:endParaRPr lang="en-US" sz="2400"/>
+          </a:p>
+          <a:p>
+            <a:pPr marL="114300" indent="0">
+              <a:buNone/>
+            </a:pPr>
+            <a:endParaRPr lang="en-US" smtClean="0"/>
+          </a:p>
+        </p:txBody>
+      </p:sp>
+      <p:pic>
+        <p:nvPicPr>
+          <p:cNvPr id="9218" name="Picture 2"/>
+          <p:cNvPicPr>
+            <a:picLocks noChangeAspect="1" noChangeArrowheads="1"/>
+          </p:cNvPicPr>
+          <p:nvPr/>
+        </p:nvPicPr>
+        <p:blipFill>
+          <a:blip r:embed="rId2">
+            <a:extLst>
+              <a:ext uri="{28A0092B-C50C-407E-A947-70E740481C1C}">
+                <a14:useLocalDpi xmlns:a14="http://schemas.microsoft.com/office/drawing/2010/main" val="0"/>
+              </a:ext>
+            </a:extLst>
+          </a:blip>
+          <a:srcRect/>
+          <a:stretch>
+            <a:fillRect/>
+          </a:stretch>
+        </p:blipFill>
+        <p:spPr bwMode="auto">
+          <a:xfrm>
+            <a:off x="457200" y="3733800"/>
+            <a:ext cx="7755455" cy="2437354"/>
+          </a:xfrm>
+          <a:prstGeom prst="rect">
+            <a:avLst/>
+          </a:prstGeom>
+          <a:noFill/>
+          <a:ln>
+            <a:noFill/>
+          </a:ln>
+          <a:effectLst/>
+          <a:extLst>
+            <a:ext uri="{909E8E84-426E-40DD-AFC4-6F175D3DCCD1}">
+              <a14:hiddenFill xmlns:a14="http://schemas.microsoft.com/office/drawing/2010/main">
+                <a:solidFill>
+                  <a:schemeClr val="accent1"/>
+                </a:solidFill>
+              </a14:hiddenFill>
+            </a:ext>
+            <a:ext uri="{91240B29-F687-4F45-9708-019B960494DF}">
+              <a14:hiddenLine xmlns:a14="http://schemas.microsoft.com/office/drawing/2010/main" w="9525">
+                <a:solidFill>
+                  <a:schemeClr val="tx1"/>
+                </a:solidFill>
+                <a:miter lim="800000"/>
+                <a:headEnd/>
+                <a:tailEnd/>
+              </a14:hiddenLine>
+            </a:ext>
+            <a:ext uri="{AF507438-7753-43E0-B8FC-AC1667EBCBE1}">
+              <a14:hiddenEffects xmlns:a14="http://schemas.microsoft.com/office/drawing/2010/main">
+                <a:effectLst>
+                  <a:outerShdw dist="35921" dir="2700000" algn="ctr" rotWithShape="0">
+                    <a:schemeClr val="bg2"/>
+                  </a:outerShdw>
+                </a:effectLst>
+              </a14:hiddenEffects>
+            </a:ext>
+          </a:extLst>
+        </p:spPr>
+      </p:pic>
+    </p:spTree>
+    <p:extLst>
+      <p:ext uri="{BB962C8B-B14F-4D97-AF65-F5344CB8AC3E}">
+        <p14:creationId xmlns:p14="http://schemas.microsoft.com/office/powerpoint/2010/main" val="1459832691"/>
+      </p:ext>
+    </p:extLst>
+  </p:cSld>
+  <p:clrMapOvr>
+    <a:masterClrMapping/>
+  </p:clrMapOvr>
+</p:sld>
+</file>
+
+<file path=ppt/slides/slide14.xml><?xml version="1.0" encoding="utf-8"?>
+<p:sld xmlns:a="http://schemas.openxmlformats.org/drawingml/2006/main" xmlns:r="http://schemas.openxmlformats.org/officeDocument/2006/relationships" xmlns:p="http://schemas.openxmlformats.org/presentationml/2006/main">
+  <p:cSld>
+    <p:spTree>
+      <p:nvGrpSpPr>
+        <p:cNvPr id="1" name=""/>
+        <p:cNvGrpSpPr/>
+        <p:nvPr/>
+      </p:nvGrpSpPr>
+      <p:grpSpPr>
+        <a:xfrm>
+          <a:off x="0" y="0"/>
+          <a:ext cx="0" cy="0"/>
+          <a:chOff x="0" y="0"/>
+          <a:chExt cx="0" cy="0"/>
+        </a:xfrm>
+      </p:grpSpPr>
+      <p:sp>
+        <p:nvSpPr>
+          <p:cNvPr id="2" name="Title 1"/>
+          <p:cNvSpPr>
+            <a:spLocks noGrp="1"/>
+          </p:cNvSpPr>
+          <p:nvPr>
+            <p:ph type="title"/>
+          </p:nvPr>
+        </p:nvSpPr>
+        <p:spPr/>
+        <p:txBody>
+          <a:bodyPr/>
+          <a:lstStyle/>
+          <a:p>
+            <a:r>
+              <a:rPr lang="en-US" smtClean="0"/>
+              <a:t>Communication Architecture</a:t>
+            </a:r>
+            <a:endParaRPr lang="en-US"/>
+          </a:p>
+        </p:txBody>
+      </p:sp>
+      <p:sp>
+        <p:nvSpPr>
+          <p:cNvPr id="3" name="Content Placeholder 2"/>
+          <p:cNvSpPr>
+            <a:spLocks noGrp="1"/>
+          </p:cNvSpPr>
+          <p:nvPr>
+            <p:ph idx="1"/>
+          </p:nvPr>
+        </p:nvSpPr>
+        <p:spPr/>
+        <p:txBody>
+          <a:bodyPr/>
+          <a:lstStyle/>
+          <a:p>
+            <a:r>
+              <a:rPr lang="en-US" smtClean="0"/>
+              <a:t>Communication </a:t>
+            </a:r>
+            <a:r>
+              <a:rPr lang="en-US"/>
+              <a:t>between the different components of the </a:t>
+            </a:r>
+            <a:r>
+              <a:rPr lang="en-US"/>
+              <a:t>software </a:t>
+            </a:r>
+            <a:r>
+              <a:rPr lang="en-US" smtClean="0"/>
+              <a:t>system (Model, View, and Controller)</a:t>
+            </a:r>
+          </a:p>
+          <a:p>
+            <a:pPr lvl="1"/>
+            <a:r>
+              <a:rPr lang="en-US" sz="2200" smtClean="0"/>
+              <a:t>C</a:t>
+            </a:r>
+            <a:r>
+              <a:rPr lang="en-US" sz="2200"/>
+              <a:t># controller contains a C# model object which it queries </a:t>
+            </a:r>
+            <a:r>
+              <a:rPr lang="en-US" sz="2200"/>
+              <a:t>for </a:t>
+            </a:r>
+            <a:r>
+              <a:rPr lang="en-US" sz="2200" smtClean="0"/>
+              <a:t>data</a:t>
+            </a:r>
+            <a:endParaRPr lang="en-US" sz="2200"/>
+          </a:p>
+          <a:p>
+            <a:pPr lvl="1"/>
+            <a:r>
+              <a:rPr lang="en-US" sz="2200" smtClean="0"/>
+              <a:t>Data </a:t>
+            </a:r>
+            <a:r>
+              <a:rPr lang="en-US" sz="2200"/>
+              <a:t>is then passed to the .CSHTML view, where it is rendered for the user </a:t>
+            </a:r>
+            <a:r>
+              <a:rPr lang="en-US" sz="2200"/>
+              <a:t>to </a:t>
+            </a:r>
+            <a:r>
+              <a:rPr lang="en-US" sz="2200" smtClean="0"/>
+              <a:t>view  </a:t>
+            </a:r>
+          </a:p>
+          <a:p>
+            <a:pPr lvl="1"/>
+            <a:r>
+              <a:rPr lang="en-US" sz="2200" smtClean="0"/>
+              <a:t>Communication </a:t>
+            </a:r>
+            <a:r>
+              <a:rPr lang="en-US" sz="2200"/>
+              <a:t>between each of these components is handled via the .</a:t>
+            </a:r>
+            <a:r>
+              <a:rPr lang="en-US" sz="2200"/>
+              <a:t>NET </a:t>
+            </a:r>
+            <a:r>
+              <a:rPr lang="en-US" sz="2200" smtClean="0"/>
+              <a:t>framework</a:t>
+            </a:r>
+            <a:endParaRPr lang="en-US" sz="2200"/>
+          </a:p>
+          <a:p>
+            <a:r>
+              <a:rPr lang="en-US" smtClean="0"/>
+              <a:t>Communication </a:t>
+            </a:r>
+            <a:r>
+              <a:rPr lang="en-US"/>
+              <a:t>between the running application on the user’s device and the </a:t>
+            </a:r>
+            <a:r>
+              <a:rPr lang="en-US"/>
+              <a:t>Computech </a:t>
+            </a:r>
+            <a:r>
+              <a:rPr lang="en-US" smtClean="0"/>
+              <a:t>server</a:t>
+            </a:r>
+          </a:p>
+          <a:p>
+            <a:pPr lvl="1"/>
+            <a:r>
+              <a:rPr lang="en-US" sz="2200" smtClean="0"/>
+              <a:t>GET </a:t>
+            </a:r>
+            <a:r>
+              <a:rPr lang="en-US" sz="2200"/>
+              <a:t>(in the case of requesting a web page) and POST (in the case of submitting a form) requests from the user </a:t>
+            </a:r>
+            <a:r>
+              <a:rPr lang="en-US" sz="2200"/>
+              <a:t>or </a:t>
+            </a:r>
+            <a:r>
+              <a:rPr lang="en-US" sz="2200" smtClean="0"/>
+              <a:t>admin</a:t>
+            </a:r>
+          </a:p>
+          <a:p>
+            <a:endParaRPr lang="en-US"/>
+          </a:p>
+        </p:txBody>
+      </p:sp>
+    </p:spTree>
+    <p:extLst>
+      <p:ext uri="{BB962C8B-B14F-4D97-AF65-F5344CB8AC3E}">
+        <p14:creationId xmlns:p14="http://schemas.microsoft.com/office/powerpoint/2010/main" val="42402608"/>
+      </p:ext>
+    </p:extLst>
+  </p:cSld>
+  <p:clrMapOvr>
+    <a:masterClrMapping/>
+  </p:clrMapOvr>
+</p:sld>
+</file>
+
+<file path=ppt/slides/slide15.xml><?xml version="1.0" encoding="utf-8"?>
+<p:sld xmlns:a="http://schemas.openxmlformats.org/drawingml/2006/main" xmlns:r="http://schemas.openxmlformats.org/officeDocument/2006/relationships" xmlns:p="http://schemas.openxmlformats.org/presentationml/2006/main">
+  <p:cSld>
+    <p:spTree>
+      <p:nvGrpSpPr>
+        <p:cNvPr id="1" name=""/>
+        <p:cNvGrpSpPr/>
+        <p:nvPr/>
+      </p:nvGrpSpPr>
+      <p:grpSpPr>
+        <a:xfrm>
+          <a:off x="0" y="0"/>
+          <a:ext cx="0" cy="0"/>
+          <a:chOff x="0" y="0"/>
+          <a:chExt cx="0" cy="0"/>
+        </a:xfrm>
+      </p:grpSpPr>
+      <p:sp>
+        <p:nvSpPr>
+          <p:cNvPr id="2" name="Title 1"/>
+          <p:cNvSpPr>
+            <a:spLocks noGrp="1"/>
+          </p:cNvSpPr>
+          <p:nvPr>
+            <p:ph type="title"/>
+          </p:nvPr>
+        </p:nvSpPr>
         <p:spPr>
           <a:xfrm>
             <a:off x="533400" y="2514600"/>
@@ -3939,7 +4563,7 @@
 </p:sld>
 </file>
 
-<file path=ppt/slides/slide13.xml><?xml version="1.0" encoding="utf-8"?>
+<file path=ppt/slides/slide16.xml><?xml version="1.0" encoding="utf-8"?>
 <p:sld xmlns:a="http://schemas.openxmlformats.org/drawingml/2006/main" xmlns:r="http://schemas.openxmlformats.org/officeDocument/2006/relationships" xmlns:p="http://schemas.openxmlformats.org/presentationml/2006/main">
   <p:cSld>
     <p:spTree>
@@ -4126,7 +4750,7 @@
 </p:sld>
 </file>
 
-<file path=ppt/slides/slide14.xml><?xml version="1.0" encoding="utf-8"?>
+<file path=ppt/slides/slide17.xml><?xml version="1.0" encoding="utf-8"?>
 <p:sld xmlns:a="http://schemas.openxmlformats.org/drawingml/2006/main" xmlns:r="http://schemas.openxmlformats.org/officeDocument/2006/relationships" xmlns:p="http://schemas.openxmlformats.org/presentationml/2006/main">
   <p:cSld>
     <p:spTree>
@@ -4295,7 +4919,7 @@
 </p:sld>
 </file>
 
-<file path=ppt/slides/slide15.xml><?xml version="1.0" encoding="utf-8"?>
+<file path=ppt/slides/slide18.xml><?xml version="1.0" encoding="utf-8"?>
 <p:sld xmlns:a="http://schemas.openxmlformats.org/drawingml/2006/main" xmlns:r="http://schemas.openxmlformats.org/officeDocument/2006/relationships" xmlns:p="http://schemas.openxmlformats.org/presentationml/2006/main">
   <p:cSld>
     <p:spTree>
@@ -4465,7 +5089,7 @@
           <a:graphicData uri="http://schemas.openxmlformats.org/presentationml/2006/ole">
             <mc:AlternateContent xmlns:mc="http://schemas.openxmlformats.org/markup-compatibility/2006">
               <mc:Choice xmlns:v="urn:schemas-microsoft-com:vml" Requires="v">
-                <p:oleObj spid="_x0000_s4101" name="Visio" r:id="rId3" imgW="6334163" imgH="580897" progId="Visio.Drawing.15">
+                <p:oleObj spid="_x0000_s4108" name="Visio" r:id="rId3" imgW="6334163" imgH="580897" progId="Visio.Drawing.15">
                   <p:embed/>
                 </p:oleObj>
               </mc:Choice>
@@ -4530,7 +5154,7 @@
 </p:sld>
 </file>
 
-<file path=ppt/slides/slide16.xml><?xml version="1.0" encoding="utf-8"?>
+<file path=ppt/slides/slide19.xml><?xml version="1.0" encoding="utf-8"?>
 <p:sld xmlns:a="http://schemas.openxmlformats.org/drawingml/2006/main" xmlns:r="http://schemas.openxmlformats.org/officeDocument/2006/relationships" xmlns:p="http://schemas.openxmlformats.org/presentationml/2006/main">
   <p:cSld>
     <p:spTree>
@@ -4766,7 +5390,7 @@
 </p:sld>
 </file>
 
-<file path=ppt/slides/slide17.xml><?xml version="1.0" encoding="utf-8"?>
+<file path=ppt/slides/slide2.xml><?xml version="1.0" encoding="utf-8"?>
 <p:sld xmlns:a="http://schemas.openxmlformats.org/drawingml/2006/main" xmlns:r="http://schemas.openxmlformats.org/officeDocument/2006/relationships" xmlns:p="http://schemas.openxmlformats.org/presentationml/2006/main">
   <p:cSld>
     <p:spTree>
@@ -4785,6 +5409,127 @@
       </p:grpSpPr>
       <p:sp>
         <p:nvSpPr>
+          <p:cNvPr id="2" name="Title 1"/>
+          <p:cNvSpPr>
+            <a:spLocks noGrp="1"/>
+          </p:cNvSpPr>
+          <p:nvPr>
+            <p:ph type="title"/>
+          </p:nvPr>
+        </p:nvSpPr>
+        <p:spPr/>
+        <p:txBody>
+          <a:bodyPr/>
+          <a:lstStyle/>
+          <a:p>
+            <a:r>
+              <a:rPr lang="en-US" smtClean="0"/>
+              <a:t>Contents</a:t>
+            </a:r>
+            <a:endParaRPr lang="en-US"/>
+          </a:p>
+        </p:txBody>
+      </p:sp>
+      <p:sp>
+        <p:nvSpPr>
+          <p:cNvPr id="3" name="Content Placeholder 2"/>
+          <p:cNvSpPr>
+            <a:spLocks noGrp="1"/>
+          </p:cNvSpPr>
+          <p:nvPr>
+            <p:ph idx="1"/>
+          </p:nvPr>
+        </p:nvSpPr>
+        <p:spPr>
+          <a:xfrm>
+            <a:off x="152400" y="1600200"/>
+            <a:ext cx="8763000" cy="4800600"/>
+          </a:xfrm>
+        </p:spPr>
+        <p:txBody>
+          <a:bodyPr/>
+          <a:lstStyle/>
+          <a:p>
+            <a:pPr marL="571500" indent="-457200">
+              <a:buFont typeface="+mj-lt"/>
+              <a:buAutoNum type="arabicPeriod"/>
+            </a:pPr>
+            <a:r>
+              <a:rPr lang="en-US" sz="4400" b="1" smtClean="0"/>
+              <a:t>Introduction</a:t>
+            </a:r>
+          </a:p>
+          <a:p>
+            <a:pPr marL="571500" indent="-457200">
+              <a:buFont typeface="+mj-lt"/>
+              <a:buAutoNum type="arabicPeriod"/>
+            </a:pPr>
+            <a:r>
+              <a:rPr lang="en-US" sz="4400" b="1" smtClean="0"/>
+              <a:t>Assumptions, Constraints, and Standards</a:t>
+            </a:r>
+          </a:p>
+          <a:p>
+            <a:pPr marL="571500" indent="-457200">
+              <a:buFont typeface="+mj-lt"/>
+              <a:buAutoNum type="arabicPeriod"/>
+            </a:pPr>
+            <a:r>
+              <a:rPr lang="en-US" sz="4400" b="1" smtClean="0"/>
+              <a:t>Architecture Design</a:t>
+            </a:r>
+          </a:p>
+          <a:p>
+            <a:pPr marL="571500" indent="-457200">
+              <a:buFont typeface="+mj-lt"/>
+              <a:buAutoNum type="arabicPeriod"/>
+            </a:pPr>
+            <a:r>
+              <a:rPr lang="en-US" sz="4400" b="1" smtClean="0"/>
+              <a:t>System Design</a:t>
+            </a:r>
+          </a:p>
+          <a:p>
+            <a:pPr marL="571500" indent="-457200">
+              <a:buFont typeface="+mj-lt"/>
+              <a:buAutoNum type="arabicPeriod"/>
+            </a:pPr>
+            <a:endParaRPr lang="en-US"/>
+          </a:p>
+        </p:txBody>
+      </p:sp>
+    </p:spTree>
+    <p:extLst>
+      <p:ext uri="{BB962C8B-B14F-4D97-AF65-F5344CB8AC3E}">
+        <p14:creationId xmlns:p14="http://schemas.microsoft.com/office/powerpoint/2010/main" val="2847966912"/>
+      </p:ext>
+    </p:extLst>
+  </p:cSld>
+  <p:clrMapOvr>
+    <a:masterClrMapping/>
+  </p:clrMapOvr>
+</p:sld>
+</file>
+
+<file path=ppt/slides/slide20.xml><?xml version="1.0" encoding="utf-8"?>
+<p:sld xmlns:a="http://schemas.openxmlformats.org/drawingml/2006/main" xmlns:r="http://schemas.openxmlformats.org/officeDocument/2006/relationships" xmlns:p="http://schemas.openxmlformats.org/presentationml/2006/main">
+  <p:cSld>
+    <p:spTree>
+      <p:nvGrpSpPr>
+        <p:cNvPr id="1" name=""/>
+        <p:cNvGrpSpPr/>
+        <p:nvPr/>
+      </p:nvGrpSpPr>
+      <p:grpSpPr>
+        <a:xfrm>
+          <a:off x="0" y="0"/>
+          <a:ext cx="0" cy="0"/>
+          <a:chOff x="0" y="0"/>
+          <a:chExt cx="0" cy="0"/>
+        </a:xfrm>
+      </p:grpSpPr>
+      <p:sp>
+        <p:nvSpPr>
           <p:cNvPr id="3" name="Text Placeholder 2"/>
           <p:cNvSpPr>
             <a:spLocks noGrp="1"/>
@@ -4999,7 +5744,7 @@
           <a:graphicData uri="http://schemas.openxmlformats.org/presentationml/2006/ole">
             <mc:AlternateContent xmlns:mc="http://schemas.openxmlformats.org/markup-compatibility/2006">
               <mc:Choice xmlns:v="urn:schemas-microsoft-com:vml" Requires="v">
-                <p:oleObj spid="_x0000_s6147" name="Visio" r:id="rId3" imgW="8277197" imgH="3152824" progId="Visio.Drawing.15">
+                <p:oleObj spid="_x0000_s6154" name="Visio" r:id="rId3" imgW="8277197" imgH="3152824" progId="Visio.Drawing.15">
                   <p:embed/>
                 </p:oleObj>
               </mc:Choice>
@@ -5064,7 +5809,7 @@
 </p:sld>
 </file>
 
-<file path=ppt/slides/slide18.xml><?xml version="1.0" encoding="utf-8"?>
+<file path=ppt/slides/slide21.xml><?xml version="1.0" encoding="utf-8"?>
 <p:sld xmlns:a="http://schemas.openxmlformats.org/drawingml/2006/main" xmlns:r="http://schemas.openxmlformats.org/officeDocument/2006/relationships" xmlns:p="http://schemas.openxmlformats.org/presentationml/2006/main">
   <p:cSld>
     <p:spTree>
@@ -5360,7 +6105,7 @@
           <a:graphicData uri="http://schemas.openxmlformats.org/presentationml/2006/ole">
             <mc:AlternateContent xmlns:mc="http://schemas.openxmlformats.org/markup-compatibility/2006">
               <mc:Choice xmlns:v="urn:schemas-microsoft-com:vml" Requires="v">
-                <p:oleObj spid="_x0000_s7171" name="Visio" r:id="rId3" imgW="8458327" imgH="3876786" progId="Visio.Drawing.15">
+                <p:oleObj spid="_x0000_s7178" name="Visio" r:id="rId3" imgW="8458327" imgH="3876786" progId="Visio.Drawing.15">
                   <p:embed/>
                 </p:oleObj>
               </mc:Choice>
@@ -5425,7 +6170,7 @@
 </p:sld>
 </file>
 
-<file path=ppt/slides/slide19.xml><?xml version="1.0" encoding="utf-8"?>
+<file path=ppt/slides/slide22.xml><?xml version="1.0" encoding="utf-8"?>
 <p:sld xmlns:a="http://schemas.openxmlformats.org/drawingml/2006/main" xmlns:r="http://schemas.openxmlformats.org/officeDocument/2006/relationships" xmlns:p="http://schemas.openxmlformats.org/presentationml/2006/main">
   <p:cSld>
     <p:spTree>
@@ -5784,7 +6529,7 @@
           <a:graphicData uri="http://schemas.openxmlformats.org/presentationml/2006/ole">
             <mc:AlternateContent xmlns:mc="http://schemas.openxmlformats.org/markup-compatibility/2006">
               <mc:Choice xmlns:v="urn:schemas-microsoft-com:vml" Requires="v">
-                <p:oleObj spid="_x0000_s8195" name="Visio" r:id="rId3" imgW="6200812" imgH="5143584" progId="Visio.Drawing.15">
+                <p:oleObj spid="_x0000_s8202" name="Visio" r:id="rId3" imgW="6200812" imgH="5143584" progId="Visio.Drawing.15">
                   <p:embed/>
                 </p:oleObj>
               </mc:Choice>
@@ -5849,7 +6594,7 @@
 </p:sld>
 </file>
 
-<file path=ppt/slides/slide2.xml><?xml version="1.0" encoding="utf-8"?>
+<file path=ppt/slides/slide23.xml><?xml version="1.0" encoding="utf-8"?>
 <p:sld xmlns:a="http://schemas.openxmlformats.org/drawingml/2006/main" xmlns:r="http://schemas.openxmlformats.org/officeDocument/2006/relationships" xmlns:p="http://schemas.openxmlformats.org/presentationml/2006/main">
   <p:cSld>
     <p:spTree>
@@ -5883,84 +6628,119 @@
           <a:p>
             <a:r>
               <a:rPr lang="en-US" smtClean="0"/>
-              <a:t>Contents</a:t>
+              <a:t>Software Class Diagrams</a:t>
             </a:r>
             <a:endParaRPr lang="en-US"/>
           </a:p>
         </p:txBody>
       </p:sp>
-      <p:sp>
-        <p:nvSpPr>
-          <p:cNvPr id="3" name="Content Placeholder 2"/>
-          <p:cNvSpPr>
-            <a:spLocks noGrp="1"/>
-          </p:cNvSpPr>
+      <p:pic>
+        <p:nvPicPr>
+          <p:cNvPr id="4" name="Content Placeholder 3"/>
+          <p:cNvPicPr>
+            <a:picLocks noGrp="1"/>
+          </p:cNvPicPr>
           <p:nvPr>
             <p:ph idx="1"/>
           </p:nvPr>
-        </p:nvSpPr>
-        <p:spPr>
+        </p:nvPicPr>
+        <p:blipFill>
+          <a:blip r:embed="rId2">
+            <a:extLst>
+              <a:ext uri="{28A0092B-C50C-407E-A947-70E740481C1C}">
+                <a14:useLocalDpi xmlns:a14="http://schemas.microsoft.com/office/drawing/2010/main" val="0"/>
+              </a:ext>
+            </a:extLst>
+          </a:blip>
+          <a:srcRect/>
+          <a:stretch>
+            <a:fillRect/>
+          </a:stretch>
+        </p:blipFill>
+        <p:spPr bwMode="auto">
           <a:xfrm>
-            <a:off x="152400" y="1600200"/>
-            <a:ext cx="8763000" cy="4800600"/>
+            <a:off x="304800" y="2209800"/>
+            <a:ext cx="3620293" cy="3493360"/>
           </a:xfrm>
+          <a:prstGeom prst="rect">
+            <a:avLst/>
+          </a:prstGeom>
+          <a:noFill/>
+          <a:ln>
+            <a:noFill/>
+          </a:ln>
         </p:spPr>
-        <p:txBody>
-          <a:bodyPr/>
-          <a:lstStyle/>
-          <a:p>
-            <a:pPr marL="571500" indent="-457200">
-              <a:buFont typeface="+mj-lt"/>
-              <a:buAutoNum type="arabicPeriod"/>
-            </a:pPr>
-            <a:r>
-              <a:rPr lang="en-US" sz="4400" b="1" smtClean="0"/>
-              <a:t>Introduction</a:t>
-            </a:r>
-          </a:p>
-          <a:p>
-            <a:pPr marL="571500" indent="-457200">
-              <a:buFont typeface="+mj-lt"/>
-              <a:buAutoNum type="arabicPeriod"/>
-            </a:pPr>
-            <a:r>
-              <a:rPr lang="en-US" sz="4400" b="1" smtClean="0"/>
-              <a:t>Assumptions, Constraints, and Standards</a:t>
-            </a:r>
-          </a:p>
-          <a:p>
-            <a:pPr marL="571500" indent="-457200">
-              <a:buFont typeface="+mj-lt"/>
-              <a:buAutoNum type="arabicPeriod"/>
-            </a:pPr>
-            <a:r>
-              <a:rPr lang="en-US" sz="4400" b="1" smtClean="0"/>
-              <a:t>Architecture Design</a:t>
-            </a:r>
-          </a:p>
-          <a:p>
-            <a:pPr marL="571500" indent="-457200">
-              <a:buFont typeface="+mj-lt"/>
-              <a:buAutoNum type="arabicPeriod"/>
-            </a:pPr>
-            <a:r>
-              <a:rPr lang="en-US" sz="4400" b="1" smtClean="0"/>
-              <a:t>System Design</a:t>
-            </a:r>
-          </a:p>
-          <a:p>
-            <a:pPr marL="571500" indent="-457200">
-              <a:buFont typeface="+mj-lt"/>
-              <a:buAutoNum type="arabicPeriod"/>
-            </a:pPr>
-            <a:endParaRPr lang="en-US"/>
-          </a:p>
-        </p:txBody>
-      </p:sp>
+      </p:pic>
+      <p:pic>
+        <p:nvPicPr>
+          <p:cNvPr id="5" name="Picture 4"/>
+          <p:cNvPicPr/>
+          <p:nvPr/>
+        </p:nvPicPr>
+        <p:blipFill>
+          <a:blip r:embed="rId3">
+            <a:extLst>
+              <a:ext uri="{28A0092B-C50C-407E-A947-70E740481C1C}">
+                <a14:useLocalDpi xmlns:a14="http://schemas.microsoft.com/office/drawing/2010/main" val="0"/>
+              </a:ext>
+            </a:extLst>
+          </a:blip>
+          <a:srcRect/>
+          <a:stretch>
+            <a:fillRect/>
+          </a:stretch>
+        </p:blipFill>
+        <p:spPr bwMode="auto">
+          <a:xfrm>
+            <a:off x="4038600" y="1676400"/>
+            <a:ext cx="3200400" cy="1981200"/>
+          </a:xfrm>
+          <a:prstGeom prst="rect">
+            <a:avLst/>
+          </a:prstGeom>
+          <a:noFill/>
+          <a:ln>
+            <a:noFill/>
+          </a:ln>
+        </p:spPr>
+      </p:pic>
+      <p:pic>
+        <p:nvPicPr>
+          <p:cNvPr id="6" name="Picture 5"/>
+          <p:cNvPicPr/>
+          <p:nvPr/>
+        </p:nvPicPr>
+        <p:blipFill>
+          <a:blip r:embed="rId4">
+            <a:extLst>
+              <a:ext uri="{28A0092B-C50C-407E-A947-70E740481C1C}">
+                <a14:useLocalDpi xmlns:a14="http://schemas.microsoft.com/office/drawing/2010/main" val="0"/>
+              </a:ext>
+            </a:extLst>
+          </a:blip>
+          <a:srcRect/>
+          <a:stretch>
+            <a:fillRect/>
+          </a:stretch>
+        </p:blipFill>
+        <p:spPr bwMode="auto">
+          <a:xfrm>
+            <a:off x="4038600" y="3657600"/>
+            <a:ext cx="3581399" cy="2384946"/>
+          </a:xfrm>
+          <a:prstGeom prst="rect">
+            <a:avLst/>
+          </a:prstGeom>
+          <a:noFill/>
+          <a:ln>
+            <a:noFill/>
+          </a:ln>
+        </p:spPr>
+      </p:pic>
     </p:spTree>
     <p:extLst>
       <p:ext uri="{BB962C8B-B14F-4D97-AF65-F5344CB8AC3E}">
-        <p14:creationId xmlns:p14="http://schemas.microsoft.com/office/powerpoint/2010/main" val="2847966912"/>
+        <p14:creationId xmlns:p14="http://schemas.microsoft.com/office/powerpoint/2010/main" val="1797783688"/>
       </p:ext>
     </p:extLst>
   </p:cSld>
@@ -5970,7 +6750,7 @@
 </p:sld>
 </file>
 
-<file path=ppt/slides/slide20.xml><?xml version="1.0" encoding="utf-8"?>
+<file path=ppt/slides/slide24.xml><?xml version="1.0" encoding="utf-8"?>
 <p:sld xmlns:a="http://schemas.openxmlformats.org/drawingml/2006/main" xmlns:r="http://schemas.openxmlformats.org/officeDocument/2006/relationships" xmlns:p="http://schemas.openxmlformats.org/presentationml/2006/main">
   <p:cSld>
     <p:spTree>
@@ -6002,18 +6782,22 @@
           <a:bodyPr/>
           <a:lstStyle/>
           <a:p>
+            <a:r>
+              <a:rPr lang="en-US" smtClean="0"/>
+              <a:t>User Interface Design</a:t>
+            </a:r>
             <a:endParaRPr lang="en-US"/>
           </a:p>
         </p:txBody>
       </p:sp>
       <p:sp>
         <p:nvSpPr>
-          <p:cNvPr id="3" name="Text Placeholder 2"/>
-          <p:cNvSpPr>
-            <a:spLocks noGrp="1"/>
-          </p:cNvSpPr>
-          <p:nvPr>
-            <p:ph type="body" idx="1"/>
+          <p:cNvPr id="3" name="Content Placeholder 2"/>
+          <p:cNvSpPr>
+            <a:spLocks noGrp="1"/>
+          </p:cNvSpPr>
+          <p:nvPr>
+            <p:ph idx="1"/>
           </p:nvPr>
         </p:nvSpPr>
         <p:spPr/>
@@ -6021,6 +6805,10 @@
           <a:bodyPr/>
           <a:lstStyle/>
           <a:p>
+            <a:r>
+              <a:rPr lang="en-US" smtClean="0"/>
+              <a:t>See Document</a:t>
+            </a:r>
             <a:endParaRPr lang="en-US"/>
           </a:p>
         </p:txBody>
@@ -6028,7 +6816,7 @@
     </p:spTree>
     <p:extLst>
       <p:ext uri="{BB962C8B-B14F-4D97-AF65-F5344CB8AC3E}">
-        <p14:creationId xmlns:p14="http://schemas.microsoft.com/office/powerpoint/2010/main" val="2635085487"/>
+        <p14:creationId xmlns:p14="http://schemas.microsoft.com/office/powerpoint/2010/main" val="3160369353"/>
       </p:ext>
     </p:extLst>
   </p:cSld>
@@ -6182,69 +6970,71 @@
         </p:nvSpPr>
         <p:spPr/>
         <p:txBody>
-          <a:bodyPr/>
-          <a:lstStyle/>
-          <a:p>
-            <a:r>
-              <a:rPr lang="en-US" dirty="0"/>
+          <a:bodyPr>
+            <a:normAutofit/>
+          </a:bodyPr>
+          <a:lstStyle/>
+          <a:p>
+            <a:r>
+              <a:rPr lang="en-US" sz="3200" dirty="0"/>
               <a:t>P</a:t>
             </a:r>
             <a:r>
-              <a:rPr lang="en-US" dirty="0" smtClean="0"/>
+              <a:rPr lang="en-US" sz="3200" dirty="0" smtClean="0"/>
               <a:t>rovide </a:t>
             </a:r>
             <a:r>
-              <a:rPr lang="en-US" dirty="0"/>
+              <a:rPr lang="en-US" sz="3200" dirty="0"/>
               <a:t>a detailed description of the </a:t>
             </a:r>
-            <a:endParaRPr lang="en-US" dirty="0" smtClean="0"/>
+            <a:endParaRPr lang="en-US" sz="3200" dirty="0" smtClean="0"/>
           </a:p>
           <a:p>
             <a:pPr lvl="1"/>
             <a:r>
-              <a:rPr lang="en-US" dirty="0"/>
+              <a:rPr lang="en-US" sz="3200" dirty="0"/>
               <a:t>D</a:t>
             </a:r>
             <a:r>
-              <a:rPr lang="en-US" dirty="0" smtClean="0"/>
+              <a:rPr lang="en-US" sz="3200" dirty="0" smtClean="0"/>
               <a:t>esign framework</a:t>
             </a:r>
           </a:p>
           <a:p>
             <a:pPr lvl="1"/>
             <a:r>
-              <a:rPr lang="en-US" dirty="0" smtClean="0"/>
+              <a:rPr lang="en-US" sz="3200" dirty="0" smtClean="0"/>
               <a:t>Software and hardware architecture</a:t>
             </a:r>
           </a:p>
           <a:p>
             <a:pPr lvl="1"/>
             <a:r>
-              <a:rPr lang="en-US" dirty="0" smtClean="0"/>
+              <a:rPr lang="en-US" sz="3200" dirty="0" smtClean="0"/>
               <a:t>Security and Communication architecture</a:t>
             </a:r>
           </a:p>
           <a:p>
             <a:pPr lvl="1"/>
             <a:r>
-              <a:rPr lang="en-US" dirty="0" smtClean="0"/>
+              <a:rPr lang="en-US" sz="3200" dirty="0" smtClean="0"/>
               <a:t>Database Design</a:t>
             </a:r>
           </a:p>
           <a:p>
             <a:pPr lvl="1"/>
             <a:r>
-              <a:rPr lang="en-US" dirty="0" smtClean="0"/>
+              <a:rPr lang="en-US" sz="3200" dirty="0" smtClean="0"/>
               <a:t>Use cases</a:t>
             </a:r>
           </a:p>
           <a:p>
             <a:pPr lvl="1"/>
             <a:r>
-              <a:rPr lang="en-US" dirty="0" smtClean="0"/>
+              <a:rPr lang="en-US" sz="3200" dirty="0" smtClean="0"/>
               <a:t>Sequence Diagrams</a:t>
             </a:r>
-            <a:endParaRPr lang="en-US" dirty="0"/>
+            <a:endParaRPr lang="en-US" sz="3200" dirty="0"/>
           </a:p>
         </p:txBody>
       </p:sp>
@@ -6540,26 +7330,40 @@
             <p:ph type="title"/>
           </p:nvPr>
         </p:nvSpPr>
-        <p:spPr/>
+        <p:spPr>
+          <a:xfrm>
+            <a:off x="533400" y="2514600"/>
+            <a:ext cx="7659687" cy="1168400"/>
+          </a:xfrm>
+        </p:spPr>
         <p:txBody>
           <a:bodyPr/>
           <a:lstStyle/>
           <a:p>
-            <a:endParaRPr lang="en-US" dirty="0"/>
-          </a:p>
-        </p:txBody>
-      </p:sp>
-      <p:sp>
-        <p:nvSpPr>
-          <p:cNvPr id="3" name="Content Placeholder 2"/>
-          <p:cNvSpPr>
-            <a:spLocks noGrp="1"/>
-          </p:cNvSpPr>
-          <p:nvPr>
-            <p:ph idx="1"/>
-          </p:nvPr>
-        </p:nvSpPr>
-        <p:spPr/>
+            <a:r>
+              <a:rPr lang="en-US" b="1"/>
+              <a:t>Assumptions, Constraints, &amp; Standards</a:t>
+            </a:r>
+            <a:endParaRPr lang="en-US" b="1"/>
+          </a:p>
+        </p:txBody>
+      </p:sp>
+      <p:sp>
+        <p:nvSpPr>
+          <p:cNvPr id="3" name="Text Placeholder 2"/>
+          <p:cNvSpPr>
+            <a:spLocks noGrp="1"/>
+          </p:cNvSpPr>
+          <p:nvPr>
+            <p:ph type="body" idx="1"/>
+          </p:nvPr>
+        </p:nvSpPr>
+        <p:spPr>
+          <a:xfrm>
+            <a:off x="533400" y="838200"/>
+            <a:ext cx="6135687" cy="1633538"/>
+          </a:xfrm>
+        </p:spPr>
         <p:txBody>
           <a:bodyPr>
             <a:normAutofit/>
@@ -6567,87 +7371,21 @@
           <a:lstStyle/>
           <a:p>
             <a:r>
-              <a:rPr lang="en-US" sz="3000" dirty="0" smtClean="0"/>
-              <a:t>Constraints</a:t>
-            </a:r>
-            <a:r>
-              <a:rPr lang="en-US" dirty="0" smtClean="0"/>
-              <a:t>		</a:t>
-            </a:r>
-          </a:p>
-          <a:p>
-            <a:pPr lvl="1"/>
-            <a:r>
-              <a:rPr lang="en-US" dirty="0" smtClean="0"/>
-              <a:t>UI based </a:t>
-            </a:r>
-            <a:r>
-              <a:rPr lang="en-US" dirty="0"/>
-              <a:t>on the type of device used</a:t>
-            </a:r>
-            <a:endParaRPr lang="en-US" dirty="0" smtClean="0"/>
-          </a:p>
-          <a:p>
-            <a:pPr lvl="1"/>
-            <a:r>
-              <a:rPr lang="en-US" dirty="0" smtClean="0"/>
-              <a:t>Required modern </a:t>
-            </a:r>
-            <a:r>
-              <a:rPr lang="en-US" dirty="0"/>
-              <a:t>internet browser such as Safari, Google Chrome, or Internet </a:t>
-            </a:r>
-            <a:r>
-              <a:rPr lang="en-US" dirty="0" smtClean="0"/>
-              <a:t>Explorer.</a:t>
-            </a:r>
-          </a:p>
-          <a:p>
-            <a:pPr lvl="1"/>
-            <a:endParaRPr lang="en-US" dirty="0"/>
-          </a:p>
-          <a:p>
-            <a:r>
-              <a:rPr lang="en-US" sz="3000" dirty="0" smtClean="0"/>
-              <a:t>Assumptions</a:t>
-            </a:r>
-          </a:p>
-          <a:p>
-            <a:pPr lvl="1"/>
-            <a:r>
-              <a:rPr lang="en-US" sz="2100" dirty="0"/>
-              <a:t>Internet connection with enough bandwidth (about 1 to 2 mbps) </a:t>
-            </a:r>
-            <a:endParaRPr lang="en-US" sz="2100" dirty="0" smtClean="0"/>
-          </a:p>
-          <a:p>
-            <a:pPr lvl="1"/>
-            <a:r>
-              <a:rPr lang="en-US" sz="2100" dirty="0" smtClean="0"/>
-              <a:t>Internet </a:t>
-            </a:r>
-            <a:r>
-              <a:rPr lang="en-US" sz="2100" dirty="0"/>
-              <a:t>b</a:t>
-            </a:r>
-            <a:r>
-              <a:rPr lang="en-US" sz="2100" dirty="0" smtClean="0"/>
-              <a:t>rowser </a:t>
-            </a:r>
-            <a:r>
-              <a:rPr lang="en-US" sz="2100" dirty="0"/>
-              <a:t>with an up to date JavaScript engine and support for HTTP cookies to remember returning user logins </a:t>
-            </a:r>
-          </a:p>
-          <a:p>
-            <a:endParaRPr lang="en-US" sz="3000" dirty="0"/>
+              <a:rPr lang="en-US" sz="4000"/>
+              <a:t>2</a:t>
+            </a:r>
+            <a:r>
+              <a:rPr lang="en-US" sz="4000" smtClean="0"/>
+              <a:t>.</a:t>
+            </a:r>
+            <a:endParaRPr lang="en-US" sz="4000"/>
           </a:p>
         </p:txBody>
       </p:sp>
     </p:spTree>
     <p:extLst>
       <p:ext uri="{BB962C8B-B14F-4D97-AF65-F5344CB8AC3E}">
-        <p14:creationId xmlns:p14="http://schemas.microsoft.com/office/powerpoint/2010/main" val="3396614719"/>
+        <p14:creationId xmlns:p14="http://schemas.microsoft.com/office/powerpoint/2010/main" val="1859723473"/>
       </p:ext>
     </p:extLst>
   </p:cSld>
@@ -6684,44 +7422,26 @@
             <p:ph type="title"/>
           </p:nvPr>
         </p:nvSpPr>
-        <p:spPr>
-          <a:xfrm>
-            <a:off x="533400" y="2514600"/>
-            <a:ext cx="7659687" cy="1168400"/>
-          </a:xfrm>
-        </p:spPr>
+        <p:spPr/>
         <p:txBody>
           <a:bodyPr/>
           <a:lstStyle/>
           <a:p>
-            <a:r>
-              <a:rPr lang="en-US" b="1"/>
-              <a:t>Architecture </a:t>
-            </a:r>
-            <a:r>
-              <a:rPr lang="en-US" b="1" smtClean="0"/>
-              <a:t> Design</a:t>
-            </a:r>
-            <a:endParaRPr lang="en-US" b="1"/>
-          </a:p>
-        </p:txBody>
-      </p:sp>
-      <p:sp>
-        <p:nvSpPr>
-          <p:cNvPr id="3" name="Text Placeholder 2"/>
-          <p:cNvSpPr>
-            <a:spLocks noGrp="1"/>
-          </p:cNvSpPr>
-          <p:nvPr>
-            <p:ph type="body" idx="1"/>
-          </p:nvPr>
-        </p:nvSpPr>
-        <p:spPr>
-          <a:xfrm>
-            <a:off x="533400" y="838200"/>
-            <a:ext cx="6135687" cy="1633538"/>
-          </a:xfrm>
-        </p:spPr>
+            <a:endParaRPr lang="en-US" dirty="0"/>
+          </a:p>
+        </p:txBody>
+      </p:sp>
+      <p:sp>
+        <p:nvSpPr>
+          <p:cNvPr id="3" name="Content Placeholder 2"/>
+          <p:cNvSpPr>
+            <a:spLocks noGrp="1"/>
+          </p:cNvSpPr>
+          <p:nvPr>
+            <p:ph idx="1"/>
+          </p:nvPr>
+        </p:nvSpPr>
+        <p:spPr/>
         <p:txBody>
           <a:bodyPr>
             <a:normAutofit/>
@@ -6729,17 +7449,87 @@
           <a:lstStyle/>
           <a:p>
             <a:r>
-              <a:rPr lang="en-US" sz="4000" smtClean="0"/>
-              <a:t>3.</a:t>
-            </a:r>
-            <a:endParaRPr lang="en-US" sz="4000"/>
+              <a:rPr lang="en-US" sz="3000" dirty="0" smtClean="0"/>
+              <a:t>Constraints</a:t>
+            </a:r>
+            <a:r>
+              <a:rPr lang="en-US" dirty="0" smtClean="0"/>
+              <a:t>		</a:t>
+            </a:r>
+          </a:p>
+          <a:p>
+            <a:pPr lvl="1"/>
+            <a:r>
+              <a:rPr lang="en-US" dirty="0" smtClean="0"/>
+              <a:t>UI based </a:t>
+            </a:r>
+            <a:r>
+              <a:rPr lang="en-US" dirty="0"/>
+              <a:t>on the type of device used</a:t>
+            </a:r>
+            <a:endParaRPr lang="en-US" dirty="0" smtClean="0"/>
+          </a:p>
+          <a:p>
+            <a:pPr lvl="1"/>
+            <a:r>
+              <a:rPr lang="en-US" dirty="0" smtClean="0"/>
+              <a:t>Required modern </a:t>
+            </a:r>
+            <a:r>
+              <a:rPr lang="en-US" dirty="0"/>
+              <a:t>internet browser such as Safari, Google Chrome, or Internet </a:t>
+            </a:r>
+            <a:r>
+              <a:rPr lang="en-US" dirty="0" smtClean="0"/>
+              <a:t>Explorer.</a:t>
+            </a:r>
+          </a:p>
+          <a:p>
+            <a:pPr lvl="1"/>
+            <a:endParaRPr lang="en-US" dirty="0"/>
+          </a:p>
+          <a:p>
+            <a:r>
+              <a:rPr lang="en-US" sz="3000" dirty="0" smtClean="0"/>
+              <a:t>Assumptions</a:t>
+            </a:r>
+          </a:p>
+          <a:p>
+            <a:pPr lvl="1"/>
+            <a:r>
+              <a:rPr lang="en-US" sz="2100" dirty="0"/>
+              <a:t>Internet connection with enough bandwidth (about 1 to 2 mbps) </a:t>
+            </a:r>
+            <a:endParaRPr lang="en-US" sz="2100" dirty="0" smtClean="0"/>
+          </a:p>
+          <a:p>
+            <a:pPr lvl="1"/>
+            <a:r>
+              <a:rPr lang="en-US" sz="2100" dirty="0" smtClean="0"/>
+              <a:t>Internet </a:t>
+            </a:r>
+            <a:r>
+              <a:rPr lang="en-US" sz="2100" dirty="0"/>
+              <a:t>b</a:t>
+            </a:r>
+            <a:r>
+              <a:rPr lang="en-US" sz="2100" dirty="0" smtClean="0"/>
+              <a:t>rowser </a:t>
+            </a:r>
+            <a:r>
+              <a:rPr lang="en-US" sz="2100" dirty="0"/>
+              <a:t>with an up to date JavaScript engine and support for HTTP cookies to remember returning user logins </a:t>
+            </a:r>
+          </a:p>
+          <a:p>
+            <a:endParaRPr lang="en-US" sz="3000" dirty="0"/>
           </a:p>
         </p:txBody>
       </p:sp>
     </p:spTree>
     <p:extLst>
       <p:ext uri="{BB962C8B-B14F-4D97-AF65-F5344CB8AC3E}">
-        <p14:creationId xmlns:p14="http://schemas.microsoft.com/office/powerpoint/2010/main" val="4170926766"/>
+        <p14:creationId xmlns:p14="http://schemas.microsoft.com/office/powerpoint/2010/main" val="3396614719"/>
       </p:ext>
     </p:extLst>
   </p:cSld>
@@ -6776,118 +7566,62 @@
             <p:ph type="title"/>
           </p:nvPr>
         </p:nvSpPr>
-        <p:spPr/>
+        <p:spPr>
+          <a:xfrm>
+            <a:off x="533400" y="2514600"/>
+            <a:ext cx="7659687" cy="1168400"/>
+          </a:xfrm>
+        </p:spPr>
         <p:txBody>
           <a:bodyPr/>
           <a:lstStyle/>
           <a:p>
             <a:r>
-              <a:rPr lang="en-US" smtClean="0"/>
-              <a:t>Hardware Architecture</a:t>
-            </a:r>
-            <a:endParaRPr lang="en-US"/>
-          </a:p>
-        </p:txBody>
-      </p:sp>
-      <p:sp>
-        <p:nvSpPr>
-          <p:cNvPr id="3" name="Content Placeholder 2"/>
-          <p:cNvSpPr>
-            <a:spLocks noGrp="1"/>
-          </p:cNvSpPr>
-          <p:nvPr>
-            <p:ph idx="1"/>
-          </p:nvPr>
-        </p:nvSpPr>
-        <p:spPr/>
-        <p:txBody>
-          <a:bodyPr/>
-          <a:lstStyle/>
-          <a:p>
-            <a:r>
-              <a:rPr lang="en-US" smtClean="0"/>
-              <a:t>Webserver (Owned by Computech)</a:t>
-            </a:r>
-          </a:p>
-          <a:p>
-            <a:pPr lvl="1"/>
-            <a:r>
-              <a:rPr lang="en-US"/>
-              <a:t>Windows Server 2008 R2 </a:t>
-            </a:r>
-            <a:r>
-              <a:rPr lang="en-US" smtClean="0"/>
-              <a:t>Standard</a:t>
-            </a:r>
-          </a:p>
-          <a:p>
-            <a:pPr lvl="1"/>
-            <a:r>
-              <a:rPr lang="en-US"/>
-              <a:t>16 GB of </a:t>
-            </a:r>
-            <a:r>
-              <a:rPr lang="en-US" smtClean="0"/>
-              <a:t>RAM</a:t>
-            </a:r>
-          </a:p>
-          <a:p>
-            <a:pPr lvl="1"/>
-            <a:r>
-              <a:rPr lang="en-US" smtClean="0"/>
-              <a:t>Runs the following software:</a:t>
-            </a:r>
-          </a:p>
-          <a:p>
-            <a:pPr lvl="2"/>
-            <a:r>
-              <a:rPr lang="en-US" smtClean="0"/>
-              <a:t>Microsoft IIS </a:t>
-            </a:r>
-            <a:r>
-              <a:rPr lang="en-US"/>
-              <a:t>7.5 </a:t>
-            </a:r>
-            <a:r>
-              <a:rPr lang="en-US" smtClean="0"/>
-              <a:t>Webserver </a:t>
-            </a:r>
-          </a:p>
-          <a:p>
-            <a:pPr lvl="2"/>
-            <a:r>
-              <a:rPr lang="en-US"/>
-              <a:t>Microsoft SQL Server 2008 R2 </a:t>
-            </a:r>
-            <a:r>
-              <a:rPr lang="en-US" smtClean="0"/>
-              <a:t>Database</a:t>
-            </a:r>
-            <a:endParaRPr lang="en-US"/>
-          </a:p>
-          <a:p>
-            <a:r>
-              <a:rPr lang="en-US" smtClean="0"/>
-              <a:t>User Machine </a:t>
-            </a:r>
-          </a:p>
-          <a:p>
-            <a:pPr lvl="1"/>
-            <a:r>
-              <a:rPr lang="en-US" smtClean="0"/>
-              <a:t>Any PC with latest version of Google Chrome, </a:t>
-            </a:r>
-          </a:p>
-          <a:p>
-            <a:pPr lvl="1"/>
-            <a:endParaRPr lang="en-US"/>
+              <a:rPr lang="en-US" b="1"/>
+              <a:t>Architecture </a:t>
+            </a:r>
+            <a:r>
+              <a:rPr lang="en-US" b="1" smtClean="0"/>
+              <a:t> Design</a:t>
+            </a:r>
+            <a:endParaRPr lang="en-US" b="1"/>
+          </a:p>
+        </p:txBody>
+      </p:sp>
+      <p:sp>
+        <p:nvSpPr>
+          <p:cNvPr id="3" name="Text Placeholder 2"/>
+          <p:cNvSpPr>
+            <a:spLocks noGrp="1"/>
+          </p:cNvSpPr>
+          <p:nvPr>
+            <p:ph type="body" idx="1"/>
+          </p:nvPr>
+        </p:nvSpPr>
+        <p:spPr>
+          <a:xfrm>
+            <a:off x="533400" y="838200"/>
+            <a:ext cx="6135687" cy="1633538"/>
+          </a:xfrm>
+        </p:spPr>
+        <p:txBody>
+          <a:bodyPr>
+            <a:normAutofit/>
+          </a:bodyPr>
+          <a:lstStyle/>
+          <a:p>
+            <a:r>
+              <a:rPr lang="en-US" sz="4000" smtClean="0"/>
+              <a:t>3.</a:t>
+            </a:r>
+            <a:endParaRPr lang="en-US" sz="4000"/>
           </a:p>
         </p:txBody>
       </p:sp>
     </p:spTree>
     <p:extLst>
       <p:ext uri="{BB962C8B-B14F-4D97-AF65-F5344CB8AC3E}">
-        <p14:creationId xmlns:p14="http://schemas.microsoft.com/office/powerpoint/2010/main" val="1493005372"/>
+        <p14:creationId xmlns:p14="http://schemas.microsoft.com/office/powerpoint/2010/main" val="4170926766"/>
       </p:ext>
     </p:extLst>
   </p:cSld>
@@ -6931,7 +7665,7 @@
           <a:p>
             <a:r>
               <a:rPr lang="en-US" smtClean="0"/>
-              <a:t>Software Architecture</a:t>
+              <a:t>Hardware Architecture</a:t>
             </a:r>
             <a:endParaRPr lang="en-US"/>
           </a:p>
@@ -6949,9 +7683,131 @@
         </p:nvSpPr>
         <p:spPr/>
         <p:txBody>
-          <a:bodyPr/>
-          <a:lstStyle/>
-          <a:p>
+          <a:bodyPr>
+            <a:normAutofit lnSpcReduction="10000"/>
+          </a:bodyPr>
+          <a:lstStyle/>
+          <a:p>
+            <a:r>
+              <a:rPr lang="en-US" sz="2800" b="1" smtClean="0"/>
+              <a:t>Webserver</a:t>
+            </a:r>
+            <a:r>
+              <a:rPr lang="en-US" smtClean="0"/>
+              <a:t> (Owned by Computech)</a:t>
+            </a:r>
+          </a:p>
+          <a:p>
+            <a:pPr lvl="1"/>
+            <a:r>
+              <a:rPr lang="en-US" sz="2400"/>
+              <a:t>Windows Server 2008 R2 </a:t>
+            </a:r>
+            <a:r>
+              <a:rPr lang="en-US" sz="2400" smtClean="0"/>
+              <a:t>Standard</a:t>
+            </a:r>
+          </a:p>
+          <a:p>
+            <a:pPr lvl="1"/>
+            <a:r>
+              <a:rPr lang="en-US" sz="2400"/>
+              <a:t>16 GB of </a:t>
+            </a:r>
+            <a:r>
+              <a:rPr lang="en-US" sz="2400" smtClean="0"/>
+              <a:t>RAM</a:t>
+            </a:r>
+          </a:p>
+          <a:p>
+            <a:pPr lvl="1"/>
+            <a:r>
+              <a:rPr lang="en-US" sz="2400" smtClean="0"/>
+              <a:t>Runs the following software:</a:t>
+            </a:r>
+          </a:p>
+          <a:p>
+            <a:pPr lvl="2"/>
+            <a:r>
+              <a:rPr lang="en-US" sz="2400" smtClean="0"/>
+              <a:t>Microsoft IIS </a:t>
+            </a:r>
+            <a:r>
+              <a:rPr lang="en-US" sz="2400"/>
+              <a:t>7.5 </a:t>
+            </a:r>
+            <a:r>
+              <a:rPr lang="en-US" sz="2400" smtClean="0"/>
+              <a:t>Webserver </a:t>
+            </a:r>
+          </a:p>
+          <a:p>
+            <a:pPr lvl="2"/>
+            <a:r>
+              <a:rPr lang="en-US" sz="2400"/>
+              <a:t>Microsoft SQL Server 2008 R2 </a:t>
+            </a:r>
+            <a:r>
+              <a:rPr lang="en-US" sz="2400" smtClean="0"/>
+              <a:t>Database</a:t>
+            </a:r>
+          </a:p>
+          <a:p>
+            <a:pPr marL="777240" lvl="2" indent="0">
+              <a:buNone/>
+            </a:pPr>
+            <a:endParaRPr lang="en-US"/>
+          </a:p>
+          <a:p>
+            <a:r>
+              <a:rPr lang="en-US" sz="2800" b="1" smtClean="0"/>
+              <a:t>User Machine </a:t>
+            </a:r>
+          </a:p>
+          <a:p>
+            <a:pPr lvl="1"/>
+            <a:r>
+              <a:rPr lang="en-US" sz="2400" smtClean="0"/>
+              <a:t>Any PC with latest version of Google Chrome or Safari</a:t>
+            </a:r>
+          </a:p>
+          <a:p>
+            <a:pPr lvl="1"/>
+            <a:r>
+              <a:rPr lang="en-US" sz="2400"/>
+              <a:t>iPhone 6 and iPad Air </a:t>
+            </a:r>
+            <a:r>
+              <a:rPr lang="en-US" sz="2400" smtClean="0"/>
+              <a:t>running </a:t>
+            </a:r>
+            <a:r>
+              <a:rPr lang="en-US" sz="2400"/>
+              <a:t>iOS 8.1.3</a:t>
+            </a:r>
+            <a:r>
+              <a:rPr lang="en-US" sz="2400" smtClean="0"/>
+              <a:t> </a:t>
+            </a:r>
+          </a:p>
+          <a:p>
+            <a:pPr lvl="1"/>
+            <a:r>
+              <a:rPr lang="en-US" sz="2400"/>
+              <a:t>Samsung Galaxy S5 </a:t>
+            </a:r>
+            <a:r>
+              <a:rPr lang="en-US" sz="2400" smtClean="0"/>
+              <a:t>running </a:t>
+            </a:r>
+            <a:r>
+              <a:rPr lang="en-US" sz="2400"/>
+              <a:t>Android v5.0 Lollipop </a:t>
+            </a:r>
+            <a:endParaRPr lang="en-US" sz="2400" smtClean="0"/>
+          </a:p>
+          <a:p>
+            <a:pPr lvl="1"/>
             <a:endParaRPr lang="en-US"/>
           </a:p>
         </p:txBody>
@@ -6959,7 +7815,7 @@
     </p:spTree>
     <p:extLst>
       <p:ext uri="{BB962C8B-B14F-4D97-AF65-F5344CB8AC3E}">
-        <p14:creationId xmlns:p14="http://schemas.microsoft.com/office/powerpoint/2010/main" val="261764190"/>
+        <p14:creationId xmlns:p14="http://schemas.microsoft.com/office/powerpoint/2010/main" val="3180127955"/>
       </p:ext>
     </p:extLst>
   </p:cSld>

--- a/Design Specification/Design Specification.pptx
+++ b/Design Specification/Design Specification.pptx
@@ -28,7 +28,10 @@
     <p:sldId id="277" r:id="rId22"/>
     <p:sldId id="279" r:id="rId23"/>
     <p:sldId id="284" r:id="rId24"/>
-    <p:sldId id="285" r:id="rId25"/>
+    <p:sldId id="286" r:id="rId25"/>
+    <p:sldId id="287" r:id="rId26"/>
+    <p:sldId id="288" r:id="rId27"/>
+    <p:sldId id="285" r:id="rId28"/>
   </p:sldIdLst>
   <p:sldSz cx="9144000" cy="6858000" type="screen4x3"/>
   <p:notesSz cx="6858000" cy="9144000"/>
@@ -329,7 +332,7 @@
                 </a:solidFill>
               </a:rPr>
               <a:pPr/>
-              <a:t>3/10/2015</a:t>
+              <a:t>3/10/15</a:t>
             </a:fld>
             <a:endParaRPr lang="en-US">
               <a:solidFill>
@@ -513,7 +516,7 @@
                 </a:solidFill>
               </a:rPr>
               <a:pPr/>
-              <a:t>3/10/2015</a:t>
+              <a:t>3/10/15</a:t>
             </a:fld>
             <a:endParaRPr lang="en-US">
               <a:solidFill>
@@ -707,7 +710,7 @@
                 </a:solidFill>
               </a:rPr>
               <a:pPr/>
-              <a:t>3/10/2015</a:t>
+              <a:t>3/10/15</a:t>
             </a:fld>
             <a:endParaRPr lang="en-US">
               <a:solidFill>
@@ -891,7 +894,7 @@
                 </a:solidFill>
               </a:rPr>
               <a:pPr/>
-              <a:t>3/10/2015</a:t>
+              <a:t>3/10/15</a:t>
             </a:fld>
             <a:endParaRPr lang="en-US">
               <a:solidFill>
@@ -1151,7 +1154,7 @@
                 </a:solidFill>
               </a:rPr>
               <a:pPr/>
-              <a:t>3/10/2015</a:t>
+              <a:t>3/10/15</a:t>
             </a:fld>
             <a:endParaRPr lang="en-US">
               <a:solidFill>
@@ -1453,7 +1456,7 @@
                 </a:solidFill>
               </a:rPr>
               <a:pPr/>
-              <a:t>3/10/2015</a:t>
+              <a:t>3/10/15</a:t>
             </a:fld>
             <a:endParaRPr lang="en-US">
               <a:solidFill>
@@ -1901,7 +1904,7 @@
                 </a:solidFill>
               </a:rPr>
               <a:pPr/>
-              <a:t>3/10/2015</a:t>
+              <a:t>3/10/15</a:t>
             </a:fld>
             <a:endParaRPr lang="en-US">
               <a:solidFill>
@@ -2033,7 +2036,7 @@
                 </a:solidFill>
               </a:rPr>
               <a:pPr/>
-              <a:t>3/10/2015</a:t>
+              <a:t>3/10/15</a:t>
             </a:fld>
             <a:endParaRPr lang="en-US">
               <a:solidFill>
@@ -2142,7 +2145,7 @@
                 </a:solidFill>
               </a:rPr>
               <a:pPr/>
-              <a:t>3/10/2015</a:t>
+              <a:t>3/10/15</a:t>
             </a:fld>
             <a:endParaRPr lang="en-US">
               <a:solidFill>
@@ -2350,7 +2353,7 @@
                 </a:solidFill>
               </a:rPr>
               <a:pPr/>
-              <a:t>3/10/2015</a:t>
+              <a:t>3/10/15</a:t>
             </a:fld>
             <a:endParaRPr lang="en-US">
               <a:solidFill>
@@ -2687,7 +2690,7 @@
                 </a:solidFill>
               </a:rPr>
               <a:pPr/>
-              <a:t>3/10/2015</a:t>
+              <a:t>3/10/15</a:t>
             </a:fld>
             <a:endParaRPr lang="en-US">
               <a:solidFill>
@@ -3098,7 +3101,7 @@
                 </a:solidFill>
               </a:rPr>
               <a:pPr/>
-              <a:t>3/10/2015</a:t>
+              <a:t>3/10/15</a:t>
             </a:fld>
             <a:endParaRPr lang="en-US">
               <a:solidFill>
@@ -3603,14 +3606,14 @@
             <a:noFill/>
           </a:ln>
           <a:extLst>
-            <a:ext uri="{909E8E84-426E-40DD-AFC4-6F175D3DCCD1}">
+            <a:ext uri="{909E8E84-426E-40dd-AFC4-6F175D3DCCD1}">
               <a14:hiddenFill xmlns:a14="http://schemas.microsoft.com/office/drawing/2010/main">
                 <a:solidFill>
                   <a:schemeClr val="accent1"/>
                 </a:solidFill>
               </a14:hiddenFill>
             </a:ext>
-            <a:ext uri="{91240B29-F687-4F45-9708-019B960494DF}">
+            <a:ext uri="{91240B29-F687-4f45-9708-019B960494DF}">
               <a14:hiddenLine xmlns:a14="http://schemas.microsoft.com/office/drawing/2010/main" w="9525">
                 <a:solidFill>
                   <a:schemeClr val="tx1"/>
@@ -3658,14 +3661,14 @@
           </a:ln>
           <a:effectLst/>
           <a:extLst>
-            <a:ext uri="{909E8E84-426E-40DD-AFC4-6F175D3DCCD1}">
+            <a:ext uri="{909E8E84-426E-40dd-AFC4-6F175D3DCCD1}">
               <a14:hiddenFill xmlns:a14="http://schemas.microsoft.com/office/drawing/2010/main">
                 <a:solidFill>
                   <a:schemeClr val="accent1"/>
                 </a:solidFill>
               </a14:hiddenFill>
             </a:ext>
-            <a:ext uri="{91240B29-F687-4F45-9708-019B960494DF}">
+            <a:ext uri="{91240B29-F687-4f45-9708-019B960494DF}">
               <a14:hiddenLine xmlns:a14="http://schemas.microsoft.com/office/drawing/2010/main" w="9525">
                 <a:solidFill>
                   <a:schemeClr val="tx1"/>
@@ -3675,7 +3678,7 @@
                 <a:tailEnd/>
               </a14:hiddenLine>
             </a:ext>
-            <a:ext uri="{AF507438-7753-43E0-B8FC-AC1667EBCBE1}">
+            <a:ext uri="{AF507438-7753-43e0-B8FC-AC1667EBCBE1}">
               <a14:hiddenEffects xmlns:a14="http://schemas.microsoft.com/office/drawing/2010/main">
                 <a:effectLst>
                   <a:outerShdw dist="35921" dir="2700000" algn="ctr" rotWithShape="0">
@@ -3700,7 +3703,7 @@
   <p:timing>
     <p:tnLst>
       <p:par>
-        <p:cTn id="1" dur="indefinite" restart="never" nodeType="tmRoot"/>
+        <p:cTn xmlns:p14="http://schemas.microsoft.com/office/powerpoint/2010/main" id="1" dur="indefinite" restart="never" nodeType="tmRoot"/>
       </p:par>
     </p:tnLst>
   </p:timing>
@@ -3784,14 +3787,14 @@
           </a:ln>
           <a:effectLst/>
           <a:extLst>
-            <a:ext uri="{909E8E84-426E-40DD-AFC4-6F175D3DCCD1}">
+            <a:ext uri="{909E8E84-426E-40dd-AFC4-6F175D3DCCD1}">
               <a14:hiddenFill xmlns:a14="http://schemas.microsoft.com/office/drawing/2010/main">
                 <a:solidFill>
                   <a:schemeClr val="accent1"/>
                 </a:solidFill>
               </a14:hiddenFill>
             </a:ext>
-            <a:ext uri="{91240B29-F687-4F45-9708-019B960494DF}">
+            <a:ext uri="{91240B29-F687-4f45-9708-019B960494DF}">
               <a14:hiddenLine xmlns:a14="http://schemas.microsoft.com/office/drawing/2010/main" w="9525">
                 <a:solidFill>
                   <a:schemeClr val="tx1"/>
@@ -3801,7 +3804,7 @@
                 <a:tailEnd/>
               </a14:hiddenLine>
             </a:ext>
-            <a:ext uri="{AF507438-7753-43E0-B8FC-AC1667EBCBE1}">
+            <a:ext uri="{AF507438-7753-43e0-B8FC-AC1667EBCBE1}">
               <a14:hiddenEffects xmlns:a14="http://schemas.microsoft.com/office/drawing/2010/main">
                 <a:effectLst>
                   <a:outerShdw dist="35921" dir="2700000" algn="ctr" rotWithShape="0">
@@ -3981,7 +3984,7 @@
   <p:timing>
     <p:tnLst>
       <p:par>
-        <p:cTn id="1" dur="indefinite" restart="never" nodeType="tmRoot"/>
+        <p:cTn xmlns:p14="http://schemas.microsoft.com/office/powerpoint/2010/main" id="1" dur="indefinite" restart="never" nodeType="tmRoot"/>
       </p:par>
     </p:tnLst>
   </p:timing>
@@ -4065,14 +4068,14 @@
           </a:ln>
           <a:effectLst/>
           <a:extLst>
-            <a:ext uri="{909E8E84-426E-40DD-AFC4-6F175D3DCCD1}">
+            <a:ext uri="{909E8E84-426E-40dd-AFC4-6F175D3DCCD1}">
               <a14:hiddenFill xmlns:a14="http://schemas.microsoft.com/office/drawing/2010/main">
                 <a:solidFill>
                   <a:schemeClr val="accent1"/>
                 </a:solidFill>
               </a14:hiddenFill>
             </a:ext>
-            <a:ext uri="{91240B29-F687-4F45-9708-019B960494DF}">
+            <a:ext uri="{91240B29-F687-4f45-9708-019B960494DF}">
               <a14:hiddenLine xmlns:a14="http://schemas.microsoft.com/office/drawing/2010/main" w="9525">
                 <a:solidFill>
                   <a:schemeClr val="tx1"/>
@@ -4082,7 +4085,7 @@
                 <a:tailEnd/>
               </a14:hiddenLine>
             </a:ext>
-            <a:ext uri="{AF507438-7753-43E0-B8FC-AC1667EBCBE1}">
+            <a:ext uri="{AF507438-7753-43e0-B8FC-AC1667EBCBE1}">
               <a14:hiddenEffects xmlns:a14="http://schemas.microsoft.com/office/drawing/2010/main">
                 <a:effectLst>
                   <a:outerShdw dist="35921" dir="2700000" algn="ctr" rotWithShape="0">
@@ -4243,14 +4246,14 @@
           </a:ln>
           <a:effectLst/>
           <a:extLst>
-            <a:ext uri="{909E8E84-426E-40DD-AFC4-6F175D3DCCD1}">
+            <a:ext uri="{909E8E84-426E-40dd-AFC4-6F175D3DCCD1}">
               <a14:hiddenFill xmlns:a14="http://schemas.microsoft.com/office/drawing/2010/main">
                 <a:solidFill>
                   <a:schemeClr val="accent1"/>
                 </a:solidFill>
               </a14:hiddenFill>
             </a:ext>
-            <a:ext uri="{91240B29-F687-4F45-9708-019B960494DF}">
+            <a:ext uri="{91240B29-F687-4f45-9708-019B960494DF}">
               <a14:hiddenLine xmlns:a14="http://schemas.microsoft.com/office/drawing/2010/main" w="9525">
                 <a:solidFill>
                   <a:schemeClr val="tx1"/>
@@ -4260,7 +4263,7 @@
                 <a:tailEnd/>
               </a14:hiddenLine>
             </a:ext>
-            <a:ext uri="{AF507438-7753-43E0-B8FC-AC1667EBCBE1}">
+            <a:ext uri="{AF507438-7753-43e0-B8FC-AC1667EBCBE1}">
               <a14:hiddenEffects xmlns:a14="http://schemas.microsoft.com/office/drawing/2010/main">
                 <a:effectLst>
                   <a:outerShdw dist="35921" dir="2700000" algn="ctr" rotWithShape="0">
@@ -4346,11 +4349,7 @@
             </a:r>
             <a:r>
               <a:rPr lang="en-US"/>
-              <a:t>between the different components of the </a:t>
-            </a:r>
-            <a:r>
-              <a:rPr lang="en-US"/>
-              <a:t>software </a:t>
+              <a:t>between the different components of the software </a:t>
             </a:r>
             <a:r>
               <a:rPr lang="en-US" smtClean="0"/>
@@ -4365,11 +4364,7 @@
             </a:r>
             <a:r>
               <a:rPr lang="en-US" sz="2200"/>
-              <a:t># controller contains a C# model object which it queries </a:t>
-            </a:r>
-            <a:r>
-              <a:rPr lang="en-US" sz="2200"/>
-              <a:t>for </a:t>
+              <a:t># controller contains a C# model object which it queries for </a:t>
             </a:r>
             <a:r>
               <a:rPr lang="en-US" sz="2200" smtClean="0"/>
@@ -4385,11 +4380,7 @@
             </a:r>
             <a:r>
               <a:rPr lang="en-US" sz="2200"/>
-              <a:t>is then passed to the .CSHTML view, where it is rendered for the user </a:t>
-            </a:r>
-            <a:r>
-              <a:rPr lang="en-US" sz="2200"/>
-              <a:t>to </a:t>
+              <a:t>is then passed to the .CSHTML view, where it is rendered for the user to </a:t>
             </a:r>
             <a:r>
               <a:rPr lang="en-US" sz="2200" smtClean="0"/>
@@ -4404,11 +4395,7 @@
             </a:r>
             <a:r>
               <a:rPr lang="en-US" sz="2200"/>
-              <a:t>between each of these components is handled via the .</a:t>
-            </a:r>
-            <a:r>
-              <a:rPr lang="en-US" sz="2200"/>
-              <a:t>NET </a:t>
+              <a:t>between each of these components is handled via the .NET </a:t>
             </a:r>
             <a:r>
               <a:rPr lang="en-US" sz="2200" smtClean="0"/>
@@ -4423,11 +4410,7 @@
             </a:r>
             <a:r>
               <a:rPr lang="en-US"/>
-              <a:t>between the running application on the user’s device and the </a:t>
-            </a:r>
-            <a:r>
-              <a:rPr lang="en-US"/>
-              <a:t>Computech </a:t>
+              <a:t>between the running application on the user’s device and the Computech </a:t>
             </a:r>
             <a:r>
               <a:rPr lang="en-US" smtClean="0"/>
@@ -4442,11 +4425,7 @@
             </a:r>
             <a:r>
               <a:rPr lang="en-US" sz="2200"/>
-              <a:t>(in the case of requesting a web page) and POST (in the case of submitting a form) requests from the user </a:t>
-            </a:r>
-            <a:r>
-              <a:rPr lang="en-US" sz="2200"/>
-              <a:t>or </a:t>
+              <a:t>(in the case of requesting a web page) and POST (in the case of submitting a form) requests from the user or </a:t>
             </a:r>
             <a:r>
               <a:rPr lang="en-US" sz="2200" smtClean="0"/>
@@ -4701,14 +4680,14 @@
           </a:ln>
           <a:effectLst/>
           <a:extLst>
-            <a:ext uri="{909E8E84-426E-40DD-AFC4-6F175D3DCCD1}">
+            <a:ext uri="{909E8E84-426E-40dd-AFC4-6F175D3DCCD1}">
               <a14:hiddenFill xmlns:a14="http://schemas.microsoft.com/office/drawing/2010/main">
                 <a:solidFill>
                   <a:schemeClr val="accent1"/>
                 </a:solidFill>
               </a14:hiddenFill>
             </a:ext>
-            <a:ext uri="{91240B29-F687-4F45-9708-019B960494DF}">
+            <a:ext uri="{91240B29-F687-4f45-9708-019B960494DF}">
               <a14:hiddenLine xmlns:a14="http://schemas.microsoft.com/office/drawing/2010/main" w="9525">
                 <a:solidFill>
                   <a:schemeClr val="tx1"/>
@@ -4718,7 +4697,7 @@
                 <a:tailEnd/>
               </a14:hiddenLine>
             </a:ext>
-            <a:ext uri="{AF507438-7753-43E0-B8FC-AC1667EBCBE1}">
+            <a:ext uri="{AF507438-7753-43e0-B8FC-AC1667EBCBE1}">
               <a14:hiddenEffects xmlns:a14="http://schemas.microsoft.com/office/drawing/2010/main">
                 <a:effectLst>
                   <a:outerShdw dist="35921" dir="2700000" algn="ctr" rotWithShape="0">
@@ -4743,7 +4722,7 @@
   <p:timing>
     <p:tnLst>
       <p:par>
-        <p:cTn id="1" dur="indefinite" restart="never" nodeType="tmRoot"/>
+        <p:cTn xmlns:p14="http://schemas.microsoft.com/office/powerpoint/2010/main" id="1" dur="indefinite" restart="never" nodeType="tmRoot"/>
       </p:par>
     </p:tnLst>
   </p:timing>
@@ -4870,14 +4849,14 @@
           </a:ln>
           <a:effectLst/>
           <a:extLst>
-            <a:ext uri="{909E8E84-426E-40DD-AFC4-6F175D3DCCD1}">
+            <a:ext uri="{909E8E84-426E-40dd-AFC4-6F175D3DCCD1}">
               <a14:hiddenFill xmlns:a14="http://schemas.microsoft.com/office/drawing/2010/main">
                 <a:solidFill>
                   <a:schemeClr val="accent1"/>
                 </a:solidFill>
               </a14:hiddenFill>
             </a:ext>
-            <a:ext uri="{91240B29-F687-4F45-9708-019B960494DF}">
+            <a:ext uri="{91240B29-F687-4f45-9708-019B960494DF}">
               <a14:hiddenLine xmlns:a14="http://schemas.microsoft.com/office/drawing/2010/main" w="9525">
                 <a:solidFill>
                   <a:schemeClr val="tx1"/>
@@ -4887,7 +4866,7 @@
                 <a:tailEnd/>
               </a14:hiddenLine>
             </a:ext>
-            <a:ext uri="{AF507438-7753-43E0-B8FC-AC1667EBCBE1}">
+            <a:ext uri="{AF507438-7753-43e0-B8FC-AC1667EBCBE1}">
               <a14:hiddenEffects xmlns:a14="http://schemas.microsoft.com/office/drawing/2010/main">
                 <a:effectLst>
                   <a:outerShdw dist="35921" dir="2700000" algn="ctr" rotWithShape="0">
@@ -4912,7 +4891,7 @@
   <p:timing>
     <p:tnLst>
       <p:par>
-        <p:cTn id="1" dur="indefinite" restart="never" nodeType="tmRoot"/>
+        <p:cTn xmlns:p14="http://schemas.microsoft.com/office/powerpoint/2010/main" id="1" dur="indefinite" restart="never" nodeType="tmRoot"/>
       </p:par>
     </p:tnLst>
   </p:timing>
@@ -5026,14 +5005,14 @@
           </a:ln>
           <a:effectLst/>
           <a:extLst>
-            <a:ext uri="{909E8E84-426E-40DD-AFC4-6F175D3DCCD1}">
+            <a:ext uri="{909E8E84-426E-40dd-AFC4-6F175D3DCCD1}">
               <a14:hiddenFill xmlns:a14="http://schemas.microsoft.com/office/drawing/2010/main">
                 <a:solidFill>
                   <a:schemeClr val="accent1"/>
                 </a:solidFill>
               </a14:hiddenFill>
             </a:ext>
-            <a:ext uri="{91240B29-F687-4F45-9708-019B960494DF}">
+            <a:ext uri="{91240B29-F687-4f45-9708-019B960494DF}">
               <a14:hiddenLine xmlns:a14="http://schemas.microsoft.com/office/drawing/2010/main" w="9525">
                 <a:solidFill>
                   <a:schemeClr val="tx1"/>
@@ -5043,7 +5022,7 @@
                 <a:tailEnd/>
               </a14:hiddenLine>
             </a:ext>
-            <a:ext uri="{AF507438-7753-43E0-B8FC-AC1667EBCBE1}">
+            <a:ext uri="{AF507438-7753-43e0-B8FC-AC1667EBCBE1}">
               <a14:hiddenEffects xmlns:a14="http://schemas.microsoft.com/office/drawing/2010/main">
                 <a:effectLst>
                   <a:outerShdw dist="35921" dir="2700000" algn="ctr" rotWithShape="0">
@@ -5089,12 +5068,12 @@
           <a:graphicData uri="http://schemas.openxmlformats.org/presentationml/2006/ole">
             <mc:AlternateContent xmlns:mc="http://schemas.openxmlformats.org/markup-compatibility/2006">
               <mc:Choice xmlns:v="urn:schemas-microsoft-com:vml" Requires="v">
-                <p:oleObj spid="_x0000_s4108" name="Visio" r:id="rId3" imgW="6334163" imgH="580897" progId="Visio.Drawing.15">
+                <p:oleObj spid="_x0000_s4110" name="Visio" r:id="rId4" imgW="6334163" imgH="580897" progId="Visio.Drawing.15">
                   <p:embed/>
                 </p:oleObj>
               </mc:Choice>
               <mc:Fallback>
-                <p:oleObj name="Visio" r:id="rId3" imgW="6334163" imgH="580897" progId="Visio.Drawing.15">
+                <p:oleObj name="Visio" r:id="rId4" imgW="6334163" imgH="580897" progId="Visio.Drawing.15">
                   <p:embed/>
                   <p:pic>
                     <p:nvPicPr>
@@ -5105,7 +5084,7 @@
                       <p:nvPr/>
                     </p:nvPicPr>
                     <p:blipFill>
-                      <a:blip r:embed="rId4">
+                      <a:blip r:embed="rId5">
                         <a:extLst>
                           <a:ext uri="{28A0092B-C50C-407E-A947-70E740481C1C}">
                             <a14:useLocalDpi xmlns:a14="http://schemas.microsoft.com/office/drawing/2010/main" val="0"/>
@@ -5147,7 +5126,7 @@
   <p:timing>
     <p:tnLst>
       <p:par>
-        <p:cTn id="1" dur="indefinite" restart="never" nodeType="tmRoot"/>
+        <p:cTn xmlns:p14="http://schemas.microsoft.com/office/powerpoint/2010/main" id="1" dur="indefinite" restart="never" nodeType="tmRoot"/>
       </p:par>
     </p:tnLst>
   </p:timing>
@@ -5265,14 +5244,14 @@
           </a:ln>
           <a:effectLst/>
           <a:extLst>
-            <a:ext uri="{909E8E84-426E-40DD-AFC4-6F175D3DCCD1}">
+            <a:ext uri="{909E8E84-426E-40dd-AFC4-6F175D3DCCD1}">
               <a14:hiddenFill xmlns:a14="http://schemas.microsoft.com/office/drawing/2010/main">
                 <a:solidFill>
                   <a:schemeClr val="accent1"/>
                 </a:solidFill>
               </a14:hiddenFill>
             </a:ext>
-            <a:ext uri="{91240B29-F687-4F45-9708-019B960494DF}">
+            <a:ext uri="{91240B29-F687-4f45-9708-019B960494DF}">
               <a14:hiddenLine xmlns:a14="http://schemas.microsoft.com/office/drawing/2010/main" w="9525">
                 <a:solidFill>
                   <a:schemeClr val="tx1"/>
@@ -5282,7 +5261,7 @@
                 <a:tailEnd/>
               </a14:hiddenLine>
             </a:ext>
-            <a:ext uri="{AF507438-7753-43E0-B8FC-AC1667EBCBE1}">
+            <a:ext uri="{AF507438-7753-43e0-B8FC-AC1667EBCBE1}">
               <a14:hiddenEffects xmlns:a14="http://schemas.microsoft.com/office/drawing/2010/main">
                 <a:effectLst>
                   <a:outerShdw dist="35921" dir="2700000" algn="ctr" rotWithShape="0">
@@ -5341,14 +5320,14 @@
           </a:ln>
           <a:effectLst/>
           <a:extLst>
-            <a:ext uri="{909E8E84-426E-40DD-AFC4-6F175D3DCCD1}">
+            <a:ext uri="{909E8E84-426E-40dd-AFC4-6F175D3DCCD1}">
               <a14:hiddenFill xmlns:a14="http://schemas.microsoft.com/office/drawing/2010/main">
                 <a:solidFill>
                   <a:schemeClr val="accent1"/>
                 </a:solidFill>
               </a14:hiddenFill>
             </a:ext>
-            <a:ext uri="{91240B29-F687-4F45-9708-019B960494DF}">
+            <a:ext uri="{91240B29-F687-4f45-9708-019B960494DF}">
               <a14:hiddenLine xmlns:a14="http://schemas.microsoft.com/office/drawing/2010/main" w="9525">
                 <a:solidFill>
                   <a:schemeClr val="tx1"/>
@@ -5358,7 +5337,7 @@
                 <a:tailEnd/>
               </a14:hiddenLine>
             </a:ext>
-            <a:ext uri="{AF507438-7753-43E0-B8FC-AC1667EBCBE1}">
+            <a:ext uri="{AF507438-7753-43e0-B8FC-AC1667EBCBE1}">
               <a14:hiddenEffects xmlns:a14="http://schemas.microsoft.com/office/drawing/2010/main">
                 <a:effectLst>
                   <a:outerShdw dist="35921" dir="2700000" algn="ctr" rotWithShape="0">
@@ -5383,7 +5362,7 @@
   <p:timing>
     <p:tnLst>
       <p:par>
-        <p:cTn id="1" dur="indefinite" restart="never" nodeType="tmRoot"/>
+        <p:cTn xmlns:p14="http://schemas.microsoft.com/office/powerpoint/2010/main" id="1" dur="indefinite" restart="never" nodeType="tmRoot"/>
       </p:par>
     </p:tnLst>
   </p:timing>
@@ -5618,14 +5597,14 @@
           </a:ln>
           <a:effectLst/>
           <a:extLst>
-            <a:ext uri="{909E8E84-426E-40DD-AFC4-6F175D3DCCD1}">
+            <a:ext uri="{909E8E84-426E-40dd-AFC4-6F175D3DCCD1}">
               <a14:hiddenFill xmlns:a14="http://schemas.microsoft.com/office/drawing/2010/main">
                 <a:solidFill>
                   <a:schemeClr val="accent1"/>
                 </a:solidFill>
               </a14:hiddenFill>
             </a:ext>
-            <a:ext uri="{91240B29-F687-4F45-9708-019B960494DF}">
+            <a:ext uri="{91240B29-F687-4f45-9708-019B960494DF}">
               <a14:hiddenLine xmlns:a14="http://schemas.microsoft.com/office/drawing/2010/main" w="9525">
                 <a:solidFill>
                   <a:schemeClr val="tx1"/>
@@ -5635,7 +5614,7 @@
                 <a:tailEnd/>
               </a14:hiddenLine>
             </a:ext>
-            <a:ext uri="{AF507438-7753-43E0-B8FC-AC1667EBCBE1}">
+            <a:ext uri="{AF507438-7753-43e0-B8FC-AC1667EBCBE1}">
               <a14:hiddenEffects xmlns:a14="http://schemas.microsoft.com/office/drawing/2010/main">
                 <a:effectLst>
                   <a:outerShdw dist="35921" dir="2700000" algn="ctr" rotWithShape="0">
@@ -5681,14 +5660,14 @@
           </a:ln>
           <a:effectLst/>
           <a:extLst>
-            <a:ext uri="{909E8E84-426E-40DD-AFC4-6F175D3DCCD1}">
+            <a:ext uri="{909E8E84-426E-40dd-AFC4-6F175D3DCCD1}">
               <a14:hiddenFill xmlns:a14="http://schemas.microsoft.com/office/drawing/2010/main">
                 <a:solidFill>
                   <a:schemeClr val="accent1"/>
                 </a:solidFill>
               </a14:hiddenFill>
             </a:ext>
-            <a:ext uri="{91240B29-F687-4F45-9708-019B960494DF}">
+            <a:ext uri="{91240B29-F687-4f45-9708-019B960494DF}">
               <a14:hiddenLine xmlns:a14="http://schemas.microsoft.com/office/drawing/2010/main" w="9525">
                 <a:solidFill>
                   <a:schemeClr val="tx1"/>
@@ -5698,7 +5677,7 @@
                 <a:tailEnd/>
               </a14:hiddenLine>
             </a:ext>
-            <a:ext uri="{AF507438-7753-43E0-B8FC-AC1667EBCBE1}">
+            <a:ext uri="{AF507438-7753-43e0-B8FC-AC1667EBCBE1}">
               <a14:hiddenEffects xmlns:a14="http://schemas.microsoft.com/office/drawing/2010/main">
                 <a:effectLst>
                   <a:outerShdw dist="35921" dir="2700000" algn="ctr" rotWithShape="0">
@@ -5744,12 +5723,12 @@
           <a:graphicData uri="http://schemas.openxmlformats.org/presentationml/2006/ole">
             <mc:AlternateContent xmlns:mc="http://schemas.openxmlformats.org/markup-compatibility/2006">
               <mc:Choice xmlns:v="urn:schemas-microsoft-com:vml" Requires="v">
-                <p:oleObj spid="_x0000_s6154" name="Visio" r:id="rId3" imgW="8277197" imgH="3152824" progId="Visio.Drawing.15">
+                <p:oleObj spid="_x0000_s6156" name="Visio" r:id="rId4" imgW="8277197" imgH="3152824" progId="Visio.Drawing.15">
                   <p:embed/>
                 </p:oleObj>
               </mc:Choice>
               <mc:Fallback>
-                <p:oleObj name="Visio" r:id="rId3" imgW="8277197" imgH="3152824" progId="Visio.Drawing.15">
+                <p:oleObj name="Visio" r:id="rId4" imgW="8277197" imgH="3152824" progId="Visio.Drawing.15">
                   <p:embed/>
                   <p:pic>
                     <p:nvPicPr>
@@ -5760,7 +5739,7 @@
                       <p:nvPr/>
                     </p:nvPicPr>
                     <p:blipFill>
-                      <a:blip r:embed="rId4">
+                      <a:blip r:embed="rId5">
                         <a:extLst>
                           <a:ext uri="{28A0092B-C50C-407E-A947-70E740481C1C}">
                             <a14:useLocalDpi xmlns:a14="http://schemas.microsoft.com/office/drawing/2010/main" val="0"/>
@@ -5802,7 +5781,7 @@
   <p:timing>
     <p:tnLst>
       <p:par>
-        <p:cTn id="1" dur="indefinite" restart="never" nodeType="tmRoot"/>
+        <p:cTn xmlns:p14="http://schemas.microsoft.com/office/powerpoint/2010/main" id="1" dur="indefinite" restart="never" nodeType="tmRoot"/>
       </p:par>
     </p:tnLst>
   </p:timing>
@@ -5916,14 +5895,14 @@
           </a:ln>
           <a:effectLst/>
           <a:extLst>
-            <a:ext uri="{909E8E84-426E-40DD-AFC4-6F175D3DCCD1}">
+            <a:ext uri="{909E8E84-426E-40dd-AFC4-6F175D3DCCD1}">
               <a14:hiddenFill xmlns:a14="http://schemas.microsoft.com/office/drawing/2010/main">
                 <a:solidFill>
                   <a:schemeClr val="accent1"/>
                 </a:solidFill>
               </a14:hiddenFill>
             </a:ext>
-            <a:ext uri="{91240B29-F687-4F45-9708-019B960494DF}">
+            <a:ext uri="{91240B29-F687-4f45-9708-019B960494DF}">
               <a14:hiddenLine xmlns:a14="http://schemas.microsoft.com/office/drawing/2010/main" w="9525">
                 <a:solidFill>
                   <a:schemeClr val="tx1"/>
@@ -5933,7 +5912,7 @@
                 <a:tailEnd/>
               </a14:hiddenLine>
             </a:ext>
-            <a:ext uri="{AF507438-7753-43E0-B8FC-AC1667EBCBE1}">
+            <a:ext uri="{AF507438-7753-43e0-B8FC-AC1667EBCBE1}">
               <a14:hiddenEffects xmlns:a14="http://schemas.microsoft.com/office/drawing/2010/main">
                 <a:effectLst>
                   <a:outerShdw dist="35921" dir="2700000" algn="ctr" rotWithShape="0">
@@ -5979,14 +5958,14 @@
           </a:ln>
           <a:effectLst/>
           <a:extLst>
-            <a:ext uri="{909E8E84-426E-40DD-AFC4-6F175D3DCCD1}">
+            <a:ext uri="{909E8E84-426E-40dd-AFC4-6F175D3DCCD1}">
               <a14:hiddenFill xmlns:a14="http://schemas.microsoft.com/office/drawing/2010/main">
                 <a:solidFill>
                   <a:schemeClr val="accent1"/>
                 </a:solidFill>
               </a14:hiddenFill>
             </a:ext>
-            <a:ext uri="{91240B29-F687-4F45-9708-019B960494DF}">
+            <a:ext uri="{91240B29-F687-4f45-9708-019B960494DF}">
               <a14:hiddenLine xmlns:a14="http://schemas.microsoft.com/office/drawing/2010/main" w="9525">
                 <a:solidFill>
                   <a:schemeClr val="tx1"/>
@@ -5996,7 +5975,7 @@
                 <a:tailEnd/>
               </a14:hiddenLine>
             </a:ext>
-            <a:ext uri="{AF507438-7753-43E0-B8FC-AC1667EBCBE1}">
+            <a:ext uri="{AF507438-7753-43e0-B8FC-AC1667EBCBE1}">
               <a14:hiddenEffects xmlns:a14="http://schemas.microsoft.com/office/drawing/2010/main">
                 <a:effectLst>
                   <a:outerShdw dist="35921" dir="2700000" algn="ctr" rotWithShape="0">
@@ -6042,14 +6021,14 @@
           </a:ln>
           <a:effectLst/>
           <a:extLst>
-            <a:ext uri="{909E8E84-426E-40DD-AFC4-6F175D3DCCD1}">
+            <a:ext uri="{909E8E84-426E-40dd-AFC4-6F175D3DCCD1}">
               <a14:hiddenFill xmlns:a14="http://schemas.microsoft.com/office/drawing/2010/main">
                 <a:solidFill>
                   <a:schemeClr val="accent1"/>
                 </a:solidFill>
               </a14:hiddenFill>
             </a:ext>
-            <a:ext uri="{91240B29-F687-4F45-9708-019B960494DF}">
+            <a:ext uri="{91240B29-F687-4f45-9708-019B960494DF}">
               <a14:hiddenLine xmlns:a14="http://schemas.microsoft.com/office/drawing/2010/main" w="9525">
                 <a:solidFill>
                   <a:schemeClr val="tx1"/>
@@ -6059,7 +6038,7 @@
                 <a:tailEnd/>
               </a14:hiddenLine>
             </a:ext>
-            <a:ext uri="{AF507438-7753-43E0-B8FC-AC1667EBCBE1}">
+            <a:ext uri="{AF507438-7753-43e0-B8FC-AC1667EBCBE1}">
               <a14:hiddenEffects xmlns:a14="http://schemas.microsoft.com/office/drawing/2010/main">
                 <a:effectLst>
                   <a:outerShdw dist="35921" dir="2700000" algn="ctr" rotWithShape="0">
@@ -6105,12 +6084,12 @@
           <a:graphicData uri="http://schemas.openxmlformats.org/presentationml/2006/ole">
             <mc:AlternateContent xmlns:mc="http://schemas.openxmlformats.org/markup-compatibility/2006">
               <mc:Choice xmlns:v="urn:schemas-microsoft-com:vml" Requires="v">
-                <p:oleObj spid="_x0000_s7178" name="Visio" r:id="rId3" imgW="8458327" imgH="3876786" progId="Visio.Drawing.15">
+                <p:oleObj spid="_x0000_s7180" name="Visio" r:id="rId4" imgW="8458327" imgH="3876786" progId="Visio.Drawing.15">
                   <p:embed/>
                 </p:oleObj>
               </mc:Choice>
               <mc:Fallback>
-                <p:oleObj name="Visio" r:id="rId3" imgW="8458327" imgH="3876786" progId="Visio.Drawing.15">
+                <p:oleObj name="Visio" r:id="rId4" imgW="8458327" imgH="3876786" progId="Visio.Drawing.15">
                   <p:embed/>
                   <p:pic>
                     <p:nvPicPr>
@@ -6121,7 +6100,7 @@
                       <p:nvPr/>
                     </p:nvPicPr>
                     <p:blipFill>
-                      <a:blip r:embed="rId4">
+                      <a:blip r:embed="rId5">
                         <a:extLst>
                           <a:ext uri="{28A0092B-C50C-407E-A947-70E740481C1C}">
                             <a14:useLocalDpi xmlns:a14="http://schemas.microsoft.com/office/drawing/2010/main" val="0"/>
@@ -6163,7 +6142,7 @@
   <p:timing>
     <p:tnLst>
       <p:par>
-        <p:cTn id="1" dur="indefinite" restart="never" nodeType="tmRoot"/>
+        <p:cTn xmlns:p14="http://schemas.microsoft.com/office/powerpoint/2010/main" id="1" dur="indefinite" restart="never" nodeType="tmRoot"/>
       </p:par>
     </p:tnLst>
   </p:timing>
@@ -6277,14 +6256,14 @@
           </a:ln>
           <a:effectLst/>
           <a:extLst>
-            <a:ext uri="{909E8E84-426E-40DD-AFC4-6F175D3DCCD1}">
+            <a:ext uri="{909E8E84-426E-40dd-AFC4-6F175D3DCCD1}">
               <a14:hiddenFill xmlns:a14="http://schemas.microsoft.com/office/drawing/2010/main">
                 <a:solidFill>
                   <a:schemeClr val="accent1"/>
                 </a:solidFill>
               </a14:hiddenFill>
             </a:ext>
-            <a:ext uri="{91240B29-F687-4F45-9708-019B960494DF}">
+            <a:ext uri="{91240B29-F687-4f45-9708-019B960494DF}">
               <a14:hiddenLine xmlns:a14="http://schemas.microsoft.com/office/drawing/2010/main" w="9525">
                 <a:solidFill>
                   <a:schemeClr val="tx1"/>
@@ -6294,7 +6273,7 @@
                 <a:tailEnd/>
               </a14:hiddenLine>
             </a:ext>
-            <a:ext uri="{AF507438-7753-43E0-B8FC-AC1667EBCBE1}">
+            <a:ext uri="{AF507438-7753-43e0-B8FC-AC1667EBCBE1}">
               <a14:hiddenEffects xmlns:a14="http://schemas.microsoft.com/office/drawing/2010/main">
                 <a:effectLst>
                   <a:outerShdw dist="35921" dir="2700000" algn="ctr" rotWithShape="0">
@@ -6340,14 +6319,14 @@
           </a:ln>
           <a:effectLst/>
           <a:extLst>
-            <a:ext uri="{909E8E84-426E-40DD-AFC4-6F175D3DCCD1}">
+            <a:ext uri="{909E8E84-426E-40dd-AFC4-6F175D3DCCD1}">
               <a14:hiddenFill xmlns:a14="http://schemas.microsoft.com/office/drawing/2010/main">
                 <a:solidFill>
                   <a:schemeClr val="accent1"/>
                 </a:solidFill>
               </a14:hiddenFill>
             </a:ext>
-            <a:ext uri="{91240B29-F687-4F45-9708-019B960494DF}">
+            <a:ext uri="{91240B29-F687-4f45-9708-019B960494DF}">
               <a14:hiddenLine xmlns:a14="http://schemas.microsoft.com/office/drawing/2010/main" w="9525">
                 <a:solidFill>
                   <a:schemeClr val="tx1"/>
@@ -6357,7 +6336,7 @@
                 <a:tailEnd/>
               </a14:hiddenLine>
             </a:ext>
-            <a:ext uri="{AF507438-7753-43E0-B8FC-AC1667EBCBE1}">
+            <a:ext uri="{AF507438-7753-43e0-B8FC-AC1667EBCBE1}">
               <a14:hiddenEffects xmlns:a14="http://schemas.microsoft.com/office/drawing/2010/main">
                 <a:effectLst>
                   <a:outerShdw dist="35921" dir="2700000" algn="ctr" rotWithShape="0">
@@ -6403,14 +6382,14 @@
           </a:ln>
           <a:effectLst/>
           <a:extLst>
-            <a:ext uri="{909E8E84-426E-40DD-AFC4-6F175D3DCCD1}">
+            <a:ext uri="{909E8E84-426E-40dd-AFC4-6F175D3DCCD1}">
               <a14:hiddenFill xmlns:a14="http://schemas.microsoft.com/office/drawing/2010/main">
                 <a:solidFill>
                   <a:schemeClr val="accent1"/>
                 </a:solidFill>
               </a14:hiddenFill>
             </a:ext>
-            <a:ext uri="{91240B29-F687-4F45-9708-019B960494DF}">
+            <a:ext uri="{91240B29-F687-4f45-9708-019B960494DF}">
               <a14:hiddenLine xmlns:a14="http://schemas.microsoft.com/office/drawing/2010/main" w="9525">
                 <a:solidFill>
                   <a:schemeClr val="tx1"/>
@@ -6420,7 +6399,7 @@
                 <a:tailEnd/>
               </a14:hiddenLine>
             </a:ext>
-            <a:ext uri="{AF507438-7753-43E0-B8FC-AC1667EBCBE1}">
+            <a:ext uri="{AF507438-7753-43e0-B8FC-AC1667EBCBE1}">
               <a14:hiddenEffects xmlns:a14="http://schemas.microsoft.com/office/drawing/2010/main">
                 <a:effectLst>
                   <a:outerShdw dist="35921" dir="2700000" algn="ctr" rotWithShape="0">
@@ -6466,14 +6445,14 @@
           </a:ln>
           <a:effectLst/>
           <a:extLst>
-            <a:ext uri="{909E8E84-426E-40DD-AFC4-6F175D3DCCD1}">
+            <a:ext uri="{909E8E84-426E-40dd-AFC4-6F175D3DCCD1}">
               <a14:hiddenFill xmlns:a14="http://schemas.microsoft.com/office/drawing/2010/main">
                 <a:solidFill>
                   <a:schemeClr val="accent1"/>
                 </a:solidFill>
               </a14:hiddenFill>
             </a:ext>
-            <a:ext uri="{91240B29-F687-4F45-9708-019B960494DF}">
+            <a:ext uri="{91240B29-F687-4f45-9708-019B960494DF}">
               <a14:hiddenLine xmlns:a14="http://schemas.microsoft.com/office/drawing/2010/main" w="9525">
                 <a:solidFill>
                   <a:schemeClr val="tx1"/>
@@ -6483,7 +6462,7 @@
                 <a:tailEnd/>
               </a14:hiddenLine>
             </a:ext>
-            <a:ext uri="{AF507438-7753-43E0-B8FC-AC1667EBCBE1}">
+            <a:ext uri="{AF507438-7753-43e0-B8FC-AC1667EBCBE1}">
               <a14:hiddenEffects xmlns:a14="http://schemas.microsoft.com/office/drawing/2010/main">
                 <a:effectLst>
                   <a:outerShdw dist="35921" dir="2700000" algn="ctr" rotWithShape="0">
@@ -6529,12 +6508,12 @@
           <a:graphicData uri="http://schemas.openxmlformats.org/presentationml/2006/ole">
             <mc:AlternateContent xmlns:mc="http://schemas.openxmlformats.org/markup-compatibility/2006">
               <mc:Choice xmlns:v="urn:schemas-microsoft-com:vml" Requires="v">
-                <p:oleObj spid="_x0000_s8202" name="Visio" r:id="rId3" imgW="6200812" imgH="5143584" progId="Visio.Drawing.15">
+                <p:oleObj spid="_x0000_s8204" name="Visio" r:id="rId4" imgW="6200812" imgH="5143584" progId="Visio.Drawing.15">
                   <p:embed/>
                 </p:oleObj>
               </mc:Choice>
               <mc:Fallback>
-                <p:oleObj name="Visio" r:id="rId3" imgW="6200812" imgH="5143584" progId="Visio.Drawing.15">
+                <p:oleObj name="Visio" r:id="rId4" imgW="6200812" imgH="5143584" progId="Visio.Drawing.15">
                   <p:embed/>
                   <p:pic>
                     <p:nvPicPr>
@@ -6545,7 +6524,7 @@
                       <p:nvPr/>
                     </p:nvPicPr>
                     <p:blipFill>
-                      <a:blip r:embed="rId4">
+                      <a:blip r:embed="rId5">
                         <a:extLst>
                           <a:ext uri="{28A0092B-C50C-407E-A947-70E740481C1C}">
                             <a14:useLocalDpi xmlns:a14="http://schemas.microsoft.com/office/drawing/2010/main" val="0"/>
@@ -6587,7 +6566,7 @@
   <p:timing>
     <p:tnLst>
       <p:par>
-        <p:cTn id="1" dur="indefinite" restart="never" nodeType="tmRoot"/>
+        <p:cTn xmlns:p14="http://schemas.microsoft.com/office/powerpoint/2010/main" id="1" dur="indefinite" restart="never" nodeType="tmRoot"/>
       </p:par>
     </p:tnLst>
   </p:timing>
@@ -6777,6 +6756,310 @@
             <p:ph type="title"/>
           </p:nvPr>
         </p:nvSpPr>
+        <p:spPr>
+          <a:xfrm>
+            <a:off x="152400" y="304800"/>
+            <a:ext cx="7659687" cy="914400"/>
+          </a:xfrm>
+        </p:spPr>
+        <p:txBody>
+          <a:bodyPr/>
+          <a:lstStyle/>
+          <a:p>
+            <a:r>
+              <a:rPr lang="en-US" sz="1600" b="1" i="1" dirty="0"/>
+              <a:t>Level 2</a:t>
+            </a:r>
+            <a:br>
+              <a:rPr lang="en-US" sz="1600" b="1" i="1" dirty="0"/>
+            </a:br>
+            <a:r>
+              <a:rPr lang="en-US" sz="1600" dirty="0"/>
+              <a:t>Provides in-depth view of the data flow among the various components of the web </a:t>
+            </a:r>
+            <a:r>
+              <a:rPr lang="en-US" sz="1600" dirty="0" smtClean="0"/>
+              <a:t>application</a:t>
+            </a:r>
+            <a:endParaRPr lang="en-US" dirty="0"/>
+          </a:p>
+        </p:txBody>
+      </p:sp>
+      <p:pic>
+        <p:nvPicPr>
+          <p:cNvPr id="4" name="Picture 3"/>
+          <p:cNvPicPr/>
+          <p:nvPr/>
+        </p:nvPicPr>
+        <p:blipFill>
+          <a:blip r:embed="rId2">
+            <a:extLst>
+              <a:ext uri="{28A0092B-C50C-407E-A947-70E740481C1C}">
+                <a14:useLocalDpi xmlns:a14="http://schemas.microsoft.com/office/drawing/2010/main" val="0"/>
+              </a:ext>
+            </a:extLst>
+          </a:blip>
+          <a:srcRect/>
+          <a:stretch>
+            <a:fillRect/>
+          </a:stretch>
+        </p:blipFill>
+        <p:spPr bwMode="auto">
+          <a:xfrm>
+            <a:off x="2438400" y="838200"/>
+            <a:ext cx="3810000" cy="5995990"/>
+          </a:xfrm>
+          <a:prstGeom prst="rect">
+            <a:avLst/>
+          </a:prstGeom>
+          <a:noFill/>
+          <a:ln>
+            <a:noFill/>
+          </a:ln>
+        </p:spPr>
+      </p:pic>
+    </p:spTree>
+    <p:extLst>
+      <p:ext uri="{BB962C8B-B14F-4D97-AF65-F5344CB8AC3E}">
+        <p14:creationId xmlns:p14="http://schemas.microsoft.com/office/powerpoint/2010/main" val="4210827723"/>
+      </p:ext>
+    </p:extLst>
+  </p:cSld>
+  <p:clrMapOvr>
+    <a:masterClrMapping/>
+  </p:clrMapOvr>
+</p:sld>
+</file>
+
+<file path=ppt/slides/slide25.xml><?xml version="1.0" encoding="utf-8"?>
+<p:sld xmlns:a="http://schemas.openxmlformats.org/drawingml/2006/main" xmlns:r="http://schemas.openxmlformats.org/officeDocument/2006/relationships" xmlns:p="http://schemas.openxmlformats.org/presentationml/2006/main">
+  <p:cSld>
+    <p:spTree>
+      <p:nvGrpSpPr>
+        <p:cNvPr id="1" name=""/>
+        <p:cNvGrpSpPr/>
+        <p:nvPr/>
+      </p:nvGrpSpPr>
+      <p:grpSpPr>
+        <a:xfrm>
+          <a:off x="0" y="0"/>
+          <a:ext cx="0" cy="0"/>
+          <a:chOff x="0" y="0"/>
+          <a:chExt cx="0" cy="0"/>
+        </a:xfrm>
+      </p:grpSpPr>
+      <p:sp>
+        <p:nvSpPr>
+          <p:cNvPr id="2" name="Title 1"/>
+          <p:cNvSpPr>
+            <a:spLocks noGrp="1"/>
+          </p:cNvSpPr>
+          <p:nvPr>
+            <p:ph type="title"/>
+          </p:nvPr>
+        </p:nvSpPr>
+        <p:spPr>
+          <a:xfrm>
+            <a:off x="228600" y="152400"/>
+            <a:ext cx="7659687" cy="762000"/>
+          </a:xfrm>
+        </p:spPr>
+        <p:txBody>
+          <a:bodyPr/>
+          <a:lstStyle/>
+          <a:p>
+            <a:r>
+              <a:rPr lang="en-US" sz="2000" b="1" i="1" dirty="0"/>
+              <a:t>Level 3-1</a:t>
+            </a:r>
+            <a:br>
+              <a:rPr lang="en-US" sz="2000" b="1" i="1" dirty="0"/>
+            </a:br>
+            <a:r>
+              <a:rPr lang="en-US" sz="2000" dirty="0"/>
+              <a:t>Shows the flow of user data in EJCA </a:t>
+            </a:r>
+          </a:p>
+        </p:txBody>
+      </p:sp>
+      <p:pic>
+        <p:nvPicPr>
+          <p:cNvPr id="4" name="Picture 3"/>
+          <p:cNvPicPr/>
+          <p:nvPr/>
+        </p:nvPicPr>
+        <p:blipFill>
+          <a:blip r:embed="rId2">
+            <a:extLst>
+              <a:ext uri="{28A0092B-C50C-407E-A947-70E740481C1C}">
+                <a14:useLocalDpi xmlns:a14="http://schemas.microsoft.com/office/drawing/2010/main" val="0"/>
+              </a:ext>
+            </a:extLst>
+          </a:blip>
+          <a:srcRect/>
+          <a:stretch>
+            <a:fillRect/>
+          </a:stretch>
+        </p:blipFill>
+        <p:spPr bwMode="auto">
+          <a:xfrm>
+            <a:off x="5257800" y="152400"/>
+            <a:ext cx="1975485" cy="6581775"/>
+          </a:xfrm>
+          <a:prstGeom prst="rect">
+            <a:avLst/>
+          </a:prstGeom>
+          <a:noFill/>
+          <a:ln>
+            <a:noFill/>
+          </a:ln>
+        </p:spPr>
+      </p:pic>
+    </p:spTree>
+    <p:extLst>
+      <p:ext uri="{BB962C8B-B14F-4D97-AF65-F5344CB8AC3E}">
+        <p14:creationId xmlns:p14="http://schemas.microsoft.com/office/powerpoint/2010/main" val="3316226493"/>
+      </p:ext>
+    </p:extLst>
+  </p:cSld>
+  <p:clrMapOvr>
+    <a:masterClrMapping/>
+  </p:clrMapOvr>
+</p:sld>
+</file>
+
+<file path=ppt/slides/slide26.xml><?xml version="1.0" encoding="utf-8"?>
+<p:sld xmlns:a="http://schemas.openxmlformats.org/drawingml/2006/main" xmlns:r="http://schemas.openxmlformats.org/officeDocument/2006/relationships" xmlns:p="http://schemas.openxmlformats.org/presentationml/2006/main">
+  <p:cSld>
+    <p:spTree>
+      <p:nvGrpSpPr>
+        <p:cNvPr id="1" name=""/>
+        <p:cNvGrpSpPr/>
+        <p:nvPr/>
+      </p:nvGrpSpPr>
+      <p:grpSpPr>
+        <a:xfrm>
+          <a:off x="0" y="0"/>
+          <a:ext cx="0" cy="0"/>
+          <a:chOff x="0" y="0"/>
+          <a:chExt cx="0" cy="0"/>
+        </a:xfrm>
+      </p:grpSpPr>
+      <p:sp>
+        <p:nvSpPr>
+          <p:cNvPr id="2" name="Title 1"/>
+          <p:cNvSpPr>
+            <a:spLocks noGrp="1"/>
+          </p:cNvSpPr>
+          <p:nvPr>
+            <p:ph type="title"/>
+          </p:nvPr>
+        </p:nvSpPr>
+        <p:spPr>
+          <a:xfrm>
+            <a:off x="228600" y="152400"/>
+            <a:ext cx="7659687" cy="1168400"/>
+          </a:xfrm>
+        </p:spPr>
+        <p:txBody>
+          <a:bodyPr/>
+          <a:lstStyle/>
+          <a:p>
+            <a:r>
+              <a:rPr lang="en-US" sz="2400" b="1" i="1" dirty="0"/>
+              <a:t>Level 3-2</a:t>
+            </a:r>
+            <a:br>
+              <a:rPr lang="en-US" sz="2400" b="1" i="1" dirty="0"/>
+            </a:br>
+            <a:r>
+              <a:rPr lang="en-US" sz="2400" b="1" dirty="0"/>
+              <a:t>Shows the flow of jobs data in EJCA</a:t>
+            </a:r>
+            <a:r>
+              <a:rPr lang="en-US" b="1" dirty="0"/>
+              <a:t/>
+            </a:r>
+            <a:br>
+              <a:rPr lang="en-US" b="1" dirty="0"/>
+            </a:br>
+            <a:endParaRPr lang="en-US" dirty="0"/>
+          </a:p>
+        </p:txBody>
+      </p:sp>
+      <p:pic>
+        <p:nvPicPr>
+          <p:cNvPr id="4" name="Picture 3"/>
+          <p:cNvPicPr/>
+          <p:nvPr/>
+        </p:nvPicPr>
+        <p:blipFill>
+          <a:blip r:embed="rId2">
+            <a:extLst>
+              <a:ext uri="{28A0092B-C50C-407E-A947-70E740481C1C}">
+                <a14:useLocalDpi xmlns:a14="http://schemas.microsoft.com/office/drawing/2010/main" val="0"/>
+              </a:ext>
+            </a:extLst>
+          </a:blip>
+          <a:srcRect/>
+          <a:stretch>
+            <a:fillRect/>
+          </a:stretch>
+        </p:blipFill>
+        <p:spPr bwMode="auto">
+          <a:xfrm>
+            <a:off x="5867400" y="0"/>
+            <a:ext cx="2233930" cy="6581775"/>
+          </a:xfrm>
+          <a:prstGeom prst="rect">
+            <a:avLst/>
+          </a:prstGeom>
+          <a:noFill/>
+          <a:ln>
+            <a:noFill/>
+          </a:ln>
+        </p:spPr>
+      </p:pic>
+    </p:spTree>
+    <p:extLst>
+      <p:ext uri="{BB962C8B-B14F-4D97-AF65-F5344CB8AC3E}">
+        <p14:creationId xmlns:p14="http://schemas.microsoft.com/office/powerpoint/2010/main" val="2362912670"/>
+      </p:ext>
+    </p:extLst>
+  </p:cSld>
+  <p:clrMapOvr>
+    <a:masterClrMapping/>
+  </p:clrMapOvr>
+</p:sld>
+</file>
+
+<file path=ppt/slides/slide27.xml><?xml version="1.0" encoding="utf-8"?>
+<p:sld xmlns:a="http://schemas.openxmlformats.org/drawingml/2006/main" xmlns:r="http://schemas.openxmlformats.org/officeDocument/2006/relationships" xmlns:p="http://schemas.openxmlformats.org/presentationml/2006/main">
+  <p:cSld>
+    <p:spTree>
+      <p:nvGrpSpPr>
+        <p:cNvPr id="1" name=""/>
+        <p:cNvGrpSpPr/>
+        <p:nvPr/>
+      </p:nvGrpSpPr>
+      <p:grpSpPr>
+        <a:xfrm>
+          <a:off x="0" y="0"/>
+          <a:ext cx="0" cy="0"/>
+          <a:chOff x="0" y="0"/>
+          <a:chExt cx="0" cy="0"/>
+        </a:xfrm>
+      </p:grpSpPr>
+      <p:sp>
+        <p:nvSpPr>
+          <p:cNvPr id="2" name="Title 1"/>
+          <p:cNvSpPr>
+            <a:spLocks noGrp="1"/>
+          </p:cNvSpPr>
+          <p:nvPr>
+            <p:ph type="title"/>
+          </p:nvPr>
+        </p:nvSpPr>
         <p:spPr/>
         <p:txBody>
           <a:bodyPr/>
@@ -7344,7 +7627,6 @@
               <a:rPr lang="en-US" b="1"/>
               <a:t>Assumptions, Constraints, &amp; Standards</a:t>
             </a:r>
-            <a:endParaRPr lang="en-US" b="1"/>
           </a:p>
         </p:txBody>
       </p:sp>

--- a/Design Specification/Design Specification.pptx
+++ b/Design Specification/Design Specification.pptx
@@ -5068,12 +5068,12 @@
           <a:graphicData uri="http://schemas.openxmlformats.org/presentationml/2006/ole">
             <mc:AlternateContent xmlns:mc="http://schemas.openxmlformats.org/markup-compatibility/2006">
               <mc:Choice xmlns:v="urn:schemas-microsoft-com:vml" Requires="v">
-                <p:oleObj spid="_x0000_s4110" name="Visio" r:id="rId4" imgW="6334163" imgH="580897" progId="Visio.Drawing.15">
+                <p:oleObj spid="_x0000_s4111" name="Visio" r:id="rId3" imgW="6334163" imgH="580897" progId="Visio.Drawing.15">
                   <p:embed/>
                 </p:oleObj>
               </mc:Choice>
               <mc:Fallback>
-                <p:oleObj name="Visio" r:id="rId4" imgW="6334163" imgH="580897" progId="Visio.Drawing.15">
+                <p:oleObj name="Visio" r:id="rId3" imgW="6334163" imgH="580897" progId="Visio.Drawing.15">
                   <p:embed/>
                   <p:pic>
                     <p:nvPicPr>
@@ -5084,7 +5084,7 @@
                       <p:nvPr/>
                     </p:nvPicPr>
                     <p:blipFill>
-                      <a:blip r:embed="rId5">
+                      <a:blip r:embed="rId4">
                         <a:extLst>
                           <a:ext uri="{28A0092B-C50C-407E-A947-70E740481C1C}">
                             <a14:useLocalDpi xmlns:a14="http://schemas.microsoft.com/office/drawing/2010/main" val="0"/>
@@ -5723,12 +5723,12 @@
           <a:graphicData uri="http://schemas.openxmlformats.org/presentationml/2006/ole">
             <mc:AlternateContent xmlns:mc="http://schemas.openxmlformats.org/markup-compatibility/2006">
               <mc:Choice xmlns:v="urn:schemas-microsoft-com:vml" Requires="v">
-                <p:oleObj spid="_x0000_s6156" name="Visio" r:id="rId4" imgW="8277197" imgH="3152824" progId="Visio.Drawing.15">
+                <p:oleObj spid="_x0000_s6157" name="Visio" r:id="rId3" imgW="8277197" imgH="3152824" progId="Visio.Drawing.15">
                   <p:embed/>
                 </p:oleObj>
               </mc:Choice>
               <mc:Fallback>
-                <p:oleObj name="Visio" r:id="rId4" imgW="8277197" imgH="3152824" progId="Visio.Drawing.15">
+                <p:oleObj name="Visio" r:id="rId3" imgW="8277197" imgH="3152824" progId="Visio.Drawing.15">
                   <p:embed/>
                   <p:pic>
                     <p:nvPicPr>
@@ -5739,7 +5739,7 @@
                       <p:nvPr/>
                     </p:nvPicPr>
                     <p:blipFill>
-                      <a:blip r:embed="rId5">
+                      <a:blip r:embed="rId4">
                         <a:extLst>
                           <a:ext uri="{28A0092B-C50C-407E-A947-70E740481C1C}">
                             <a14:useLocalDpi xmlns:a14="http://schemas.microsoft.com/office/drawing/2010/main" val="0"/>
@@ -6084,12 +6084,12 @@
           <a:graphicData uri="http://schemas.openxmlformats.org/presentationml/2006/ole">
             <mc:AlternateContent xmlns:mc="http://schemas.openxmlformats.org/markup-compatibility/2006">
               <mc:Choice xmlns:v="urn:schemas-microsoft-com:vml" Requires="v">
-                <p:oleObj spid="_x0000_s7180" name="Visio" r:id="rId4" imgW="8458327" imgH="3876786" progId="Visio.Drawing.15">
+                <p:oleObj spid="_x0000_s7181" name="Visio" r:id="rId3" imgW="8458327" imgH="3876786" progId="Visio.Drawing.15">
                   <p:embed/>
                 </p:oleObj>
               </mc:Choice>
               <mc:Fallback>
-                <p:oleObj name="Visio" r:id="rId4" imgW="8458327" imgH="3876786" progId="Visio.Drawing.15">
+                <p:oleObj name="Visio" r:id="rId3" imgW="8458327" imgH="3876786" progId="Visio.Drawing.15">
                   <p:embed/>
                   <p:pic>
                     <p:nvPicPr>
@@ -6100,7 +6100,7 @@
                       <p:nvPr/>
                     </p:nvPicPr>
                     <p:blipFill>
-                      <a:blip r:embed="rId5">
+                      <a:blip r:embed="rId4">
                         <a:extLst>
                           <a:ext uri="{28A0092B-C50C-407E-A947-70E740481C1C}">
                             <a14:useLocalDpi xmlns:a14="http://schemas.microsoft.com/office/drawing/2010/main" val="0"/>
@@ -6508,12 +6508,12 @@
           <a:graphicData uri="http://schemas.openxmlformats.org/presentationml/2006/ole">
             <mc:AlternateContent xmlns:mc="http://schemas.openxmlformats.org/markup-compatibility/2006">
               <mc:Choice xmlns:v="urn:schemas-microsoft-com:vml" Requires="v">
-                <p:oleObj spid="_x0000_s8204" name="Visio" r:id="rId4" imgW="6200812" imgH="5143584" progId="Visio.Drawing.15">
+                <p:oleObj spid="_x0000_s8205" name="Visio" r:id="rId3" imgW="6200812" imgH="5143584" progId="Visio.Drawing.15">
                   <p:embed/>
                 </p:oleObj>
               </mc:Choice>
               <mc:Fallback>
-                <p:oleObj name="Visio" r:id="rId4" imgW="6200812" imgH="5143584" progId="Visio.Drawing.15">
+                <p:oleObj name="Visio" r:id="rId3" imgW="6200812" imgH="5143584" progId="Visio.Drawing.15">
                   <p:embed/>
                   <p:pic>
                     <p:nvPicPr>
@@ -6524,7 +6524,7 @@
                       <p:nvPr/>
                     </p:nvPicPr>
                     <p:blipFill>
-                      <a:blip r:embed="rId5">
+                      <a:blip r:embed="rId4">
                         <a:extLst>
                           <a:ext uri="{28A0092B-C50C-407E-A947-70E740481C1C}">
                             <a14:useLocalDpi xmlns:a14="http://schemas.microsoft.com/office/drawing/2010/main" val="0"/>

--- a/Design Specification/Design Specification.pptx
+++ b/Design Specification/Design Specification.pptx
@@ -4,6 +4,9 @@
   <p:sldMasterIdLst>
     <p:sldMasterId id="2147483660" r:id="rId1"/>
   </p:sldMasterIdLst>
+  <p:notesMasterIdLst>
+    <p:notesMasterId r:id="rId31"/>
+  </p:notesMasterIdLst>
   <p:sldIdLst>
     <p:sldId id="257" r:id="rId2"/>
     <p:sldId id="263" r:id="rId3"/>
@@ -18,20 +21,22 @@
     <p:sldId id="283" r:id="rId12"/>
     <p:sldId id="267" r:id="rId13"/>
     <p:sldId id="268" r:id="rId14"/>
-    <p:sldId id="269" r:id="rId15"/>
-    <p:sldId id="262" r:id="rId16"/>
-    <p:sldId id="272" r:id="rId17"/>
-    <p:sldId id="273" r:id="rId18"/>
-    <p:sldId id="274" r:id="rId19"/>
-    <p:sldId id="275" r:id="rId20"/>
-    <p:sldId id="276" r:id="rId21"/>
-    <p:sldId id="277" r:id="rId22"/>
-    <p:sldId id="279" r:id="rId23"/>
-    <p:sldId id="284" r:id="rId24"/>
-    <p:sldId id="286" r:id="rId25"/>
-    <p:sldId id="287" r:id="rId26"/>
-    <p:sldId id="288" r:id="rId27"/>
-    <p:sldId id="285" r:id="rId28"/>
+    <p:sldId id="289" r:id="rId15"/>
+    <p:sldId id="269" r:id="rId16"/>
+    <p:sldId id="262" r:id="rId17"/>
+    <p:sldId id="291" r:id="rId18"/>
+    <p:sldId id="292" r:id="rId19"/>
+    <p:sldId id="293" r:id="rId20"/>
+    <p:sldId id="294" r:id="rId21"/>
+    <p:sldId id="295" r:id="rId22"/>
+    <p:sldId id="296" r:id="rId23"/>
+    <p:sldId id="297" r:id="rId24"/>
+    <p:sldId id="298" r:id="rId25"/>
+    <p:sldId id="284" r:id="rId26"/>
+    <p:sldId id="286" r:id="rId27"/>
+    <p:sldId id="287" r:id="rId28"/>
+    <p:sldId id="288" r:id="rId29"/>
+    <p:sldId id="285" r:id="rId30"/>
   </p:sldIdLst>
   <p:sldSz cx="9144000" cy="6858000" type="screen4x3"/>
   <p:notesSz cx="6858000" cy="9144000"/>
@@ -133,6 +138,444 @@
 </p:presentation>
 </file>
 
+<file path=ppt/notesMasters/notesMaster1.xml><?xml version="1.0" encoding="utf-8"?>
+<p:notesMaster xmlns:a="http://schemas.openxmlformats.org/drawingml/2006/main" xmlns:r="http://schemas.openxmlformats.org/officeDocument/2006/relationships" xmlns:p="http://schemas.openxmlformats.org/presentationml/2006/main">
+  <p:cSld>
+    <p:bg>
+      <p:bgRef idx="1001">
+        <a:schemeClr val="bg1"/>
+      </p:bgRef>
+    </p:bg>
+    <p:spTree>
+      <p:nvGrpSpPr>
+        <p:cNvPr id="1" name=""/>
+        <p:cNvGrpSpPr/>
+        <p:nvPr/>
+      </p:nvGrpSpPr>
+      <p:grpSpPr>
+        <a:xfrm>
+          <a:off x="0" y="0"/>
+          <a:ext cx="0" cy="0"/>
+          <a:chOff x="0" y="0"/>
+          <a:chExt cx="0" cy="0"/>
+        </a:xfrm>
+      </p:grpSpPr>
+      <p:sp>
+        <p:nvSpPr>
+          <p:cNvPr id="2" name="Header Placeholder 1"/>
+          <p:cNvSpPr>
+            <a:spLocks noGrp="1"/>
+          </p:cNvSpPr>
+          <p:nvPr>
+            <p:ph type="hdr" sz="quarter"/>
+          </p:nvPr>
+        </p:nvSpPr>
+        <p:spPr>
+          <a:xfrm>
+            <a:off x="0" y="0"/>
+            <a:ext cx="2971800" cy="457200"/>
+          </a:xfrm>
+          <a:prstGeom prst="rect">
+            <a:avLst/>
+          </a:prstGeom>
+        </p:spPr>
+        <p:txBody>
+          <a:bodyPr vert="horz" lIns="91440" tIns="45720" rIns="91440" bIns="45720" rtlCol="0"/>
+          <a:lstStyle>
+            <a:lvl1pPr algn="l">
+              <a:defRPr sz="1200"/>
+            </a:lvl1pPr>
+          </a:lstStyle>
+          <a:p>
+            <a:endParaRPr lang="en-US"/>
+          </a:p>
+        </p:txBody>
+      </p:sp>
+      <p:sp>
+        <p:nvSpPr>
+          <p:cNvPr id="3" name="Date Placeholder 2"/>
+          <p:cNvSpPr>
+            <a:spLocks noGrp="1"/>
+          </p:cNvSpPr>
+          <p:nvPr>
+            <p:ph type="dt" idx="1"/>
+          </p:nvPr>
+        </p:nvSpPr>
+        <p:spPr>
+          <a:xfrm>
+            <a:off x="3884613" y="0"/>
+            <a:ext cx="2971800" cy="457200"/>
+          </a:xfrm>
+          <a:prstGeom prst="rect">
+            <a:avLst/>
+          </a:prstGeom>
+        </p:spPr>
+        <p:txBody>
+          <a:bodyPr vert="horz" lIns="91440" tIns="45720" rIns="91440" bIns="45720" rtlCol="0"/>
+          <a:lstStyle>
+            <a:lvl1pPr algn="r">
+              <a:defRPr sz="1200"/>
+            </a:lvl1pPr>
+          </a:lstStyle>
+          <a:p>
+            <a:fld id="{25DD7029-E72D-42B7-BC2F-E441BF7460C3}" type="datetimeFigureOut">
+              <a:rPr lang="en-US" smtClean="0"/>
+              <a:t>3/11/2015</a:t>
+            </a:fld>
+            <a:endParaRPr lang="en-US"/>
+          </a:p>
+        </p:txBody>
+      </p:sp>
+      <p:sp>
+        <p:nvSpPr>
+          <p:cNvPr id="4" name="Slide Image Placeholder 3"/>
+          <p:cNvSpPr>
+            <a:spLocks noGrp="1" noRot="1" noChangeAspect="1"/>
+          </p:cNvSpPr>
+          <p:nvPr>
+            <p:ph type="sldImg" idx="2"/>
+          </p:nvPr>
+        </p:nvSpPr>
+        <p:spPr>
+          <a:xfrm>
+            <a:off x="1143000" y="685800"/>
+            <a:ext cx="4572000" cy="3429000"/>
+          </a:xfrm>
+          <a:prstGeom prst="rect">
+            <a:avLst/>
+          </a:prstGeom>
+          <a:noFill/>
+          <a:ln w="12700">
+            <a:solidFill>
+              <a:prstClr val="black"/>
+            </a:solidFill>
+          </a:ln>
+        </p:spPr>
+        <p:txBody>
+          <a:bodyPr vert="horz" lIns="91440" tIns="45720" rIns="91440" bIns="45720" rtlCol="0" anchor="ctr"/>
+          <a:lstStyle/>
+          <a:p>
+            <a:endParaRPr lang="en-US"/>
+          </a:p>
+        </p:txBody>
+      </p:sp>
+      <p:sp>
+        <p:nvSpPr>
+          <p:cNvPr id="5" name="Notes Placeholder 4"/>
+          <p:cNvSpPr>
+            <a:spLocks noGrp="1"/>
+          </p:cNvSpPr>
+          <p:nvPr>
+            <p:ph type="body" sz="quarter" idx="3"/>
+          </p:nvPr>
+        </p:nvSpPr>
+        <p:spPr>
+          <a:xfrm>
+            <a:off x="685800" y="4343400"/>
+            <a:ext cx="5486400" cy="4114800"/>
+          </a:xfrm>
+          <a:prstGeom prst="rect">
+            <a:avLst/>
+          </a:prstGeom>
+        </p:spPr>
+        <p:txBody>
+          <a:bodyPr vert="horz" lIns="91440" tIns="45720" rIns="91440" bIns="45720" rtlCol="0"/>
+          <a:lstStyle/>
+          <a:p>
+            <a:pPr lvl="0"/>
+            <a:r>
+              <a:rPr lang="en-US" smtClean="0"/>
+              <a:t>Click to edit Master text styles</a:t>
+            </a:r>
+          </a:p>
+          <a:p>
+            <a:pPr lvl="1"/>
+            <a:r>
+              <a:rPr lang="en-US" smtClean="0"/>
+              <a:t>Second level</a:t>
+            </a:r>
+          </a:p>
+          <a:p>
+            <a:pPr lvl="2"/>
+            <a:r>
+              <a:rPr lang="en-US" smtClean="0"/>
+              <a:t>Third level</a:t>
+            </a:r>
+          </a:p>
+          <a:p>
+            <a:pPr lvl="3"/>
+            <a:r>
+              <a:rPr lang="en-US" smtClean="0"/>
+              <a:t>Fourth level</a:t>
+            </a:r>
+          </a:p>
+          <a:p>
+            <a:pPr lvl="4"/>
+            <a:r>
+              <a:rPr lang="en-US" smtClean="0"/>
+              <a:t>Fifth level</a:t>
+            </a:r>
+            <a:endParaRPr lang="en-US"/>
+          </a:p>
+        </p:txBody>
+      </p:sp>
+      <p:sp>
+        <p:nvSpPr>
+          <p:cNvPr id="6" name="Footer Placeholder 5"/>
+          <p:cNvSpPr>
+            <a:spLocks noGrp="1"/>
+          </p:cNvSpPr>
+          <p:nvPr>
+            <p:ph type="ftr" sz="quarter" idx="4"/>
+          </p:nvPr>
+        </p:nvSpPr>
+        <p:spPr>
+          <a:xfrm>
+            <a:off x="0" y="8685213"/>
+            <a:ext cx="2971800" cy="457200"/>
+          </a:xfrm>
+          <a:prstGeom prst="rect">
+            <a:avLst/>
+          </a:prstGeom>
+        </p:spPr>
+        <p:txBody>
+          <a:bodyPr vert="horz" lIns="91440" tIns="45720" rIns="91440" bIns="45720" rtlCol="0" anchor="b"/>
+          <a:lstStyle>
+            <a:lvl1pPr algn="l">
+              <a:defRPr sz="1200"/>
+            </a:lvl1pPr>
+          </a:lstStyle>
+          <a:p>
+            <a:endParaRPr lang="en-US"/>
+          </a:p>
+        </p:txBody>
+      </p:sp>
+      <p:sp>
+        <p:nvSpPr>
+          <p:cNvPr id="7" name="Slide Number Placeholder 6"/>
+          <p:cNvSpPr>
+            <a:spLocks noGrp="1"/>
+          </p:cNvSpPr>
+          <p:nvPr>
+            <p:ph type="sldNum" sz="quarter" idx="5"/>
+          </p:nvPr>
+        </p:nvSpPr>
+        <p:spPr>
+          <a:xfrm>
+            <a:off x="3884613" y="8685213"/>
+            <a:ext cx="2971800" cy="457200"/>
+          </a:xfrm>
+          <a:prstGeom prst="rect">
+            <a:avLst/>
+          </a:prstGeom>
+        </p:spPr>
+        <p:txBody>
+          <a:bodyPr vert="horz" lIns="91440" tIns="45720" rIns="91440" bIns="45720" rtlCol="0" anchor="b"/>
+          <a:lstStyle>
+            <a:lvl1pPr algn="r">
+              <a:defRPr sz="1200"/>
+            </a:lvl1pPr>
+          </a:lstStyle>
+          <a:p>
+            <a:fld id="{34373478-7BF5-4239-BD68-772F0AD1FF03}" type="slidenum">
+              <a:rPr lang="en-US" smtClean="0"/>
+              <a:t>‹#›</a:t>
+            </a:fld>
+            <a:endParaRPr lang="en-US"/>
+          </a:p>
+        </p:txBody>
+      </p:sp>
+    </p:spTree>
+    <p:extLst>
+      <p:ext uri="{BB962C8B-B14F-4D97-AF65-F5344CB8AC3E}">
+        <p14:creationId xmlns:p14="http://schemas.microsoft.com/office/powerpoint/2010/main" val="2305747220"/>
+      </p:ext>
+    </p:extLst>
+  </p:cSld>
+  <p:clrMap bg1="lt1" tx1="dk1" bg2="lt2" tx2="dk2" accent1="accent1" accent2="accent2" accent3="accent3" accent4="accent4" accent5="accent5" accent6="accent6" hlink="hlink" folHlink="folHlink"/>
+  <p:notesStyle>
+    <a:lvl1pPr marL="0" algn="l" defTabSz="914400" rtl="0" eaLnBrk="1" latinLnBrk="0" hangingPunct="1">
+      <a:defRPr sz="1200" kern="1200">
+        <a:solidFill>
+          <a:schemeClr val="tx1"/>
+        </a:solidFill>
+        <a:latin typeface="+mn-lt"/>
+        <a:ea typeface="+mn-ea"/>
+        <a:cs typeface="+mn-cs"/>
+      </a:defRPr>
+    </a:lvl1pPr>
+    <a:lvl2pPr marL="457200" algn="l" defTabSz="914400" rtl="0" eaLnBrk="1" latinLnBrk="0" hangingPunct="1">
+      <a:defRPr sz="1200" kern="1200">
+        <a:solidFill>
+          <a:schemeClr val="tx1"/>
+        </a:solidFill>
+        <a:latin typeface="+mn-lt"/>
+        <a:ea typeface="+mn-ea"/>
+        <a:cs typeface="+mn-cs"/>
+      </a:defRPr>
+    </a:lvl2pPr>
+    <a:lvl3pPr marL="914400" algn="l" defTabSz="914400" rtl="0" eaLnBrk="1" latinLnBrk="0" hangingPunct="1">
+      <a:defRPr sz="1200" kern="1200">
+        <a:solidFill>
+          <a:schemeClr val="tx1"/>
+        </a:solidFill>
+        <a:latin typeface="+mn-lt"/>
+        <a:ea typeface="+mn-ea"/>
+        <a:cs typeface="+mn-cs"/>
+      </a:defRPr>
+    </a:lvl3pPr>
+    <a:lvl4pPr marL="1371600" algn="l" defTabSz="914400" rtl="0" eaLnBrk="1" latinLnBrk="0" hangingPunct="1">
+      <a:defRPr sz="1200" kern="1200">
+        <a:solidFill>
+          <a:schemeClr val="tx1"/>
+        </a:solidFill>
+        <a:latin typeface="+mn-lt"/>
+        <a:ea typeface="+mn-ea"/>
+        <a:cs typeface="+mn-cs"/>
+      </a:defRPr>
+    </a:lvl4pPr>
+    <a:lvl5pPr marL="1828800" algn="l" defTabSz="914400" rtl="0" eaLnBrk="1" latinLnBrk="0" hangingPunct="1">
+      <a:defRPr sz="1200" kern="1200">
+        <a:solidFill>
+          <a:schemeClr val="tx1"/>
+        </a:solidFill>
+        <a:latin typeface="+mn-lt"/>
+        <a:ea typeface="+mn-ea"/>
+        <a:cs typeface="+mn-cs"/>
+      </a:defRPr>
+    </a:lvl5pPr>
+    <a:lvl6pPr marL="2286000" algn="l" defTabSz="914400" rtl="0" eaLnBrk="1" latinLnBrk="0" hangingPunct="1">
+      <a:defRPr sz="1200" kern="1200">
+        <a:solidFill>
+          <a:schemeClr val="tx1"/>
+        </a:solidFill>
+        <a:latin typeface="+mn-lt"/>
+        <a:ea typeface="+mn-ea"/>
+        <a:cs typeface="+mn-cs"/>
+      </a:defRPr>
+    </a:lvl6pPr>
+    <a:lvl7pPr marL="2743200" algn="l" defTabSz="914400" rtl="0" eaLnBrk="1" latinLnBrk="0" hangingPunct="1">
+      <a:defRPr sz="1200" kern="1200">
+        <a:solidFill>
+          <a:schemeClr val="tx1"/>
+        </a:solidFill>
+        <a:latin typeface="+mn-lt"/>
+        <a:ea typeface="+mn-ea"/>
+        <a:cs typeface="+mn-cs"/>
+      </a:defRPr>
+    </a:lvl7pPr>
+    <a:lvl8pPr marL="3200400" algn="l" defTabSz="914400" rtl="0" eaLnBrk="1" latinLnBrk="0" hangingPunct="1">
+      <a:defRPr sz="1200" kern="1200">
+        <a:solidFill>
+          <a:schemeClr val="tx1"/>
+        </a:solidFill>
+        <a:latin typeface="+mn-lt"/>
+        <a:ea typeface="+mn-ea"/>
+        <a:cs typeface="+mn-cs"/>
+      </a:defRPr>
+    </a:lvl8pPr>
+    <a:lvl9pPr marL="3657600" algn="l" defTabSz="914400" rtl="0" eaLnBrk="1" latinLnBrk="0" hangingPunct="1">
+      <a:defRPr sz="1200" kern="1200">
+        <a:solidFill>
+          <a:schemeClr val="tx1"/>
+        </a:solidFill>
+        <a:latin typeface="+mn-lt"/>
+        <a:ea typeface="+mn-ea"/>
+        <a:cs typeface="+mn-cs"/>
+      </a:defRPr>
+    </a:lvl9pPr>
+  </p:notesStyle>
+</p:notesMaster>
+</file>
+
+<file path=ppt/notesSlides/notesSlide1.xml><?xml version="1.0" encoding="utf-8"?>
+<p:notes xmlns:a="http://schemas.openxmlformats.org/drawingml/2006/main" xmlns:r="http://schemas.openxmlformats.org/officeDocument/2006/relationships" xmlns:p="http://schemas.openxmlformats.org/presentationml/2006/main">
+  <p:cSld>
+    <p:spTree>
+      <p:nvGrpSpPr>
+        <p:cNvPr id="1" name=""/>
+        <p:cNvGrpSpPr/>
+        <p:nvPr/>
+      </p:nvGrpSpPr>
+      <p:grpSpPr>
+        <a:xfrm>
+          <a:off x="0" y="0"/>
+          <a:ext cx="0" cy="0"/>
+          <a:chOff x="0" y="0"/>
+          <a:chExt cx="0" cy="0"/>
+        </a:xfrm>
+      </p:grpSpPr>
+      <p:sp>
+        <p:nvSpPr>
+          <p:cNvPr id="2" name="Slide Image Placeholder 1"/>
+          <p:cNvSpPr>
+            <a:spLocks noGrp="1" noRot="1" noChangeAspect="1"/>
+          </p:cNvSpPr>
+          <p:nvPr>
+            <p:ph type="sldImg"/>
+          </p:nvPr>
+        </p:nvSpPr>
+        <p:spPr/>
+      </p:sp>
+      <p:sp>
+        <p:nvSpPr>
+          <p:cNvPr id="3" name="Notes Placeholder 2"/>
+          <p:cNvSpPr>
+            <a:spLocks noGrp="1"/>
+          </p:cNvSpPr>
+          <p:nvPr>
+            <p:ph type="body" idx="1"/>
+          </p:nvPr>
+        </p:nvSpPr>
+        <p:spPr/>
+        <p:txBody>
+          <a:bodyPr/>
+          <a:lstStyle/>
+          <a:p>
+            <a:r>
+              <a:rPr lang="en-US" dirty="0" smtClean="0"/>
+              <a:t>https://www.evsslcertificate.com/ssl/description-ssl.html</a:t>
+            </a:r>
+            <a:endParaRPr lang="en-US" dirty="0"/>
+          </a:p>
+        </p:txBody>
+      </p:sp>
+      <p:sp>
+        <p:nvSpPr>
+          <p:cNvPr id="4" name="Slide Number Placeholder 3"/>
+          <p:cNvSpPr>
+            <a:spLocks noGrp="1"/>
+          </p:cNvSpPr>
+          <p:nvPr>
+            <p:ph type="sldNum" sz="quarter" idx="10"/>
+          </p:nvPr>
+        </p:nvSpPr>
+        <p:spPr/>
+        <p:txBody>
+          <a:bodyPr/>
+          <a:lstStyle/>
+          <a:p>
+            <a:fld id="{34373478-7BF5-4239-BD68-772F0AD1FF03}" type="slidenum">
+              <a:rPr lang="en-US" smtClean="0"/>
+              <a:t>14</a:t>
+            </a:fld>
+            <a:endParaRPr lang="en-US"/>
+          </a:p>
+        </p:txBody>
+      </p:sp>
+    </p:spTree>
+    <p:extLst>
+      <p:ext uri="{BB962C8B-B14F-4D97-AF65-F5344CB8AC3E}">
+        <p14:creationId xmlns:p14="http://schemas.microsoft.com/office/powerpoint/2010/main" val="2760512153"/>
+      </p:ext>
+    </p:extLst>
+  </p:cSld>
+  <p:clrMapOvr>
+    <a:masterClrMapping/>
+  </p:clrMapOvr>
+</p:notes>
+</file>
+
 <file path=ppt/slideLayouts/slideLayout1.xml><?xml version="1.0" encoding="utf-8"?>
 <p:sldLayout xmlns:a="http://schemas.openxmlformats.org/drawingml/2006/main" xmlns:r="http://schemas.openxmlformats.org/officeDocument/2006/relationships" xmlns:p="http://schemas.openxmlformats.org/presentationml/2006/main" type="title" preserve="1">
   <p:cSld name="Title Slide">
@@ -332,7 +775,7 @@
                 </a:solidFill>
               </a:rPr>
               <a:pPr/>
-              <a:t>3/10/15</a:t>
+              <a:t>3/11/2015</a:t>
             </a:fld>
             <a:endParaRPr lang="en-US">
               <a:solidFill>
@@ -516,7 +959,7 @@
                 </a:solidFill>
               </a:rPr>
               <a:pPr/>
-              <a:t>3/10/15</a:t>
+              <a:t>3/11/2015</a:t>
             </a:fld>
             <a:endParaRPr lang="en-US">
               <a:solidFill>
@@ -710,7 +1153,7 @@
                 </a:solidFill>
               </a:rPr>
               <a:pPr/>
-              <a:t>3/10/15</a:t>
+              <a:t>3/11/2015</a:t>
             </a:fld>
             <a:endParaRPr lang="en-US">
               <a:solidFill>
@@ -894,7 +1337,7 @@
                 </a:solidFill>
               </a:rPr>
               <a:pPr/>
-              <a:t>3/10/15</a:t>
+              <a:t>3/11/2015</a:t>
             </a:fld>
             <a:endParaRPr lang="en-US">
               <a:solidFill>
@@ -1154,7 +1597,7 @@
                 </a:solidFill>
               </a:rPr>
               <a:pPr/>
-              <a:t>3/10/15</a:t>
+              <a:t>3/11/2015</a:t>
             </a:fld>
             <a:endParaRPr lang="en-US">
               <a:solidFill>
@@ -1456,7 +1899,7 @@
                 </a:solidFill>
               </a:rPr>
               <a:pPr/>
-              <a:t>3/10/15</a:t>
+              <a:t>3/11/2015</a:t>
             </a:fld>
             <a:endParaRPr lang="en-US">
               <a:solidFill>
@@ -1904,7 +2347,7 @@
                 </a:solidFill>
               </a:rPr>
               <a:pPr/>
-              <a:t>3/10/15</a:t>
+              <a:t>3/11/2015</a:t>
             </a:fld>
             <a:endParaRPr lang="en-US">
               <a:solidFill>
@@ -2036,7 +2479,7 @@
                 </a:solidFill>
               </a:rPr>
               <a:pPr/>
-              <a:t>3/10/15</a:t>
+              <a:t>3/11/2015</a:t>
             </a:fld>
             <a:endParaRPr lang="en-US">
               <a:solidFill>
@@ -2145,7 +2588,7 @@
                 </a:solidFill>
               </a:rPr>
               <a:pPr/>
-              <a:t>3/10/15</a:t>
+              <a:t>3/11/2015</a:t>
             </a:fld>
             <a:endParaRPr lang="en-US">
               <a:solidFill>
@@ -2353,7 +2796,7 @@
                 </a:solidFill>
               </a:rPr>
               <a:pPr/>
-              <a:t>3/10/15</a:t>
+              <a:t>3/11/2015</a:t>
             </a:fld>
             <a:endParaRPr lang="en-US">
               <a:solidFill>
@@ -2690,7 +3133,7 @@
                 </a:solidFill>
               </a:rPr>
               <a:pPr/>
-              <a:t>3/10/15</a:t>
+              <a:t>3/11/2015</a:t>
             </a:fld>
             <a:endParaRPr lang="en-US">
               <a:solidFill>
@@ -3101,7 +3544,7 @@
                 </a:solidFill>
               </a:rPr>
               <a:pPr/>
-              <a:t>3/10/15</a:t>
+              <a:t>3/11/2015</a:t>
             </a:fld>
             <a:endParaRPr lang="en-US">
               <a:solidFill>
@@ -3490,18 +3933,13 @@
           <a:p>
             <a:pPr algn="ctr"/>
             <a:r>
-              <a:rPr lang="en-US" sz="3900" b="1" smtClean="0">
+              <a:rPr lang="en-US" sz="3900" b="1" dirty="0" smtClean="0">
                 <a:solidFill>
                   <a:schemeClr val="tx1"/>
                 </a:solidFill>
               </a:rPr>
               <a:t>Design Specification</a:t>
             </a:r>
-            <a:endParaRPr lang="en-US" sz="3900" b="1" dirty="0" smtClean="0">
-              <a:solidFill>
-                <a:schemeClr val="tx1"/>
-              </a:solidFill>
-            </a:endParaRPr>
           </a:p>
           <a:p>
             <a:pPr algn="ctr"/>
@@ -3519,7 +3957,15 @@
                   <a:schemeClr val="tx1"/>
                 </a:solidFill>
               </a:rPr>
-              <a:t>Simul Kadakia, Wesley </a:t>
+              <a:t>Simul </a:t>
+            </a:r>
+            <a:r>
+              <a:rPr lang="en-US" dirty="0" smtClean="0">
+                <a:solidFill>
+                  <a:schemeClr val="tx1"/>
+                </a:solidFill>
+              </a:rPr>
+              <a:t>Kadakia, Wesley </a:t>
             </a:r>
             <a:r>
               <a:rPr lang="en-US" dirty="0" err="1" smtClean="0">
@@ -3551,13 +3997,21 @@
                   <a:schemeClr val="tx1"/>
                 </a:solidFill>
               </a:rPr>
-              <a:t> Singh</a:t>
+              <a:t> </a:t>
+            </a:r>
+            <a:r>
+              <a:rPr lang="en-US" dirty="0" smtClean="0">
+                <a:solidFill>
+                  <a:schemeClr val="tx1"/>
+                </a:solidFill>
+              </a:rPr>
+              <a:t>Singh</a:t>
             </a:r>
           </a:p>
           <a:p>
             <a:pPr algn="ctr"/>
             <a:r>
-              <a:rPr lang="en-US" smtClean="0">
+              <a:rPr lang="en-US" dirty="0" smtClean="0">
                 <a:solidFill>
                   <a:schemeClr val="tx1"/>
                 </a:solidFill>
@@ -3606,14 +4060,14 @@
             <a:noFill/>
           </a:ln>
           <a:extLst>
-            <a:ext uri="{909E8E84-426E-40dd-AFC4-6F175D3DCCD1}">
+            <a:ext uri="{909E8E84-426E-40DD-AFC4-6F175D3DCCD1}">
               <a14:hiddenFill xmlns:a14="http://schemas.microsoft.com/office/drawing/2010/main">
                 <a:solidFill>
                   <a:schemeClr val="accent1"/>
                 </a:solidFill>
               </a14:hiddenFill>
             </a:ext>
-            <a:ext uri="{91240B29-F687-4f45-9708-019B960494DF}">
+            <a:ext uri="{91240B29-F687-4F45-9708-019B960494DF}">
               <a14:hiddenLine xmlns:a14="http://schemas.microsoft.com/office/drawing/2010/main" w="9525">
                 <a:solidFill>
                   <a:schemeClr val="tx1"/>
@@ -3661,14 +4115,14 @@
           </a:ln>
           <a:effectLst/>
           <a:extLst>
-            <a:ext uri="{909E8E84-426E-40dd-AFC4-6F175D3DCCD1}">
+            <a:ext uri="{909E8E84-426E-40DD-AFC4-6F175D3DCCD1}">
               <a14:hiddenFill xmlns:a14="http://schemas.microsoft.com/office/drawing/2010/main">
                 <a:solidFill>
                   <a:schemeClr val="accent1"/>
                 </a:solidFill>
               </a14:hiddenFill>
             </a:ext>
-            <a:ext uri="{91240B29-F687-4f45-9708-019B960494DF}">
+            <a:ext uri="{91240B29-F687-4F45-9708-019B960494DF}">
               <a14:hiddenLine xmlns:a14="http://schemas.microsoft.com/office/drawing/2010/main" w="9525">
                 <a:solidFill>
                   <a:schemeClr val="tx1"/>
@@ -3678,7 +4132,7 @@
                 <a:tailEnd/>
               </a14:hiddenLine>
             </a:ext>
-            <a:ext uri="{AF507438-7753-43e0-B8FC-AC1667EBCBE1}">
+            <a:ext uri="{AF507438-7753-43E0-B8FC-AC1667EBCBE1}">
               <a14:hiddenEffects xmlns:a14="http://schemas.microsoft.com/office/drawing/2010/main">
                 <a:effectLst>
                   <a:outerShdw dist="35921" dir="2700000" algn="ctr" rotWithShape="0">
@@ -3703,7 +4157,7 @@
   <p:timing>
     <p:tnLst>
       <p:par>
-        <p:cTn xmlns:p14="http://schemas.microsoft.com/office/powerpoint/2010/main" id="1" dur="indefinite" restart="never" nodeType="tmRoot"/>
+        <p:cTn id="1" dur="indefinite" restart="never" nodeType="tmRoot"/>
       </p:par>
     </p:tnLst>
   </p:timing>
@@ -3787,14 +4241,14 @@
           </a:ln>
           <a:effectLst/>
           <a:extLst>
-            <a:ext uri="{909E8E84-426E-40dd-AFC4-6F175D3DCCD1}">
+            <a:ext uri="{909E8E84-426E-40DD-AFC4-6F175D3DCCD1}">
               <a14:hiddenFill xmlns:a14="http://schemas.microsoft.com/office/drawing/2010/main">
                 <a:solidFill>
                   <a:schemeClr val="accent1"/>
                 </a:solidFill>
               </a14:hiddenFill>
             </a:ext>
-            <a:ext uri="{91240B29-F687-4f45-9708-019B960494DF}">
+            <a:ext uri="{91240B29-F687-4F45-9708-019B960494DF}">
               <a14:hiddenLine xmlns:a14="http://schemas.microsoft.com/office/drawing/2010/main" w="9525">
                 <a:solidFill>
                   <a:schemeClr val="tx1"/>
@@ -3804,7 +4258,7 @@
                 <a:tailEnd/>
               </a14:hiddenLine>
             </a:ext>
-            <a:ext uri="{AF507438-7753-43e0-B8FC-AC1667EBCBE1}">
+            <a:ext uri="{AF507438-7753-43E0-B8FC-AC1667EBCBE1}">
               <a14:hiddenEffects xmlns:a14="http://schemas.microsoft.com/office/drawing/2010/main">
                 <a:effectLst>
                   <a:outerShdw dist="35921" dir="2700000" algn="ctr" rotWithShape="0">
@@ -3826,6 +4280,13 @@
   <p:clrMapOvr>
     <a:masterClrMapping/>
   </p:clrMapOvr>
+  <p:timing>
+    <p:tnLst>
+      <p:par>
+        <p:cTn id="1" dur="indefinite" restart="never" nodeType="tmRoot"/>
+      </p:par>
+    </p:tnLst>
+  </p:timing>
 </p:sld>
 </file>
 
@@ -3984,7 +4445,7 @@
   <p:timing>
     <p:tnLst>
       <p:par>
-        <p:cTn xmlns:p14="http://schemas.microsoft.com/office/powerpoint/2010/main" id="1" dur="indefinite" restart="never" nodeType="tmRoot"/>
+        <p:cTn id="1" dur="indefinite" restart="never" nodeType="tmRoot"/>
       </p:par>
     </p:tnLst>
   </p:timing>
@@ -4068,14 +4529,14 @@
           </a:ln>
           <a:effectLst/>
           <a:extLst>
-            <a:ext uri="{909E8E84-426E-40dd-AFC4-6F175D3DCCD1}">
+            <a:ext uri="{909E8E84-426E-40DD-AFC4-6F175D3DCCD1}">
               <a14:hiddenFill xmlns:a14="http://schemas.microsoft.com/office/drawing/2010/main">
                 <a:solidFill>
                   <a:schemeClr val="accent1"/>
                 </a:solidFill>
               </a14:hiddenFill>
             </a:ext>
-            <a:ext uri="{91240B29-F687-4f45-9708-019B960494DF}">
+            <a:ext uri="{91240B29-F687-4F45-9708-019B960494DF}">
               <a14:hiddenLine xmlns:a14="http://schemas.microsoft.com/office/drawing/2010/main" w="9525">
                 <a:solidFill>
                   <a:schemeClr val="tx1"/>
@@ -4085,7 +4546,7 @@
                 <a:tailEnd/>
               </a14:hiddenLine>
             </a:ext>
-            <a:ext uri="{AF507438-7753-43e0-B8FC-AC1667EBCBE1}">
+            <a:ext uri="{AF507438-7753-43E0-B8FC-AC1667EBCBE1}">
               <a14:hiddenEffects xmlns:a14="http://schemas.microsoft.com/office/drawing/2010/main">
                 <a:effectLst>
                   <a:outerShdw dist="35921" dir="2700000" algn="ctr" rotWithShape="0">
@@ -4107,6 +4568,13 @@
   <p:clrMapOvr>
     <a:masterClrMapping/>
   </p:clrMapOvr>
+  <p:timing>
+    <p:tnLst>
+      <p:par>
+        <p:cTn id="1" dur="indefinite" restart="never" nodeType="tmRoot"/>
+      </p:par>
+    </p:tnLst>
+  </p:timing>
 </p:sld>
 </file>
 
@@ -4166,48 +4634,59 @@
           <a:lstStyle/>
           <a:p>
             <a:r>
-              <a:rPr lang="en-US" sz="2400"/>
+              <a:rPr lang="en-US" sz="2400" dirty="0"/>
               <a:t>The web application has the following security features:</a:t>
             </a:r>
           </a:p>
           <a:p>
             <a:pPr lvl="1"/>
             <a:r>
-              <a:rPr lang="en-US" sz="2400"/>
+              <a:rPr lang="en-US" sz="2400" dirty="0"/>
               <a:t>Admin mode</a:t>
             </a:r>
           </a:p>
           <a:p>
             <a:pPr lvl="1"/>
             <a:r>
-              <a:rPr lang="en-US" sz="2400"/>
+              <a:rPr lang="en-US" sz="2400" dirty="0"/>
               <a:t>SHA1 user password encryption</a:t>
             </a:r>
           </a:p>
           <a:p>
             <a:pPr lvl="1"/>
             <a:r>
-              <a:rPr lang="en-US" sz="2400"/>
-              <a:t>Login validation</a:t>
+              <a:rPr lang="en-US" sz="2400" dirty="0" smtClean="0"/>
+              <a:t>Email verification</a:t>
             </a:r>
           </a:p>
           <a:p>
             <a:pPr lvl="1"/>
             <a:r>
-              <a:rPr lang="en-US" sz="2400"/>
+              <a:rPr lang="en-US" sz="2400" dirty="0" smtClean="0"/>
+              <a:t>Login </a:t>
+            </a:r>
+            <a:r>
+              <a:rPr lang="en-US" sz="2400" dirty="0"/>
+              <a:t>validation</a:t>
+            </a:r>
+          </a:p>
+          <a:p>
+            <a:pPr lvl="1"/>
+            <a:r>
+              <a:rPr lang="en-US" sz="2400" dirty="0"/>
               <a:t>SSL </a:t>
             </a:r>
             <a:r>
-              <a:rPr lang="en-US" sz="2400" smtClean="0"/>
+              <a:rPr lang="en-US" sz="2400" dirty="0" smtClean="0"/>
               <a:t>encryption</a:t>
             </a:r>
-            <a:endParaRPr lang="en-US" sz="2400"/>
+            <a:endParaRPr lang="en-US" sz="2400" dirty="0"/>
           </a:p>
           <a:p>
             <a:pPr marL="114300" indent="0">
               <a:buNone/>
             </a:pPr>
-            <a:endParaRPr lang="en-US" smtClean="0"/>
+            <a:endParaRPr lang="en-US" dirty="0" smtClean="0"/>
           </a:p>
         </p:txBody>
       </p:sp>
@@ -4234,7 +4713,7 @@
         </p:blipFill>
         <p:spPr bwMode="auto">
           <a:xfrm>
-            <a:off x="457200" y="3733800"/>
+            <a:off x="457200" y="3962400"/>
             <a:ext cx="7755455" cy="2437354"/>
           </a:xfrm>
           <a:prstGeom prst="rect">
@@ -4246,14 +4725,14 @@
           </a:ln>
           <a:effectLst/>
           <a:extLst>
-            <a:ext uri="{909E8E84-426E-40dd-AFC4-6F175D3DCCD1}">
+            <a:ext uri="{909E8E84-426E-40DD-AFC4-6F175D3DCCD1}">
               <a14:hiddenFill xmlns:a14="http://schemas.microsoft.com/office/drawing/2010/main">
                 <a:solidFill>
                   <a:schemeClr val="accent1"/>
                 </a:solidFill>
               </a14:hiddenFill>
             </a:ext>
-            <a:ext uri="{91240B29-F687-4f45-9708-019B960494DF}">
+            <a:ext uri="{91240B29-F687-4F45-9708-019B960494DF}">
               <a14:hiddenLine xmlns:a14="http://schemas.microsoft.com/office/drawing/2010/main" w="9525">
                 <a:solidFill>
                   <a:schemeClr val="tx1"/>
@@ -4263,7 +4742,7 @@
                 <a:tailEnd/>
               </a14:hiddenLine>
             </a:ext>
-            <a:ext uri="{AF507438-7753-43e0-B8FC-AC1667EBCBE1}">
+            <a:ext uri="{AF507438-7753-43E0-B8FC-AC1667EBCBE1}">
               <a14:hiddenEffects xmlns:a14="http://schemas.microsoft.com/office/drawing/2010/main">
                 <a:effectLst>
                   <a:outerShdw dist="35921" dir="2700000" algn="ctr" rotWithShape="0">
@@ -4285,6 +4764,13 @@
   <p:clrMapOvr>
     <a:masterClrMapping/>
   </p:clrMapOvr>
+  <p:timing>
+    <p:tnLst>
+      <p:par>
+        <p:cTn id="1" dur="indefinite" restart="never" nodeType="tmRoot"/>
+      </p:par>
+    </p:tnLst>
+  </p:timing>
 </p:sld>
 </file>
 
@@ -4321,132 +4807,86 @@
           <a:lstStyle/>
           <a:p>
             <a:r>
-              <a:rPr lang="en-US" smtClean="0"/>
-              <a:t>Communication Architecture</a:t>
-            </a:r>
-            <a:endParaRPr lang="en-US"/>
-          </a:p>
-        </p:txBody>
-      </p:sp>
-      <p:sp>
-        <p:nvSpPr>
-          <p:cNvPr id="3" name="Content Placeholder 2"/>
-          <p:cNvSpPr>
-            <a:spLocks noGrp="1"/>
-          </p:cNvSpPr>
+              <a:rPr lang="en-US" dirty="0" smtClean="0"/>
+              <a:t>How SSL works?</a:t>
+            </a:r>
+            <a:endParaRPr lang="en-US" dirty="0"/>
+          </a:p>
+        </p:txBody>
+      </p:sp>
+      <p:pic>
+        <p:nvPicPr>
+          <p:cNvPr id="9218" name="Picture 2"/>
+          <p:cNvPicPr>
+            <a:picLocks noGrp="1" noChangeAspect="1" noChangeArrowheads="1"/>
+          </p:cNvPicPr>
           <p:nvPr>
             <p:ph idx="1"/>
           </p:nvPr>
-        </p:nvSpPr>
-        <p:spPr/>
-        <p:txBody>
-          <a:bodyPr/>
-          <a:lstStyle/>
-          <a:p>
-            <a:r>
-              <a:rPr lang="en-US" smtClean="0"/>
-              <a:t>Communication </a:t>
-            </a:r>
-            <a:r>
-              <a:rPr lang="en-US"/>
-              <a:t>between the different components of the software </a:t>
-            </a:r>
-            <a:r>
-              <a:rPr lang="en-US" smtClean="0"/>
-              <a:t>system (Model, View, and Controller)</a:t>
-            </a:r>
-          </a:p>
-          <a:p>
-            <a:pPr lvl="1"/>
-            <a:r>
-              <a:rPr lang="en-US" sz="2200" smtClean="0"/>
-              <a:t>C</a:t>
-            </a:r>
-            <a:r>
-              <a:rPr lang="en-US" sz="2200"/>
-              <a:t># controller contains a C# model object which it queries for </a:t>
-            </a:r>
-            <a:r>
-              <a:rPr lang="en-US" sz="2200" smtClean="0"/>
-              <a:t>data</a:t>
-            </a:r>
-            <a:endParaRPr lang="en-US" sz="2200"/>
-          </a:p>
-          <a:p>
-            <a:pPr lvl="1"/>
-            <a:r>
-              <a:rPr lang="en-US" sz="2200" smtClean="0"/>
-              <a:t>Data </a:t>
-            </a:r>
-            <a:r>
-              <a:rPr lang="en-US" sz="2200"/>
-              <a:t>is then passed to the .CSHTML view, where it is rendered for the user to </a:t>
-            </a:r>
-            <a:r>
-              <a:rPr lang="en-US" sz="2200" smtClean="0"/>
-              <a:t>view  </a:t>
-            </a:r>
-          </a:p>
-          <a:p>
-            <a:pPr lvl="1"/>
-            <a:r>
-              <a:rPr lang="en-US" sz="2200" smtClean="0"/>
-              <a:t>Communication </a:t>
-            </a:r>
-            <a:r>
-              <a:rPr lang="en-US" sz="2200"/>
-              <a:t>between each of these components is handled via the .NET </a:t>
-            </a:r>
-            <a:r>
-              <a:rPr lang="en-US" sz="2200" smtClean="0"/>
-              <a:t>framework</a:t>
-            </a:r>
-            <a:endParaRPr lang="en-US" sz="2200"/>
-          </a:p>
-          <a:p>
-            <a:r>
-              <a:rPr lang="en-US" smtClean="0"/>
-              <a:t>Communication </a:t>
-            </a:r>
-            <a:r>
-              <a:rPr lang="en-US"/>
-              <a:t>between the running application on the user’s device and the Computech </a:t>
-            </a:r>
-            <a:r>
-              <a:rPr lang="en-US" smtClean="0"/>
-              <a:t>server</a:t>
-            </a:r>
-          </a:p>
-          <a:p>
-            <a:pPr lvl="1"/>
-            <a:r>
-              <a:rPr lang="en-US" sz="2200" smtClean="0"/>
-              <a:t>GET </a:t>
-            </a:r>
-            <a:r>
-              <a:rPr lang="en-US" sz="2200"/>
-              <a:t>(in the case of requesting a web page) and POST (in the case of submitting a form) requests from the user or </a:t>
-            </a:r>
-            <a:r>
-              <a:rPr lang="en-US" sz="2200" smtClean="0"/>
-              <a:t>admin</a:t>
-            </a:r>
-          </a:p>
-          <a:p>
-            <a:endParaRPr lang="en-US"/>
-          </a:p>
-        </p:txBody>
-      </p:sp>
+        </p:nvPicPr>
+        <p:blipFill>
+          <a:blip r:embed="rId3">
+            <a:extLst>
+              <a:ext uri="{28A0092B-C50C-407E-A947-70E740481C1C}">
+                <a14:useLocalDpi xmlns:a14="http://schemas.microsoft.com/office/drawing/2010/main" val="0"/>
+              </a:ext>
+            </a:extLst>
+          </a:blip>
+          <a:srcRect/>
+          <a:stretch>
+            <a:fillRect/>
+          </a:stretch>
+        </p:blipFill>
+        <p:spPr bwMode="auto">
+          <a:xfrm>
+            <a:off x="1447800" y="1295400"/>
+            <a:ext cx="5334000" cy="4370687"/>
+          </a:xfrm>
+          <a:prstGeom prst="rect">
+            <a:avLst/>
+          </a:prstGeom>
+          <a:noFill/>
+          <a:ln>
+            <a:noFill/>
+          </a:ln>
+          <a:extLst>
+            <a:ext uri="{909E8E84-426E-40DD-AFC4-6F175D3DCCD1}">
+              <a14:hiddenFill xmlns:a14="http://schemas.microsoft.com/office/drawing/2010/main">
+                <a:solidFill>
+                  <a:schemeClr val="accent1"/>
+                </a:solidFill>
+              </a14:hiddenFill>
+            </a:ext>
+            <a:ext uri="{91240B29-F687-4F45-9708-019B960494DF}">
+              <a14:hiddenLine xmlns:a14="http://schemas.microsoft.com/office/drawing/2010/main" w="9525">
+                <a:solidFill>
+                  <a:schemeClr val="tx1"/>
+                </a:solidFill>
+                <a:miter lim="800000"/>
+                <a:headEnd/>
+                <a:tailEnd/>
+              </a14:hiddenLine>
+            </a:ext>
+          </a:extLst>
+        </p:spPr>
+      </p:pic>
     </p:spTree>
     <p:extLst>
       <p:ext uri="{BB962C8B-B14F-4D97-AF65-F5344CB8AC3E}">
-        <p14:creationId xmlns:p14="http://schemas.microsoft.com/office/powerpoint/2010/main" val="42402608"/>
+        <p14:creationId xmlns:p14="http://schemas.microsoft.com/office/powerpoint/2010/main" val="3394291399"/>
       </p:ext>
     </p:extLst>
   </p:cSld>
   <p:clrMapOvr>
     <a:masterClrMapping/>
   </p:clrMapOvr>
+  <p:timing>
+    <p:tnLst>
+      <p:par>
+        <p:cTn id="1" dur="indefinite" restart="never" nodeType="tmRoot"/>
+      </p:par>
+    </p:tnLst>
+  </p:timing>
 </p:sld>
 </file>
 
@@ -4477,68 +4917,145 @@
             <p:ph type="title"/>
           </p:nvPr>
         </p:nvSpPr>
-        <p:spPr>
-          <a:xfrm>
-            <a:off x="533400" y="2514600"/>
-            <a:ext cx="7659687" cy="1168400"/>
-          </a:xfrm>
-        </p:spPr>
+        <p:spPr/>
         <p:txBody>
           <a:bodyPr/>
           <a:lstStyle/>
           <a:p>
             <a:r>
-              <a:rPr lang="en-US" b="1" smtClean="0"/>
-              <a:t>system  Design</a:t>
-            </a:r>
-            <a:endParaRPr lang="en-US" b="1"/>
-          </a:p>
-        </p:txBody>
-      </p:sp>
-      <p:sp>
-        <p:nvSpPr>
-          <p:cNvPr id="3" name="Text Placeholder 2"/>
-          <p:cNvSpPr>
-            <a:spLocks noGrp="1"/>
-          </p:cNvSpPr>
-          <p:nvPr>
-            <p:ph type="body" idx="1"/>
-          </p:nvPr>
-        </p:nvSpPr>
-        <p:spPr>
-          <a:xfrm>
-            <a:off x="533400" y="838200"/>
-            <a:ext cx="6135687" cy="1633538"/>
-          </a:xfrm>
-        </p:spPr>
-        <p:txBody>
-          <a:bodyPr>
-            <a:normAutofit/>
-          </a:bodyPr>
-          <a:lstStyle/>
-          <a:p>
-            <a:r>
-              <a:rPr lang="en-US" sz="4000"/>
-              <a:t>4</a:t>
-            </a:r>
-            <a:r>
-              <a:rPr lang="en-US" sz="4000" smtClean="0"/>
-              <a:t>.</a:t>
-            </a:r>
-            <a:endParaRPr lang="en-US" sz="4000"/>
+              <a:rPr lang="en-US" dirty="0" smtClean="0"/>
+              <a:t>Communication Architecture</a:t>
+            </a:r>
+            <a:endParaRPr lang="en-US" dirty="0"/>
+          </a:p>
+        </p:txBody>
+      </p:sp>
+      <p:sp>
+        <p:nvSpPr>
+          <p:cNvPr id="3" name="Content Placeholder 2"/>
+          <p:cNvSpPr>
+            <a:spLocks noGrp="1"/>
+          </p:cNvSpPr>
+          <p:nvPr>
+            <p:ph idx="1"/>
+          </p:nvPr>
+        </p:nvSpPr>
+        <p:spPr/>
+        <p:txBody>
+          <a:bodyPr/>
+          <a:lstStyle/>
+          <a:p>
+            <a:r>
+              <a:rPr lang="en-US" dirty="0" smtClean="0"/>
+              <a:t>Communication </a:t>
+            </a:r>
+            <a:r>
+              <a:rPr lang="en-US" dirty="0"/>
+              <a:t>between the different components of the software </a:t>
+            </a:r>
+            <a:r>
+              <a:rPr lang="en-US" dirty="0" smtClean="0"/>
+              <a:t>system (Model, View, and Controller)</a:t>
+            </a:r>
+          </a:p>
+          <a:p>
+            <a:pPr lvl="1"/>
+            <a:r>
+              <a:rPr lang="en-US" sz="2200" dirty="0" smtClean="0"/>
+              <a:t>C</a:t>
+            </a:r>
+            <a:r>
+              <a:rPr lang="en-US" sz="2200" dirty="0"/>
+              <a:t># controller contains a C# model object which it queries for </a:t>
+            </a:r>
+            <a:r>
+              <a:rPr lang="en-US" sz="2200" dirty="0" smtClean="0"/>
+              <a:t>data</a:t>
+            </a:r>
+            <a:endParaRPr lang="en-US" sz="2200" dirty="0"/>
+          </a:p>
+          <a:p>
+            <a:pPr lvl="1"/>
+            <a:r>
+              <a:rPr lang="en-US" sz="2200" dirty="0" smtClean="0"/>
+              <a:t>Data </a:t>
+            </a:r>
+            <a:r>
+              <a:rPr lang="en-US" sz="2200" dirty="0"/>
+              <a:t>is then passed to the .CSHTML view, where it is rendered for the user to </a:t>
+            </a:r>
+            <a:r>
+              <a:rPr lang="en-US" sz="2200" dirty="0" smtClean="0"/>
+              <a:t>view  </a:t>
+            </a:r>
+          </a:p>
+          <a:p>
+            <a:pPr lvl="1"/>
+            <a:r>
+              <a:rPr lang="en-US" sz="2200" dirty="0" smtClean="0"/>
+              <a:t>Communication </a:t>
+            </a:r>
+            <a:r>
+              <a:rPr lang="en-US" sz="2200" dirty="0"/>
+              <a:t>between each of these components is handled via the .NET </a:t>
+            </a:r>
+            <a:r>
+              <a:rPr lang="en-US" sz="2200" dirty="0" smtClean="0"/>
+              <a:t>framework</a:t>
+            </a:r>
+            <a:endParaRPr lang="en-US" sz="2200" dirty="0"/>
+          </a:p>
+          <a:p>
+            <a:r>
+              <a:rPr lang="en-US" dirty="0" smtClean="0"/>
+              <a:t>Communication </a:t>
+            </a:r>
+            <a:r>
+              <a:rPr lang="en-US" dirty="0"/>
+              <a:t>between the running application on the user’s device and the Computech </a:t>
+            </a:r>
+            <a:r>
+              <a:rPr lang="en-US" dirty="0" smtClean="0"/>
+              <a:t>server</a:t>
+            </a:r>
+          </a:p>
+          <a:p>
+            <a:pPr lvl="1"/>
+            <a:r>
+              <a:rPr lang="en-US" sz="2200" dirty="0" smtClean="0"/>
+              <a:t>GET </a:t>
+            </a:r>
+            <a:r>
+              <a:rPr lang="en-US" sz="2200" dirty="0"/>
+              <a:t>(in the case of requesting a web page) and POST (in the case of submitting a form) requests from the user or </a:t>
+            </a:r>
+            <a:r>
+              <a:rPr lang="en-US" sz="2200" dirty="0" smtClean="0"/>
+              <a:t>admin</a:t>
+            </a:r>
+          </a:p>
+          <a:p>
+            <a:endParaRPr lang="en-US" dirty="0"/>
           </a:p>
         </p:txBody>
       </p:sp>
     </p:spTree>
     <p:extLst>
       <p:ext uri="{BB962C8B-B14F-4D97-AF65-F5344CB8AC3E}">
-        <p14:creationId xmlns:p14="http://schemas.microsoft.com/office/powerpoint/2010/main" val="1044335434"/>
+        <p14:creationId xmlns:p14="http://schemas.microsoft.com/office/powerpoint/2010/main" val="42402608"/>
       </p:ext>
     </p:extLst>
   </p:cSld>
   <p:clrMapOvr>
     <a:masterClrMapping/>
   </p:clrMapOvr>
+  <p:timing>
+    <p:tnLst>
+      <p:par>
+        <p:cTn id="1" dur="indefinite" restart="never" nodeType="tmRoot"/>
+      </p:par>
+    </p:tnLst>
+  </p:timing>
 </p:sld>
 </file>
 
@@ -4561,18 +5078,46 @@
       </p:grpSpPr>
       <p:sp>
         <p:nvSpPr>
-          <p:cNvPr id="3" name="Text Placeholder 2"/>
-          <p:cNvSpPr>
-            <a:spLocks noGrp="1"/>
-          </p:cNvSpPr>
-          <p:nvPr>
-            <p:ph type="body" idx="1"/>
+          <p:cNvPr id="2" name="Title 1"/>
+          <p:cNvSpPr>
+            <a:spLocks noGrp="1"/>
+          </p:cNvSpPr>
+          <p:nvPr>
+            <p:ph type="title"/>
           </p:nvPr>
         </p:nvSpPr>
         <p:spPr>
           <a:xfrm>
-            <a:off x="533400" y="1295400"/>
-            <a:ext cx="7239000" cy="4419600"/>
+            <a:off x="533400" y="2514600"/>
+            <a:ext cx="7659687" cy="1168400"/>
+          </a:xfrm>
+        </p:spPr>
+        <p:txBody>
+          <a:bodyPr/>
+          <a:lstStyle/>
+          <a:p>
+            <a:r>
+              <a:rPr lang="en-US" b="1" smtClean="0"/>
+              <a:t>system  Design</a:t>
+            </a:r>
+            <a:endParaRPr lang="en-US" b="1"/>
+          </a:p>
+        </p:txBody>
+      </p:sp>
+      <p:sp>
+        <p:nvSpPr>
+          <p:cNvPr id="3" name="Text Placeholder 2"/>
+          <p:cNvSpPr>
+            <a:spLocks noGrp="1"/>
+          </p:cNvSpPr>
+          <p:nvPr>
+            <p:ph type="body" idx="1"/>
+          </p:nvPr>
+        </p:nvSpPr>
+        <p:spPr>
+          <a:xfrm>
+            <a:off x="533400" y="838200"/>
+            <a:ext cx="6135687" cy="1633538"/>
           </a:xfrm>
         </p:spPr>
         <p:txBody>
@@ -4582,137 +5127,21 @@
           <a:lstStyle/>
           <a:p>
             <a:r>
-              <a:rPr lang="en-US" sz="4000" dirty="0" smtClean="0"/>
-              <a:t>Use cases:</a:t>
-            </a:r>
-          </a:p>
-          <a:p>
-            <a:r>
-              <a:rPr lang="en-US" sz="3000" dirty="0" smtClean="0"/>
-              <a:t>Register</a:t>
-            </a:r>
-          </a:p>
-          <a:p>
-            <a:r>
-              <a:rPr lang="en-US" sz="2200" dirty="0" smtClean="0"/>
-              <a:t>Normal Flow: ☺</a:t>
-            </a:r>
-          </a:p>
-          <a:p>
-            <a:r>
-              <a:rPr lang="en-US" sz="2200" dirty="0"/>
-              <a:t>	</a:t>
-            </a:r>
-            <a:endParaRPr lang="en-US" sz="2200" dirty="0" smtClean="0"/>
-          </a:p>
-          <a:p>
-            <a:endParaRPr lang="en-US" sz="4000" dirty="0"/>
-          </a:p>
-          <a:p>
-            <a:r>
-              <a:rPr lang="en-US" sz="4000" dirty="0" smtClean="0"/>
-              <a:t>	</a:t>
-            </a:r>
-            <a:endParaRPr lang="en-US" sz="4000" dirty="0"/>
-          </a:p>
-        </p:txBody>
-      </p:sp>
-      <p:sp>
-        <p:nvSpPr>
-          <p:cNvPr id="4" name="Title 3"/>
-          <p:cNvSpPr>
-            <a:spLocks noGrp="1"/>
-          </p:cNvSpPr>
-          <p:nvPr>
-            <p:ph type="title"/>
-          </p:nvPr>
-        </p:nvSpPr>
-        <p:spPr>
-          <a:xfrm>
-            <a:off x="381000" y="457200"/>
-            <a:ext cx="7659687" cy="1168400"/>
-          </a:xfrm>
-        </p:spPr>
-        <p:txBody>
-          <a:bodyPr/>
-          <a:lstStyle/>
-          <a:p>
-            <a:r>
-              <a:rPr lang="en-US" dirty="0" smtClean="0"/>
-              <a:t>System design</a:t>
-            </a:r>
-            <a:endParaRPr lang="en-US" dirty="0"/>
-          </a:p>
-        </p:txBody>
-      </p:sp>
-      <p:pic>
-        <p:nvPicPr>
-          <p:cNvPr id="1026" name="Picture 2"/>
-          <p:cNvPicPr>
-            <a:picLocks noChangeAspect="1" noChangeArrowheads="1"/>
-          </p:cNvPicPr>
-          <p:nvPr/>
-        </p:nvPicPr>
-        <p:blipFill>
-          <a:blip r:embed="rId2">
-            <a:extLst>
-              <a:ext uri="{28A0092B-C50C-407E-A947-70E740481C1C}">
-                <a14:useLocalDpi xmlns:a14="http://schemas.microsoft.com/office/drawing/2010/main" val="0"/>
-              </a:ext>
-            </a:extLst>
-          </a:blip>
-          <a:srcRect/>
-          <a:stretch>
-            <a:fillRect/>
-          </a:stretch>
-        </p:blipFill>
-        <p:spPr bwMode="auto">
-          <a:xfrm>
-            <a:off x="914400" y="4191000"/>
-            <a:ext cx="6934200" cy="609600"/>
-          </a:xfrm>
-          <a:prstGeom prst="rect">
-            <a:avLst/>
-          </a:prstGeom>
-          <a:noFill/>
-          <a:ln>
-            <a:noFill/>
-          </a:ln>
-          <a:effectLst/>
-          <a:extLst>
-            <a:ext uri="{909E8E84-426E-40dd-AFC4-6F175D3DCCD1}">
-              <a14:hiddenFill xmlns:a14="http://schemas.microsoft.com/office/drawing/2010/main">
-                <a:solidFill>
-                  <a:schemeClr val="accent1"/>
-                </a:solidFill>
-              </a14:hiddenFill>
-            </a:ext>
-            <a:ext uri="{91240B29-F687-4f45-9708-019B960494DF}">
-              <a14:hiddenLine xmlns:a14="http://schemas.microsoft.com/office/drawing/2010/main" w="9525">
-                <a:solidFill>
-                  <a:schemeClr val="tx1"/>
-                </a:solidFill>
-                <a:miter lim="800000"/>
-                <a:headEnd/>
-                <a:tailEnd/>
-              </a14:hiddenLine>
-            </a:ext>
-            <a:ext uri="{AF507438-7753-43e0-B8FC-AC1667EBCBE1}">
-              <a14:hiddenEffects xmlns:a14="http://schemas.microsoft.com/office/drawing/2010/main">
-                <a:effectLst>
-                  <a:outerShdw dist="35921" dir="2700000" algn="ctr" rotWithShape="0">
-                    <a:schemeClr val="bg2"/>
-                  </a:outerShdw>
-                </a:effectLst>
-              </a14:hiddenEffects>
-            </a:ext>
-          </a:extLst>
-        </p:spPr>
-      </p:pic>
+              <a:rPr lang="en-US" sz="4000"/>
+              <a:t>4</a:t>
+            </a:r>
+            <a:r>
+              <a:rPr lang="en-US" sz="4000" smtClean="0"/>
+              <a:t>.</a:t>
+            </a:r>
+            <a:endParaRPr lang="en-US" sz="4000"/>
+          </a:p>
+        </p:txBody>
+      </p:sp>
     </p:spTree>
     <p:extLst>
       <p:ext uri="{BB962C8B-B14F-4D97-AF65-F5344CB8AC3E}">
-        <p14:creationId xmlns:p14="http://schemas.microsoft.com/office/powerpoint/2010/main" val="1332120998"/>
+        <p14:creationId xmlns:p14="http://schemas.microsoft.com/office/powerpoint/2010/main" val="1044335434"/>
       </p:ext>
     </p:extLst>
   </p:cSld>
@@ -4722,7 +5151,7 @@
   <p:timing>
     <p:tnLst>
       <p:par>
-        <p:cTn xmlns:p14="http://schemas.microsoft.com/office/powerpoint/2010/main" id="1" dur="indefinite" restart="never" nodeType="tmRoot"/>
+        <p:cTn id="1" dur="indefinite" restart="never" nodeType="tmRoot"/>
       </p:par>
     </p:tnLst>
   </p:timing>
@@ -4748,20 +5177,38 @@
       </p:grpSpPr>
       <p:sp>
         <p:nvSpPr>
-          <p:cNvPr id="3" name="Text Placeholder 2"/>
-          <p:cNvSpPr>
-            <a:spLocks noGrp="1"/>
-          </p:cNvSpPr>
-          <p:nvPr>
-            <p:ph type="body" idx="1"/>
-          </p:nvPr>
-        </p:nvSpPr>
-        <p:spPr>
-          <a:xfrm>
-            <a:off x="533400" y="1295400"/>
-            <a:ext cx="7239000" cy="4419600"/>
-          </a:xfrm>
-        </p:spPr>
+          <p:cNvPr id="2" name="Title 1"/>
+          <p:cNvSpPr>
+            <a:spLocks noGrp="1"/>
+          </p:cNvSpPr>
+          <p:nvPr>
+            <p:ph type="title"/>
+          </p:nvPr>
+        </p:nvSpPr>
+        <p:spPr/>
+        <p:txBody>
+          <a:bodyPr/>
+          <a:lstStyle/>
+          <a:p>
+            <a:r>
+              <a:rPr lang="en-US" dirty="0" smtClean="0"/>
+              <a:t>System Design</a:t>
+            </a:r>
+            <a:endParaRPr lang="en-US" dirty="0"/>
+          </a:p>
+        </p:txBody>
+      </p:sp>
+      <p:sp>
+        <p:nvSpPr>
+          <p:cNvPr id="3" name="Content Placeholder 2"/>
+          <p:cNvSpPr>
+            <a:spLocks noGrp="1"/>
+          </p:cNvSpPr>
+          <p:nvPr>
+            <p:ph idx="1"/>
+          </p:nvPr>
+        </p:nvSpPr>
+        <p:spPr/>
         <p:txBody>
           <a:bodyPr>
             <a:normAutofit/>
@@ -4769,119 +5216,546 @@
           <a:lstStyle/>
           <a:p>
             <a:r>
-              <a:rPr lang="en-US" sz="2200" dirty="0"/>
-              <a:t>	</a:t>
-            </a:r>
-            <a:endParaRPr lang="en-US" sz="2200" dirty="0" smtClean="0"/>
-          </a:p>
-          <a:p>
-            <a:endParaRPr lang="en-US" sz="4000" dirty="0"/>
-          </a:p>
-          <a:p>
-            <a:r>
-              <a:rPr lang="en-US" sz="4000" dirty="0" smtClean="0"/>
-              <a:t>	</a:t>
-            </a:r>
-            <a:endParaRPr lang="en-US" sz="4000" dirty="0"/>
-          </a:p>
-        </p:txBody>
-      </p:sp>
-      <p:sp>
-        <p:nvSpPr>
-          <p:cNvPr id="4" name="Title 3"/>
-          <p:cNvSpPr>
-            <a:spLocks noGrp="1"/>
-          </p:cNvSpPr>
-          <p:nvPr>
-            <p:ph type="title"/>
-          </p:nvPr>
-        </p:nvSpPr>
-        <p:spPr>
-          <a:xfrm>
-            <a:off x="381000" y="457200"/>
-            <a:ext cx="7659687" cy="1168400"/>
-          </a:xfrm>
-        </p:spPr>
-        <p:txBody>
-          <a:bodyPr/>
-          <a:lstStyle/>
-          <a:p>
-            <a:r>
-              <a:rPr lang="en-US" dirty="0" smtClean="0"/>
-              <a:t>Use case – register - exception</a:t>
-            </a:r>
-            <a:endParaRPr lang="en-US" dirty="0"/>
-          </a:p>
-        </p:txBody>
-      </p:sp>
-      <p:pic>
-        <p:nvPicPr>
-          <p:cNvPr id="2050" name="Picture 2"/>
-          <p:cNvPicPr>
-            <a:picLocks noChangeAspect="1" noChangeArrowheads="1"/>
-          </p:cNvPicPr>
-          <p:nvPr/>
-        </p:nvPicPr>
-        <p:blipFill>
-          <a:blip r:embed="rId2">
-            <a:extLst>
-              <a:ext uri="{28A0092B-C50C-407E-A947-70E740481C1C}">
-                <a14:useLocalDpi xmlns:a14="http://schemas.microsoft.com/office/drawing/2010/main" val="0"/>
-              </a:ext>
-            </a:extLst>
-          </a:blip>
-          <a:srcRect/>
-          <a:stretch>
-            <a:fillRect/>
-          </a:stretch>
-        </p:blipFill>
-        <p:spPr bwMode="auto">
-          <a:xfrm>
-            <a:off x="1066800" y="1752600"/>
-            <a:ext cx="7162800" cy="3886200"/>
-          </a:xfrm>
-          <a:prstGeom prst="rect">
-            <a:avLst/>
-          </a:prstGeom>
-          <a:noFill/>
-          <a:ln>
-            <a:noFill/>
-          </a:ln>
-          <a:effectLst/>
-          <a:extLst>
-            <a:ext uri="{909E8E84-426E-40dd-AFC4-6F175D3DCCD1}">
-              <a14:hiddenFill xmlns:a14="http://schemas.microsoft.com/office/drawing/2010/main">
-                <a:solidFill>
-                  <a:schemeClr val="accent1"/>
-                </a:solidFill>
-              </a14:hiddenFill>
-            </a:ext>
-            <a:ext uri="{91240B29-F687-4f45-9708-019B960494DF}">
-              <a14:hiddenLine xmlns:a14="http://schemas.microsoft.com/office/drawing/2010/main" w="9525">
-                <a:solidFill>
-                  <a:schemeClr val="tx1"/>
-                </a:solidFill>
-                <a:miter lim="800000"/>
-                <a:headEnd/>
-                <a:tailEnd/>
-              </a14:hiddenLine>
-            </a:ext>
-            <a:ext uri="{AF507438-7753-43e0-B8FC-AC1667EBCBE1}">
-              <a14:hiddenEffects xmlns:a14="http://schemas.microsoft.com/office/drawing/2010/main">
-                <a:effectLst>
-                  <a:outerShdw dist="35921" dir="2700000" algn="ctr" rotWithShape="0">
-                    <a:schemeClr val="bg2"/>
-                  </a:outerShdw>
-                </a:effectLst>
-              </a14:hiddenEffects>
-            </a:ext>
-          </a:extLst>
-        </p:spPr>
-      </p:pic>
+              <a:rPr lang="en-US" sz="3000" dirty="0" smtClean="0">
+                <a:latin typeface="+mj-lt"/>
+              </a:rPr>
+              <a:t>Use Cases</a:t>
+            </a:r>
+            <a:endParaRPr lang="en-US" sz="3000" dirty="0" smtClean="0">
+              <a:latin typeface="+mj-lt"/>
+            </a:endParaRPr>
+          </a:p>
+          <a:p>
+            <a:pPr lvl="1"/>
+            <a:r>
+              <a:rPr lang="en-US" sz="2200" dirty="0" smtClean="0"/>
+              <a:t>Actors:</a:t>
+            </a:r>
+          </a:p>
+          <a:p>
+            <a:pPr lvl="2"/>
+            <a:r>
+              <a:rPr lang="en-US" sz="2000" dirty="0" smtClean="0"/>
+              <a:t>Users  (Job seekers)</a:t>
+            </a:r>
+          </a:p>
+          <a:p>
+            <a:pPr lvl="2"/>
+            <a:endParaRPr lang="en-US" sz="2000" dirty="0"/>
+          </a:p>
+          <a:p>
+            <a:pPr lvl="2"/>
+            <a:endParaRPr lang="en-US" sz="2000" dirty="0" smtClean="0"/>
+          </a:p>
+          <a:p>
+            <a:pPr lvl="2"/>
+            <a:endParaRPr lang="en-US" sz="2000" dirty="0"/>
+          </a:p>
+          <a:p>
+            <a:pPr lvl="2"/>
+            <a:endParaRPr lang="en-US" sz="2000" dirty="0" smtClean="0"/>
+          </a:p>
+          <a:p>
+            <a:pPr lvl="2"/>
+            <a:endParaRPr lang="en-US" sz="2000" dirty="0"/>
+          </a:p>
+          <a:p>
+            <a:pPr lvl="2"/>
+            <a:endParaRPr lang="en-US" sz="2000" dirty="0" smtClean="0"/>
+          </a:p>
+          <a:p>
+            <a:pPr lvl="2"/>
+            <a:r>
+              <a:rPr lang="en-US" sz="2000" dirty="0" smtClean="0"/>
+              <a:t>Admin </a:t>
+            </a:r>
+          </a:p>
+          <a:p>
+            <a:pPr lvl="2"/>
+            <a:endParaRPr lang="en-US" sz="2000" dirty="0" smtClean="0"/>
+          </a:p>
+          <a:p>
+            <a:pPr lvl="3"/>
+            <a:endParaRPr lang="en-US" dirty="0" smtClean="0"/>
+          </a:p>
+        </p:txBody>
+      </p:sp>
+      <p:graphicFrame>
+        <p:nvGraphicFramePr>
+          <p:cNvPr id="4" name="Table 3"/>
+          <p:cNvGraphicFramePr>
+            <a:graphicFrameLocks noGrp="1"/>
+          </p:cNvGraphicFramePr>
+          <p:nvPr>
+            <p:extLst>
+              <p:ext uri="{D42A27DB-BD31-4B8C-83A1-F6EECF244321}">
+                <p14:modId xmlns:p14="http://schemas.microsoft.com/office/powerpoint/2010/main" val="2145423217"/>
+              </p:ext>
+            </p:extLst>
+          </p:nvPr>
+        </p:nvGraphicFramePr>
+        <p:xfrm>
+          <a:off x="1219200" y="2971800"/>
+          <a:ext cx="6096000" cy="1854200"/>
+        </p:xfrm>
+        <a:graphic>
+          <a:graphicData uri="http://schemas.openxmlformats.org/drawingml/2006/table">
+            <a:tbl>
+              <a:tblPr firstRow="1" bandRow="1">
+                <a:tableStyleId>{5C22544A-7EE6-4342-B048-85BDC9FD1C3A}</a:tableStyleId>
+              </a:tblPr>
+              <a:tblGrid>
+                <a:gridCol w="3048000"/>
+                <a:gridCol w="3048000"/>
+              </a:tblGrid>
+              <a:tr h="370840">
+                <a:tc>
+                  <a:txBody>
+                    <a:bodyPr/>
+                    <a:lstStyle/>
+                    <a:p>
+                      <a:pPr algn="ctr"/>
+                      <a:r>
+                        <a:rPr lang="en-US" b="1" dirty="0" smtClean="0">
+                          <a:solidFill>
+                            <a:schemeClr val="tx1"/>
+                          </a:solidFill>
+                        </a:rPr>
+                        <a:t>Search</a:t>
+                      </a:r>
+                      <a:r>
+                        <a:rPr lang="en-US" b="1" baseline="0" dirty="0" smtClean="0">
+                          <a:solidFill>
+                            <a:schemeClr val="tx1"/>
+                          </a:solidFill>
+                        </a:rPr>
+                        <a:t> Jobs</a:t>
+                      </a:r>
+                      <a:endParaRPr lang="en-US" b="1" dirty="0">
+                        <a:solidFill>
+                          <a:schemeClr val="tx1"/>
+                        </a:solidFill>
+                      </a:endParaRPr>
+                    </a:p>
+                  </a:txBody>
+                  <a:tcPr>
+                    <a:solidFill>
+                      <a:schemeClr val="bg1"/>
+                    </a:solidFill>
+                  </a:tcPr>
+                </a:tc>
+                <a:tc>
+                  <a:txBody>
+                    <a:bodyPr/>
+                    <a:lstStyle/>
+                    <a:p>
+                      <a:pPr algn="ctr"/>
+                      <a:r>
+                        <a:rPr lang="en-US" b="1" dirty="0" smtClean="0">
+                          <a:solidFill>
+                            <a:schemeClr val="tx1"/>
+                          </a:solidFill>
+                        </a:rPr>
+                        <a:t>Forgot Password</a:t>
+                      </a:r>
+                      <a:endParaRPr lang="en-US" b="1" dirty="0">
+                        <a:solidFill>
+                          <a:schemeClr val="tx1"/>
+                        </a:solidFill>
+                      </a:endParaRPr>
+                    </a:p>
+                  </a:txBody>
+                  <a:tcPr>
+                    <a:solidFill>
+                      <a:schemeClr val="bg1"/>
+                    </a:solidFill>
+                  </a:tcPr>
+                </a:tc>
+              </a:tr>
+              <a:tr h="370840">
+                <a:tc>
+                  <a:txBody>
+                    <a:bodyPr/>
+                    <a:lstStyle/>
+                    <a:p>
+                      <a:pPr algn="ctr"/>
+                      <a:r>
+                        <a:rPr lang="en-US" b="1" dirty="0" smtClean="0">
+                          <a:solidFill>
+                            <a:schemeClr val="tx1"/>
+                          </a:solidFill>
+                        </a:rPr>
+                        <a:t>Register</a:t>
+                      </a:r>
+                      <a:endParaRPr lang="en-US" b="1" dirty="0">
+                        <a:solidFill>
+                          <a:schemeClr val="tx1"/>
+                        </a:solidFill>
+                      </a:endParaRPr>
+                    </a:p>
+                  </a:txBody>
+                  <a:tcPr>
+                    <a:solidFill>
+                      <a:schemeClr val="bg1"/>
+                    </a:solidFill>
+                  </a:tcPr>
+                </a:tc>
+                <a:tc>
+                  <a:txBody>
+                    <a:bodyPr/>
+                    <a:lstStyle/>
+                    <a:p>
+                      <a:pPr algn="ctr"/>
+                      <a:r>
+                        <a:rPr lang="en-US" b="1" dirty="0" smtClean="0">
+                          <a:solidFill>
+                            <a:schemeClr val="tx1"/>
+                          </a:solidFill>
+                        </a:rPr>
+                        <a:t>Change Password</a:t>
+                      </a:r>
+                      <a:endParaRPr lang="en-US" b="1" dirty="0">
+                        <a:solidFill>
+                          <a:schemeClr val="tx1"/>
+                        </a:solidFill>
+                      </a:endParaRPr>
+                    </a:p>
+                  </a:txBody>
+                  <a:tcPr>
+                    <a:solidFill>
+                      <a:schemeClr val="bg1"/>
+                    </a:solidFill>
+                  </a:tcPr>
+                </a:tc>
+              </a:tr>
+              <a:tr h="370840">
+                <a:tc>
+                  <a:txBody>
+                    <a:bodyPr/>
+                    <a:lstStyle/>
+                    <a:p>
+                      <a:pPr algn="ctr"/>
+                      <a:r>
+                        <a:rPr lang="en-US" b="1" dirty="0" smtClean="0">
+                          <a:solidFill>
+                            <a:schemeClr val="tx1"/>
+                          </a:solidFill>
+                        </a:rPr>
+                        <a:t>Email Verification</a:t>
+                      </a:r>
+                      <a:endParaRPr lang="en-US" b="1" dirty="0">
+                        <a:solidFill>
+                          <a:schemeClr val="tx1"/>
+                        </a:solidFill>
+                      </a:endParaRPr>
+                    </a:p>
+                  </a:txBody>
+                  <a:tcPr>
+                    <a:solidFill>
+                      <a:schemeClr val="bg1"/>
+                    </a:solidFill>
+                  </a:tcPr>
+                </a:tc>
+                <a:tc>
+                  <a:txBody>
+                    <a:bodyPr/>
+                    <a:lstStyle/>
+                    <a:p>
+                      <a:pPr algn="ctr"/>
+                      <a:r>
+                        <a:rPr lang="en-US" b="1" dirty="0" smtClean="0">
+                          <a:solidFill>
+                            <a:schemeClr val="tx1"/>
+                          </a:solidFill>
+                        </a:rPr>
+                        <a:t>Profile Information</a:t>
+                      </a:r>
+                      <a:endParaRPr lang="en-US" b="1" dirty="0">
+                        <a:solidFill>
+                          <a:schemeClr val="tx1"/>
+                        </a:solidFill>
+                      </a:endParaRPr>
+                    </a:p>
+                  </a:txBody>
+                  <a:tcPr>
+                    <a:solidFill>
+                      <a:schemeClr val="bg1"/>
+                    </a:solidFill>
+                  </a:tcPr>
+                </a:tc>
+              </a:tr>
+              <a:tr h="370840">
+                <a:tc>
+                  <a:txBody>
+                    <a:bodyPr/>
+                    <a:lstStyle/>
+                    <a:p>
+                      <a:pPr algn="ctr"/>
+                      <a:r>
+                        <a:rPr lang="en-US" b="1" dirty="0" smtClean="0">
+                          <a:solidFill>
+                            <a:schemeClr val="tx1"/>
+                          </a:solidFill>
+                        </a:rPr>
+                        <a:t>Login</a:t>
+                      </a:r>
+                      <a:endParaRPr lang="en-US" b="1" dirty="0">
+                        <a:solidFill>
+                          <a:schemeClr val="tx1"/>
+                        </a:solidFill>
+                      </a:endParaRPr>
+                    </a:p>
+                  </a:txBody>
+                  <a:tcPr>
+                    <a:solidFill>
+                      <a:schemeClr val="bg1"/>
+                    </a:solidFill>
+                  </a:tcPr>
+                </a:tc>
+                <a:tc>
+                  <a:txBody>
+                    <a:bodyPr/>
+                    <a:lstStyle/>
+                    <a:p>
+                      <a:pPr algn="ctr"/>
+                      <a:r>
+                        <a:rPr lang="en-US" b="1" dirty="0" smtClean="0">
+                          <a:solidFill>
+                            <a:schemeClr val="tx1"/>
+                          </a:solidFill>
+                        </a:rPr>
+                        <a:t>Filter Jobs</a:t>
+                      </a:r>
+                      <a:endParaRPr lang="en-US" b="1" dirty="0">
+                        <a:solidFill>
+                          <a:schemeClr val="tx1"/>
+                        </a:solidFill>
+                      </a:endParaRPr>
+                    </a:p>
+                  </a:txBody>
+                  <a:tcPr>
+                    <a:solidFill>
+                      <a:schemeClr val="bg1"/>
+                    </a:solidFill>
+                  </a:tcPr>
+                </a:tc>
+              </a:tr>
+              <a:tr h="370840">
+                <a:tc>
+                  <a:txBody>
+                    <a:bodyPr/>
+                    <a:lstStyle/>
+                    <a:p>
+                      <a:pPr algn="ctr"/>
+                      <a:r>
+                        <a:rPr lang="en-US" b="1" dirty="0" smtClean="0">
+                          <a:solidFill>
+                            <a:schemeClr val="tx1"/>
+                          </a:solidFill>
+                        </a:rPr>
+                        <a:t>Apply</a:t>
+                      </a:r>
+                      <a:endParaRPr lang="en-US" b="1" dirty="0">
+                        <a:solidFill>
+                          <a:schemeClr val="tx1"/>
+                        </a:solidFill>
+                      </a:endParaRPr>
+                    </a:p>
+                  </a:txBody>
+                  <a:tcPr>
+                    <a:solidFill>
+                      <a:schemeClr val="bg1"/>
+                    </a:solidFill>
+                  </a:tcPr>
+                </a:tc>
+                <a:tc>
+                  <a:txBody>
+                    <a:bodyPr/>
+                    <a:lstStyle/>
+                    <a:p>
+                      <a:pPr algn="ctr"/>
+                      <a:r>
+                        <a:rPr lang="en-US" b="1" dirty="0" smtClean="0">
+                          <a:solidFill>
+                            <a:schemeClr val="tx1"/>
+                          </a:solidFill>
+                        </a:rPr>
+                        <a:t>Upload</a:t>
+                      </a:r>
+                      <a:r>
+                        <a:rPr lang="en-US" b="1" baseline="0" dirty="0" smtClean="0">
+                          <a:solidFill>
+                            <a:schemeClr val="tx1"/>
+                          </a:solidFill>
+                        </a:rPr>
+                        <a:t> Resume</a:t>
+                      </a:r>
+                      <a:endParaRPr lang="en-US" b="1" dirty="0">
+                        <a:solidFill>
+                          <a:schemeClr val="tx1"/>
+                        </a:solidFill>
+                      </a:endParaRPr>
+                    </a:p>
+                  </a:txBody>
+                  <a:tcPr>
+                    <a:solidFill>
+                      <a:schemeClr val="bg1"/>
+                    </a:solidFill>
+                  </a:tcPr>
+                </a:tc>
+              </a:tr>
+            </a:tbl>
+          </a:graphicData>
+        </a:graphic>
+      </p:graphicFrame>
+      <p:graphicFrame>
+        <p:nvGraphicFramePr>
+          <p:cNvPr id="5" name="Table 4"/>
+          <p:cNvGraphicFramePr>
+            <a:graphicFrameLocks noGrp="1"/>
+          </p:cNvGraphicFramePr>
+          <p:nvPr>
+            <p:extLst>
+              <p:ext uri="{D42A27DB-BD31-4B8C-83A1-F6EECF244321}">
+                <p14:modId xmlns:p14="http://schemas.microsoft.com/office/powerpoint/2010/main" val="2508830691"/>
+              </p:ext>
+            </p:extLst>
+          </p:nvPr>
+        </p:nvGraphicFramePr>
+        <p:xfrm>
+          <a:off x="1447800" y="5562600"/>
+          <a:ext cx="6096000" cy="741680"/>
+        </p:xfrm>
+        <a:graphic>
+          <a:graphicData uri="http://schemas.openxmlformats.org/drawingml/2006/table">
+            <a:tbl>
+              <a:tblPr firstRow="1" bandRow="1">
+                <a:tableStyleId>{5C22544A-7EE6-4342-B048-85BDC9FD1C3A}</a:tableStyleId>
+              </a:tblPr>
+              <a:tblGrid>
+                <a:gridCol w="3048000"/>
+                <a:gridCol w="3048000"/>
+              </a:tblGrid>
+              <a:tr h="370840">
+                <a:tc>
+                  <a:txBody>
+                    <a:bodyPr/>
+                    <a:lstStyle/>
+                    <a:p>
+                      <a:pPr algn="ctr"/>
+                      <a:r>
+                        <a:rPr lang="en-US" b="1" dirty="0" smtClean="0">
+                          <a:solidFill>
+                            <a:schemeClr val="tx1"/>
+                          </a:solidFill>
+                        </a:rPr>
+                        <a:t>Login</a:t>
+                      </a:r>
+                      <a:endParaRPr lang="en-US" b="1" dirty="0">
+                        <a:solidFill>
+                          <a:schemeClr val="tx1"/>
+                        </a:solidFill>
+                      </a:endParaRPr>
+                    </a:p>
+                  </a:txBody>
+                  <a:tcPr>
+                    <a:solidFill>
+                      <a:schemeClr val="bg1"/>
+                    </a:solidFill>
+                  </a:tcPr>
+                </a:tc>
+                <a:tc>
+                  <a:txBody>
+                    <a:bodyPr/>
+                    <a:lstStyle/>
+                    <a:p>
+                      <a:pPr algn="ctr"/>
+                      <a:r>
+                        <a:rPr lang="en-US" b="1" dirty="0" smtClean="0">
+                          <a:solidFill>
+                            <a:schemeClr val="tx1"/>
+                          </a:solidFill>
+                        </a:rPr>
+                        <a:t>Search Users</a:t>
+                      </a:r>
+                      <a:endParaRPr lang="en-US" b="1" dirty="0">
+                        <a:solidFill>
+                          <a:schemeClr val="tx1"/>
+                        </a:solidFill>
+                      </a:endParaRPr>
+                    </a:p>
+                  </a:txBody>
+                  <a:tcPr>
+                    <a:solidFill>
+                      <a:schemeClr val="bg1"/>
+                    </a:solidFill>
+                  </a:tcPr>
+                </a:tc>
+              </a:tr>
+              <a:tr h="370840">
+                <a:tc>
+                  <a:txBody>
+                    <a:bodyPr/>
+                    <a:lstStyle/>
+                    <a:p>
+                      <a:pPr algn="ctr"/>
+                      <a:r>
+                        <a:rPr lang="en-US" b="1" dirty="0" smtClean="0">
+                          <a:solidFill>
+                            <a:schemeClr val="tx1"/>
+                          </a:solidFill>
+                        </a:rPr>
+                        <a:t>Deactivate Users</a:t>
+                      </a:r>
+                      <a:endParaRPr lang="en-US" b="1" dirty="0">
+                        <a:solidFill>
+                          <a:schemeClr val="tx1"/>
+                        </a:solidFill>
+                      </a:endParaRPr>
+                    </a:p>
+                  </a:txBody>
+                  <a:tcPr>
+                    <a:solidFill>
+                      <a:schemeClr val="bg1"/>
+                    </a:solidFill>
+                  </a:tcPr>
+                </a:tc>
+                <a:tc>
+                  <a:txBody>
+                    <a:bodyPr/>
+                    <a:lstStyle/>
+                    <a:p>
+                      <a:pPr algn="ctr"/>
+                      <a:r>
+                        <a:rPr lang="en-US" b="1" dirty="0" smtClean="0">
+                          <a:solidFill>
+                            <a:schemeClr val="tx1"/>
+                          </a:solidFill>
+                        </a:rPr>
+                        <a:t>Delete Users</a:t>
+                      </a:r>
+                      <a:endParaRPr lang="en-US" b="1" dirty="0">
+                        <a:solidFill>
+                          <a:schemeClr val="tx1"/>
+                        </a:solidFill>
+                      </a:endParaRPr>
+                    </a:p>
+                  </a:txBody>
+                  <a:tcPr>
+                    <a:solidFill>
+                      <a:schemeClr val="bg1"/>
+                    </a:solidFill>
+                  </a:tcPr>
+                </a:tc>
+              </a:tr>
+            </a:tbl>
+          </a:graphicData>
+        </a:graphic>
+      </p:graphicFrame>
     </p:spTree>
     <p:extLst>
       <p:ext uri="{BB962C8B-B14F-4D97-AF65-F5344CB8AC3E}">
-        <p14:creationId xmlns:p14="http://schemas.microsoft.com/office/powerpoint/2010/main" val="112083345"/>
+        <p14:creationId xmlns:p14="http://schemas.microsoft.com/office/powerpoint/2010/main" val="774958134"/>
       </p:ext>
     </p:extLst>
   </p:cSld>
@@ -4891,7 +5765,7 @@
   <p:timing>
     <p:tnLst>
       <p:par>
-        <p:cTn xmlns:p14="http://schemas.microsoft.com/office/powerpoint/2010/main" id="1" dur="indefinite" restart="never" nodeType="tmRoot"/>
+        <p:cTn id="1" dur="indefinite" restart="never" nodeType="tmRoot"/>
       </p:par>
     </p:tnLst>
   </p:timing>
@@ -4917,20 +5791,38 @@
       </p:grpSpPr>
       <p:sp>
         <p:nvSpPr>
-          <p:cNvPr id="3" name="Text Placeholder 2"/>
-          <p:cNvSpPr>
-            <a:spLocks noGrp="1"/>
-          </p:cNvSpPr>
-          <p:nvPr>
-            <p:ph type="body" idx="1"/>
-          </p:nvPr>
-        </p:nvSpPr>
-        <p:spPr>
-          <a:xfrm>
-            <a:off x="533400" y="1295400"/>
-            <a:ext cx="7239000" cy="4419600"/>
-          </a:xfrm>
-        </p:spPr>
+          <p:cNvPr id="2" name="Title 1"/>
+          <p:cNvSpPr>
+            <a:spLocks noGrp="1"/>
+          </p:cNvSpPr>
+          <p:nvPr>
+            <p:ph type="title"/>
+          </p:nvPr>
+        </p:nvSpPr>
+        <p:spPr/>
+        <p:txBody>
+          <a:bodyPr/>
+          <a:lstStyle/>
+          <a:p>
+            <a:r>
+              <a:rPr lang="en-US" dirty="0" smtClean="0"/>
+              <a:t>System Design</a:t>
+            </a:r>
+            <a:endParaRPr lang="en-US" dirty="0"/>
+          </a:p>
+        </p:txBody>
+      </p:sp>
+      <p:sp>
+        <p:nvSpPr>
+          <p:cNvPr id="3" name="Content Placeholder 2"/>
+          <p:cNvSpPr>
+            <a:spLocks noGrp="1"/>
+          </p:cNvSpPr>
+          <p:nvPr>
+            <p:ph idx="1"/>
+          </p:nvPr>
+        </p:nvSpPr>
+        <p:spPr/>
         <p:txBody>
           <a:bodyPr>
             <a:normAutofit/>
@@ -4938,54 +5830,32 @@
           <a:lstStyle/>
           <a:p>
             <a:r>
-              <a:rPr lang="en-US" sz="2200" dirty="0"/>
-              <a:t>	</a:t>
-            </a:r>
-            <a:endParaRPr lang="en-US" sz="2200" dirty="0" smtClean="0"/>
-          </a:p>
-          <a:p>
-            <a:endParaRPr lang="en-US" sz="4000" dirty="0"/>
-          </a:p>
-          <a:p>
-            <a:r>
-              <a:rPr lang="en-US" sz="4000" dirty="0" smtClean="0"/>
-              <a:t>	</a:t>
-            </a:r>
-            <a:endParaRPr lang="en-US" sz="4000" dirty="0"/>
-          </a:p>
-        </p:txBody>
-      </p:sp>
-      <p:sp>
-        <p:nvSpPr>
-          <p:cNvPr id="4" name="Title 3"/>
-          <p:cNvSpPr>
-            <a:spLocks noGrp="1"/>
-          </p:cNvSpPr>
-          <p:nvPr>
-            <p:ph type="title"/>
-          </p:nvPr>
-        </p:nvSpPr>
-        <p:spPr>
-          <a:xfrm>
-            <a:off x="381000" y="457200"/>
-            <a:ext cx="7659687" cy="1168400"/>
-          </a:xfrm>
-        </p:spPr>
-        <p:txBody>
-          <a:bodyPr/>
-          <a:lstStyle/>
-          <a:p>
-            <a:r>
-              <a:rPr lang="en-US" dirty="0" smtClean="0"/>
-              <a:t>Use case – Login- normal flow ☺</a:t>
-            </a:r>
-            <a:endParaRPr lang="en-US" dirty="0"/>
-          </a:p>
-        </p:txBody>
-      </p:sp>
-      <p:sp>
-        <p:nvSpPr>
-          <p:cNvPr id="2" name="Rectangle 2"/>
+              <a:rPr lang="en-US" sz="3000" dirty="0" smtClean="0">
+                <a:latin typeface="+mj-lt"/>
+              </a:rPr>
+              <a:t>Use Cases Diagram:</a:t>
+            </a:r>
+          </a:p>
+          <a:p>
+            <a:pPr lvl="1"/>
+            <a:r>
+              <a:rPr lang="en-US" sz="2800" dirty="0" smtClean="0">
+                <a:latin typeface="+mj-lt"/>
+              </a:rPr>
+              <a:t>Users:</a:t>
+            </a:r>
+          </a:p>
+          <a:p>
+            <a:pPr lvl="1"/>
+            <a:endParaRPr lang="en-US" sz="2800" dirty="0" smtClean="0">
+              <a:latin typeface="+mj-lt"/>
+            </a:endParaRPr>
+          </a:p>
+        </p:txBody>
+      </p:sp>
+      <p:sp>
+        <p:nvSpPr>
+          <p:cNvPr id="6" name="Rectangle 4"/>
           <p:cNvSpPr>
             <a:spLocks noChangeArrowheads="1"/>
           </p:cNvSpPr>
@@ -5005,14 +5875,14 @@
           </a:ln>
           <a:effectLst/>
           <a:extLst>
-            <a:ext uri="{909E8E84-426E-40dd-AFC4-6F175D3DCCD1}">
+            <a:ext uri="{909E8E84-426E-40DD-AFC4-6F175D3DCCD1}">
               <a14:hiddenFill xmlns:a14="http://schemas.microsoft.com/office/drawing/2010/main">
                 <a:solidFill>
                   <a:schemeClr val="accent1"/>
                 </a:solidFill>
               </a14:hiddenFill>
             </a:ext>
-            <a:ext uri="{91240B29-F687-4f45-9708-019B960494DF}">
+            <a:ext uri="{91240B29-F687-4F45-9708-019B960494DF}">
               <a14:hiddenLine xmlns:a14="http://schemas.microsoft.com/office/drawing/2010/main" w="9525">
                 <a:solidFill>
                   <a:schemeClr val="tx1"/>
@@ -5022,7 +5892,7 @@
                 <a:tailEnd/>
               </a14:hiddenLine>
             </a:ext>
-            <a:ext uri="{AF507438-7753-43e0-B8FC-AC1667EBCBE1}">
+            <a:ext uri="{AF507438-7753-43E0-B8FC-AC1667EBCBE1}">
               <a14:hiddenEffects xmlns:a14="http://schemas.microsoft.com/office/drawing/2010/main">
                 <a:effectLst>
                   <a:outerShdw dist="35921" dir="2700000" algn="ctr" rotWithShape="0">
@@ -5048,36 +5918,36 @@
       </p:sp>
       <p:graphicFrame>
         <p:nvGraphicFramePr>
-          <p:cNvPr id="5" name="Object 4"/>
+          <p:cNvPr id="7" name="Object 6"/>
           <p:cNvGraphicFramePr>
             <a:graphicFrameLocks noChangeAspect="1"/>
           </p:cNvGraphicFramePr>
           <p:nvPr>
             <p:extLst>
               <p:ext uri="{D42A27DB-BD31-4B8C-83A1-F6EECF244321}">
-                <p14:modId xmlns:p14="http://schemas.microsoft.com/office/powerpoint/2010/main" val="3226787702"/>
+                <p14:modId xmlns:p14="http://schemas.microsoft.com/office/powerpoint/2010/main" val="1314720636"/>
               </p:ext>
             </p:extLst>
           </p:nvPr>
         </p:nvGraphicFramePr>
         <p:xfrm>
-          <a:off x="685800" y="2362200"/>
-          <a:ext cx="6705600" cy="1066800"/>
+          <a:off x="1295400" y="2667000"/>
+          <a:ext cx="6029325" cy="3333750"/>
         </p:xfrm>
         <a:graphic>
           <a:graphicData uri="http://schemas.openxmlformats.org/presentationml/2006/ole">
             <mc:AlternateContent xmlns:mc="http://schemas.openxmlformats.org/markup-compatibility/2006">
               <mc:Choice xmlns:v="urn:schemas-microsoft-com:vml" Requires="v">
-                <p:oleObj spid="_x0000_s4111" name="Visio" r:id="rId3" imgW="6334163" imgH="580897" progId="Visio.Drawing.15">
+                <p:oleObj spid="_x0000_s10247" name="Visio" r:id="rId3" imgW="7686566" imgH="5410279" progId="Visio.Drawing.15">
                   <p:embed/>
                 </p:oleObj>
               </mc:Choice>
               <mc:Fallback>
-                <p:oleObj name="Visio" r:id="rId3" imgW="6334163" imgH="580897" progId="Visio.Drawing.15">
+                <p:oleObj name="Visio" r:id="rId3" imgW="7686566" imgH="5410279" progId="Visio.Drawing.15">
                   <p:embed/>
                   <p:pic>
                     <p:nvPicPr>
-                      <p:cNvPr id="0" name="Object 1"/>
+                      <p:cNvPr id="0" name="Object 3"/>
                       <p:cNvPicPr>
                         <a:picLocks noChangeAspect="1" noChangeArrowheads="1"/>
                       </p:cNvPicPr>
@@ -5098,8 +5968,8 @@
                     </p:blipFill>
                     <p:spPr bwMode="auto">
                       <a:xfrm>
-                        <a:off x="685800" y="2362200"/>
-                        <a:ext cx="6705600" cy="1066800"/>
+                        <a:off x="1295400" y="2667000"/>
+                        <a:ext cx="6029325" cy="3333750"/>
                       </a:xfrm>
                       <a:prstGeom prst="rect">
                         <a:avLst/>
@@ -5116,7 +5986,7 @@
     </p:spTree>
     <p:extLst>
       <p:ext uri="{BB962C8B-B14F-4D97-AF65-F5344CB8AC3E}">
-        <p14:creationId xmlns:p14="http://schemas.microsoft.com/office/powerpoint/2010/main" val="2161578243"/>
+        <p14:creationId xmlns:p14="http://schemas.microsoft.com/office/powerpoint/2010/main" val="1849127158"/>
       </p:ext>
     </p:extLst>
   </p:cSld>
@@ -5126,7 +5996,7 @@
   <p:timing>
     <p:tnLst>
       <p:par>
-        <p:cTn xmlns:p14="http://schemas.microsoft.com/office/powerpoint/2010/main" id="1" dur="indefinite" restart="never" nodeType="tmRoot"/>
+        <p:cTn id="1" dur="indefinite" restart="never" nodeType="tmRoot"/>
       </p:par>
     </p:tnLst>
   </p:timing>
@@ -5152,20 +6022,38 @@
       </p:grpSpPr>
       <p:sp>
         <p:nvSpPr>
-          <p:cNvPr id="3" name="Text Placeholder 2"/>
-          <p:cNvSpPr>
-            <a:spLocks noGrp="1"/>
-          </p:cNvSpPr>
-          <p:nvPr>
-            <p:ph type="body" idx="1"/>
-          </p:nvPr>
-        </p:nvSpPr>
-        <p:spPr>
-          <a:xfrm>
-            <a:off x="533400" y="1295400"/>
-            <a:ext cx="7239000" cy="4419600"/>
-          </a:xfrm>
-        </p:spPr>
+          <p:cNvPr id="2" name="Title 1"/>
+          <p:cNvSpPr>
+            <a:spLocks noGrp="1"/>
+          </p:cNvSpPr>
+          <p:nvPr>
+            <p:ph type="title"/>
+          </p:nvPr>
+        </p:nvSpPr>
+        <p:spPr/>
+        <p:txBody>
+          <a:bodyPr/>
+          <a:lstStyle/>
+          <a:p>
+            <a:r>
+              <a:rPr lang="en-US" dirty="0" smtClean="0"/>
+              <a:t>System Design</a:t>
+            </a:r>
+            <a:endParaRPr lang="en-US" dirty="0"/>
+          </a:p>
+        </p:txBody>
+      </p:sp>
+      <p:sp>
+        <p:nvSpPr>
+          <p:cNvPr id="3" name="Content Placeholder 2"/>
+          <p:cNvSpPr>
+            <a:spLocks noGrp="1"/>
+          </p:cNvSpPr>
+          <p:nvPr>
+            <p:ph idx="1"/>
+          </p:nvPr>
+        </p:nvSpPr>
+        <p:spPr/>
         <p:txBody>
           <a:bodyPr>
             <a:normAutofit/>
@@ -5173,121 +6061,32 @@
           <a:lstStyle/>
           <a:p>
             <a:r>
-              <a:rPr lang="en-US" sz="2200" dirty="0"/>
-              <a:t>	</a:t>
-            </a:r>
-            <a:endParaRPr lang="en-US" sz="2200" dirty="0" smtClean="0"/>
-          </a:p>
-          <a:p>
-            <a:endParaRPr lang="en-US" sz="4000" dirty="0"/>
-          </a:p>
-          <a:p>
-            <a:r>
-              <a:rPr lang="en-US" sz="4000" dirty="0" smtClean="0"/>
-              <a:t>	</a:t>
-            </a:r>
-            <a:endParaRPr lang="en-US" sz="4000" dirty="0"/>
-          </a:p>
-        </p:txBody>
-      </p:sp>
-      <p:sp>
-        <p:nvSpPr>
-          <p:cNvPr id="4" name="Title 3"/>
-          <p:cNvSpPr>
-            <a:spLocks noGrp="1"/>
-          </p:cNvSpPr>
-          <p:nvPr>
-            <p:ph type="title"/>
-          </p:nvPr>
-        </p:nvSpPr>
-        <p:spPr>
-          <a:xfrm>
-            <a:off x="381000" y="457200"/>
-            <a:ext cx="7659687" cy="1168400"/>
-          </a:xfrm>
-        </p:spPr>
-        <p:txBody>
-          <a:bodyPr/>
-          <a:lstStyle/>
-          <a:p>
-            <a:r>
-              <a:rPr lang="en-US" dirty="0" smtClean="0"/>
-              <a:t>Use case – Login- </a:t>
-            </a:r>
-            <a:r>
-              <a:rPr lang="en-US" dirty="0" err="1" smtClean="0"/>
-              <a:t>EXception</a:t>
-            </a:r>
-            <a:endParaRPr lang="en-US" dirty="0"/>
-          </a:p>
-        </p:txBody>
-      </p:sp>
-      <p:sp>
-        <p:nvSpPr>
-          <p:cNvPr id="2" name="Rectangle 2"/>
-          <p:cNvSpPr>
-            <a:spLocks noChangeArrowheads="1"/>
-          </p:cNvSpPr>
-          <p:nvPr/>
-        </p:nvSpPr>
-        <p:spPr bwMode="auto">
-          <a:xfrm>
-            <a:off x="0" y="0"/>
-            <a:ext cx="9144000" cy="0"/>
-          </a:xfrm>
-          <a:prstGeom prst="rect">
-            <a:avLst/>
-          </a:prstGeom>
-          <a:noFill/>
-          <a:ln>
-            <a:noFill/>
-          </a:ln>
-          <a:effectLst/>
-          <a:extLst>
-            <a:ext uri="{909E8E84-426E-40dd-AFC4-6F175D3DCCD1}">
-              <a14:hiddenFill xmlns:a14="http://schemas.microsoft.com/office/drawing/2010/main">
-                <a:solidFill>
-                  <a:schemeClr val="accent1"/>
-                </a:solidFill>
-              </a14:hiddenFill>
-            </a:ext>
-            <a:ext uri="{91240B29-F687-4f45-9708-019B960494DF}">
-              <a14:hiddenLine xmlns:a14="http://schemas.microsoft.com/office/drawing/2010/main" w="9525">
-                <a:solidFill>
-                  <a:schemeClr val="tx1"/>
-                </a:solidFill>
-                <a:miter lim="800000"/>
-                <a:headEnd/>
-                <a:tailEnd/>
-              </a14:hiddenLine>
-            </a:ext>
-            <a:ext uri="{AF507438-7753-43e0-B8FC-AC1667EBCBE1}">
-              <a14:hiddenEffects xmlns:a14="http://schemas.microsoft.com/office/drawing/2010/main">
-                <a:effectLst>
-                  <a:outerShdw dist="35921" dir="2700000" algn="ctr" rotWithShape="0">
-                    <a:schemeClr val="bg2"/>
-                  </a:outerShdw>
-                </a:effectLst>
-              </a14:hiddenEffects>
-            </a:ext>
-          </a:extLst>
-        </p:spPr>
-        <p:txBody>
-          <a:bodyPr vert="horz" wrap="none" lIns="91440" tIns="45720" rIns="91440" bIns="45720" numCol="1" anchor="ctr" anchorCtr="0" compatLnSpc="1">
-            <a:prstTxWarp prst="textNoShape">
-              <a:avLst/>
-            </a:prstTxWarp>
-            <a:spAutoFit/>
-          </a:bodyPr>
-          <a:lstStyle/>
-          <a:p>
-            <a:endParaRPr lang="en-US"/>
+              <a:rPr lang="en-US" sz="3000" dirty="0" smtClean="0">
+                <a:latin typeface="+mj-lt"/>
+              </a:rPr>
+              <a:t>Use Cases Diagram:</a:t>
+            </a:r>
+          </a:p>
+          <a:p>
+            <a:pPr lvl="1"/>
+            <a:r>
+              <a:rPr lang="en-US" sz="2800" dirty="0" smtClean="0">
+                <a:latin typeface="+mj-lt"/>
+              </a:rPr>
+              <a:t>Admin:</a:t>
+            </a:r>
+          </a:p>
+          <a:p>
+            <a:pPr lvl="1"/>
+            <a:endParaRPr lang="en-US" sz="2800" dirty="0" smtClean="0">
+              <a:latin typeface="+mj-lt"/>
+            </a:endParaRPr>
           </a:p>
         </p:txBody>
       </p:sp>
       <p:pic>
         <p:nvPicPr>
-          <p:cNvPr id="5122" name="Picture 2"/>
+          <p:cNvPr id="10242" name="Picture 2"/>
           <p:cNvPicPr>
             <a:picLocks noChangeAspect="1" noChangeArrowheads="1"/>
           </p:cNvPicPr>
@@ -5308,8 +6107,8 @@
         </p:blipFill>
         <p:spPr bwMode="auto">
           <a:xfrm>
-            <a:off x="990600" y="1752600"/>
-            <a:ext cx="6553200" cy="2667000"/>
+            <a:off x="1981200" y="2743200"/>
+            <a:ext cx="4572000" cy="2971800"/>
           </a:xfrm>
           <a:prstGeom prst="rect">
             <a:avLst/>
@@ -5320,14 +6119,14 @@
           </a:ln>
           <a:effectLst/>
           <a:extLst>
-            <a:ext uri="{909E8E84-426E-40dd-AFC4-6F175D3DCCD1}">
+            <a:ext uri="{909E8E84-426E-40DD-AFC4-6F175D3DCCD1}">
               <a14:hiddenFill xmlns:a14="http://schemas.microsoft.com/office/drawing/2010/main">
                 <a:solidFill>
                   <a:schemeClr val="accent1"/>
                 </a:solidFill>
               </a14:hiddenFill>
             </a:ext>
-            <a:ext uri="{91240B29-F687-4f45-9708-019B960494DF}">
+            <a:ext uri="{91240B29-F687-4F45-9708-019B960494DF}">
               <a14:hiddenLine xmlns:a14="http://schemas.microsoft.com/office/drawing/2010/main" w="9525">
                 <a:solidFill>
                   <a:schemeClr val="tx1"/>
@@ -5337,7 +6136,7 @@
                 <a:tailEnd/>
               </a14:hiddenLine>
             </a:ext>
-            <a:ext uri="{AF507438-7753-43e0-B8FC-AC1667EBCBE1}">
+            <a:ext uri="{AF507438-7753-43E0-B8FC-AC1667EBCBE1}">
               <a14:hiddenEffects xmlns:a14="http://schemas.microsoft.com/office/drawing/2010/main">
                 <a:effectLst>
                   <a:outerShdw dist="35921" dir="2700000" algn="ctr" rotWithShape="0">
@@ -5352,7 +6151,7 @@
     </p:spTree>
     <p:extLst>
       <p:ext uri="{BB962C8B-B14F-4D97-AF65-F5344CB8AC3E}">
-        <p14:creationId xmlns:p14="http://schemas.microsoft.com/office/powerpoint/2010/main" val="517985571"/>
+        <p14:creationId xmlns:p14="http://schemas.microsoft.com/office/powerpoint/2010/main" val="3722284281"/>
       </p:ext>
     </p:extLst>
   </p:cSld>
@@ -5362,7 +6161,7 @@
   <p:timing>
     <p:tnLst>
       <p:par>
-        <p:cTn xmlns:p14="http://schemas.microsoft.com/office/powerpoint/2010/main" id="1" dur="indefinite" restart="never" nodeType="tmRoot"/>
+        <p:cTn id="1" dur="indefinite" restart="never" nodeType="tmRoot"/>
       </p:par>
     </p:tnLst>
   </p:timing>
@@ -5487,6 +6286,13 @@
   <p:clrMapOvr>
     <a:masterClrMapping/>
   </p:clrMapOvr>
+  <p:timing>
+    <p:tnLst>
+      <p:par>
+        <p:cTn id="1" dur="indefinite" restart="never" nodeType="tmRoot"/>
+      </p:par>
+    </p:tnLst>
+  </p:timing>
 </p:sld>
 </file>
 
@@ -5509,20 +6315,38 @@
       </p:grpSpPr>
       <p:sp>
         <p:nvSpPr>
-          <p:cNvPr id="3" name="Text Placeholder 2"/>
-          <p:cNvSpPr>
-            <a:spLocks noGrp="1"/>
-          </p:cNvSpPr>
-          <p:nvPr>
-            <p:ph type="body" idx="1"/>
-          </p:nvPr>
-        </p:nvSpPr>
-        <p:spPr>
-          <a:xfrm>
-            <a:off x="533400" y="1295400"/>
-            <a:ext cx="7239000" cy="4419600"/>
-          </a:xfrm>
-        </p:spPr>
+          <p:cNvPr id="2" name="Title 1"/>
+          <p:cNvSpPr>
+            <a:spLocks noGrp="1"/>
+          </p:cNvSpPr>
+          <p:nvPr>
+            <p:ph type="title"/>
+          </p:nvPr>
+        </p:nvSpPr>
+        <p:spPr/>
+        <p:txBody>
+          <a:bodyPr/>
+          <a:lstStyle/>
+          <a:p>
+            <a:r>
+              <a:rPr lang="en-US" dirty="0" smtClean="0"/>
+              <a:t>System Design</a:t>
+            </a:r>
+            <a:endParaRPr lang="en-US" dirty="0"/>
+          </a:p>
+        </p:txBody>
+      </p:sp>
+      <p:sp>
+        <p:nvSpPr>
+          <p:cNvPr id="3" name="Content Placeholder 2"/>
+          <p:cNvSpPr>
+            <a:spLocks noGrp="1"/>
+          </p:cNvSpPr>
+          <p:nvPr>
+            <p:ph idx="1"/>
+          </p:nvPr>
+        </p:nvSpPr>
+        <p:spPr/>
         <p:txBody>
           <a:bodyPr>
             <a:normAutofit/>
@@ -5530,63 +6354,54 @@
           <a:lstStyle/>
           <a:p>
             <a:r>
-              <a:rPr lang="en-US" sz="2200" dirty="0"/>
-              <a:t>	</a:t>
-            </a:r>
-            <a:endParaRPr lang="en-US" sz="2200" dirty="0" smtClean="0"/>
-          </a:p>
-          <a:p>
-            <a:endParaRPr lang="en-US" sz="4000" dirty="0"/>
-          </a:p>
-          <a:p>
-            <a:r>
-              <a:rPr lang="en-US" sz="4000" dirty="0" smtClean="0"/>
-              <a:t>	</a:t>
-            </a:r>
-            <a:endParaRPr lang="en-US" sz="4000" dirty="0"/>
-          </a:p>
-        </p:txBody>
-      </p:sp>
-      <p:sp>
-        <p:nvSpPr>
-          <p:cNvPr id="4" name="Title 3"/>
-          <p:cNvSpPr>
-            <a:spLocks noGrp="1"/>
-          </p:cNvSpPr>
-          <p:nvPr>
-            <p:ph type="title"/>
-          </p:nvPr>
-        </p:nvSpPr>
-        <p:spPr>
-          <a:xfrm>
-            <a:off x="381000" y="457200"/>
-            <a:ext cx="7659687" cy="1168400"/>
-          </a:xfrm>
-        </p:spPr>
-        <p:txBody>
-          <a:bodyPr/>
-          <a:lstStyle/>
-          <a:p>
-            <a:r>
-              <a:rPr lang="en-US" dirty="0" smtClean="0"/>
-              <a:t>Use case – Apply – normal flow ☺</a:t>
-            </a:r>
-            <a:endParaRPr lang="en-US" dirty="0"/>
-          </a:p>
-        </p:txBody>
-      </p:sp>
-      <p:sp>
-        <p:nvSpPr>
-          <p:cNvPr id="2" name="Rectangle 2"/>
-          <p:cNvSpPr>
-            <a:spLocks noChangeArrowheads="1"/>
-          </p:cNvSpPr>
+              <a:rPr lang="en-US" sz="3000" dirty="0" smtClean="0">
+                <a:latin typeface="+mj-lt"/>
+              </a:rPr>
+              <a:t>Use Cases </a:t>
+            </a:r>
+          </a:p>
+          <a:p>
+            <a:pPr lvl="1"/>
+            <a:r>
+              <a:rPr lang="en-US" sz="2600" dirty="0" smtClean="0">
+                <a:latin typeface="+mj-lt"/>
+              </a:rPr>
+              <a:t>Register - Normal Flow ☺</a:t>
+            </a:r>
+          </a:p>
+          <a:p>
+            <a:pPr lvl="1"/>
+            <a:endParaRPr lang="en-US" sz="2800" dirty="0" smtClean="0">
+              <a:latin typeface="+mj-lt"/>
+            </a:endParaRPr>
+          </a:p>
+        </p:txBody>
+      </p:sp>
+      <p:pic>
+        <p:nvPicPr>
+          <p:cNvPr id="5" name="Picture 2"/>
+          <p:cNvPicPr>
+            <a:picLocks noChangeAspect="1" noChangeArrowheads="1"/>
+          </p:cNvPicPr>
           <p:nvPr/>
-        </p:nvSpPr>
+        </p:nvPicPr>
+        <p:blipFill>
+          <a:blip r:embed="rId2">
+            <a:extLst>
+              <a:ext uri="{28A0092B-C50C-407E-A947-70E740481C1C}">
+                <a14:useLocalDpi xmlns:a14="http://schemas.microsoft.com/office/drawing/2010/main" val="0"/>
+              </a:ext>
+            </a:extLst>
+          </a:blip>
+          <a:srcRect/>
+          <a:stretch>
+            <a:fillRect/>
+          </a:stretch>
+        </p:blipFill>
         <p:spPr bwMode="auto">
           <a:xfrm>
-            <a:off x="0" y="0"/>
-            <a:ext cx="9144000" cy="0"/>
+            <a:off x="685800" y="2971800"/>
+            <a:ext cx="6934200" cy="609600"/>
           </a:xfrm>
           <a:prstGeom prst="rect">
             <a:avLst/>
@@ -5597,14 +6412,14 @@
           </a:ln>
           <a:effectLst/>
           <a:extLst>
-            <a:ext uri="{909E8E84-426E-40dd-AFC4-6F175D3DCCD1}">
+            <a:ext uri="{909E8E84-426E-40DD-AFC4-6F175D3DCCD1}">
               <a14:hiddenFill xmlns:a14="http://schemas.microsoft.com/office/drawing/2010/main">
                 <a:solidFill>
                   <a:schemeClr val="accent1"/>
                 </a:solidFill>
               </a14:hiddenFill>
             </a:ext>
-            <a:ext uri="{91240B29-F687-4f45-9708-019B960494DF}">
+            <a:ext uri="{91240B29-F687-4F45-9708-019B960494DF}">
               <a14:hiddenLine xmlns:a14="http://schemas.microsoft.com/office/drawing/2010/main" w="9525">
                 <a:solidFill>
                   <a:schemeClr val="tx1"/>
@@ -5614,7 +6429,7 @@
                 <a:tailEnd/>
               </a14:hiddenLine>
             </a:ext>
-            <a:ext uri="{AF507438-7753-43e0-B8FC-AC1667EBCBE1}">
+            <a:ext uri="{AF507438-7753-43E0-B8FC-AC1667EBCBE1}">
               <a14:hiddenEffects xmlns:a14="http://schemas.microsoft.com/office/drawing/2010/main">
                 <a:effectLst>
                   <a:outerShdw dist="35921" dir="2700000" algn="ctr" rotWithShape="0">
@@ -5625,153 +6440,11 @@
             </a:ext>
           </a:extLst>
         </p:spPr>
-        <p:txBody>
-          <a:bodyPr vert="horz" wrap="none" lIns="91440" tIns="45720" rIns="91440" bIns="45720" numCol="1" anchor="ctr" anchorCtr="0" compatLnSpc="1">
-            <a:prstTxWarp prst="textNoShape">
-              <a:avLst/>
-            </a:prstTxWarp>
-            <a:spAutoFit/>
-          </a:bodyPr>
-          <a:lstStyle/>
-          <a:p>
-            <a:endParaRPr lang="en-US"/>
-          </a:p>
-        </p:txBody>
-      </p:sp>
-      <p:sp>
-        <p:nvSpPr>
-          <p:cNvPr id="5" name="Rectangle 2"/>
-          <p:cNvSpPr>
-            <a:spLocks noChangeArrowheads="1"/>
-          </p:cNvSpPr>
-          <p:nvPr/>
-        </p:nvSpPr>
-        <p:spPr bwMode="auto">
-          <a:xfrm>
-            <a:off x="0" y="0"/>
-            <a:ext cx="9144000" cy="0"/>
-          </a:xfrm>
-          <a:prstGeom prst="rect">
-            <a:avLst/>
-          </a:prstGeom>
-          <a:noFill/>
-          <a:ln>
-            <a:noFill/>
-          </a:ln>
-          <a:effectLst/>
-          <a:extLst>
-            <a:ext uri="{909E8E84-426E-40dd-AFC4-6F175D3DCCD1}">
-              <a14:hiddenFill xmlns:a14="http://schemas.microsoft.com/office/drawing/2010/main">
-                <a:solidFill>
-                  <a:schemeClr val="accent1"/>
-                </a:solidFill>
-              </a14:hiddenFill>
-            </a:ext>
-            <a:ext uri="{91240B29-F687-4f45-9708-019B960494DF}">
-              <a14:hiddenLine xmlns:a14="http://schemas.microsoft.com/office/drawing/2010/main" w="9525">
-                <a:solidFill>
-                  <a:schemeClr val="tx1"/>
-                </a:solidFill>
-                <a:miter lim="800000"/>
-                <a:headEnd/>
-                <a:tailEnd/>
-              </a14:hiddenLine>
-            </a:ext>
-            <a:ext uri="{AF507438-7753-43e0-B8FC-AC1667EBCBE1}">
-              <a14:hiddenEffects xmlns:a14="http://schemas.microsoft.com/office/drawing/2010/main">
-                <a:effectLst>
-                  <a:outerShdw dist="35921" dir="2700000" algn="ctr" rotWithShape="0">
-                    <a:schemeClr val="bg2"/>
-                  </a:outerShdw>
-                </a:effectLst>
-              </a14:hiddenEffects>
-            </a:ext>
-          </a:extLst>
-        </p:spPr>
-        <p:txBody>
-          <a:bodyPr vert="horz" wrap="none" lIns="91440" tIns="45720" rIns="91440" bIns="45720" numCol="1" anchor="ctr" anchorCtr="0" compatLnSpc="1">
-            <a:prstTxWarp prst="textNoShape">
-              <a:avLst/>
-            </a:prstTxWarp>
-            <a:spAutoFit/>
-          </a:bodyPr>
-          <a:lstStyle/>
-          <a:p>
-            <a:endParaRPr lang="en-US"/>
-          </a:p>
-        </p:txBody>
-      </p:sp>
-      <p:graphicFrame>
-        <p:nvGraphicFramePr>
-          <p:cNvPr id="6" name="Object 5"/>
-          <p:cNvGraphicFramePr>
-            <a:graphicFrameLocks noChangeAspect="1"/>
-          </p:cNvGraphicFramePr>
-          <p:nvPr>
-            <p:extLst>
-              <p:ext uri="{D42A27DB-BD31-4B8C-83A1-F6EECF244321}">
-                <p14:modId xmlns:p14="http://schemas.microsoft.com/office/powerpoint/2010/main" val="27570180"/>
-              </p:ext>
-            </p:extLst>
-          </p:nvPr>
-        </p:nvGraphicFramePr>
-        <p:xfrm>
-          <a:off x="1404937" y="1676400"/>
-          <a:ext cx="6334125" cy="2895600"/>
-        </p:xfrm>
-        <a:graphic>
-          <a:graphicData uri="http://schemas.openxmlformats.org/presentationml/2006/ole">
-            <mc:AlternateContent xmlns:mc="http://schemas.openxmlformats.org/markup-compatibility/2006">
-              <mc:Choice xmlns:v="urn:schemas-microsoft-com:vml" Requires="v">
-                <p:oleObj spid="_x0000_s6157" name="Visio" r:id="rId3" imgW="8277197" imgH="3152824" progId="Visio.Drawing.15">
-                  <p:embed/>
-                </p:oleObj>
-              </mc:Choice>
-              <mc:Fallback>
-                <p:oleObj name="Visio" r:id="rId3" imgW="8277197" imgH="3152824" progId="Visio.Drawing.15">
-                  <p:embed/>
-                  <p:pic>
-                    <p:nvPicPr>
-                      <p:cNvPr id="0" name="Object 1"/>
-                      <p:cNvPicPr>
-                        <a:picLocks noChangeAspect="1" noChangeArrowheads="1"/>
-                      </p:cNvPicPr>
-                      <p:nvPr/>
-                    </p:nvPicPr>
-                    <p:blipFill>
-                      <a:blip r:embed="rId4">
-                        <a:extLst>
-                          <a:ext uri="{28A0092B-C50C-407E-A947-70E740481C1C}">
-                            <a14:useLocalDpi xmlns:a14="http://schemas.microsoft.com/office/drawing/2010/main" val="0"/>
-                          </a:ext>
-                        </a:extLst>
-                      </a:blip>
-                      <a:srcRect/>
-                      <a:stretch>
-                        <a:fillRect/>
-                      </a:stretch>
-                    </p:blipFill>
-                    <p:spPr bwMode="auto">
-                      <a:xfrm>
-                        <a:off x="1404937" y="1676400"/>
-                        <a:ext cx="6334125" cy="2895600"/>
-                      </a:xfrm>
-                      <a:prstGeom prst="rect">
-                        <a:avLst/>
-                      </a:prstGeom>
-                      <a:noFill/>
-                    </p:spPr>
-                  </p:pic>
-                </p:oleObj>
-              </mc:Fallback>
-            </mc:AlternateContent>
-          </a:graphicData>
-        </a:graphic>
-      </p:graphicFrame>
+      </p:pic>
     </p:spTree>
     <p:extLst>
       <p:ext uri="{BB962C8B-B14F-4D97-AF65-F5344CB8AC3E}">
-        <p14:creationId xmlns:p14="http://schemas.microsoft.com/office/powerpoint/2010/main" val="1544613592"/>
+        <p14:creationId xmlns:p14="http://schemas.microsoft.com/office/powerpoint/2010/main" val="2466524675"/>
       </p:ext>
     </p:extLst>
   </p:cSld>
@@ -5781,7 +6454,7 @@
   <p:timing>
     <p:tnLst>
       <p:par>
-        <p:cTn xmlns:p14="http://schemas.microsoft.com/office/powerpoint/2010/main" id="1" dur="indefinite" restart="never" nodeType="tmRoot"/>
+        <p:cTn id="1" dur="indefinite" restart="never" nodeType="tmRoot"/>
       </p:par>
     </p:tnLst>
   </p:timing>
@@ -5807,20 +6480,38 @@
       </p:grpSpPr>
       <p:sp>
         <p:nvSpPr>
-          <p:cNvPr id="3" name="Text Placeholder 2"/>
-          <p:cNvSpPr>
-            <a:spLocks noGrp="1"/>
-          </p:cNvSpPr>
-          <p:nvPr>
-            <p:ph type="body" idx="1"/>
-          </p:nvPr>
-        </p:nvSpPr>
-        <p:spPr>
-          <a:xfrm>
-            <a:off x="533400" y="1295400"/>
-            <a:ext cx="7239000" cy="4419600"/>
-          </a:xfrm>
-        </p:spPr>
+          <p:cNvPr id="2" name="Title 1"/>
+          <p:cNvSpPr>
+            <a:spLocks noGrp="1"/>
+          </p:cNvSpPr>
+          <p:nvPr>
+            <p:ph type="title"/>
+          </p:nvPr>
+        </p:nvSpPr>
+        <p:spPr/>
+        <p:txBody>
+          <a:bodyPr/>
+          <a:lstStyle/>
+          <a:p>
+            <a:r>
+              <a:rPr lang="en-US" dirty="0" smtClean="0"/>
+              <a:t>System Design</a:t>
+            </a:r>
+            <a:endParaRPr lang="en-US" dirty="0"/>
+          </a:p>
+        </p:txBody>
+      </p:sp>
+      <p:sp>
+        <p:nvSpPr>
+          <p:cNvPr id="3" name="Content Placeholder 2"/>
+          <p:cNvSpPr>
+            <a:spLocks noGrp="1"/>
+          </p:cNvSpPr>
+          <p:nvPr>
+            <p:ph idx="1"/>
+          </p:nvPr>
+        </p:nvSpPr>
+        <p:spPr/>
         <p:txBody>
           <a:bodyPr>
             <a:normAutofit/>
@@ -5828,63 +6519,58 @@
           <a:lstStyle/>
           <a:p>
             <a:r>
-              <a:rPr lang="en-US" sz="2200" dirty="0"/>
-              <a:t>	</a:t>
-            </a:r>
-            <a:endParaRPr lang="en-US" sz="2200" dirty="0" smtClean="0"/>
-          </a:p>
-          <a:p>
-            <a:endParaRPr lang="en-US" sz="4000" dirty="0"/>
-          </a:p>
-          <a:p>
-            <a:r>
-              <a:rPr lang="en-US" sz="4000" dirty="0" smtClean="0"/>
-              <a:t>	</a:t>
-            </a:r>
-            <a:endParaRPr lang="en-US" sz="4000" dirty="0"/>
-          </a:p>
-        </p:txBody>
-      </p:sp>
-      <p:sp>
-        <p:nvSpPr>
-          <p:cNvPr id="4" name="Title 3"/>
-          <p:cNvSpPr>
-            <a:spLocks noGrp="1"/>
-          </p:cNvSpPr>
-          <p:nvPr>
-            <p:ph type="title"/>
-          </p:nvPr>
-        </p:nvSpPr>
-        <p:spPr>
-          <a:xfrm>
-            <a:off x="381000" y="457200"/>
-            <a:ext cx="7659687" cy="1168400"/>
-          </a:xfrm>
-        </p:spPr>
-        <p:txBody>
-          <a:bodyPr/>
-          <a:lstStyle/>
-          <a:p>
-            <a:r>
-              <a:rPr lang="en-US" dirty="0" smtClean="0"/>
-              <a:t>Use case – Apply – exception</a:t>
-            </a:r>
-            <a:endParaRPr lang="en-US" dirty="0"/>
-          </a:p>
-        </p:txBody>
-      </p:sp>
-      <p:sp>
-        <p:nvSpPr>
-          <p:cNvPr id="2" name="Rectangle 2"/>
-          <p:cNvSpPr>
-            <a:spLocks noChangeArrowheads="1"/>
-          </p:cNvSpPr>
+              <a:rPr lang="en-US" sz="3000" dirty="0" smtClean="0">
+                <a:latin typeface="+mj-lt"/>
+              </a:rPr>
+              <a:t>Use Cases </a:t>
+            </a:r>
+          </a:p>
+          <a:p>
+            <a:pPr lvl="1"/>
+            <a:r>
+              <a:rPr lang="en-US" sz="2600" dirty="0" smtClean="0">
+                <a:latin typeface="+mj-lt"/>
+              </a:rPr>
+              <a:t>Register Exception </a:t>
+            </a:r>
+            <a:r>
+              <a:rPr lang="en-US" sz="2600" dirty="0" smtClean="0">
+                <a:latin typeface="+mj-lt"/>
+                <a:sym typeface="Wingdings" panose="05000000000000000000" pitchFamily="2" charset="2"/>
+              </a:rPr>
+              <a:t></a:t>
+            </a:r>
+            <a:endParaRPr lang="en-US" sz="2600" dirty="0" smtClean="0">
+              <a:latin typeface="+mj-lt"/>
+            </a:endParaRPr>
+          </a:p>
+        </p:txBody>
+      </p:sp>
+      <p:pic>
+        <p:nvPicPr>
+          <p:cNvPr id="6" name="Picture 2"/>
+          <p:cNvPicPr>
+            <a:picLocks noChangeAspect="1" noChangeArrowheads="1"/>
+          </p:cNvPicPr>
           <p:nvPr/>
-        </p:nvSpPr>
+        </p:nvPicPr>
+        <p:blipFill>
+          <a:blip r:embed="rId2">
+            <a:extLst>
+              <a:ext uri="{28A0092B-C50C-407E-A947-70E740481C1C}">
+                <a14:useLocalDpi xmlns:a14="http://schemas.microsoft.com/office/drawing/2010/main" val="0"/>
+              </a:ext>
+            </a:extLst>
+          </a:blip>
+          <a:srcRect/>
+          <a:stretch>
+            <a:fillRect/>
+          </a:stretch>
+        </p:blipFill>
         <p:spPr bwMode="auto">
           <a:xfrm>
-            <a:off x="0" y="0"/>
-            <a:ext cx="9144000" cy="0"/>
+            <a:off x="533400" y="2819400"/>
+            <a:ext cx="7162800" cy="3886200"/>
           </a:xfrm>
           <a:prstGeom prst="rect">
             <a:avLst/>
@@ -5895,14 +6581,14 @@
           </a:ln>
           <a:effectLst/>
           <a:extLst>
-            <a:ext uri="{909E8E84-426E-40dd-AFC4-6F175D3DCCD1}">
+            <a:ext uri="{909E8E84-426E-40DD-AFC4-6F175D3DCCD1}">
               <a14:hiddenFill xmlns:a14="http://schemas.microsoft.com/office/drawing/2010/main">
                 <a:solidFill>
                   <a:schemeClr val="accent1"/>
                 </a:solidFill>
               </a14:hiddenFill>
             </a:ext>
-            <a:ext uri="{91240B29-F687-4f45-9708-019B960494DF}">
+            <a:ext uri="{91240B29-F687-4F45-9708-019B960494DF}">
               <a14:hiddenLine xmlns:a14="http://schemas.microsoft.com/office/drawing/2010/main" w="9525">
                 <a:solidFill>
                   <a:schemeClr val="tx1"/>
@@ -5912,7 +6598,7 @@
                 <a:tailEnd/>
               </a14:hiddenLine>
             </a:ext>
-            <a:ext uri="{AF507438-7753-43e0-B8FC-AC1667EBCBE1}">
+            <a:ext uri="{AF507438-7753-43E0-B8FC-AC1667EBCBE1}">
               <a14:hiddenEffects xmlns:a14="http://schemas.microsoft.com/office/drawing/2010/main">
                 <a:effectLst>
                   <a:outerShdw dist="35921" dir="2700000" algn="ctr" rotWithShape="0">
@@ -5923,216 +6609,11 @@
             </a:ext>
           </a:extLst>
         </p:spPr>
-        <p:txBody>
-          <a:bodyPr vert="horz" wrap="none" lIns="91440" tIns="45720" rIns="91440" bIns="45720" numCol="1" anchor="ctr" anchorCtr="0" compatLnSpc="1">
-            <a:prstTxWarp prst="textNoShape">
-              <a:avLst/>
-            </a:prstTxWarp>
-            <a:spAutoFit/>
-          </a:bodyPr>
-          <a:lstStyle/>
-          <a:p>
-            <a:endParaRPr lang="en-US"/>
-          </a:p>
-        </p:txBody>
-      </p:sp>
-      <p:sp>
-        <p:nvSpPr>
-          <p:cNvPr id="5" name="Rectangle 2"/>
-          <p:cNvSpPr>
-            <a:spLocks noChangeArrowheads="1"/>
-          </p:cNvSpPr>
-          <p:nvPr/>
-        </p:nvSpPr>
-        <p:spPr bwMode="auto">
-          <a:xfrm>
-            <a:off x="0" y="0"/>
-            <a:ext cx="9144000" cy="0"/>
-          </a:xfrm>
-          <a:prstGeom prst="rect">
-            <a:avLst/>
-          </a:prstGeom>
-          <a:noFill/>
-          <a:ln>
-            <a:noFill/>
-          </a:ln>
-          <a:effectLst/>
-          <a:extLst>
-            <a:ext uri="{909E8E84-426E-40dd-AFC4-6F175D3DCCD1}">
-              <a14:hiddenFill xmlns:a14="http://schemas.microsoft.com/office/drawing/2010/main">
-                <a:solidFill>
-                  <a:schemeClr val="accent1"/>
-                </a:solidFill>
-              </a14:hiddenFill>
-            </a:ext>
-            <a:ext uri="{91240B29-F687-4f45-9708-019B960494DF}">
-              <a14:hiddenLine xmlns:a14="http://schemas.microsoft.com/office/drawing/2010/main" w="9525">
-                <a:solidFill>
-                  <a:schemeClr val="tx1"/>
-                </a:solidFill>
-                <a:miter lim="800000"/>
-                <a:headEnd/>
-                <a:tailEnd/>
-              </a14:hiddenLine>
-            </a:ext>
-            <a:ext uri="{AF507438-7753-43e0-B8FC-AC1667EBCBE1}">
-              <a14:hiddenEffects xmlns:a14="http://schemas.microsoft.com/office/drawing/2010/main">
-                <a:effectLst>
-                  <a:outerShdw dist="35921" dir="2700000" algn="ctr" rotWithShape="0">
-                    <a:schemeClr val="bg2"/>
-                  </a:outerShdw>
-                </a:effectLst>
-              </a14:hiddenEffects>
-            </a:ext>
-          </a:extLst>
-        </p:spPr>
-        <p:txBody>
-          <a:bodyPr vert="horz" wrap="none" lIns="91440" tIns="45720" rIns="91440" bIns="45720" numCol="1" anchor="ctr" anchorCtr="0" compatLnSpc="1">
-            <a:prstTxWarp prst="textNoShape">
-              <a:avLst/>
-            </a:prstTxWarp>
-            <a:spAutoFit/>
-          </a:bodyPr>
-          <a:lstStyle/>
-          <a:p>
-            <a:endParaRPr lang="en-US"/>
-          </a:p>
-        </p:txBody>
-      </p:sp>
-      <p:sp>
-        <p:nvSpPr>
-          <p:cNvPr id="7" name="Rectangle 2"/>
-          <p:cNvSpPr>
-            <a:spLocks noChangeArrowheads="1"/>
-          </p:cNvSpPr>
-          <p:nvPr/>
-        </p:nvSpPr>
-        <p:spPr bwMode="auto">
-          <a:xfrm>
-            <a:off x="0" y="0"/>
-            <a:ext cx="9144000" cy="0"/>
-          </a:xfrm>
-          <a:prstGeom prst="rect">
-            <a:avLst/>
-          </a:prstGeom>
-          <a:noFill/>
-          <a:ln>
-            <a:noFill/>
-          </a:ln>
-          <a:effectLst/>
-          <a:extLst>
-            <a:ext uri="{909E8E84-426E-40dd-AFC4-6F175D3DCCD1}">
-              <a14:hiddenFill xmlns:a14="http://schemas.microsoft.com/office/drawing/2010/main">
-                <a:solidFill>
-                  <a:schemeClr val="accent1"/>
-                </a:solidFill>
-              </a14:hiddenFill>
-            </a:ext>
-            <a:ext uri="{91240B29-F687-4f45-9708-019B960494DF}">
-              <a14:hiddenLine xmlns:a14="http://schemas.microsoft.com/office/drawing/2010/main" w="9525">
-                <a:solidFill>
-                  <a:schemeClr val="tx1"/>
-                </a:solidFill>
-                <a:miter lim="800000"/>
-                <a:headEnd/>
-                <a:tailEnd/>
-              </a14:hiddenLine>
-            </a:ext>
-            <a:ext uri="{AF507438-7753-43e0-B8FC-AC1667EBCBE1}">
-              <a14:hiddenEffects xmlns:a14="http://schemas.microsoft.com/office/drawing/2010/main">
-                <a:effectLst>
-                  <a:outerShdw dist="35921" dir="2700000" algn="ctr" rotWithShape="0">
-                    <a:schemeClr val="bg2"/>
-                  </a:outerShdw>
-                </a:effectLst>
-              </a14:hiddenEffects>
-            </a:ext>
-          </a:extLst>
-        </p:spPr>
-        <p:txBody>
-          <a:bodyPr vert="horz" wrap="none" lIns="91440" tIns="45720" rIns="91440" bIns="45720" numCol="1" anchor="ctr" anchorCtr="0" compatLnSpc="1">
-            <a:prstTxWarp prst="textNoShape">
-              <a:avLst/>
-            </a:prstTxWarp>
-            <a:spAutoFit/>
-          </a:bodyPr>
-          <a:lstStyle/>
-          <a:p>
-            <a:endParaRPr lang="en-US"/>
-          </a:p>
-        </p:txBody>
-      </p:sp>
-      <p:graphicFrame>
-        <p:nvGraphicFramePr>
-          <p:cNvPr id="8" name="Object 7"/>
-          <p:cNvGraphicFramePr>
-            <a:graphicFrameLocks noChangeAspect="1"/>
-          </p:cNvGraphicFramePr>
-          <p:nvPr>
-            <p:extLst>
-              <p:ext uri="{D42A27DB-BD31-4B8C-83A1-F6EECF244321}">
-                <p14:modId xmlns:p14="http://schemas.microsoft.com/office/powerpoint/2010/main" val="2430908336"/>
-              </p:ext>
-            </p:extLst>
-          </p:nvPr>
-        </p:nvGraphicFramePr>
-        <p:xfrm>
-          <a:off x="609600" y="1600200"/>
-          <a:ext cx="7696200" cy="3657600"/>
-        </p:xfrm>
-        <a:graphic>
-          <a:graphicData uri="http://schemas.openxmlformats.org/presentationml/2006/ole">
-            <mc:AlternateContent xmlns:mc="http://schemas.openxmlformats.org/markup-compatibility/2006">
-              <mc:Choice xmlns:v="urn:schemas-microsoft-com:vml" Requires="v">
-                <p:oleObj spid="_x0000_s7181" name="Visio" r:id="rId3" imgW="8458327" imgH="3876786" progId="Visio.Drawing.15">
-                  <p:embed/>
-                </p:oleObj>
-              </mc:Choice>
-              <mc:Fallback>
-                <p:oleObj name="Visio" r:id="rId3" imgW="8458327" imgH="3876786" progId="Visio.Drawing.15">
-                  <p:embed/>
-                  <p:pic>
-                    <p:nvPicPr>
-                      <p:cNvPr id="0" name="Object 1"/>
-                      <p:cNvPicPr>
-                        <a:picLocks noChangeAspect="1" noChangeArrowheads="1"/>
-                      </p:cNvPicPr>
-                      <p:nvPr/>
-                    </p:nvPicPr>
-                    <p:blipFill>
-                      <a:blip r:embed="rId4">
-                        <a:extLst>
-                          <a:ext uri="{28A0092B-C50C-407E-A947-70E740481C1C}">
-                            <a14:useLocalDpi xmlns:a14="http://schemas.microsoft.com/office/drawing/2010/main" val="0"/>
-                          </a:ext>
-                        </a:extLst>
-                      </a:blip>
-                      <a:srcRect/>
-                      <a:stretch>
-                        <a:fillRect/>
-                      </a:stretch>
-                    </p:blipFill>
-                    <p:spPr bwMode="auto">
-                      <a:xfrm>
-                        <a:off x="609600" y="1600200"/>
-                        <a:ext cx="7696200" cy="3657600"/>
-                      </a:xfrm>
-                      <a:prstGeom prst="rect">
-                        <a:avLst/>
-                      </a:prstGeom>
-                      <a:noFill/>
-                    </p:spPr>
-                  </p:pic>
-                </p:oleObj>
-              </mc:Fallback>
-            </mc:AlternateContent>
-          </a:graphicData>
-        </a:graphic>
-      </p:graphicFrame>
+      </p:pic>
     </p:spTree>
     <p:extLst>
       <p:ext uri="{BB962C8B-B14F-4D97-AF65-F5344CB8AC3E}">
-        <p14:creationId xmlns:p14="http://schemas.microsoft.com/office/powerpoint/2010/main" val="2403176887"/>
+        <p14:creationId xmlns:p14="http://schemas.microsoft.com/office/powerpoint/2010/main" val="3869557343"/>
       </p:ext>
     </p:extLst>
   </p:cSld>
@@ -6142,7 +6623,7 @@
   <p:timing>
     <p:tnLst>
       <p:par>
-        <p:cTn xmlns:p14="http://schemas.microsoft.com/office/powerpoint/2010/main" id="1" dur="indefinite" restart="never" nodeType="tmRoot"/>
+        <p:cTn id="1" dur="indefinite" restart="never" nodeType="tmRoot"/>
       </p:par>
     </p:tnLst>
   </p:timing>
@@ -6168,20 +6649,38 @@
       </p:grpSpPr>
       <p:sp>
         <p:nvSpPr>
-          <p:cNvPr id="3" name="Text Placeholder 2"/>
-          <p:cNvSpPr>
-            <a:spLocks noGrp="1"/>
-          </p:cNvSpPr>
-          <p:nvPr>
-            <p:ph type="body" idx="1"/>
-          </p:nvPr>
-        </p:nvSpPr>
-        <p:spPr>
-          <a:xfrm>
-            <a:off x="533400" y="1295400"/>
-            <a:ext cx="7239000" cy="4419600"/>
-          </a:xfrm>
-        </p:spPr>
+          <p:cNvPr id="2" name="Title 1"/>
+          <p:cNvSpPr>
+            <a:spLocks noGrp="1"/>
+          </p:cNvSpPr>
+          <p:nvPr>
+            <p:ph type="title"/>
+          </p:nvPr>
+        </p:nvSpPr>
+        <p:spPr/>
+        <p:txBody>
+          <a:bodyPr/>
+          <a:lstStyle/>
+          <a:p>
+            <a:r>
+              <a:rPr lang="en-US" dirty="0" smtClean="0"/>
+              <a:t>System Design</a:t>
+            </a:r>
+            <a:endParaRPr lang="en-US" dirty="0"/>
+          </a:p>
+        </p:txBody>
+      </p:sp>
+      <p:sp>
+        <p:nvSpPr>
+          <p:cNvPr id="3" name="Content Placeholder 2"/>
+          <p:cNvSpPr>
+            <a:spLocks noGrp="1"/>
+          </p:cNvSpPr>
+          <p:nvPr>
+            <p:ph idx="1"/>
+          </p:nvPr>
+        </p:nvSpPr>
+        <p:spPr/>
         <p:txBody>
           <a:bodyPr>
             <a:normAutofit/>
@@ -6189,306 +6688,379 @@
           <a:lstStyle/>
           <a:p>
             <a:r>
-              <a:rPr lang="en-US" sz="2200" dirty="0"/>
-              <a:t>	</a:t>
-            </a:r>
-            <a:endParaRPr lang="en-US" sz="2200" dirty="0" smtClean="0"/>
-          </a:p>
-          <a:p>
-            <a:endParaRPr lang="en-US" sz="4000" dirty="0"/>
-          </a:p>
-          <a:p>
-            <a:r>
-              <a:rPr lang="en-US" sz="4000" dirty="0" smtClean="0"/>
-              <a:t>	</a:t>
-            </a:r>
-            <a:endParaRPr lang="en-US" sz="4000" dirty="0"/>
-          </a:p>
-        </p:txBody>
-      </p:sp>
-      <p:sp>
-        <p:nvSpPr>
-          <p:cNvPr id="4" name="Title 3"/>
-          <p:cNvSpPr>
-            <a:spLocks noGrp="1"/>
-          </p:cNvSpPr>
-          <p:nvPr>
-            <p:ph type="title"/>
-          </p:nvPr>
-        </p:nvSpPr>
-        <p:spPr>
-          <a:xfrm>
-            <a:off x="381000" y="457200"/>
-            <a:ext cx="7659687" cy="1168400"/>
-          </a:xfrm>
-        </p:spPr>
-        <p:txBody>
-          <a:bodyPr/>
-          <a:lstStyle/>
-          <a:p>
-            <a:r>
-              <a:rPr lang="en-US" dirty="0" smtClean="0"/>
-              <a:t>Database design</a:t>
-            </a:r>
-            <a:endParaRPr lang="en-US" dirty="0"/>
-          </a:p>
-        </p:txBody>
-      </p:sp>
-      <p:sp>
-        <p:nvSpPr>
-          <p:cNvPr id="2" name="Rectangle 2"/>
-          <p:cNvSpPr>
-            <a:spLocks noChangeArrowheads="1"/>
-          </p:cNvSpPr>
-          <p:nvPr/>
-        </p:nvSpPr>
-        <p:spPr bwMode="auto">
-          <a:xfrm>
-            <a:off x="0" y="0"/>
-            <a:ext cx="9144000" cy="0"/>
-          </a:xfrm>
-          <a:prstGeom prst="rect">
-            <a:avLst/>
-          </a:prstGeom>
-          <a:noFill/>
-          <a:ln>
-            <a:noFill/>
-          </a:ln>
-          <a:effectLst/>
-          <a:extLst>
-            <a:ext uri="{909E8E84-426E-40dd-AFC4-6F175D3DCCD1}">
-              <a14:hiddenFill xmlns:a14="http://schemas.microsoft.com/office/drawing/2010/main">
-                <a:solidFill>
-                  <a:schemeClr val="accent1"/>
-                </a:solidFill>
-              </a14:hiddenFill>
-            </a:ext>
-            <a:ext uri="{91240B29-F687-4f45-9708-019B960494DF}">
-              <a14:hiddenLine xmlns:a14="http://schemas.microsoft.com/office/drawing/2010/main" w="9525">
-                <a:solidFill>
-                  <a:schemeClr val="tx1"/>
-                </a:solidFill>
-                <a:miter lim="800000"/>
-                <a:headEnd/>
-                <a:tailEnd/>
-              </a14:hiddenLine>
-            </a:ext>
-            <a:ext uri="{AF507438-7753-43e0-B8FC-AC1667EBCBE1}">
-              <a14:hiddenEffects xmlns:a14="http://schemas.microsoft.com/office/drawing/2010/main">
-                <a:effectLst>
-                  <a:outerShdw dist="35921" dir="2700000" algn="ctr" rotWithShape="0">
-                    <a:schemeClr val="bg2"/>
-                  </a:outerShdw>
-                </a:effectLst>
-              </a14:hiddenEffects>
-            </a:ext>
-          </a:extLst>
-        </p:spPr>
-        <p:txBody>
-          <a:bodyPr vert="horz" wrap="none" lIns="91440" tIns="45720" rIns="91440" bIns="45720" numCol="1" anchor="ctr" anchorCtr="0" compatLnSpc="1">
-            <a:prstTxWarp prst="textNoShape">
-              <a:avLst/>
-            </a:prstTxWarp>
-            <a:spAutoFit/>
-          </a:bodyPr>
-          <a:lstStyle/>
-          <a:p>
-            <a:endParaRPr lang="en-US"/>
-          </a:p>
-        </p:txBody>
-      </p:sp>
-      <p:sp>
-        <p:nvSpPr>
-          <p:cNvPr id="5" name="Rectangle 2"/>
-          <p:cNvSpPr>
-            <a:spLocks noChangeArrowheads="1"/>
-          </p:cNvSpPr>
-          <p:nvPr/>
-        </p:nvSpPr>
-        <p:spPr bwMode="auto">
-          <a:xfrm>
-            <a:off x="0" y="0"/>
-            <a:ext cx="9144000" cy="0"/>
-          </a:xfrm>
-          <a:prstGeom prst="rect">
-            <a:avLst/>
-          </a:prstGeom>
-          <a:noFill/>
-          <a:ln>
-            <a:noFill/>
-          </a:ln>
-          <a:effectLst/>
-          <a:extLst>
-            <a:ext uri="{909E8E84-426E-40dd-AFC4-6F175D3DCCD1}">
-              <a14:hiddenFill xmlns:a14="http://schemas.microsoft.com/office/drawing/2010/main">
-                <a:solidFill>
-                  <a:schemeClr val="accent1"/>
-                </a:solidFill>
-              </a14:hiddenFill>
-            </a:ext>
-            <a:ext uri="{91240B29-F687-4f45-9708-019B960494DF}">
-              <a14:hiddenLine xmlns:a14="http://schemas.microsoft.com/office/drawing/2010/main" w="9525">
-                <a:solidFill>
-                  <a:schemeClr val="tx1"/>
-                </a:solidFill>
-                <a:miter lim="800000"/>
-                <a:headEnd/>
-                <a:tailEnd/>
-              </a14:hiddenLine>
-            </a:ext>
-            <a:ext uri="{AF507438-7753-43e0-B8FC-AC1667EBCBE1}">
-              <a14:hiddenEffects xmlns:a14="http://schemas.microsoft.com/office/drawing/2010/main">
-                <a:effectLst>
-                  <a:outerShdw dist="35921" dir="2700000" algn="ctr" rotWithShape="0">
-                    <a:schemeClr val="bg2"/>
-                  </a:outerShdw>
-                </a:effectLst>
-              </a14:hiddenEffects>
-            </a:ext>
-          </a:extLst>
-        </p:spPr>
-        <p:txBody>
-          <a:bodyPr vert="horz" wrap="none" lIns="91440" tIns="45720" rIns="91440" bIns="45720" numCol="1" anchor="ctr" anchorCtr="0" compatLnSpc="1">
-            <a:prstTxWarp prst="textNoShape">
-              <a:avLst/>
-            </a:prstTxWarp>
-            <a:spAutoFit/>
-          </a:bodyPr>
-          <a:lstStyle/>
-          <a:p>
-            <a:endParaRPr lang="en-US"/>
-          </a:p>
-        </p:txBody>
-      </p:sp>
-      <p:sp>
-        <p:nvSpPr>
-          <p:cNvPr id="7" name="Rectangle 2"/>
-          <p:cNvSpPr>
-            <a:spLocks noChangeArrowheads="1"/>
-          </p:cNvSpPr>
-          <p:nvPr/>
-        </p:nvSpPr>
-        <p:spPr bwMode="auto">
-          <a:xfrm>
-            <a:off x="0" y="0"/>
-            <a:ext cx="9144000" cy="0"/>
-          </a:xfrm>
-          <a:prstGeom prst="rect">
-            <a:avLst/>
-          </a:prstGeom>
-          <a:noFill/>
-          <a:ln>
-            <a:noFill/>
-          </a:ln>
-          <a:effectLst/>
-          <a:extLst>
-            <a:ext uri="{909E8E84-426E-40dd-AFC4-6F175D3DCCD1}">
-              <a14:hiddenFill xmlns:a14="http://schemas.microsoft.com/office/drawing/2010/main">
-                <a:solidFill>
-                  <a:schemeClr val="accent1"/>
-                </a:solidFill>
-              </a14:hiddenFill>
-            </a:ext>
-            <a:ext uri="{91240B29-F687-4f45-9708-019B960494DF}">
-              <a14:hiddenLine xmlns:a14="http://schemas.microsoft.com/office/drawing/2010/main" w="9525">
-                <a:solidFill>
-                  <a:schemeClr val="tx1"/>
-                </a:solidFill>
-                <a:miter lim="800000"/>
-                <a:headEnd/>
-                <a:tailEnd/>
-              </a14:hiddenLine>
-            </a:ext>
-            <a:ext uri="{AF507438-7753-43e0-B8FC-AC1667EBCBE1}">
-              <a14:hiddenEffects xmlns:a14="http://schemas.microsoft.com/office/drawing/2010/main">
-                <a:effectLst>
-                  <a:outerShdw dist="35921" dir="2700000" algn="ctr" rotWithShape="0">
-                    <a:schemeClr val="bg2"/>
-                  </a:outerShdw>
-                </a:effectLst>
-              </a14:hiddenEffects>
-            </a:ext>
-          </a:extLst>
-        </p:spPr>
-        <p:txBody>
-          <a:bodyPr vert="horz" wrap="none" lIns="91440" tIns="45720" rIns="91440" bIns="45720" numCol="1" anchor="ctr" anchorCtr="0" compatLnSpc="1">
-            <a:prstTxWarp prst="textNoShape">
-              <a:avLst/>
-            </a:prstTxWarp>
-            <a:spAutoFit/>
-          </a:bodyPr>
-          <a:lstStyle/>
-          <a:p>
-            <a:endParaRPr lang="en-US"/>
-          </a:p>
-        </p:txBody>
-      </p:sp>
-      <p:sp>
-        <p:nvSpPr>
-          <p:cNvPr id="6" name="Rectangle 2"/>
-          <p:cNvSpPr>
-            <a:spLocks noChangeArrowheads="1"/>
-          </p:cNvSpPr>
-          <p:nvPr/>
-        </p:nvSpPr>
-        <p:spPr bwMode="auto">
-          <a:xfrm>
-            <a:off x="0" y="0"/>
-            <a:ext cx="9144000" cy="0"/>
-          </a:xfrm>
-          <a:prstGeom prst="rect">
-            <a:avLst/>
-          </a:prstGeom>
-          <a:noFill/>
-          <a:ln>
-            <a:noFill/>
-          </a:ln>
-          <a:effectLst/>
-          <a:extLst>
-            <a:ext uri="{909E8E84-426E-40dd-AFC4-6F175D3DCCD1}">
-              <a14:hiddenFill xmlns:a14="http://schemas.microsoft.com/office/drawing/2010/main">
-                <a:solidFill>
-                  <a:schemeClr val="accent1"/>
-                </a:solidFill>
-              </a14:hiddenFill>
-            </a:ext>
-            <a:ext uri="{91240B29-F687-4f45-9708-019B960494DF}">
-              <a14:hiddenLine xmlns:a14="http://schemas.microsoft.com/office/drawing/2010/main" w="9525">
-                <a:solidFill>
-                  <a:schemeClr val="tx1"/>
-                </a:solidFill>
-                <a:miter lim="800000"/>
-                <a:headEnd/>
-                <a:tailEnd/>
-              </a14:hiddenLine>
-            </a:ext>
-            <a:ext uri="{AF507438-7753-43e0-B8FC-AC1667EBCBE1}">
-              <a14:hiddenEffects xmlns:a14="http://schemas.microsoft.com/office/drawing/2010/main">
-                <a:effectLst>
-                  <a:outerShdw dist="35921" dir="2700000" algn="ctr" rotWithShape="0">
-                    <a:schemeClr val="bg2"/>
-                  </a:outerShdw>
-                </a:effectLst>
-              </a14:hiddenEffects>
-            </a:ext>
-          </a:extLst>
-        </p:spPr>
-        <p:txBody>
-          <a:bodyPr vert="horz" wrap="none" lIns="91440" tIns="45720" rIns="91440" bIns="45720" numCol="1" anchor="ctr" anchorCtr="0" compatLnSpc="1">
-            <a:prstTxWarp prst="textNoShape">
-              <a:avLst/>
-            </a:prstTxWarp>
-            <a:spAutoFit/>
-          </a:bodyPr>
-          <a:lstStyle/>
-          <a:p>
-            <a:endParaRPr lang="en-US"/>
+              <a:rPr lang="en-US" sz="3000" dirty="0" smtClean="0">
+                <a:latin typeface="+mj-lt"/>
+              </a:rPr>
+              <a:t>Use Cases</a:t>
+            </a:r>
+          </a:p>
+          <a:p>
+            <a:pPr lvl="1"/>
+            <a:r>
+              <a:rPr lang="en-US" sz="2600" dirty="0" smtClean="0">
+                <a:latin typeface="+mj-lt"/>
+              </a:rPr>
+              <a:t>Apply - Normal Flow ☺</a:t>
+            </a:r>
+          </a:p>
+          <a:p>
+            <a:pPr lvl="1"/>
+            <a:endParaRPr lang="en-US" sz="2800" dirty="0" smtClean="0">
+              <a:latin typeface="+mj-lt"/>
+            </a:endParaRPr>
           </a:p>
         </p:txBody>
       </p:sp>
       <p:graphicFrame>
         <p:nvGraphicFramePr>
-          <p:cNvPr id="9" name="Object 8"/>
+          <p:cNvPr id="4" name="Object 3"/>
+          <p:cNvGraphicFramePr>
+            <a:graphicFrameLocks noChangeAspect="1"/>
+          </p:cNvGraphicFramePr>
+          <p:nvPr>
+            <p:extLst>
+              <p:ext uri="{D42A27DB-BD31-4B8C-83A1-F6EECF244321}">
+                <p14:modId xmlns:p14="http://schemas.microsoft.com/office/powerpoint/2010/main" val="1510606096"/>
+              </p:ext>
+            </p:extLst>
+          </p:nvPr>
+        </p:nvGraphicFramePr>
+        <p:xfrm>
+          <a:off x="685800" y="2819400"/>
+          <a:ext cx="7167563" cy="3276600"/>
+        </p:xfrm>
+        <a:graphic>
+          <a:graphicData uri="http://schemas.openxmlformats.org/presentationml/2006/ole">
+            <mc:AlternateContent xmlns:mc="http://schemas.openxmlformats.org/markup-compatibility/2006">
+              <mc:Choice xmlns:v="urn:schemas-microsoft-com:vml" Requires="v">
+                <p:oleObj spid="_x0000_s12292" name="Visio" r:id="rId3" imgW="8277197" imgH="3152824" progId="Visio.Drawing.15">
+                  <p:embed/>
+                </p:oleObj>
+              </mc:Choice>
+              <mc:Fallback>
+                <p:oleObj name="Visio" r:id="rId3" imgW="8277197" imgH="3152824" progId="Visio.Drawing.15">
+                  <p:embed/>
+                  <p:pic>
+                    <p:nvPicPr>
+                      <p:cNvPr id="0" name="Object 5"/>
+                      <p:cNvPicPr>
+                        <a:picLocks noChangeAspect="1" noChangeArrowheads="1"/>
+                      </p:cNvPicPr>
+                      <p:nvPr/>
+                    </p:nvPicPr>
+                    <p:blipFill>
+                      <a:blip r:embed="rId4">
+                        <a:extLst>
+                          <a:ext uri="{28A0092B-C50C-407E-A947-70E740481C1C}">
+                            <a14:useLocalDpi xmlns:a14="http://schemas.microsoft.com/office/drawing/2010/main" val="0"/>
+                          </a:ext>
+                        </a:extLst>
+                      </a:blip>
+                      <a:srcRect/>
+                      <a:stretch>
+                        <a:fillRect/>
+                      </a:stretch>
+                    </p:blipFill>
+                    <p:spPr bwMode="auto">
+                      <a:xfrm>
+                        <a:off x="685800" y="2819400"/>
+                        <a:ext cx="7167563" cy="3276600"/>
+                      </a:xfrm>
+                      <a:prstGeom prst="rect">
+                        <a:avLst/>
+                      </a:prstGeom>
+                      <a:noFill/>
+                      <a:ln>
+                        <a:noFill/>
+                      </a:ln>
+                    </p:spPr>
+                  </p:pic>
+                </p:oleObj>
+              </mc:Fallback>
+            </mc:AlternateContent>
+          </a:graphicData>
+        </a:graphic>
+      </p:graphicFrame>
+    </p:spTree>
+    <p:extLst>
+      <p:ext uri="{BB962C8B-B14F-4D97-AF65-F5344CB8AC3E}">
+        <p14:creationId xmlns:p14="http://schemas.microsoft.com/office/powerpoint/2010/main" val="375810931"/>
+      </p:ext>
+    </p:extLst>
+  </p:cSld>
+  <p:clrMapOvr>
+    <a:masterClrMapping/>
+  </p:clrMapOvr>
+  <p:timing>
+    <p:tnLst>
+      <p:par>
+        <p:cTn id="1" dur="indefinite" restart="never" nodeType="tmRoot"/>
+      </p:par>
+    </p:tnLst>
+  </p:timing>
+</p:sld>
+</file>
+
+<file path=ppt/slides/slide23.xml><?xml version="1.0" encoding="utf-8"?>
+<p:sld xmlns:a="http://schemas.openxmlformats.org/drawingml/2006/main" xmlns:r="http://schemas.openxmlformats.org/officeDocument/2006/relationships" xmlns:p="http://schemas.openxmlformats.org/presentationml/2006/main">
+  <p:cSld>
+    <p:spTree>
+      <p:nvGrpSpPr>
+        <p:cNvPr id="1" name=""/>
+        <p:cNvGrpSpPr/>
+        <p:nvPr/>
+      </p:nvGrpSpPr>
+      <p:grpSpPr>
+        <a:xfrm>
+          <a:off x="0" y="0"/>
+          <a:ext cx="0" cy="0"/>
+          <a:chOff x="0" y="0"/>
+          <a:chExt cx="0" cy="0"/>
+        </a:xfrm>
+      </p:grpSpPr>
+      <p:sp>
+        <p:nvSpPr>
+          <p:cNvPr id="2" name="Title 1"/>
+          <p:cNvSpPr>
+            <a:spLocks noGrp="1"/>
+          </p:cNvSpPr>
+          <p:nvPr>
+            <p:ph type="title"/>
+          </p:nvPr>
+        </p:nvSpPr>
+        <p:spPr/>
+        <p:txBody>
+          <a:bodyPr/>
+          <a:lstStyle/>
+          <a:p>
+            <a:r>
+              <a:rPr lang="en-US" dirty="0" smtClean="0"/>
+              <a:t>System Design</a:t>
+            </a:r>
+            <a:endParaRPr lang="en-US" dirty="0"/>
+          </a:p>
+        </p:txBody>
+      </p:sp>
+      <p:sp>
+        <p:nvSpPr>
+          <p:cNvPr id="3" name="Content Placeholder 2"/>
+          <p:cNvSpPr>
+            <a:spLocks noGrp="1"/>
+          </p:cNvSpPr>
+          <p:nvPr>
+            <p:ph idx="1"/>
+          </p:nvPr>
+        </p:nvSpPr>
+        <p:spPr/>
+        <p:txBody>
+          <a:bodyPr>
+            <a:normAutofit/>
+          </a:bodyPr>
+          <a:lstStyle/>
+          <a:p>
+            <a:r>
+              <a:rPr lang="en-US" sz="3000" dirty="0" smtClean="0">
+                <a:latin typeface="+mj-lt"/>
+              </a:rPr>
+              <a:t>Use Cases</a:t>
+            </a:r>
+          </a:p>
+          <a:p>
+            <a:pPr lvl="1"/>
+            <a:r>
+              <a:rPr lang="en-US" sz="2600" dirty="0" smtClean="0">
+                <a:latin typeface="+mj-lt"/>
+              </a:rPr>
+              <a:t>Apply - Exception </a:t>
+            </a:r>
+            <a:r>
+              <a:rPr lang="en-US" sz="2600" dirty="0" smtClean="0">
+                <a:latin typeface="+mj-lt"/>
+                <a:sym typeface="Wingdings" panose="05000000000000000000" pitchFamily="2" charset="2"/>
+              </a:rPr>
+              <a:t></a:t>
+            </a:r>
+            <a:endParaRPr lang="en-US" sz="2600" dirty="0" smtClean="0">
+              <a:latin typeface="+mj-lt"/>
+            </a:endParaRPr>
+          </a:p>
+        </p:txBody>
+      </p:sp>
+      <p:graphicFrame>
+        <p:nvGraphicFramePr>
+          <p:cNvPr id="4" name="Object 3"/>
+          <p:cNvGraphicFramePr>
+            <a:graphicFrameLocks noChangeAspect="1"/>
+          </p:cNvGraphicFramePr>
+          <p:nvPr>
+            <p:extLst>
+              <p:ext uri="{D42A27DB-BD31-4B8C-83A1-F6EECF244321}">
+                <p14:modId xmlns:p14="http://schemas.microsoft.com/office/powerpoint/2010/main" val="4205768309"/>
+              </p:ext>
+            </p:extLst>
+          </p:nvPr>
+        </p:nvGraphicFramePr>
+        <p:xfrm>
+          <a:off x="533400" y="2667000"/>
+          <a:ext cx="7696200" cy="3657600"/>
+        </p:xfrm>
+        <a:graphic>
+          <a:graphicData uri="http://schemas.openxmlformats.org/presentationml/2006/ole">
+            <mc:AlternateContent xmlns:mc="http://schemas.openxmlformats.org/markup-compatibility/2006">
+              <mc:Choice xmlns:v="urn:schemas-microsoft-com:vml" Requires="v">
+                <p:oleObj spid="_x0000_s13316" name="Visio" r:id="rId3" imgW="8458327" imgH="3876786" progId="Visio.Drawing.15">
+                  <p:embed/>
+                </p:oleObj>
+              </mc:Choice>
+              <mc:Fallback>
+                <p:oleObj name="Visio" r:id="rId3" imgW="8458327" imgH="3876786" progId="Visio.Drawing.15">
+                  <p:embed/>
+                  <p:pic>
+                    <p:nvPicPr>
+                      <p:cNvPr id="0" name="Object 7"/>
+                      <p:cNvPicPr>
+                        <a:picLocks noChangeAspect="1" noChangeArrowheads="1"/>
+                      </p:cNvPicPr>
+                      <p:nvPr/>
+                    </p:nvPicPr>
+                    <p:blipFill>
+                      <a:blip r:embed="rId4">
+                        <a:extLst>
+                          <a:ext uri="{28A0092B-C50C-407E-A947-70E740481C1C}">
+                            <a14:useLocalDpi xmlns:a14="http://schemas.microsoft.com/office/drawing/2010/main" val="0"/>
+                          </a:ext>
+                        </a:extLst>
+                      </a:blip>
+                      <a:srcRect/>
+                      <a:stretch>
+                        <a:fillRect/>
+                      </a:stretch>
+                    </p:blipFill>
+                    <p:spPr bwMode="auto">
+                      <a:xfrm>
+                        <a:off x="533400" y="2667000"/>
+                        <a:ext cx="7696200" cy="3657600"/>
+                      </a:xfrm>
+                      <a:prstGeom prst="rect">
+                        <a:avLst/>
+                      </a:prstGeom>
+                      <a:noFill/>
+                      <a:ln>
+                        <a:noFill/>
+                      </a:ln>
+                      <a:extLst>
+                        <a:ext uri="{909E8E84-426E-40DD-AFC4-6F175D3DCCD1}">
+                          <a14:hiddenFill xmlns:a14="http://schemas.microsoft.com/office/drawing/2010/main">
+                            <a:solidFill>
+                              <a:srgbClr val="FFFFFF"/>
+                            </a:solidFill>
+                          </a14:hiddenFill>
+                        </a:ext>
+                        <a:ext uri="{91240B29-F687-4F45-9708-019B960494DF}">
+                          <a14:hiddenLine xmlns:a14="http://schemas.microsoft.com/office/drawing/2010/main" w="9525">
+                            <a:solidFill>
+                              <a:srgbClr val="000000"/>
+                            </a:solidFill>
+                            <a:miter lim="800000"/>
+                            <a:headEnd/>
+                            <a:tailEnd/>
+                          </a14:hiddenLine>
+                        </a:ext>
+                      </a:extLst>
+                    </p:spPr>
+                  </p:pic>
+                </p:oleObj>
+              </mc:Fallback>
+            </mc:AlternateContent>
+          </a:graphicData>
+        </a:graphic>
+      </p:graphicFrame>
+    </p:spTree>
+    <p:extLst>
+      <p:ext uri="{BB962C8B-B14F-4D97-AF65-F5344CB8AC3E}">
+        <p14:creationId xmlns:p14="http://schemas.microsoft.com/office/powerpoint/2010/main" val="887752330"/>
+      </p:ext>
+    </p:extLst>
+  </p:cSld>
+  <p:clrMapOvr>
+    <a:masterClrMapping/>
+  </p:clrMapOvr>
+  <p:timing>
+    <p:tnLst>
+      <p:par>
+        <p:cTn id="1" dur="indefinite" restart="never" nodeType="tmRoot"/>
+      </p:par>
+    </p:tnLst>
+  </p:timing>
+</p:sld>
+</file>
+
+<file path=ppt/slides/slide24.xml><?xml version="1.0" encoding="utf-8"?>
+<p:sld xmlns:a="http://schemas.openxmlformats.org/drawingml/2006/main" xmlns:r="http://schemas.openxmlformats.org/officeDocument/2006/relationships" xmlns:p="http://schemas.openxmlformats.org/presentationml/2006/main">
+  <p:cSld>
+    <p:spTree>
+      <p:nvGrpSpPr>
+        <p:cNvPr id="1" name=""/>
+        <p:cNvGrpSpPr/>
+        <p:nvPr/>
+      </p:nvGrpSpPr>
+      <p:grpSpPr>
+        <a:xfrm>
+          <a:off x="0" y="0"/>
+          <a:ext cx="0" cy="0"/>
+          <a:chOff x="0" y="0"/>
+          <a:chExt cx="0" cy="0"/>
+        </a:xfrm>
+      </p:grpSpPr>
+      <p:sp>
+        <p:nvSpPr>
+          <p:cNvPr id="2" name="Title 1"/>
+          <p:cNvSpPr>
+            <a:spLocks noGrp="1"/>
+          </p:cNvSpPr>
+          <p:nvPr>
+            <p:ph type="title"/>
+          </p:nvPr>
+        </p:nvSpPr>
+        <p:spPr/>
+        <p:txBody>
+          <a:bodyPr/>
+          <a:lstStyle/>
+          <a:p>
+            <a:r>
+              <a:rPr lang="en-US" dirty="0" smtClean="0"/>
+              <a:t>Database Design</a:t>
+            </a:r>
+            <a:endParaRPr lang="en-US" dirty="0"/>
+          </a:p>
+        </p:txBody>
+      </p:sp>
+      <p:sp>
+        <p:nvSpPr>
+          <p:cNvPr id="3" name="Content Placeholder 2"/>
+          <p:cNvSpPr>
+            <a:spLocks noGrp="1"/>
+          </p:cNvSpPr>
+          <p:nvPr>
+            <p:ph idx="1"/>
+          </p:nvPr>
+        </p:nvSpPr>
+        <p:spPr/>
+        <p:txBody>
+          <a:bodyPr>
+            <a:normAutofit/>
+          </a:bodyPr>
+          <a:lstStyle/>
+          <a:p>
+            <a:endParaRPr lang="en-US" sz="2800" dirty="0" smtClean="0">
+              <a:latin typeface="+mj-lt"/>
+            </a:endParaRPr>
+          </a:p>
+        </p:txBody>
+      </p:sp>
+      <p:graphicFrame>
+        <p:nvGraphicFramePr>
+          <p:cNvPr id="5" name="Object 4"/>
           <p:cNvGraphicFramePr>
             <a:graphicFrameLocks noChangeAspect="1"/>
           </p:cNvGraphicFramePr>
@@ -6508,7 +7080,7 @@
           <a:graphicData uri="http://schemas.openxmlformats.org/presentationml/2006/ole">
             <mc:AlternateContent xmlns:mc="http://schemas.openxmlformats.org/markup-compatibility/2006">
               <mc:Choice xmlns:v="urn:schemas-microsoft-com:vml" Requires="v">
-                <p:oleObj spid="_x0000_s8205" name="Visio" r:id="rId3" imgW="6200812" imgH="5143584" progId="Visio.Drawing.15">
+                <p:oleObj spid="_x0000_s14340" name="Visio" r:id="rId3" imgW="6200812" imgH="5143584" progId="Visio.Drawing.15">
                   <p:embed/>
                 </p:oleObj>
               </mc:Choice>
@@ -6517,7 +7089,7 @@
                   <p:embed/>
                   <p:pic>
                     <p:nvPicPr>
-                      <p:cNvPr id="0" name="Object 1"/>
+                      <p:cNvPr id="0" name="Object 8"/>
                       <p:cNvPicPr>
                         <a:picLocks noChangeAspect="1" noChangeArrowheads="1"/>
                       </p:cNvPicPr>
@@ -6545,6 +7117,28 @@
                         <a:avLst/>
                       </a:prstGeom>
                       <a:noFill/>
+                      <a:ln>
+                        <a:noFill/>
+                      </a:ln>
+                      <a:extLst>
+                        <a:ext uri="{909E8E84-426E-40DD-AFC4-6F175D3DCCD1}">
+                          <a14:hiddenFill xmlns:a14="http://schemas.microsoft.com/office/drawing/2010/main">
+                            <a:solidFill>
+                              <a:srgbClr val="FFFFFF"/>
+                            </a:solidFill>
+                          </a14:hiddenFill>
+                        </a:ext>
+                        <a:ext uri="{91240B29-F687-4F45-9708-019B960494DF}">
+                          <a14:hiddenLine xmlns:a14="http://schemas.microsoft.com/office/drawing/2010/main" w="9525">
+                            <a:solidFill>
+                              <a:srgbClr val="000000"/>
+                            </a:solidFill>
+                            <a:miter lim="800000"/>
+                            <a:headEnd/>
+                            <a:tailEnd/>
+                          </a14:hiddenLine>
+                        </a:ext>
+                      </a:extLst>
                     </p:spPr>
                   </p:pic>
                 </p:oleObj>
@@ -6556,7 +7150,7 @@
     </p:spTree>
     <p:extLst>
       <p:ext uri="{BB962C8B-B14F-4D97-AF65-F5344CB8AC3E}">
-        <p14:creationId xmlns:p14="http://schemas.microsoft.com/office/powerpoint/2010/main" val="49059819"/>
+        <p14:creationId xmlns:p14="http://schemas.microsoft.com/office/powerpoint/2010/main" val="534781280"/>
       </p:ext>
     </p:extLst>
   </p:cSld>
@@ -6566,14 +7160,14 @@
   <p:timing>
     <p:tnLst>
       <p:par>
-        <p:cTn xmlns:p14="http://schemas.microsoft.com/office/powerpoint/2010/main" id="1" dur="indefinite" restart="never" nodeType="tmRoot"/>
+        <p:cTn id="1" dur="indefinite" restart="never" nodeType="tmRoot"/>
       </p:par>
     </p:tnLst>
   </p:timing>
 </p:sld>
 </file>
 
-<file path=ppt/slides/slide23.xml><?xml version="1.0" encoding="utf-8"?>
+<file path=ppt/slides/slide25.xml><?xml version="1.0" encoding="utf-8"?>
 <p:sld xmlns:a="http://schemas.openxmlformats.org/drawingml/2006/main" xmlns:r="http://schemas.openxmlformats.org/officeDocument/2006/relationships" xmlns:p="http://schemas.openxmlformats.org/presentationml/2006/main">
   <p:cSld>
     <p:spTree>
@@ -6726,10 +7320,17 @@
   <p:clrMapOvr>
     <a:masterClrMapping/>
   </p:clrMapOvr>
+  <p:timing>
+    <p:tnLst>
+      <p:par>
+        <p:cTn id="1" dur="indefinite" restart="never" nodeType="tmRoot"/>
+      </p:par>
+    </p:tnLst>
+  </p:timing>
 </p:sld>
 </file>
 
-<file path=ppt/slides/slide24.xml><?xml version="1.0" encoding="utf-8"?>
+<file path=ppt/slides/slide26.xml><?xml version="1.0" encoding="utf-8"?>
 <p:sld xmlns:a="http://schemas.openxmlformats.org/drawingml/2006/main" xmlns:r="http://schemas.openxmlformats.org/officeDocument/2006/relationships" xmlns:p="http://schemas.openxmlformats.org/presentationml/2006/main">
   <p:cSld>
     <p:spTree>
@@ -6828,10 +7429,17 @@
   <p:clrMapOvr>
     <a:masterClrMapping/>
   </p:clrMapOvr>
+  <p:timing>
+    <p:tnLst>
+      <p:par>
+        <p:cTn id="1" dur="indefinite" restart="never" nodeType="tmRoot"/>
+      </p:par>
+    </p:tnLst>
+  </p:timing>
 </p:sld>
 </file>
 
-<file path=ppt/slides/slide25.xml><?xml version="1.0" encoding="utf-8"?>
+<file path=ppt/slides/slide27.xml><?xml version="1.0" encoding="utf-8"?>
 <p:sld xmlns:a="http://schemas.openxmlformats.org/drawingml/2006/main" xmlns:r="http://schemas.openxmlformats.org/officeDocument/2006/relationships" xmlns:p="http://schemas.openxmlformats.org/presentationml/2006/main">
   <p:cSld>
     <p:spTree>
@@ -6928,7 +7536,7 @@
 </p:sld>
 </file>
 
-<file path=ppt/slides/slide26.xml><?xml version="1.0" encoding="utf-8"?>
+<file path=ppt/slides/slide28.xml><?xml version="1.0" encoding="utf-8"?>
 <p:sld xmlns:a="http://schemas.openxmlformats.org/drawingml/2006/main" xmlns:r="http://schemas.openxmlformats.org/officeDocument/2006/relationships" xmlns:p="http://schemas.openxmlformats.org/presentationml/2006/main">
   <p:cSld>
     <p:spTree>
@@ -7033,7 +7641,7 @@
 </p:sld>
 </file>
 
-<file path=ppt/slides/slide27.xml><?xml version="1.0" encoding="utf-8"?>
+<file path=ppt/slides/slide29.xml><?xml version="1.0" encoding="utf-8"?>
 <p:sld xmlns:a="http://schemas.openxmlformats.org/drawingml/2006/main" xmlns:r="http://schemas.openxmlformats.org/officeDocument/2006/relationships" xmlns:p="http://schemas.openxmlformats.org/presentationml/2006/main">
   <p:cSld>
     <p:spTree>
@@ -7198,6 +7806,13 @@
   <p:clrMapOvr>
     <a:masterClrMapping/>
   </p:clrMapOvr>
+  <p:timing>
+    <p:tnLst>
+      <p:par>
+        <p:cTn id="1" dur="indefinite" restart="never" nodeType="tmRoot"/>
+      </p:par>
+    </p:tnLst>
+  </p:timing>
 </p:sld>
 </file>
 
@@ -7331,6 +7946,13 @@
   <p:clrMapOvr>
     <a:masterClrMapping/>
   </p:clrMapOvr>
+  <p:timing>
+    <p:tnLst>
+      <p:par>
+        <p:cTn id="1" dur="indefinite" restart="never" nodeType="tmRoot"/>
+      </p:par>
+    </p:tnLst>
+  </p:timing>
 </p:sld>
 </file>
 
@@ -7367,14 +7989,14 @@
           <a:lstStyle/>
           <a:p>
             <a:r>
-              <a:rPr lang="en-US"/>
+              <a:rPr lang="en-US" dirty="0"/>
               <a:t>Definitions, </a:t>
             </a:r>
             <a:r>
-              <a:rPr lang="en-US" smtClean="0"/>
+              <a:rPr lang="en-US" dirty="0" smtClean="0"/>
               <a:t>Acronyms, &amp; Abbreviations</a:t>
             </a:r>
-            <a:endParaRPr lang="en-US"/>
+            <a:endParaRPr lang="en-US" dirty="0"/>
           </a:p>
         </p:txBody>
       </p:sp>
@@ -7399,23 +8021,23 @@
               <a:buNone/>
             </a:pPr>
             <a:r>
-              <a:rPr lang="en-US" smtClean="0"/>
+              <a:rPr lang="en-US" dirty="0" smtClean="0"/>
               <a:t>•</a:t>
             </a:r>
             <a:r>
-              <a:rPr lang="en-US" sz="3200" smtClean="0"/>
+              <a:rPr lang="en-US" sz="3200" dirty="0" smtClean="0"/>
               <a:t> </a:t>
             </a:r>
             <a:r>
-              <a:rPr lang="en-US" sz="3200" b="1" smtClean="0"/>
+              <a:rPr lang="en-US" sz="3200" b="1" dirty="0" smtClean="0"/>
               <a:t>EJCA</a:t>
             </a:r>
             <a:r>
-              <a:rPr lang="en-US" sz="3200" smtClean="0"/>
+              <a:rPr lang="en-US" sz="3200" dirty="0" smtClean="0"/>
               <a:t>  </a:t>
             </a:r>
             <a:r>
-              <a:rPr lang="en-US"/>
+              <a:rPr lang="en-US" dirty="0"/>
               <a:t>- Enhanced Job and Candidate Application</a:t>
             </a:r>
           </a:p>
@@ -7424,19 +8046,19 @@
               <a:buNone/>
             </a:pPr>
             <a:r>
-              <a:rPr lang="en-US" smtClean="0"/>
+              <a:rPr lang="en-US" dirty="0" smtClean="0"/>
               <a:t>• </a:t>
             </a:r>
             <a:r>
-              <a:rPr lang="en-US" sz="3200" b="1" smtClean="0"/>
+              <a:rPr lang="en-US" sz="3200" b="1" dirty="0" smtClean="0"/>
               <a:t>User</a:t>
             </a:r>
             <a:r>
-              <a:rPr lang="en-US" smtClean="0"/>
+              <a:rPr lang="en-US" dirty="0" smtClean="0"/>
               <a:t> </a:t>
             </a:r>
             <a:r>
-              <a:rPr lang="en-US"/>
+              <a:rPr lang="en-US" dirty="0"/>
               <a:t>– Job seeker who uses the application</a:t>
             </a:r>
           </a:p>
@@ -7445,19 +8067,19 @@
               <a:buNone/>
             </a:pPr>
             <a:r>
-              <a:rPr lang="en-US" smtClean="0"/>
+              <a:rPr lang="en-US" dirty="0" smtClean="0"/>
               <a:t>• </a:t>
             </a:r>
             <a:r>
-              <a:rPr lang="en-US" sz="3200" b="1" smtClean="0"/>
+              <a:rPr lang="en-US" sz="3200" b="1" dirty="0" smtClean="0"/>
               <a:t>Admin</a:t>
             </a:r>
             <a:r>
-              <a:rPr lang="en-US" smtClean="0"/>
+              <a:rPr lang="en-US" dirty="0" smtClean="0"/>
               <a:t> </a:t>
             </a:r>
             <a:r>
-              <a:rPr lang="en-US"/>
+              <a:rPr lang="en-US" dirty="0"/>
               <a:t>– Admin/administrator who manages the users</a:t>
             </a:r>
           </a:p>
@@ -7466,19 +8088,19 @@
               <a:buNone/>
             </a:pPr>
             <a:r>
-              <a:rPr lang="en-US" smtClean="0"/>
+              <a:rPr lang="en-US" dirty="0" smtClean="0"/>
               <a:t>• </a:t>
             </a:r>
             <a:r>
-              <a:rPr lang="en-US" sz="3200" b="1" smtClean="0"/>
+              <a:rPr lang="en-US" sz="3200" b="1" dirty="0" smtClean="0"/>
               <a:t>Admin </a:t>
             </a:r>
             <a:r>
-              <a:rPr lang="en-US" sz="3200" b="1"/>
+              <a:rPr lang="en-US" sz="3200" b="1" dirty="0"/>
               <a:t>portal </a:t>
             </a:r>
             <a:r>
-              <a:rPr lang="en-US"/>
+              <a:rPr lang="en-US" dirty="0"/>
               <a:t>- Part of the web application that provides special facilities to Admin </a:t>
             </a:r>
           </a:p>
@@ -7487,19 +8109,19 @@
               <a:buNone/>
             </a:pPr>
             <a:r>
-              <a:rPr lang="en-US" smtClean="0"/>
+              <a:rPr lang="en-US" dirty="0" smtClean="0"/>
               <a:t>• </a:t>
             </a:r>
             <a:r>
-              <a:rPr lang="en-US" sz="3200" b="1" smtClean="0"/>
+              <a:rPr lang="en-US" sz="3200" b="1" dirty="0" smtClean="0"/>
               <a:t>Front </a:t>
             </a:r>
             <a:r>
-              <a:rPr lang="en-US" sz="3200" b="1"/>
+              <a:rPr lang="en-US" sz="3200" b="1" dirty="0"/>
               <a:t>End </a:t>
             </a:r>
             <a:r>
-              <a:rPr lang="en-US"/>
+              <a:rPr lang="en-US" dirty="0"/>
               <a:t>- The part of the application the user interacts with </a:t>
             </a:r>
           </a:p>
@@ -7508,19 +8130,19 @@
               <a:buNone/>
             </a:pPr>
             <a:r>
-              <a:rPr lang="en-US" smtClean="0"/>
+              <a:rPr lang="en-US" dirty="0" smtClean="0"/>
               <a:t>• </a:t>
             </a:r>
             <a:r>
-              <a:rPr lang="en-US" sz="3500" b="1" smtClean="0"/>
+              <a:rPr lang="en-US" sz="3500" b="1" dirty="0" smtClean="0"/>
               <a:t>Back </a:t>
             </a:r>
             <a:r>
-              <a:rPr lang="en-US" sz="3500" b="1"/>
+              <a:rPr lang="en-US" sz="3500" b="1" dirty="0"/>
               <a:t>End </a:t>
             </a:r>
             <a:r>
-              <a:rPr lang="en-US"/>
+              <a:rPr lang="en-US" dirty="0"/>
               <a:t>– The part of application that manages data and is managed by developers.</a:t>
             </a:r>
           </a:p>
@@ -7529,19 +8151,19 @@
               <a:buNone/>
             </a:pPr>
             <a:r>
-              <a:rPr lang="en-US" smtClean="0"/>
+              <a:rPr lang="en-US" dirty="0" smtClean="0"/>
               <a:t>• </a:t>
             </a:r>
             <a:r>
-              <a:rPr lang="en-US" sz="3500" b="1" smtClean="0"/>
+              <a:rPr lang="en-US" sz="3500" b="1" dirty="0" smtClean="0"/>
               <a:t>UI</a:t>
             </a:r>
             <a:r>
-              <a:rPr lang="en-US" sz="3500" smtClean="0"/>
+              <a:rPr lang="en-US" sz="3500" dirty="0" smtClean="0"/>
               <a:t> </a:t>
             </a:r>
             <a:r>
-              <a:rPr lang="en-US"/>
+              <a:rPr lang="en-US" dirty="0"/>
               <a:t>– User Interface which is the front end of the application</a:t>
             </a:r>
           </a:p>
@@ -7550,26 +8172,23 @@
               <a:buNone/>
             </a:pPr>
             <a:r>
-              <a:rPr lang="en-US" smtClean="0"/>
+              <a:rPr lang="en-US" dirty="0" smtClean="0"/>
               <a:t>• </a:t>
             </a:r>
             <a:r>
-              <a:rPr lang="en-US" sz="3500" b="1" smtClean="0"/>
+              <a:rPr lang="en-US" sz="3500" b="1" dirty="0" smtClean="0"/>
               <a:t>Server</a:t>
             </a:r>
             <a:r>
-              <a:rPr lang="en-US" smtClean="0"/>
-              <a:t> </a:t>
-            </a:r>
-            <a:r>
-              <a:rPr lang="en-US"/>
-              <a:t>–Machine that will host the web application as well as database</a:t>
-            </a:r>
-            <a:r>
-              <a:rPr lang="en-US" smtClean="0"/>
-              <a:t>.</a:t>
-            </a:r>
-            <a:endParaRPr lang="en-US"/>
+              <a:rPr lang="en-US" dirty="0" smtClean="0"/>
+              <a:t> –Machine that will host the web application as well as database.</a:t>
+            </a:r>
+          </a:p>
+          <a:p>
+            <a:pPr marL="114300" indent="0">
+              <a:buNone/>
+            </a:pPr>
+            <a:endParaRPr lang="en-US" dirty="0"/>
           </a:p>
         </p:txBody>
       </p:sp>
@@ -7583,6 +8202,13 @@
   <p:clrMapOvr>
     <a:masterClrMapping/>
   </p:clrMapOvr>
+  <p:timing>
+    <p:tnLst>
+      <p:par>
+        <p:cTn id="1" dur="indefinite" restart="never" nodeType="tmRoot"/>
+      </p:par>
+    </p:tnLst>
+  </p:timing>
 </p:sld>
 </file>
 
@@ -7674,6 +8300,13 @@
   <p:clrMapOvr>
     <a:masterClrMapping/>
   </p:clrMapOvr>
+  <p:timing>
+    <p:tnLst>
+      <p:par>
+        <p:cTn id="1" dur="indefinite" restart="never" nodeType="tmRoot"/>
+      </p:par>
+    </p:tnLst>
+  </p:timing>
 </p:sld>
 </file>
 
@@ -7818,6 +8451,13 @@
   <p:clrMapOvr>
     <a:masterClrMapping/>
   </p:clrMapOvr>
+  <p:timing>
+    <p:tnLst>
+      <p:par>
+        <p:cTn id="1" dur="indefinite" restart="never" nodeType="tmRoot"/>
+      </p:par>
+    </p:tnLst>
+  </p:timing>
 </p:sld>
 </file>
 
@@ -7910,6 +8550,13 @@
   <p:clrMapOvr>
     <a:masterClrMapping/>
   </p:clrMapOvr>
+  <p:timing>
+    <p:tnLst>
+      <p:par>
+        <p:cTn id="1" dur="indefinite" restart="never" nodeType="tmRoot"/>
+      </p:par>
+    </p:tnLst>
+  </p:timing>
 </p:sld>
 </file>
 
@@ -7971,66 +8618,66 @@
           <a:lstStyle/>
           <a:p>
             <a:r>
-              <a:rPr lang="en-US" sz="2800" b="1" smtClean="0"/>
+              <a:rPr lang="en-US" sz="2800" b="1" dirty="0" smtClean="0"/>
               <a:t>Webserver</a:t>
             </a:r>
             <a:r>
-              <a:rPr lang="en-US" smtClean="0"/>
+              <a:rPr lang="en-US" dirty="0" smtClean="0"/>
               <a:t> (Owned by Computech)</a:t>
             </a:r>
           </a:p>
           <a:p>
             <a:pPr lvl="1"/>
             <a:r>
-              <a:rPr lang="en-US" sz="2400"/>
+              <a:rPr lang="en-US" sz="2400" dirty="0"/>
               <a:t>Windows Server 2008 R2 </a:t>
             </a:r>
             <a:r>
-              <a:rPr lang="en-US" sz="2400" smtClean="0"/>
+              <a:rPr lang="en-US" sz="2400" dirty="0" smtClean="0"/>
               <a:t>Standard</a:t>
             </a:r>
           </a:p>
           <a:p>
             <a:pPr lvl="1"/>
             <a:r>
-              <a:rPr lang="en-US" sz="2400"/>
+              <a:rPr lang="en-US" sz="2400" dirty="0"/>
               <a:t>16 GB of </a:t>
             </a:r>
             <a:r>
-              <a:rPr lang="en-US" sz="2400" smtClean="0"/>
+              <a:rPr lang="en-US" sz="2400" dirty="0" smtClean="0"/>
               <a:t>RAM</a:t>
             </a:r>
           </a:p>
           <a:p>
             <a:pPr lvl="1"/>
             <a:r>
-              <a:rPr lang="en-US" sz="2400" smtClean="0"/>
+              <a:rPr lang="en-US" sz="2400" dirty="0" smtClean="0"/>
               <a:t>Runs the following software:</a:t>
             </a:r>
           </a:p>
           <a:p>
             <a:pPr lvl="2"/>
             <a:r>
-              <a:rPr lang="en-US" sz="2400" smtClean="0"/>
+              <a:rPr lang="en-US" sz="2400" dirty="0" smtClean="0"/>
               <a:t>Microsoft IIS </a:t>
             </a:r>
             <a:r>
-              <a:rPr lang="en-US" sz="2400"/>
+              <a:rPr lang="en-US" sz="2400" dirty="0"/>
               <a:t>7.5 </a:t>
             </a:r>
             <a:r>
-              <a:rPr lang="en-US" sz="2400" smtClean="0"/>
+              <a:rPr lang="en-US" sz="2400" dirty="0" smtClean="0"/>
               <a:t>Webserver </a:t>
             </a:r>
           </a:p>
           <a:p>
             <a:pPr lvl="2"/>
             <a:r>
-              <a:rPr lang="en-US" sz="2400"/>
+              <a:rPr lang="en-US" sz="2400" dirty="0"/>
               <a:t>Microsoft SQL Server 2008 R2 </a:t>
             </a:r>
             <a:r>
-              <a:rPr lang="en-US" sz="2400" smtClean="0"/>
+              <a:rPr lang="en-US" sz="2400" dirty="0" smtClean="0"/>
               <a:t>Database</a:t>
             </a:r>
           </a:p>
@@ -8038,59 +8685,67 @@
             <a:pPr marL="777240" lvl="2" indent="0">
               <a:buNone/>
             </a:pPr>
-            <a:endParaRPr lang="en-US"/>
-          </a:p>
-          <a:p>
-            <a:r>
-              <a:rPr lang="en-US" sz="2800" b="1" smtClean="0"/>
+            <a:endParaRPr lang="en-US" dirty="0"/>
+          </a:p>
+          <a:p>
+            <a:r>
+              <a:rPr lang="en-US" sz="2800" b="1" dirty="0" smtClean="0"/>
               <a:t>User Machine </a:t>
             </a:r>
           </a:p>
           <a:p>
             <a:pPr lvl="1"/>
             <a:r>
-              <a:rPr lang="en-US" sz="2400" smtClean="0"/>
-              <a:t>Any PC with latest version of Google Chrome or Safari</a:t>
+              <a:rPr lang="en-US" sz="2400" dirty="0" smtClean="0"/>
+              <a:t>Any PC with latest version of </a:t>
+            </a:r>
+            <a:r>
+              <a:rPr lang="en-US" sz="2400" dirty="0" smtClean="0"/>
+              <a:t>IE, Google Chrome, Firefox </a:t>
+            </a:r>
+            <a:r>
+              <a:rPr lang="en-US" sz="2400" dirty="0" smtClean="0"/>
+              <a:t>or Safari</a:t>
             </a:r>
           </a:p>
           <a:p>
             <a:pPr lvl="1"/>
             <a:r>
-              <a:rPr lang="en-US" sz="2400"/>
+              <a:rPr lang="en-US" sz="2400" dirty="0"/>
               <a:t>iPhone 6 and iPad Air </a:t>
             </a:r>
             <a:r>
-              <a:rPr lang="en-US" sz="2400" smtClean="0"/>
+              <a:rPr lang="en-US" sz="2400" dirty="0" smtClean="0"/>
               <a:t>running </a:t>
             </a:r>
             <a:r>
-              <a:rPr lang="en-US" sz="2400"/>
+              <a:rPr lang="en-US" sz="2400" dirty="0"/>
               <a:t>iOS 8.1.3</a:t>
             </a:r>
             <a:r>
-              <a:rPr lang="en-US" sz="2400" smtClean="0"/>
+              <a:rPr lang="en-US" sz="2400" dirty="0" smtClean="0"/>
               <a:t> </a:t>
             </a:r>
           </a:p>
           <a:p>
             <a:pPr lvl="1"/>
             <a:r>
-              <a:rPr lang="en-US" sz="2400"/>
+              <a:rPr lang="en-US" sz="2400" dirty="0"/>
               <a:t>Samsung Galaxy S5 </a:t>
             </a:r>
             <a:r>
-              <a:rPr lang="en-US" sz="2400" smtClean="0"/>
+              <a:rPr lang="en-US" sz="2400" dirty="0" smtClean="0"/>
               <a:t>running </a:t>
             </a:r>
             <a:r>
-              <a:rPr lang="en-US" sz="2400"/>
+              <a:rPr lang="en-US" sz="2400" dirty="0"/>
               <a:t>Android v5.0 Lollipop </a:t>
             </a:r>
-            <a:endParaRPr lang="en-US" sz="2400" smtClean="0"/>
+            <a:endParaRPr lang="en-US" sz="2400" dirty="0" smtClean="0"/>
           </a:p>
           <a:p>
             <a:pPr lvl="1"/>
-            <a:endParaRPr lang="en-US"/>
+            <a:endParaRPr lang="en-US" dirty="0"/>
           </a:p>
         </p:txBody>
       </p:sp>
@@ -8104,6 +8759,13 @@
   <p:clrMapOvr>
     <a:masterClrMapping/>
   </p:clrMapOvr>
+  <p:timing>
+    <p:tnLst>
+      <p:par>
+        <p:cTn id="1" dur="indefinite" restart="never" nodeType="tmRoot"/>
+      </p:par>
+    </p:tnLst>
+  </p:timing>
 </p:sld>
 </file>
 
@@ -8338,4 +9000,289 @@
   <a:objectDefaults/>
   <a:extraClrSchemeLst/>
 </a:theme>
+</file>
+
+<file path=ppt/theme/theme2.xml><?xml version="1.0" encoding="utf-8"?>
+<a:theme xmlns:a="http://schemas.openxmlformats.org/drawingml/2006/main" name="Office Theme">
+  <a:themeElements>
+    <a:clrScheme name="Office">
+      <a:dk1>
+        <a:sysClr val="windowText" lastClr="000000"/>
+      </a:dk1>
+      <a:lt1>
+        <a:sysClr val="window" lastClr="FFFFFF"/>
+      </a:lt1>
+      <a:dk2>
+        <a:srgbClr val="1F497D"/>
+      </a:dk2>
+      <a:lt2>
+        <a:srgbClr val="EEECE1"/>
+      </a:lt2>
+      <a:accent1>
+        <a:srgbClr val="4F81BD"/>
+      </a:accent1>
+      <a:accent2>
+        <a:srgbClr val="C0504D"/>
+      </a:accent2>
+      <a:accent3>
+        <a:srgbClr val="9BBB59"/>
+      </a:accent3>
+      <a:accent4>
+        <a:srgbClr val="8064A2"/>
+      </a:accent4>
+      <a:accent5>
+        <a:srgbClr val="4BACC6"/>
+      </a:accent5>
+      <a:accent6>
+        <a:srgbClr val="F79646"/>
+      </a:accent6>
+      <a:hlink>
+        <a:srgbClr val="0000FF"/>
+      </a:hlink>
+      <a:folHlink>
+        <a:srgbClr val="800080"/>
+      </a:folHlink>
+    </a:clrScheme>
+    <a:fontScheme name="Office">
+      <a:majorFont>
+        <a:latin typeface="Calibri"/>
+        <a:ea typeface=""/>
+        <a:cs typeface=""/>
+        <a:font script="Jpan" typeface="ＭＳ Ｐゴシック"/>
+        <a:font script="Hang" typeface="맑은 고딕"/>
+        <a:font script="Hans" typeface="宋体"/>
+        <a:font script="Hant" typeface="新細明體"/>
+        <a:font script="Arab" typeface="Times New Roman"/>
+        <a:font script="Hebr" typeface="Times New Roman"/>
+        <a:font script="Thai" typeface="Angsana New"/>
+        <a:font script="Ethi" typeface="Nyala"/>
+        <a:font script="Beng" typeface="Vrinda"/>
+        <a:font script="Gujr" typeface="Shruti"/>
+        <a:font script="Khmr" typeface="MoolBoran"/>
+        <a:font script="Knda" typeface="Tunga"/>
+        <a:font script="Guru" typeface="Raavi"/>
+        <a:font script="Cans" typeface="Euphemia"/>
+        <a:font script="Cher" typeface="Plantagenet Cherokee"/>
+        <a:font script="Yiii" typeface="Microsoft Yi Baiti"/>
+        <a:font script="Tibt" typeface="Microsoft Himalaya"/>
+        <a:font script="Thaa" typeface="MV Boli"/>
+        <a:font script="Deva" typeface="Mangal"/>
+        <a:font script="Telu" typeface="Gautami"/>
+        <a:font script="Taml" typeface="Latha"/>
+        <a:font script="Syrc" typeface="Estrangelo Edessa"/>
+        <a:font script="Orya" typeface="Kalinga"/>
+        <a:font script="Mlym" typeface="Kartika"/>
+        <a:font script="Laoo" typeface="DokChampa"/>
+        <a:font script="Sinh" typeface="Iskoola Pota"/>
+        <a:font script="Mong" typeface="Mongolian Baiti"/>
+        <a:font script="Viet" typeface="Times New Roman"/>
+        <a:font script="Uigh" typeface="Microsoft Uighur"/>
+        <a:font script="Geor" typeface="Sylfaen"/>
+      </a:majorFont>
+      <a:minorFont>
+        <a:latin typeface="Calibri"/>
+        <a:ea typeface=""/>
+        <a:cs typeface=""/>
+        <a:font script="Jpan" typeface="ＭＳ Ｐゴシック"/>
+        <a:font script="Hang" typeface="맑은 고딕"/>
+        <a:font script="Hans" typeface="宋体"/>
+        <a:font script="Hant" typeface="新細明體"/>
+        <a:font script="Arab" typeface="Arial"/>
+        <a:font script="Hebr" typeface="Arial"/>
+        <a:font script="Thai" typeface="Cordia New"/>
+        <a:font script="Ethi" typeface="Nyala"/>
+        <a:font script="Beng" typeface="Vrinda"/>
+        <a:font script="Gujr" typeface="Shruti"/>
+        <a:font script="Khmr" typeface="DaunPenh"/>
+        <a:font script="Knda" typeface="Tunga"/>
+        <a:font script="Guru" typeface="Raavi"/>
+        <a:font script="Cans" typeface="Euphemia"/>
+        <a:font script="Cher" typeface="Plantagenet Cherokee"/>
+        <a:font script="Yiii" typeface="Microsoft Yi Baiti"/>
+        <a:font script="Tibt" typeface="Microsoft Himalaya"/>
+        <a:font script="Thaa" typeface="MV Boli"/>
+        <a:font script="Deva" typeface="Mangal"/>
+        <a:font script="Telu" typeface="Gautami"/>
+        <a:font script="Taml" typeface="Latha"/>
+        <a:font script="Syrc" typeface="Estrangelo Edessa"/>
+        <a:font script="Orya" typeface="Kalinga"/>
+        <a:font script="Mlym" typeface="Kartika"/>
+        <a:font script="Laoo" typeface="DokChampa"/>
+        <a:font script="Sinh" typeface="Iskoola Pota"/>
+        <a:font script="Mong" typeface="Mongolian Baiti"/>
+        <a:font script="Viet" typeface="Arial"/>
+        <a:font script="Uigh" typeface="Microsoft Uighur"/>
+        <a:font script="Geor" typeface="Sylfaen"/>
+      </a:minorFont>
+    </a:fontScheme>
+    <a:fmtScheme name="Office">
+      <a:fillStyleLst>
+        <a:solidFill>
+          <a:schemeClr val="phClr"/>
+        </a:solidFill>
+        <a:gradFill rotWithShape="1">
+          <a:gsLst>
+            <a:gs pos="0">
+              <a:schemeClr val="phClr">
+                <a:tint val="50000"/>
+                <a:satMod val="300000"/>
+              </a:schemeClr>
+            </a:gs>
+            <a:gs pos="35000">
+              <a:schemeClr val="phClr">
+                <a:tint val="37000"/>
+                <a:satMod val="300000"/>
+              </a:schemeClr>
+            </a:gs>
+            <a:gs pos="100000">
+              <a:schemeClr val="phClr">
+                <a:tint val="15000"/>
+                <a:satMod val="350000"/>
+              </a:schemeClr>
+            </a:gs>
+          </a:gsLst>
+          <a:lin ang="16200000" scaled="1"/>
+        </a:gradFill>
+        <a:gradFill rotWithShape="1">
+          <a:gsLst>
+            <a:gs pos="0">
+              <a:schemeClr val="phClr">
+                <a:shade val="51000"/>
+                <a:satMod val="130000"/>
+              </a:schemeClr>
+            </a:gs>
+            <a:gs pos="80000">
+              <a:schemeClr val="phClr">
+                <a:shade val="93000"/>
+                <a:satMod val="130000"/>
+              </a:schemeClr>
+            </a:gs>
+            <a:gs pos="100000">
+              <a:schemeClr val="phClr">
+                <a:shade val="94000"/>
+                <a:satMod val="135000"/>
+              </a:schemeClr>
+            </a:gs>
+          </a:gsLst>
+          <a:lin ang="16200000" scaled="0"/>
+        </a:gradFill>
+      </a:fillStyleLst>
+      <a:lnStyleLst>
+        <a:ln w="9525" cap="flat" cmpd="sng" algn="ctr">
+          <a:solidFill>
+            <a:schemeClr val="phClr">
+              <a:shade val="95000"/>
+              <a:satMod val="105000"/>
+            </a:schemeClr>
+          </a:solidFill>
+          <a:prstDash val="solid"/>
+        </a:ln>
+        <a:ln w="25400" cap="flat" cmpd="sng" algn="ctr">
+          <a:solidFill>
+            <a:schemeClr val="phClr"/>
+          </a:solidFill>
+          <a:prstDash val="solid"/>
+        </a:ln>
+        <a:ln w="38100" cap="flat" cmpd="sng" algn="ctr">
+          <a:solidFill>
+            <a:schemeClr val="phClr"/>
+          </a:solidFill>
+          <a:prstDash val="solid"/>
+        </a:ln>
+      </a:lnStyleLst>
+      <a:effectStyleLst>
+        <a:effectStyle>
+          <a:effectLst>
+            <a:outerShdw blurRad="40000" dist="20000" dir="5400000" rotWithShape="0">
+              <a:srgbClr val="000000">
+                <a:alpha val="38000"/>
+              </a:srgbClr>
+            </a:outerShdw>
+          </a:effectLst>
+        </a:effectStyle>
+        <a:effectStyle>
+          <a:effectLst>
+            <a:outerShdw blurRad="40000" dist="23000" dir="5400000" rotWithShape="0">
+              <a:srgbClr val="000000">
+                <a:alpha val="35000"/>
+              </a:srgbClr>
+            </a:outerShdw>
+          </a:effectLst>
+        </a:effectStyle>
+        <a:effectStyle>
+          <a:effectLst>
+            <a:outerShdw blurRad="40000" dist="23000" dir="5400000" rotWithShape="0">
+              <a:srgbClr val="000000">
+                <a:alpha val="35000"/>
+              </a:srgbClr>
+            </a:outerShdw>
+          </a:effectLst>
+          <a:scene3d>
+            <a:camera prst="orthographicFront">
+              <a:rot lat="0" lon="0" rev="0"/>
+            </a:camera>
+            <a:lightRig rig="threePt" dir="t">
+              <a:rot lat="0" lon="0" rev="1200000"/>
+            </a:lightRig>
+          </a:scene3d>
+          <a:sp3d>
+            <a:bevelT w="63500" h="25400"/>
+          </a:sp3d>
+        </a:effectStyle>
+      </a:effectStyleLst>
+      <a:bgFillStyleLst>
+        <a:solidFill>
+          <a:schemeClr val="phClr"/>
+        </a:solidFill>
+        <a:gradFill rotWithShape="1">
+          <a:gsLst>
+            <a:gs pos="0">
+              <a:schemeClr val="phClr">
+                <a:tint val="40000"/>
+                <a:satMod val="350000"/>
+              </a:schemeClr>
+            </a:gs>
+            <a:gs pos="40000">
+              <a:schemeClr val="phClr">
+                <a:tint val="45000"/>
+                <a:shade val="99000"/>
+                <a:satMod val="350000"/>
+              </a:schemeClr>
+            </a:gs>
+            <a:gs pos="100000">
+              <a:schemeClr val="phClr">
+                <a:shade val="20000"/>
+                <a:satMod val="255000"/>
+              </a:schemeClr>
+            </a:gs>
+          </a:gsLst>
+          <a:path path="circle">
+            <a:fillToRect l="50000" t="-80000" r="50000" b="180000"/>
+          </a:path>
+        </a:gradFill>
+        <a:gradFill rotWithShape="1">
+          <a:gsLst>
+            <a:gs pos="0">
+              <a:schemeClr val="phClr">
+                <a:tint val="80000"/>
+                <a:satMod val="300000"/>
+              </a:schemeClr>
+            </a:gs>
+            <a:gs pos="100000">
+              <a:schemeClr val="phClr">
+                <a:shade val="30000"/>
+                <a:satMod val="200000"/>
+              </a:schemeClr>
+            </a:gs>
+          </a:gsLst>
+          <a:path path="circle">
+            <a:fillToRect l="50000" t="50000" r="50000" b="50000"/>
+          </a:path>
+        </a:gradFill>
+      </a:bgFillStyleLst>
+    </a:fmtScheme>
+  </a:themeElements>
+  <a:objectDefaults/>
+  <a:extraClrSchemeLst/>
+</a:theme>
 </file>
--- a/Design Specification/Design Specification.pptx
+++ b/Design Specification/Design Specification.pptx
@@ -1,11 +1,11 @@
 
 <file path=ppt/presentation.xml><?xml version="1.0" encoding="utf-8"?>
-<p:presentation xmlns:a="http://schemas.openxmlformats.org/drawingml/2006/main" xmlns:r="http://schemas.openxmlformats.org/officeDocument/2006/relationships" xmlns:p="http://schemas.openxmlformats.org/presentationml/2006/main" saveSubsetFonts="1">
+<p:presentation xmlns:a="http://schemas.openxmlformats.org/drawingml/2006/main" xmlns:r="http://schemas.openxmlformats.org/officeDocument/2006/relationships" xmlns:p="http://schemas.openxmlformats.org/presentationml/2006/main" saveSubsetFonts="1" bookmarkIdSeed="2">
   <p:sldMasterIdLst>
     <p:sldMasterId id="2147483660" r:id="rId1"/>
   </p:sldMasterIdLst>
   <p:notesMasterIdLst>
-    <p:notesMasterId r:id="rId31"/>
+    <p:notesMasterId r:id="rId40"/>
   </p:notesMasterIdLst>
   <p:sldIdLst>
     <p:sldId id="257" r:id="rId2"/>
@@ -15,28 +15,37 @@
     <p:sldId id="265" r:id="rId6"/>
     <p:sldId id="280" r:id="rId7"/>
     <p:sldId id="271" r:id="rId8"/>
-    <p:sldId id="259" r:id="rId9"/>
-    <p:sldId id="281" r:id="rId10"/>
-    <p:sldId id="282" r:id="rId11"/>
-    <p:sldId id="283" r:id="rId12"/>
-    <p:sldId id="267" r:id="rId13"/>
-    <p:sldId id="268" r:id="rId14"/>
-    <p:sldId id="289" r:id="rId15"/>
-    <p:sldId id="269" r:id="rId16"/>
-    <p:sldId id="262" r:id="rId17"/>
-    <p:sldId id="291" r:id="rId18"/>
-    <p:sldId id="292" r:id="rId19"/>
-    <p:sldId id="293" r:id="rId20"/>
-    <p:sldId id="294" r:id="rId21"/>
-    <p:sldId id="295" r:id="rId22"/>
-    <p:sldId id="296" r:id="rId23"/>
-    <p:sldId id="297" r:id="rId24"/>
-    <p:sldId id="298" r:id="rId25"/>
-    <p:sldId id="284" r:id="rId26"/>
-    <p:sldId id="286" r:id="rId27"/>
-    <p:sldId id="287" r:id="rId28"/>
-    <p:sldId id="288" r:id="rId29"/>
-    <p:sldId id="285" r:id="rId30"/>
+    <p:sldId id="299" r:id="rId9"/>
+    <p:sldId id="259" r:id="rId10"/>
+    <p:sldId id="310" r:id="rId11"/>
+    <p:sldId id="281" r:id="rId12"/>
+    <p:sldId id="282" r:id="rId13"/>
+    <p:sldId id="283" r:id="rId14"/>
+    <p:sldId id="267" r:id="rId15"/>
+    <p:sldId id="268" r:id="rId16"/>
+    <p:sldId id="289" r:id="rId17"/>
+    <p:sldId id="269" r:id="rId18"/>
+    <p:sldId id="262" r:id="rId19"/>
+    <p:sldId id="291" r:id="rId20"/>
+    <p:sldId id="292" r:id="rId21"/>
+    <p:sldId id="293" r:id="rId22"/>
+    <p:sldId id="294" r:id="rId23"/>
+    <p:sldId id="295" r:id="rId24"/>
+    <p:sldId id="296" r:id="rId25"/>
+    <p:sldId id="297" r:id="rId26"/>
+    <p:sldId id="298" r:id="rId27"/>
+    <p:sldId id="284" r:id="rId28"/>
+    <p:sldId id="307" r:id="rId29"/>
+    <p:sldId id="308" r:id="rId30"/>
+    <p:sldId id="309" r:id="rId31"/>
+    <p:sldId id="285" r:id="rId32"/>
+    <p:sldId id="300" r:id="rId33"/>
+    <p:sldId id="301" r:id="rId34"/>
+    <p:sldId id="302" r:id="rId35"/>
+    <p:sldId id="303" r:id="rId36"/>
+    <p:sldId id="304" r:id="rId37"/>
+    <p:sldId id="305" r:id="rId38"/>
+    <p:sldId id="306" r:id="rId39"/>
   </p:sldIdLst>
   <p:sldSz cx="9144000" cy="6858000" type="screen4x3"/>
   <p:notesSz cx="6858000" cy="9144000"/>
@@ -220,7 +229,7 @@
           <a:p>
             <a:fld id="{25DD7029-E72D-42B7-BC2F-E441BF7460C3}" type="datetimeFigureOut">
               <a:rPr lang="en-US" smtClean="0"/>
-              <a:t>3/11/2015</a:t>
+              <a:t>3/12/2015</a:t>
             </a:fld>
             <a:endParaRPr lang="en-US"/>
           </a:p>
@@ -557,7 +566,7 @@
           <a:p>
             <a:fld id="{34373478-7BF5-4239-BD68-772F0AD1FF03}" type="slidenum">
               <a:rPr lang="en-US" smtClean="0"/>
-              <a:t>14</a:t>
+              <a:t>16</a:t>
             </a:fld>
             <a:endParaRPr lang="en-US"/>
           </a:p>
@@ -775,7 +784,7 @@
                 </a:solidFill>
               </a:rPr>
               <a:pPr/>
-              <a:t>3/11/2015</a:t>
+              <a:t>3/12/2015</a:t>
             </a:fld>
             <a:endParaRPr lang="en-US">
               <a:solidFill>
@@ -959,7 +968,7 @@
                 </a:solidFill>
               </a:rPr>
               <a:pPr/>
-              <a:t>3/11/2015</a:t>
+              <a:t>3/12/2015</a:t>
             </a:fld>
             <a:endParaRPr lang="en-US">
               <a:solidFill>
@@ -1153,7 +1162,7 @@
                 </a:solidFill>
               </a:rPr>
               <a:pPr/>
-              <a:t>3/11/2015</a:t>
+              <a:t>3/12/2015</a:t>
             </a:fld>
             <a:endParaRPr lang="en-US">
               <a:solidFill>
@@ -1337,7 +1346,7 @@
                 </a:solidFill>
               </a:rPr>
               <a:pPr/>
-              <a:t>3/11/2015</a:t>
+              <a:t>3/12/2015</a:t>
             </a:fld>
             <a:endParaRPr lang="en-US">
               <a:solidFill>
@@ -1597,7 +1606,7 @@
                 </a:solidFill>
               </a:rPr>
               <a:pPr/>
-              <a:t>3/11/2015</a:t>
+              <a:t>3/12/2015</a:t>
             </a:fld>
             <a:endParaRPr lang="en-US">
               <a:solidFill>
@@ -1899,7 +1908,7 @@
                 </a:solidFill>
               </a:rPr>
               <a:pPr/>
-              <a:t>3/11/2015</a:t>
+              <a:t>3/12/2015</a:t>
             </a:fld>
             <a:endParaRPr lang="en-US">
               <a:solidFill>
@@ -2347,7 +2356,7 @@
                 </a:solidFill>
               </a:rPr>
               <a:pPr/>
-              <a:t>3/11/2015</a:t>
+              <a:t>3/12/2015</a:t>
             </a:fld>
             <a:endParaRPr lang="en-US">
               <a:solidFill>
@@ -2479,7 +2488,7 @@
                 </a:solidFill>
               </a:rPr>
               <a:pPr/>
-              <a:t>3/11/2015</a:t>
+              <a:t>3/12/2015</a:t>
             </a:fld>
             <a:endParaRPr lang="en-US">
               <a:solidFill>
@@ -2588,7 +2597,7 @@
                 </a:solidFill>
               </a:rPr>
               <a:pPr/>
-              <a:t>3/11/2015</a:t>
+              <a:t>3/12/2015</a:t>
             </a:fld>
             <a:endParaRPr lang="en-US">
               <a:solidFill>
@@ -2796,7 +2805,7 @@
                 </a:solidFill>
               </a:rPr>
               <a:pPr/>
-              <a:t>3/11/2015</a:t>
+              <a:t>3/12/2015</a:t>
             </a:fld>
             <a:endParaRPr lang="en-US">
               <a:solidFill>
@@ -3133,7 +3142,7 @@
                 </a:solidFill>
               </a:rPr>
               <a:pPr/>
-              <a:t>3/11/2015</a:t>
+              <a:t>3/12/2015</a:t>
             </a:fld>
             <a:endParaRPr lang="en-US">
               <a:solidFill>
@@ -3544,7 +3553,7 @@
                 </a:solidFill>
               </a:rPr>
               <a:pPr/>
-              <a:t>3/11/2015</a:t>
+              <a:t>3/12/2015</a:t>
             </a:fld>
             <a:endParaRPr lang="en-US">
               <a:solidFill>
@@ -3957,15 +3966,7 @@
                   <a:schemeClr val="tx1"/>
                 </a:solidFill>
               </a:rPr>
-              <a:t>Simul </a:t>
-            </a:r>
-            <a:r>
-              <a:rPr lang="en-US" dirty="0" smtClean="0">
-                <a:solidFill>
-                  <a:schemeClr val="tx1"/>
-                </a:solidFill>
-              </a:rPr>
-              <a:t>Kadakia, Wesley </a:t>
+              <a:t>Simul Kadakia, Wesley </a:t>
             </a:r>
             <a:r>
               <a:rPr lang="en-US" dirty="0" err="1" smtClean="0">
@@ -3997,15 +3998,7 @@
                   <a:schemeClr val="tx1"/>
                 </a:solidFill>
               </a:rPr>
-              <a:t> </a:t>
-            </a:r>
-            <a:r>
-              <a:rPr lang="en-US" dirty="0" smtClean="0">
-                <a:solidFill>
-                  <a:schemeClr val="tx1"/>
-                </a:solidFill>
-              </a:rPr>
-              <a:t>Singh</a:t>
+              <a:t> Singh</a:t>
             </a:r>
           </a:p>
           <a:p>
@@ -4191,6 +4184,338 @@
             <p:ph type="title"/>
           </p:nvPr>
         </p:nvSpPr>
+        <p:spPr>
+          <a:xfrm>
+            <a:off x="457200" y="274638"/>
+            <a:ext cx="7696200" cy="1143000"/>
+          </a:xfrm>
+        </p:spPr>
+        <p:txBody>
+          <a:bodyPr/>
+          <a:lstStyle/>
+          <a:p>
+            <a:r>
+              <a:rPr lang="en-US" smtClean="0"/>
+              <a:t>Logical View (Sys. Architecture)</a:t>
+            </a:r>
+            <a:endParaRPr lang="en-US"/>
+          </a:p>
+        </p:txBody>
+      </p:sp>
+      <p:pic>
+        <p:nvPicPr>
+          <p:cNvPr id="27650" name="Picture 2"/>
+          <p:cNvPicPr>
+            <a:picLocks noGrp="1" noChangeAspect="1" noChangeArrowheads="1"/>
+          </p:cNvPicPr>
+          <p:nvPr>
+            <p:ph idx="1"/>
+          </p:nvPr>
+        </p:nvPicPr>
+        <p:blipFill>
+          <a:blip r:embed="rId2">
+            <a:extLst>
+              <a:ext uri="{28A0092B-C50C-407E-A947-70E740481C1C}">
+                <a14:useLocalDpi xmlns:a14="http://schemas.microsoft.com/office/drawing/2010/main" val="0"/>
+              </a:ext>
+            </a:extLst>
+          </a:blip>
+          <a:srcRect/>
+          <a:stretch>
+            <a:fillRect/>
+          </a:stretch>
+        </p:blipFill>
+        <p:spPr bwMode="auto">
+          <a:xfrm>
+            <a:off x="1752600" y="1333540"/>
+            <a:ext cx="5105399" cy="5255480"/>
+          </a:xfrm>
+          <a:prstGeom prst="rect">
+            <a:avLst/>
+          </a:prstGeom>
+          <a:noFill/>
+          <a:ln>
+            <a:noFill/>
+          </a:ln>
+          <a:effectLst/>
+          <a:extLst>
+            <a:ext uri="{909E8E84-426E-40DD-AFC4-6F175D3DCCD1}">
+              <a14:hiddenFill xmlns:a14="http://schemas.microsoft.com/office/drawing/2010/main">
+                <a:solidFill>
+                  <a:schemeClr val="accent1"/>
+                </a:solidFill>
+              </a14:hiddenFill>
+            </a:ext>
+            <a:ext uri="{91240B29-F687-4F45-9708-019B960494DF}">
+              <a14:hiddenLine xmlns:a14="http://schemas.microsoft.com/office/drawing/2010/main" w="9525">
+                <a:solidFill>
+                  <a:schemeClr val="tx1"/>
+                </a:solidFill>
+                <a:miter lim="800000"/>
+                <a:headEnd/>
+                <a:tailEnd/>
+              </a14:hiddenLine>
+            </a:ext>
+            <a:ext uri="{AF507438-7753-43E0-B8FC-AC1667EBCBE1}">
+              <a14:hiddenEffects xmlns:a14="http://schemas.microsoft.com/office/drawing/2010/main">
+                <a:effectLst>
+                  <a:outerShdw dist="35921" dir="2700000" algn="ctr" rotWithShape="0">
+                    <a:schemeClr val="bg2"/>
+                  </a:outerShdw>
+                </a:effectLst>
+              </a14:hiddenEffects>
+            </a:ext>
+          </a:extLst>
+        </p:spPr>
+      </p:pic>
+    </p:spTree>
+    <p:extLst>
+      <p:ext uri="{BB962C8B-B14F-4D97-AF65-F5344CB8AC3E}">
+        <p14:creationId xmlns:p14="http://schemas.microsoft.com/office/powerpoint/2010/main" val="1553789032"/>
+      </p:ext>
+    </p:extLst>
+  </p:cSld>
+  <p:clrMapOvr>
+    <a:masterClrMapping/>
+  </p:clrMapOvr>
+  <p:timing>
+    <p:tnLst>
+      <p:par>
+        <p:cTn id="1" dur="indefinite" restart="never" nodeType="tmRoot"/>
+      </p:par>
+    </p:tnLst>
+  </p:timing>
+</p:sld>
+</file>
+
+<file path=ppt/slides/slide11.xml><?xml version="1.0" encoding="utf-8"?>
+<p:sld xmlns:a="http://schemas.openxmlformats.org/drawingml/2006/main" xmlns:r="http://schemas.openxmlformats.org/officeDocument/2006/relationships" xmlns:p="http://schemas.openxmlformats.org/presentationml/2006/main">
+  <p:cSld>
+    <p:spTree>
+      <p:nvGrpSpPr>
+        <p:cNvPr id="1" name=""/>
+        <p:cNvGrpSpPr/>
+        <p:nvPr/>
+      </p:nvGrpSpPr>
+      <p:grpSpPr>
+        <a:xfrm>
+          <a:off x="0" y="0"/>
+          <a:ext cx="0" cy="0"/>
+          <a:chOff x="0" y="0"/>
+          <a:chExt cx="0" cy="0"/>
+        </a:xfrm>
+      </p:grpSpPr>
+      <p:sp>
+        <p:nvSpPr>
+          <p:cNvPr id="2" name="Title 1"/>
+          <p:cNvSpPr>
+            <a:spLocks noGrp="1"/>
+          </p:cNvSpPr>
+          <p:nvPr>
+            <p:ph type="title"/>
+          </p:nvPr>
+        </p:nvSpPr>
+        <p:spPr/>
+        <p:txBody>
+          <a:bodyPr/>
+          <a:lstStyle/>
+          <a:p>
+            <a:r>
+              <a:rPr lang="en-US" smtClean="0"/>
+              <a:t>Hardware Architecture</a:t>
+            </a:r>
+            <a:endParaRPr lang="en-US"/>
+          </a:p>
+        </p:txBody>
+      </p:sp>
+      <p:sp>
+        <p:nvSpPr>
+          <p:cNvPr id="3" name="Content Placeholder 2"/>
+          <p:cNvSpPr>
+            <a:spLocks noGrp="1"/>
+          </p:cNvSpPr>
+          <p:nvPr>
+            <p:ph idx="1"/>
+          </p:nvPr>
+        </p:nvSpPr>
+        <p:spPr/>
+        <p:txBody>
+          <a:bodyPr>
+            <a:normAutofit lnSpcReduction="10000"/>
+          </a:bodyPr>
+          <a:lstStyle/>
+          <a:p>
+            <a:r>
+              <a:rPr lang="en-US" sz="2800" b="1" dirty="0" smtClean="0"/>
+              <a:t>Webserver</a:t>
+            </a:r>
+            <a:r>
+              <a:rPr lang="en-US" dirty="0" smtClean="0"/>
+              <a:t> (Owned by Computech)</a:t>
+            </a:r>
+          </a:p>
+          <a:p>
+            <a:pPr lvl="1"/>
+            <a:r>
+              <a:rPr lang="en-US" sz="2400" dirty="0"/>
+              <a:t>Windows Server 2008 R2 </a:t>
+            </a:r>
+            <a:r>
+              <a:rPr lang="en-US" sz="2400" dirty="0" smtClean="0"/>
+              <a:t>Standard</a:t>
+            </a:r>
+          </a:p>
+          <a:p>
+            <a:pPr lvl="1"/>
+            <a:r>
+              <a:rPr lang="en-US" sz="2400" dirty="0"/>
+              <a:t>16 GB of </a:t>
+            </a:r>
+            <a:r>
+              <a:rPr lang="en-US" sz="2400" dirty="0" smtClean="0"/>
+              <a:t>RAM</a:t>
+            </a:r>
+          </a:p>
+          <a:p>
+            <a:pPr lvl="1"/>
+            <a:r>
+              <a:rPr lang="en-US" sz="2400" dirty="0" smtClean="0"/>
+              <a:t>Runs the following software:</a:t>
+            </a:r>
+          </a:p>
+          <a:p>
+            <a:pPr lvl="2"/>
+            <a:r>
+              <a:rPr lang="en-US" sz="2400" dirty="0" smtClean="0"/>
+              <a:t>Microsoft IIS </a:t>
+            </a:r>
+            <a:r>
+              <a:rPr lang="en-US" sz="2400" dirty="0"/>
+              <a:t>7.5 </a:t>
+            </a:r>
+            <a:r>
+              <a:rPr lang="en-US" sz="2400" dirty="0" smtClean="0"/>
+              <a:t>Webserver </a:t>
+            </a:r>
+          </a:p>
+          <a:p>
+            <a:pPr lvl="2"/>
+            <a:r>
+              <a:rPr lang="en-US" sz="2400" dirty="0"/>
+              <a:t>Microsoft SQL Server 2008 R2 </a:t>
+            </a:r>
+            <a:r>
+              <a:rPr lang="en-US" sz="2400" dirty="0" smtClean="0"/>
+              <a:t>Database</a:t>
+            </a:r>
+          </a:p>
+          <a:p>
+            <a:pPr marL="777240" lvl="2" indent="0">
+              <a:buNone/>
+            </a:pPr>
+            <a:endParaRPr lang="en-US" dirty="0"/>
+          </a:p>
+          <a:p>
+            <a:r>
+              <a:rPr lang="en-US" sz="2800" b="1" dirty="0" smtClean="0"/>
+              <a:t>User Machine </a:t>
+            </a:r>
+          </a:p>
+          <a:p>
+            <a:pPr lvl="1"/>
+            <a:r>
+              <a:rPr lang="en-US" sz="2400" dirty="0" smtClean="0"/>
+              <a:t>Any PC with latest version of IE, Google Chrome, Firefox or Safari</a:t>
+            </a:r>
+          </a:p>
+          <a:p>
+            <a:pPr lvl="1"/>
+            <a:r>
+              <a:rPr lang="en-US" sz="2400" dirty="0"/>
+              <a:t>iPhone 6 and iPad Air </a:t>
+            </a:r>
+            <a:r>
+              <a:rPr lang="en-US" sz="2400" dirty="0" smtClean="0"/>
+              <a:t>running </a:t>
+            </a:r>
+            <a:r>
+              <a:rPr lang="en-US" sz="2400" dirty="0"/>
+              <a:t>iOS 8.1.3</a:t>
+            </a:r>
+            <a:r>
+              <a:rPr lang="en-US" sz="2400" dirty="0" smtClean="0"/>
+              <a:t> </a:t>
+            </a:r>
+          </a:p>
+          <a:p>
+            <a:pPr lvl="1"/>
+            <a:r>
+              <a:rPr lang="en-US" sz="2400" dirty="0"/>
+              <a:t>Samsung Galaxy S5 </a:t>
+            </a:r>
+            <a:r>
+              <a:rPr lang="en-US" sz="2400" dirty="0" smtClean="0"/>
+              <a:t>running </a:t>
+            </a:r>
+            <a:r>
+              <a:rPr lang="en-US" sz="2400" dirty="0"/>
+              <a:t>Android v5.0 Lollipop </a:t>
+            </a:r>
+            <a:endParaRPr lang="en-US" sz="2400" dirty="0" smtClean="0"/>
+          </a:p>
+          <a:p>
+            <a:pPr lvl="1"/>
+            <a:endParaRPr lang="en-US" dirty="0"/>
+          </a:p>
+        </p:txBody>
+      </p:sp>
+    </p:spTree>
+    <p:extLst>
+      <p:ext uri="{BB962C8B-B14F-4D97-AF65-F5344CB8AC3E}">
+        <p14:creationId xmlns:p14="http://schemas.microsoft.com/office/powerpoint/2010/main" val="3180127955"/>
+      </p:ext>
+    </p:extLst>
+  </p:cSld>
+  <p:clrMapOvr>
+    <a:masterClrMapping/>
+  </p:clrMapOvr>
+  <p:timing>
+    <p:tnLst>
+      <p:par>
+        <p:cTn id="1" dur="indefinite" restart="never" nodeType="tmRoot"/>
+      </p:par>
+    </p:tnLst>
+  </p:timing>
+</p:sld>
+</file>
+
+<file path=ppt/slides/slide12.xml><?xml version="1.0" encoding="utf-8"?>
+<p:sld xmlns:a="http://schemas.openxmlformats.org/drawingml/2006/main" xmlns:r="http://schemas.openxmlformats.org/officeDocument/2006/relationships" xmlns:p="http://schemas.openxmlformats.org/presentationml/2006/main">
+  <p:cSld>
+    <p:spTree>
+      <p:nvGrpSpPr>
+        <p:cNvPr id="1" name=""/>
+        <p:cNvGrpSpPr/>
+        <p:nvPr/>
+      </p:nvGrpSpPr>
+      <p:grpSpPr>
+        <a:xfrm>
+          <a:off x="0" y="0"/>
+          <a:ext cx="0" cy="0"/>
+          <a:chOff x="0" y="0"/>
+          <a:chExt cx="0" cy="0"/>
+        </a:xfrm>
+      </p:grpSpPr>
+      <p:sp>
+        <p:nvSpPr>
+          <p:cNvPr id="2" name="Title 1"/>
+          <p:cNvSpPr>
+            <a:spLocks noGrp="1"/>
+          </p:cNvSpPr>
+          <p:nvPr>
+            <p:ph type="title"/>
+          </p:nvPr>
+        </p:nvSpPr>
         <p:spPr/>
         <p:txBody>
           <a:bodyPr/>
@@ -4290,7 +4615,7 @@
 </p:sld>
 </file>
 
-<file path=ppt/slides/slide11.xml><?xml version="1.0" encoding="utf-8"?>
+<file path=ppt/slides/slide13.xml><?xml version="1.0" encoding="utf-8"?>
 <p:sld xmlns:a="http://schemas.openxmlformats.org/drawingml/2006/main" xmlns:r="http://schemas.openxmlformats.org/officeDocument/2006/relationships" xmlns:p="http://schemas.openxmlformats.org/presentationml/2006/main">
   <p:cSld>
     <p:spTree>
@@ -4340,7 +4665,12 @@
             <p:ph idx="1"/>
           </p:nvPr>
         </p:nvSpPr>
-        <p:spPr/>
+        <p:spPr>
+          <a:xfrm>
+            <a:off x="457200" y="1295400"/>
+            <a:ext cx="7620000" cy="5562600"/>
+          </a:xfrm>
+        </p:spPr>
         <p:txBody>
           <a:bodyPr>
             <a:normAutofit lnSpcReduction="10000"/>
@@ -4348,14 +4678,14 @@
           <a:lstStyle/>
           <a:p>
             <a:r>
-              <a:rPr lang="en-US" smtClean="0"/>
+              <a:rPr lang="en-US" sz="2400" smtClean="0"/>
               <a:t>Microsoft’s ASP.NET MVC design pattern</a:t>
             </a:r>
           </a:p>
           <a:p>
             <a:pPr lvl="1"/>
             <a:r>
-              <a:rPr lang="en-US" sz="2200" smtClean="0"/>
+              <a:rPr lang="en-US" sz="2200" b="1" smtClean="0"/>
               <a:t>Models: C# classes</a:t>
             </a:r>
           </a:p>
@@ -4370,13 +4700,23 @@
             <a:pPr lvl="2"/>
             <a:r>
               <a:rPr lang="en-US" sz="2200" smtClean="0"/>
-              <a:t>Entity Framework C# classes representing db tables</a:t>
-            </a:r>
+              <a:t>Entity Framework C# classes representing db </a:t>
+            </a:r>
+            <a:r>
+              <a:rPr lang="en-US" sz="2200" smtClean="0"/>
+              <a:t>tables</a:t>
+            </a:r>
+          </a:p>
+          <a:p>
+            <a:pPr marL="777240" lvl="2" indent="0">
+              <a:buNone/>
+            </a:pPr>
+            <a:endParaRPr lang="en-US" sz="2200" smtClean="0"/>
           </a:p>
           <a:p>
             <a:pPr lvl="1"/>
             <a:r>
-              <a:rPr lang="en-US" sz="2200" smtClean="0"/>
+              <a:rPr lang="en-US" sz="2200" b="1" smtClean="0"/>
               <a:t>Views: CSHTML files</a:t>
             </a:r>
           </a:p>
@@ -4398,13 +4738,23 @@
             <a:pPr lvl="2"/>
             <a:r>
               <a:rPr lang="en-US" sz="2200" smtClean="0"/>
-              <a:t>Uses Bootstrap CSS and JavaScript, as well as Jquery JavaScript</a:t>
-            </a:r>
+              <a:t>Uses Bootstrap CSS and JavaScript, as well as Jquery </a:t>
+            </a:r>
+            <a:r>
+              <a:rPr lang="en-US" sz="2200" smtClean="0"/>
+              <a:t>JavaScript</a:t>
+            </a:r>
+          </a:p>
+          <a:p>
+            <a:pPr marL="777240" lvl="2" indent="0">
+              <a:buNone/>
+            </a:pPr>
+            <a:endParaRPr lang="en-US" sz="2200" smtClean="0"/>
           </a:p>
           <a:p>
             <a:pPr lvl="1"/>
             <a:r>
-              <a:rPr lang="en-US" sz="2200" smtClean="0"/>
+              <a:rPr lang="en-US" sz="2200" b="1" smtClean="0"/>
               <a:t>Controllers: C# classes</a:t>
             </a:r>
           </a:p>
@@ -4452,7 +4802,7 @@
 </p:sld>
 </file>
 
-<file path=ppt/slides/slide12.xml><?xml version="1.0" encoding="utf-8"?>
+<file path=ppt/slides/slide14.xml><?xml version="1.0" encoding="utf-8"?>
 <p:sld xmlns:a="http://schemas.openxmlformats.org/drawingml/2006/main" xmlns:r="http://schemas.openxmlformats.org/officeDocument/2006/relationships" xmlns:p="http://schemas.openxmlformats.org/presentationml/2006/main">
   <p:cSld>
     <p:spTree>
@@ -4494,13 +4844,11 @@
       </p:sp>
       <p:pic>
         <p:nvPicPr>
-          <p:cNvPr id="4" name="Picture 2"/>
+          <p:cNvPr id="15362" name="Picture 2"/>
           <p:cNvPicPr>
-            <a:picLocks noGrp="1" noChangeAspect="1" noChangeArrowheads="1"/>
+            <a:picLocks noChangeAspect="1" noChangeArrowheads="1"/>
           </p:cNvPicPr>
-          <p:nvPr>
-            <p:ph idx="1"/>
-          </p:nvPr>
+          <p:nvPr/>
         </p:nvPicPr>
         <p:blipFill>
           <a:blip r:embed="rId2">
@@ -4517,8 +4865,8 @@
         </p:blipFill>
         <p:spPr bwMode="auto">
           <a:xfrm>
-            <a:off x="152400" y="1524000"/>
-            <a:ext cx="8226648" cy="4419600"/>
+            <a:off x="0" y="2057400"/>
+            <a:ext cx="8416131" cy="3505200"/>
           </a:xfrm>
           <a:prstGeom prst="rect">
             <a:avLst/>
@@ -4527,7 +4875,6 @@
           <a:ln>
             <a:noFill/>
           </a:ln>
-          <a:effectLst/>
           <a:extLst>
             <a:ext uri="{909E8E84-426E-40DD-AFC4-6F175D3DCCD1}">
               <a14:hiddenFill xmlns:a14="http://schemas.microsoft.com/office/drawing/2010/main">
@@ -4545,15 +4892,6 @@
                 <a:headEnd/>
                 <a:tailEnd/>
               </a14:hiddenLine>
-            </a:ext>
-            <a:ext uri="{AF507438-7753-43E0-B8FC-AC1667EBCBE1}">
-              <a14:hiddenEffects xmlns:a14="http://schemas.microsoft.com/office/drawing/2010/main">
-                <a:effectLst>
-                  <a:outerShdw dist="35921" dir="2700000" algn="ctr" rotWithShape="0">
-                    <a:schemeClr val="bg2"/>
-                  </a:outerShdw>
-                </a:effectLst>
-              </a14:hiddenEffects>
             </a:ext>
           </a:extLst>
         </p:spPr>
@@ -4578,7 +4916,7 @@
 </p:sld>
 </file>
 
-<file path=ppt/slides/slide13.xml><?xml version="1.0" encoding="utf-8"?>
+<file path=ppt/slides/slide15.xml><?xml version="1.0" encoding="utf-8"?>
 <p:sld xmlns:a="http://schemas.openxmlformats.org/drawingml/2006/main" xmlns:r="http://schemas.openxmlformats.org/officeDocument/2006/relationships" xmlns:p="http://schemas.openxmlformats.org/presentationml/2006/main">
   <p:cSld>
     <p:spTree>
@@ -4628,13 +4966,18 @@
             <p:ph idx="1"/>
           </p:nvPr>
         </p:nvSpPr>
-        <p:spPr/>
+        <p:spPr>
+          <a:xfrm>
+            <a:off x="457200" y="1371600"/>
+            <a:ext cx="7620000" cy="5029200"/>
+          </a:xfrm>
+        </p:spPr>
         <p:txBody>
           <a:bodyPr/>
           <a:lstStyle/>
           <a:p>
             <a:r>
-              <a:rPr lang="en-US" sz="2400" dirty="0"/>
+              <a:rPr lang="en-US" sz="2400" b="1" dirty="0"/>
               <a:t>The web application has the following security features:</a:t>
             </a:r>
           </a:p>
@@ -4774,291 +5117,6 @@
 </p:sld>
 </file>
 
-<file path=ppt/slides/slide14.xml><?xml version="1.0" encoding="utf-8"?>
-<p:sld xmlns:a="http://schemas.openxmlformats.org/drawingml/2006/main" xmlns:r="http://schemas.openxmlformats.org/officeDocument/2006/relationships" xmlns:p="http://schemas.openxmlformats.org/presentationml/2006/main">
-  <p:cSld>
-    <p:spTree>
-      <p:nvGrpSpPr>
-        <p:cNvPr id="1" name=""/>
-        <p:cNvGrpSpPr/>
-        <p:nvPr/>
-      </p:nvGrpSpPr>
-      <p:grpSpPr>
-        <a:xfrm>
-          <a:off x="0" y="0"/>
-          <a:ext cx="0" cy="0"/>
-          <a:chOff x="0" y="0"/>
-          <a:chExt cx="0" cy="0"/>
-        </a:xfrm>
-      </p:grpSpPr>
-      <p:sp>
-        <p:nvSpPr>
-          <p:cNvPr id="2" name="Title 1"/>
-          <p:cNvSpPr>
-            <a:spLocks noGrp="1"/>
-          </p:cNvSpPr>
-          <p:nvPr>
-            <p:ph type="title"/>
-          </p:nvPr>
-        </p:nvSpPr>
-        <p:spPr/>
-        <p:txBody>
-          <a:bodyPr/>
-          <a:lstStyle/>
-          <a:p>
-            <a:r>
-              <a:rPr lang="en-US" dirty="0" smtClean="0"/>
-              <a:t>How SSL works?</a:t>
-            </a:r>
-            <a:endParaRPr lang="en-US" dirty="0"/>
-          </a:p>
-        </p:txBody>
-      </p:sp>
-      <p:pic>
-        <p:nvPicPr>
-          <p:cNvPr id="9218" name="Picture 2"/>
-          <p:cNvPicPr>
-            <a:picLocks noGrp="1" noChangeAspect="1" noChangeArrowheads="1"/>
-          </p:cNvPicPr>
-          <p:nvPr>
-            <p:ph idx="1"/>
-          </p:nvPr>
-        </p:nvPicPr>
-        <p:blipFill>
-          <a:blip r:embed="rId3">
-            <a:extLst>
-              <a:ext uri="{28A0092B-C50C-407E-A947-70E740481C1C}">
-                <a14:useLocalDpi xmlns:a14="http://schemas.microsoft.com/office/drawing/2010/main" val="0"/>
-              </a:ext>
-            </a:extLst>
-          </a:blip>
-          <a:srcRect/>
-          <a:stretch>
-            <a:fillRect/>
-          </a:stretch>
-        </p:blipFill>
-        <p:spPr bwMode="auto">
-          <a:xfrm>
-            <a:off x="1447800" y="1295400"/>
-            <a:ext cx="5334000" cy="4370687"/>
-          </a:xfrm>
-          <a:prstGeom prst="rect">
-            <a:avLst/>
-          </a:prstGeom>
-          <a:noFill/>
-          <a:ln>
-            <a:noFill/>
-          </a:ln>
-          <a:extLst>
-            <a:ext uri="{909E8E84-426E-40DD-AFC4-6F175D3DCCD1}">
-              <a14:hiddenFill xmlns:a14="http://schemas.microsoft.com/office/drawing/2010/main">
-                <a:solidFill>
-                  <a:schemeClr val="accent1"/>
-                </a:solidFill>
-              </a14:hiddenFill>
-            </a:ext>
-            <a:ext uri="{91240B29-F687-4F45-9708-019B960494DF}">
-              <a14:hiddenLine xmlns:a14="http://schemas.microsoft.com/office/drawing/2010/main" w="9525">
-                <a:solidFill>
-                  <a:schemeClr val="tx1"/>
-                </a:solidFill>
-                <a:miter lim="800000"/>
-                <a:headEnd/>
-                <a:tailEnd/>
-              </a14:hiddenLine>
-            </a:ext>
-          </a:extLst>
-        </p:spPr>
-      </p:pic>
-    </p:spTree>
-    <p:extLst>
-      <p:ext uri="{BB962C8B-B14F-4D97-AF65-F5344CB8AC3E}">
-        <p14:creationId xmlns:p14="http://schemas.microsoft.com/office/powerpoint/2010/main" val="3394291399"/>
-      </p:ext>
-    </p:extLst>
-  </p:cSld>
-  <p:clrMapOvr>
-    <a:masterClrMapping/>
-  </p:clrMapOvr>
-  <p:timing>
-    <p:tnLst>
-      <p:par>
-        <p:cTn id="1" dur="indefinite" restart="never" nodeType="tmRoot"/>
-      </p:par>
-    </p:tnLst>
-  </p:timing>
-</p:sld>
-</file>
-
-<file path=ppt/slides/slide15.xml><?xml version="1.0" encoding="utf-8"?>
-<p:sld xmlns:a="http://schemas.openxmlformats.org/drawingml/2006/main" xmlns:r="http://schemas.openxmlformats.org/officeDocument/2006/relationships" xmlns:p="http://schemas.openxmlformats.org/presentationml/2006/main">
-  <p:cSld>
-    <p:spTree>
-      <p:nvGrpSpPr>
-        <p:cNvPr id="1" name=""/>
-        <p:cNvGrpSpPr/>
-        <p:nvPr/>
-      </p:nvGrpSpPr>
-      <p:grpSpPr>
-        <a:xfrm>
-          <a:off x="0" y="0"/>
-          <a:ext cx="0" cy="0"/>
-          <a:chOff x="0" y="0"/>
-          <a:chExt cx="0" cy="0"/>
-        </a:xfrm>
-      </p:grpSpPr>
-      <p:sp>
-        <p:nvSpPr>
-          <p:cNvPr id="2" name="Title 1"/>
-          <p:cNvSpPr>
-            <a:spLocks noGrp="1"/>
-          </p:cNvSpPr>
-          <p:nvPr>
-            <p:ph type="title"/>
-          </p:nvPr>
-        </p:nvSpPr>
-        <p:spPr/>
-        <p:txBody>
-          <a:bodyPr/>
-          <a:lstStyle/>
-          <a:p>
-            <a:r>
-              <a:rPr lang="en-US" dirty="0" smtClean="0"/>
-              <a:t>Communication Architecture</a:t>
-            </a:r>
-            <a:endParaRPr lang="en-US" dirty="0"/>
-          </a:p>
-        </p:txBody>
-      </p:sp>
-      <p:sp>
-        <p:nvSpPr>
-          <p:cNvPr id="3" name="Content Placeholder 2"/>
-          <p:cNvSpPr>
-            <a:spLocks noGrp="1"/>
-          </p:cNvSpPr>
-          <p:nvPr>
-            <p:ph idx="1"/>
-          </p:nvPr>
-        </p:nvSpPr>
-        <p:spPr/>
-        <p:txBody>
-          <a:bodyPr/>
-          <a:lstStyle/>
-          <a:p>
-            <a:r>
-              <a:rPr lang="en-US" dirty="0" smtClean="0"/>
-              <a:t>Communication </a:t>
-            </a:r>
-            <a:r>
-              <a:rPr lang="en-US" dirty="0"/>
-              <a:t>between the different components of the software </a:t>
-            </a:r>
-            <a:r>
-              <a:rPr lang="en-US" dirty="0" smtClean="0"/>
-              <a:t>system (Model, View, and Controller)</a:t>
-            </a:r>
-          </a:p>
-          <a:p>
-            <a:pPr lvl="1"/>
-            <a:r>
-              <a:rPr lang="en-US" sz="2200" dirty="0" smtClean="0"/>
-              <a:t>C</a:t>
-            </a:r>
-            <a:r>
-              <a:rPr lang="en-US" sz="2200" dirty="0"/>
-              <a:t># controller contains a C# model object which it queries for </a:t>
-            </a:r>
-            <a:r>
-              <a:rPr lang="en-US" sz="2200" dirty="0" smtClean="0"/>
-              <a:t>data</a:t>
-            </a:r>
-            <a:endParaRPr lang="en-US" sz="2200" dirty="0"/>
-          </a:p>
-          <a:p>
-            <a:pPr lvl="1"/>
-            <a:r>
-              <a:rPr lang="en-US" sz="2200" dirty="0" smtClean="0"/>
-              <a:t>Data </a:t>
-            </a:r>
-            <a:r>
-              <a:rPr lang="en-US" sz="2200" dirty="0"/>
-              <a:t>is then passed to the .CSHTML view, where it is rendered for the user to </a:t>
-            </a:r>
-            <a:r>
-              <a:rPr lang="en-US" sz="2200" dirty="0" smtClean="0"/>
-              <a:t>view  </a:t>
-            </a:r>
-          </a:p>
-          <a:p>
-            <a:pPr lvl="1"/>
-            <a:r>
-              <a:rPr lang="en-US" sz="2200" dirty="0" smtClean="0"/>
-              <a:t>Communication </a:t>
-            </a:r>
-            <a:r>
-              <a:rPr lang="en-US" sz="2200" dirty="0"/>
-              <a:t>between each of these components is handled via the .NET </a:t>
-            </a:r>
-            <a:r>
-              <a:rPr lang="en-US" sz="2200" dirty="0" smtClean="0"/>
-              <a:t>framework</a:t>
-            </a:r>
-            <a:endParaRPr lang="en-US" sz="2200" dirty="0"/>
-          </a:p>
-          <a:p>
-            <a:r>
-              <a:rPr lang="en-US" dirty="0" smtClean="0"/>
-              <a:t>Communication </a:t>
-            </a:r>
-            <a:r>
-              <a:rPr lang="en-US" dirty="0"/>
-              <a:t>between the running application on the user’s device and the Computech </a:t>
-            </a:r>
-            <a:r>
-              <a:rPr lang="en-US" dirty="0" smtClean="0"/>
-              <a:t>server</a:t>
-            </a:r>
-          </a:p>
-          <a:p>
-            <a:pPr lvl="1"/>
-            <a:r>
-              <a:rPr lang="en-US" sz="2200" dirty="0" smtClean="0"/>
-              <a:t>GET </a:t>
-            </a:r>
-            <a:r>
-              <a:rPr lang="en-US" sz="2200" dirty="0"/>
-              <a:t>(in the case of requesting a web page) and POST (in the case of submitting a form) requests from the user or </a:t>
-            </a:r>
-            <a:r>
-              <a:rPr lang="en-US" sz="2200" dirty="0" smtClean="0"/>
-              <a:t>admin</a:t>
-            </a:r>
-          </a:p>
-          <a:p>
-            <a:endParaRPr lang="en-US" dirty="0"/>
-          </a:p>
-        </p:txBody>
-      </p:sp>
-    </p:spTree>
-    <p:extLst>
-      <p:ext uri="{BB962C8B-B14F-4D97-AF65-F5344CB8AC3E}">
-        <p14:creationId xmlns:p14="http://schemas.microsoft.com/office/powerpoint/2010/main" val="42402608"/>
-      </p:ext>
-    </p:extLst>
-  </p:cSld>
-  <p:clrMapOvr>
-    <a:masterClrMapping/>
-  </p:clrMapOvr>
-  <p:timing>
-    <p:tnLst>
-      <p:par>
-        <p:cTn id="1" dur="indefinite" restart="never" nodeType="tmRoot"/>
-      </p:par>
-    </p:tnLst>
-  </p:timing>
-</p:sld>
-</file>
-
 <file path=ppt/slides/slide16.xml><?xml version="1.0" encoding="utf-8"?>
 <p:sld xmlns:a="http://schemas.openxmlformats.org/drawingml/2006/main" xmlns:r="http://schemas.openxmlformats.org/officeDocument/2006/relationships" xmlns:p="http://schemas.openxmlformats.org/presentationml/2006/main">
   <p:cSld>
@@ -5086,62 +5144,133 @@
             <p:ph type="title"/>
           </p:nvPr>
         </p:nvSpPr>
+        <p:spPr/>
+        <p:txBody>
+          <a:bodyPr/>
+          <a:lstStyle/>
+          <a:p>
+            <a:r>
+              <a:rPr lang="en-US" dirty="0" smtClean="0"/>
+              <a:t>How </a:t>
+            </a:r>
+            <a:r>
+              <a:rPr lang="en-US" smtClean="0"/>
+              <a:t>SSL </a:t>
+            </a:r>
+            <a:r>
+              <a:rPr lang="en-US"/>
+              <a:t>W</a:t>
+            </a:r>
+            <a:r>
+              <a:rPr lang="en-US" smtClean="0"/>
+              <a:t>orks</a:t>
+            </a:r>
+            <a:endParaRPr lang="en-US" dirty="0"/>
+          </a:p>
+        </p:txBody>
+      </p:sp>
+      <p:pic>
+        <p:nvPicPr>
+          <p:cNvPr id="9218" name="Picture 2"/>
+          <p:cNvPicPr>
+            <a:picLocks noGrp="1" noChangeAspect="1" noChangeArrowheads="1"/>
+          </p:cNvPicPr>
+          <p:nvPr>
+            <p:ph idx="1"/>
+          </p:nvPr>
+        </p:nvPicPr>
+        <p:blipFill>
+          <a:blip r:embed="rId3">
+            <a:extLst>
+              <a:ext uri="{28A0092B-C50C-407E-A947-70E740481C1C}">
+                <a14:useLocalDpi xmlns:a14="http://schemas.microsoft.com/office/drawing/2010/main" val="0"/>
+              </a:ext>
+            </a:extLst>
+          </a:blip>
+          <a:srcRect/>
+          <a:stretch>
+            <a:fillRect/>
+          </a:stretch>
+        </p:blipFill>
+        <p:spPr bwMode="auto">
+          <a:xfrm>
+            <a:off x="1143001" y="1295399"/>
+            <a:ext cx="6163466" cy="5050353"/>
+          </a:xfrm>
+          <a:prstGeom prst="rect">
+            <a:avLst/>
+          </a:prstGeom>
+          <a:noFill/>
+          <a:ln>
+            <a:noFill/>
+          </a:ln>
+          <a:extLst>
+            <a:ext uri="{909E8E84-426E-40DD-AFC4-6F175D3DCCD1}">
+              <a14:hiddenFill xmlns:a14="http://schemas.microsoft.com/office/drawing/2010/main">
+                <a:solidFill>
+                  <a:schemeClr val="accent1"/>
+                </a:solidFill>
+              </a14:hiddenFill>
+            </a:ext>
+            <a:ext uri="{91240B29-F687-4F45-9708-019B960494DF}">
+              <a14:hiddenLine xmlns:a14="http://schemas.microsoft.com/office/drawing/2010/main" w="9525">
+                <a:solidFill>
+                  <a:schemeClr val="tx1"/>
+                </a:solidFill>
+                <a:miter lim="800000"/>
+                <a:headEnd/>
+                <a:tailEnd/>
+              </a14:hiddenLine>
+            </a:ext>
+          </a:extLst>
+        </p:spPr>
+      </p:pic>
+      <p:sp>
+        <p:nvSpPr>
+          <p:cNvPr id="3" name="TextBox 2"/>
+          <p:cNvSpPr txBox="1"/>
+          <p:nvPr/>
+        </p:nvSpPr>
         <p:spPr>
           <a:xfrm>
-            <a:off x="533400" y="2514600"/>
-            <a:ext cx="7659687" cy="1168400"/>
+            <a:off x="3124200" y="6019799"/>
+            <a:ext cx="4953000" cy="307777"/>
           </a:xfrm>
+          <a:prstGeom prst="rect">
+            <a:avLst/>
+          </a:prstGeom>
+          <a:noFill/>
         </p:spPr>
         <p:txBody>
-          <a:bodyPr/>
-          <a:lstStyle/>
-          <a:p>
-            <a:r>
-              <a:rPr lang="en-US" b="1" smtClean="0"/>
-              <a:t>system  Design</a:t>
-            </a:r>
-            <a:endParaRPr lang="en-US" b="1"/>
-          </a:p>
-        </p:txBody>
-      </p:sp>
-      <p:sp>
-        <p:nvSpPr>
-          <p:cNvPr id="3" name="Text Placeholder 2"/>
-          <p:cNvSpPr>
-            <a:spLocks noGrp="1"/>
-          </p:cNvSpPr>
-          <p:nvPr>
-            <p:ph type="body" idx="1"/>
-          </p:nvPr>
-        </p:nvSpPr>
-        <p:spPr>
-          <a:xfrm>
-            <a:off x="533400" y="838200"/>
-            <a:ext cx="6135687" cy="1633538"/>
-          </a:xfrm>
-        </p:spPr>
-        <p:txBody>
-          <a:bodyPr>
-            <a:normAutofit/>
+          <a:bodyPr wrap="square" rtlCol="0">
+            <a:spAutoFit/>
           </a:bodyPr>
           <a:lstStyle/>
           <a:p>
             <a:r>
-              <a:rPr lang="en-US" sz="4000"/>
-              <a:t>4</a:t>
-            </a:r>
-            <a:r>
-              <a:rPr lang="en-US" sz="4000" smtClean="0"/>
-              <a:t>.</a:t>
-            </a:r>
-            <a:endParaRPr lang="en-US" sz="4000"/>
+              <a:rPr lang="en-US" sz="1400" smtClean="0"/>
+              <a:t>Source: </a:t>
+            </a:r>
+            <a:r>
+              <a:rPr lang="en-US" sz="1400"/>
+              <a:t>https</a:t>
+            </a:r>
+            <a:r>
+              <a:rPr lang="en-US" sz="1400"/>
+              <a:t>://</a:t>
+            </a:r>
+            <a:r>
+              <a:rPr lang="en-US" sz="1400" smtClean="0"/>
+              <a:t>www.evsslcertificate.com/ssl/description-ssl.html </a:t>
+            </a:r>
+            <a:endParaRPr lang="en-US" sz="1400"/>
           </a:p>
         </p:txBody>
       </p:sp>
     </p:spTree>
     <p:extLst>
       <p:ext uri="{BB962C8B-B14F-4D97-AF65-F5344CB8AC3E}">
-        <p14:creationId xmlns:p14="http://schemas.microsoft.com/office/powerpoint/2010/main" val="1044335434"/>
+        <p14:creationId xmlns:p14="http://schemas.microsoft.com/office/powerpoint/2010/main" val="3394291399"/>
       </p:ext>
     </p:extLst>
   </p:cSld>
@@ -5192,7 +5321,7 @@
           <a:p>
             <a:r>
               <a:rPr lang="en-US" dirty="0" smtClean="0"/>
-              <a:t>System Design</a:t>
+              <a:t>Communication Architecture</a:t>
             </a:r>
             <a:endParaRPr lang="en-US" dirty="0"/>
           </a:p>
@@ -5208,554 +5337,123 @@
             <p:ph idx="1"/>
           </p:nvPr>
         </p:nvSpPr>
-        <p:spPr/>
-        <p:txBody>
-          <a:bodyPr>
-            <a:normAutofit/>
-          </a:bodyPr>
+        <p:spPr>
+          <a:xfrm>
+            <a:off x="457200" y="1295400"/>
+            <a:ext cx="7620000" cy="5105400"/>
+          </a:xfrm>
+        </p:spPr>
+        <p:txBody>
+          <a:bodyPr/>
           <a:lstStyle/>
           <a:p>
             <a:r>
-              <a:rPr lang="en-US" sz="3000" dirty="0" smtClean="0">
-                <a:latin typeface="+mj-lt"/>
-              </a:rPr>
-              <a:t>Use Cases</a:t>
-            </a:r>
-            <a:endParaRPr lang="en-US" sz="3000" dirty="0" smtClean="0">
-              <a:latin typeface="+mj-lt"/>
-            </a:endParaRPr>
+              <a:rPr lang="en-US" sz="2400" b="1" dirty="0" smtClean="0"/>
+              <a:t>Communication </a:t>
+            </a:r>
+            <a:r>
+              <a:rPr lang="en-US" sz="2400" b="1" dirty="0"/>
+              <a:t>between the different components of the software </a:t>
+            </a:r>
+            <a:r>
+              <a:rPr lang="en-US" sz="2400" b="1" dirty="0" smtClean="0"/>
+              <a:t>system (Model, View, and Controller)</a:t>
+            </a:r>
           </a:p>
           <a:p>
             <a:pPr lvl="1"/>
             <a:r>
               <a:rPr lang="en-US" sz="2200" dirty="0" smtClean="0"/>
-              <a:t>Actors:</a:t>
-            </a:r>
-          </a:p>
-          <a:p>
-            <a:pPr lvl="2"/>
-            <a:r>
-              <a:rPr lang="en-US" sz="2000" dirty="0" smtClean="0"/>
-              <a:t>Users  (Job seekers)</a:t>
-            </a:r>
-          </a:p>
-          <a:p>
-            <a:pPr lvl="2"/>
-            <a:endParaRPr lang="en-US" sz="2000" dirty="0"/>
-          </a:p>
-          <a:p>
-            <a:pPr lvl="2"/>
-            <a:endParaRPr lang="en-US" sz="2000" dirty="0" smtClean="0"/>
-          </a:p>
-          <a:p>
-            <a:pPr lvl="2"/>
-            <a:endParaRPr lang="en-US" sz="2000" dirty="0"/>
-          </a:p>
-          <a:p>
-            <a:pPr lvl="2"/>
-            <a:endParaRPr lang="en-US" sz="2000" dirty="0" smtClean="0"/>
-          </a:p>
-          <a:p>
-            <a:pPr lvl="2"/>
-            <a:endParaRPr lang="en-US" sz="2000" dirty="0"/>
-          </a:p>
-          <a:p>
-            <a:pPr lvl="2"/>
-            <a:endParaRPr lang="en-US" sz="2000" dirty="0" smtClean="0"/>
-          </a:p>
-          <a:p>
-            <a:pPr lvl="2"/>
-            <a:r>
-              <a:rPr lang="en-US" sz="2000" dirty="0" smtClean="0"/>
-              <a:t>Admin </a:t>
-            </a:r>
-          </a:p>
-          <a:p>
-            <a:pPr lvl="2"/>
-            <a:endParaRPr lang="en-US" sz="2000" dirty="0" smtClean="0"/>
-          </a:p>
-          <a:p>
-            <a:pPr lvl="3"/>
-            <a:endParaRPr lang="en-US" dirty="0" smtClean="0"/>
-          </a:p>
-        </p:txBody>
-      </p:sp>
-      <p:graphicFrame>
-        <p:nvGraphicFramePr>
-          <p:cNvPr id="4" name="Table 3"/>
-          <p:cNvGraphicFramePr>
-            <a:graphicFrameLocks noGrp="1"/>
-          </p:cNvGraphicFramePr>
-          <p:nvPr>
-            <p:extLst>
-              <p:ext uri="{D42A27DB-BD31-4B8C-83A1-F6EECF244321}">
-                <p14:modId xmlns:p14="http://schemas.microsoft.com/office/powerpoint/2010/main" val="2145423217"/>
-              </p:ext>
-            </p:extLst>
-          </p:nvPr>
-        </p:nvGraphicFramePr>
-        <p:xfrm>
-          <a:off x="1219200" y="2971800"/>
-          <a:ext cx="6096000" cy="1854200"/>
-        </p:xfrm>
-        <a:graphic>
-          <a:graphicData uri="http://schemas.openxmlformats.org/drawingml/2006/table">
-            <a:tbl>
-              <a:tblPr firstRow="1" bandRow="1">
-                <a:tableStyleId>{5C22544A-7EE6-4342-B048-85BDC9FD1C3A}</a:tableStyleId>
-              </a:tblPr>
-              <a:tblGrid>
-                <a:gridCol w="3048000"/>
-                <a:gridCol w="3048000"/>
-              </a:tblGrid>
-              <a:tr h="370840">
-                <a:tc>
-                  <a:txBody>
-                    <a:bodyPr/>
-                    <a:lstStyle/>
-                    <a:p>
-                      <a:pPr algn="ctr"/>
-                      <a:r>
-                        <a:rPr lang="en-US" b="1" dirty="0" smtClean="0">
-                          <a:solidFill>
-                            <a:schemeClr val="tx1"/>
-                          </a:solidFill>
-                        </a:rPr>
-                        <a:t>Search</a:t>
-                      </a:r>
-                      <a:r>
-                        <a:rPr lang="en-US" b="1" baseline="0" dirty="0" smtClean="0">
-                          <a:solidFill>
-                            <a:schemeClr val="tx1"/>
-                          </a:solidFill>
-                        </a:rPr>
-                        <a:t> Jobs</a:t>
-                      </a:r>
-                      <a:endParaRPr lang="en-US" b="1" dirty="0">
-                        <a:solidFill>
-                          <a:schemeClr val="tx1"/>
-                        </a:solidFill>
-                      </a:endParaRPr>
-                    </a:p>
-                  </a:txBody>
-                  <a:tcPr>
-                    <a:solidFill>
-                      <a:schemeClr val="bg1"/>
-                    </a:solidFill>
-                  </a:tcPr>
-                </a:tc>
-                <a:tc>
-                  <a:txBody>
-                    <a:bodyPr/>
-                    <a:lstStyle/>
-                    <a:p>
-                      <a:pPr algn="ctr"/>
-                      <a:r>
-                        <a:rPr lang="en-US" b="1" dirty="0" smtClean="0">
-                          <a:solidFill>
-                            <a:schemeClr val="tx1"/>
-                          </a:solidFill>
-                        </a:rPr>
-                        <a:t>Forgot Password</a:t>
-                      </a:r>
-                      <a:endParaRPr lang="en-US" b="1" dirty="0">
-                        <a:solidFill>
-                          <a:schemeClr val="tx1"/>
-                        </a:solidFill>
-                      </a:endParaRPr>
-                    </a:p>
-                  </a:txBody>
-                  <a:tcPr>
-                    <a:solidFill>
-                      <a:schemeClr val="bg1"/>
-                    </a:solidFill>
-                  </a:tcPr>
-                </a:tc>
-              </a:tr>
-              <a:tr h="370840">
-                <a:tc>
-                  <a:txBody>
-                    <a:bodyPr/>
-                    <a:lstStyle/>
-                    <a:p>
-                      <a:pPr algn="ctr"/>
-                      <a:r>
-                        <a:rPr lang="en-US" b="1" dirty="0" smtClean="0">
-                          <a:solidFill>
-                            <a:schemeClr val="tx1"/>
-                          </a:solidFill>
-                        </a:rPr>
-                        <a:t>Register</a:t>
-                      </a:r>
-                      <a:endParaRPr lang="en-US" b="1" dirty="0">
-                        <a:solidFill>
-                          <a:schemeClr val="tx1"/>
-                        </a:solidFill>
-                      </a:endParaRPr>
-                    </a:p>
-                  </a:txBody>
-                  <a:tcPr>
-                    <a:solidFill>
-                      <a:schemeClr val="bg1"/>
-                    </a:solidFill>
-                  </a:tcPr>
-                </a:tc>
-                <a:tc>
-                  <a:txBody>
-                    <a:bodyPr/>
-                    <a:lstStyle/>
-                    <a:p>
-                      <a:pPr algn="ctr"/>
-                      <a:r>
-                        <a:rPr lang="en-US" b="1" dirty="0" smtClean="0">
-                          <a:solidFill>
-                            <a:schemeClr val="tx1"/>
-                          </a:solidFill>
-                        </a:rPr>
-                        <a:t>Change Password</a:t>
-                      </a:r>
-                      <a:endParaRPr lang="en-US" b="1" dirty="0">
-                        <a:solidFill>
-                          <a:schemeClr val="tx1"/>
-                        </a:solidFill>
-                      </a:endParaRPr>
-                    </a:p>
-                  </a:txBody>
-                  <a:tcPr>
-                    <a:solidFill>
-                      <a:schemeClr val="bg1"/>
-                    </a:solidFill>
-                  </a:tcPr>
-                </a:tc>
-              </a:tr>
-              <a:tr h="370840">
-                <a:tc>
-                  <a:txBody>
-                    <a:bodyPr/>
-                    <a:lstStyle/>
-                    <a:p>
-                      <a:pPr algn="ctr"/>
-                      <a:r>
-                        <a:rPr lang="en-US" b="1" dirty="0" smtClean="0">
-                          <a:solidFill>
-                            <a:schemeClr val="tx1"/>
-                          </a:solidFill>
-                        </a:rPr>
-                        <a:t>Email Verification</a:t>
-                      </a:r>
-                      <a:endParaRPr lang="en-US" b="1" dirty="0">
-                        <a:solidFill>
-                          <a:schemeClr val="tx1"/>
-                        </a:solidFill>
-                      </a:endParaRPr>
-                    </a:p>
-                  </a:txBody>
-                  <a:tcPr>
-                    <a:solidFill>
-                      <a:schemeClr val="bg1"/>
-                    </a:solidFill>
-                  </a:tcPr>
-                </a:tc>
-                <a:tc>
-                  <a:txBody>
-                    <a:bodyPr/>
-                    <a:lstStyle/>
-                    <a:p>
-                      <a:pPr algn="ctr"/>
-                      <a:r>
-                        <a:rPr lang="en-US" b="1" dirty="0" smtClean="0">
-                          <a:solidFill>
-                            <a:schemeClr val="tx1"/>
-                          </a:solidFill>
-                        </a:rPr>
-                        <a:t>Profile Information</a:t>
-                      </a:r>
-                      <a:endParaRPr lang="en-US" b="1" dirty="0">
-                        <a:solidFill>
-                          <a:schemeClr val="tx1"/>
-                        </a:solidFill>
-                      </a:endParaRPr>
-                    </a:p>
-                  </a:txBody>
-                  <a:tcPr>
-                    <a:solidFill>
-                      <a:schemeClr val="bg1"/>
-                    </a:solidFill>
-                  </a:tcPr>
-                </a:tc>
-              </a:tr>
-              <a:tr h="370840">
-                <a:tc>
-                  <a:txBody>
-                    <a:bodyPr/>
-                    <a:lstStyle/>
-                    <a:p>
-                      <a:pPr algn="ctr"/>
-                      <a:r>
-                        <a:rPr lang="en-US" b="1" dirty="0" smtClean="0">
-                          <a:solidFill>
-                            <a:schemeClr val="tx1"/>
-                          </a:solidFill>
-                        </a:rPr>
-                        <a:t>Login</a:t>
-                      </a:r>
-                      <a:endParaRPr lang="en-US" b="1" dirty="0">
-                        <a:solidFill>
-                          <a:schemeClr val="tx1"/>
-                        </a:solidFill>
-                      </a:endParaRPr>
-                    </a:p>
-                  </a:txBody>
-                  <a:tcPr>
-                    <a:solidFill>
-                      <a:schemeClr val="bg1"/>
-                    </a:solidFill>
-                  </a:tcPr>
-                </a:tc>
-                <a:tc>
-                  <a:txBody>
-                    <a:bodyPr/>
-                    <a:lstStyle/>
-                    <a:p>
-                      <a:pPr algn="ctr"/>
-                      <a:r>
-                        <a:rPr lang="en-US" b="1" dirty="0" smtClean="0">
-                          <a:solidFill>
-                            <a:schemeClr val="tx1"/>
-                          </a:solidFill>
-                        </a:rPr>
-                        <a:t>Filter Jobs</a:t>
-                      </a:r>
-                      <a:endParaRPr lang="en-US" b="1" dirty="0">
-                        <a:solidFill>
-                          <a:schemeClr val="tx1"/>
-                        </a:solidFill>
-                      </a:endParaRPr>
-                    </a:p>
-                  </a:txBody>
-                  <a:tcPr>
-                    <a:solidFill>
-                      <a:schemeClr val="bg1"/>
-                    </a:solidFill>
-                  </a:tcPr>
-                </a:tc>
-              </a:tr>
-              <a:tr h="370840">
-                <a:tc>
-                  <a:txBody>
-                    <a:bodyPr/>
-                    <a:lstStyle/>
-                    <a:p>
-                      <a:pPr algn="ctr"/>
-                      <a:r>
-                        <a:rPr lang="en-US" b="1" dirty="0" smtClean="0">
-                          <a:solidFill>
-                            <a:schemeClr val="tx1"/>
-                          </a:solidFill>
-                        </a:rPr>
-                        <a:t>Apply</a:t>
-                      </a:r>
-                      <a:endParaRPr lang="en-US" b="1" dirty="0">
-                        <a:solidFill>
-                          <a:schemeClr val="tx1"/>
-                        </a:solidFill>
-                      </a:endParaRPr>
-                    </a:p>
-                  </a:txBody>
-                  <a:tcPr>
-                    <a:solidFill>
-                      <a:schemeClr val="bg1"/>
-                    </a:solidFill>
-                  </a:tcPr>
-                </a:tc>
-                <a:tc>
-                  <a:txBody>
-                    <a:bodyPr/>
-                    <a:lstStyle/>
-                    <a:p>
-                      <a:pPr algn="ctr"/>
-                      <a:r>
-                        <a:rPr lang="en-US" b="1" dirty="0" smtClean="0">
-                          <a:solidFill>
-                            <a:schemeClr val="tx1"/>
-                          </a:solidFill>
-                        </a:rPr>
-                        <a:t>Upload</a:t>
-                      </a:r>
-                      <a:r>
-                        <a:rPr lang="en-US" b="1" baseline="0" dirty="0" smtClean="0">
-                          <a:solidFill>
-                            <a:schemeClr val="tx1"/>
-                          </a:solidFill>
-                        </a:rPr>
-                        <a:t> Resume</a:t>
-                      </a:r>
-                      <a:endParaRPr lang="en-US" b="1" dirty="0">
-                        <a:solidFill>
-                          <a:schemeClr val="tx1"/>
-                        </a:solidFill>
-                      </a:endParaRPr>
-                    </a:p>
-                  </a:txBody>
-                  <a:tcPr>
-                    <a:solidFill>
-                      <a:schemeClr val="bg1"/>
-                    </a:solidFill>
-                  </a:tcPr>
-                </a:tc>
-              </a:tr>
-            </a:tbl>
-          </a:graphicData>
-        </a:graphic>
-      </p:graphicFrame>
-      <p:graphicFrame>
-        <p:nvGraphicFramePr>
-          <p:cNvPr id="5" name="Table 4"/>
-          <p:cNvGraphicFramePr>
-            <a:graphicFrameLocks noGrp="1"/>
-          </p:cNvGraphicFramePr>
-          <p:nvPr>
-            <p:extLst>
-              <p:ext uri="{D42A27DB-BD31-4B8C-83A1-F6EECF244321}">
-                <p14:modId xmlns:p14="http://schemas.microsoft.com/office/powerpoint/2010/main" val="2508830691"/>
-              </p:ext>
-            </p:extLst>
-          </p:nvPr>
-        </p:nvGraphicFramePr>
-        <p:xfrm>
-          <a:off x="1447800" y="5562600"/>
-          <a:ext cx="6096000" cy="741680"/>
-        </p:xfrm>
-        <a:graphic>
-          <a:graphicData uri="http://schemas.openxmlformats.org/drawingml/2006/table">
-            <a:tbl>
-              <a:tblPr firstRow="1" bandRow="1">
-                <a:tableStyleId>{5C22544A-7EE6-4342-B048-85BDC9FD1C3A}</a:tableStyleId>
-              </a:tblPr>
-              <a:tblGrid>
-                <a:gridCol w="3048000"/>
-                <a:gridCol w="3048000"/>
-              </a:tblGrid>
-              <a:tr h="370840">
-                <a:tc>
-                  <a:txBody>
-                    <a:bodyPr/>
-                    <a:lstStyle/>
-                    <a:p>
-                      <a:pPr algn="ctr"/>
-                      <a:r>
-                        <a:rPr lang="en-US" b="1" dirty="0" smtClean="0">
-                          <a:solidFill>
-                            <a:schemeClr val="tx1"/>
-                          </a:solidFill>
-                        </a:rPr>
-                        <a:t>Login</a:t>
-                      </a:r>
-                      <a:endParaRPr lang="en-US" b="1" dirty="0">
-                        <a:solidFill>
-                          <a:schemeClr val="tx1"/>
-                        </a:solidFill>
-                      </a:endParaRPr>
-                    </a:p>
-                  </a:txBody>
-                  <a:tcPr>
-                    <a:solidFill>
-                      <a:schemeClr val="bg1"/>
-                    </a:solidFill>
-                  </a:tcPr>
-                </a:tc>
-                <a:tc>
-                  <a:txBody>
-                    <a:bodyPr/>
-                    <a:lstStyle/>
-                    <a:p>
-                      <a:pPr algn="ctr"/>
-                      <a:r>
-                        <a:rPr lang="en-US" b="1" dirty="0" smtClean="0">
-                          <a:solidFill>
-                            <a:schemeClr val="tx1"/>
-                          </a:solidFill>
-                        </a:rPr>
-                        <a:t>Search Users</a:t>
-                      </a:r>
-                      <a:endParaRPr lang="en-US" b="1" dirty="0">
-                        <a:solidFill>
-                          <a:schemeClr val="tx1"/>
-                        </a:solidFill>
-                      </a:endParaRPr>
-                    </a:p>
-                  </a:txBody>
-                  <a:tcPr>
-                    <a:solidFill>
-                      <a:schemeClr val="bg1"/>
-                    </a:solidFill>
-                  </a:tcPr>
-                </a:tc>
-              </a:tr>
-              <a:tr h="370840">
-                <a:tc>
-                  <a:txBody>
-                    <a:bodyPr/>
-                    <a:lstStyle/>
-                    <a:p>
-                      <a:pPr algn="ctr"/>
-                      <a:r>
-                        <a:rPr lang="en-US" b="1" dirty="0" smtClean="0">
-                          <a:solidFill>
-                            <a:schemeClr val="tx1"/>
-                          </a:solidFill>
-                        </a:rPr>
-                        <a:t>Deactivate Users</a:t>
-                      </a:r>
-                      <a:endParaRPr lang="en-US" b="1" dirty="0">
-                        <a:solidFill>
-                          <a:schemeClr val="tx1"/>
-                        </a:solidFill>
-                      </a:endParaRPr>
-                    </a:p>
-                  </a:txBody>
-                  <a:tcPr>
-                    <a:solidFill>
-                      <a:schemeClr val="bg1"/>
-                    </a:solidFill>
-                  </a:tcPr>
-                </a:tc>
-                <a:tc>
-                  <a:txBody>
-                    <a:bodyPr/>
-                    <a:lstStyle/>
-                    <a:p>
-                      <a:pPr algn="ctr"/>
-                      <a:r>
-                        <a:rPr lang="en-US" b="1" dirty="0" smtClean="0">
-                          <a:solidFill>
-                            <a:schemeClr val="tx1"/>
-                          </a:solidFill>
-                        </a:rPr>
-                        <a:t>Delete Users</a:t>
-                      </a:r>
-                      <a:endParaRPr lang="en-US" b="1" dirty="0">
-                        <a:solidFill>
-                          <a:schemeClr val="tx1"/>
-                        </a:solidFill>
-                      </a:endParaRPr>
-                    </a:p>
-                  </a:txBody>
-                  <a:tcPr>
-                    <a:solidFill>
-                      <a:schemeClr val="bg1"/>
-                    </a:solidFill>
-                  </a:tcPr>
-                </a:tc>
-              </a:tr>
-            </a:tbl>
-          </a:graphicData>
-        </a:graphic>
-      </p:graphicFrame>
+              <a:t>C</a:t>
+            </a:r>
+            <a:r>
+              <a:rPr lang="en-US" sz="2200" dirty="0"/>
+              <a:t># controller contains a C# model object which it queries for </a:t>
+            </a:r>
+            <a:r>
+              <a:rPr lang="en-US" sz="2200" dirty="0" smtClean="0"/>
+              <a:t>data</a:t>
+            </a:r>
+            <a:endParaRPr lang="en-US" sz="2200" dirty="0"/>
+          </a:p>
+          <a:p>
+            <a:pPr lvl="1"/>
+            <a:r>
+              <a:rPr lang="en-US" sz="2200" dirty="0" smtClean="0"/>
+              <a:t>Data </a:t>
+            </a:r>
+            <a:r>
+              <a:rPr lang="en-US" sz="2200" dirty="0"/>
+              <a:t>is then passed to the .CSHTML view, where it is rendered for the user to </a:t>
+            </a:r>
+            <a:r>
+              <a:rPr lang="en-US" sz="2200" dirty="0" smtClean="0"/>
+              <a:t>view  </a:t>
+            </a:r>
+          </a:p>
+          <a:p>
+            <a:pPr lvl="1"/>
+            <a:r>
+              <a:rPr lang="en-US" sz="2200" dirty="0" smtClean="0"/>
+              <a:t>Communication </a:t>
+            </a:r>
+            <a:r>
+              <a:rPr lang="en-US" sz="2200" dirty="0"/>
+              <a:t>between each of these components is handled via the .</a:t>
+            </a:r>
+            <a:r>
+              <a:rPr lang="en-US" sz="2200"/>
+              <a:t>NET </a:t>
+            </a:r>
+            <a:r>
+              <a:rPr lang="en-US" sz="2200" smtClean="0"/>
+              <a:t>framework</a:t>
+            </a:r>
+          </a:p>
+          <a:p>
+            <a:pPr marL="411480" lvl="1" indent="0">
+              <a:buNone/>
+            </a:pPr>
+            <a:endParaRPr lang="en-US" sz="2200" dirty="0"/>
+          </a:p>
+          <a:p>
+            <a:r>
+              <a:rPr lang="en-US" sz="2400" b="1" dirty="0" smtClean="0"/>
+              <a:t>Communication </a:t>
+            </a:r>
+            <a:r>
+              <a:rPr lang="en-US" sz="2400" b="1" dirty="0"/>
+              <a:t>between the running application on the user’s device and the Computech </a:t>
+            </a:r>
+            <a:r>
+              <a:rPr lang="en-US" sz="2400" b="1" dirty="0" smtClean="0"/>
+              <a:t>server</a:t>
+            </a:r>
+          </a:p>
+          <a:p>
+            <a:pPr lvl="1"/>
+            <a:r>
+              <a:rPr lang="en-US" sz="2200" dirty="0" smtClean="0"/>
+              <a:t>GET </a:t>
+            </a:r>
+            <a:r>
+              <a:rPr lang="en-US" sz="2200" dirty="0"/>
+              <a:t>(in the case of requesting a web page) and POST (in the case of submitting a form) requests from the user or </a:t>
+            </a:r>
+            <a:r>
+              <a:rPr lang="en-US" sz="2200" dirty="0" smtClean="0"/>
+              <a:t>admin</a:t>
+            </a:r>
+          </a:p>
+          <a:p>
+            <a:endParaRPr lang="en-US" dirty="0"/>
+          </a:p>
+        </p:txBody>
+      </p:sp>
     </p:spTree>
     <p:extLst>
       <p:ext uri="{BB962C8B-B14F-4D97-AF65-F5344CB8AC3E}">
-        <p14:creationId xmlns:p14="http://schemas.microsoft.com/office/powerpoint/2010/main" val="774958134"/>
+        <p14:creationId xmlns:p14="http://schemas.microsoft.com/office/powerpoint/2010/main" val="42402608"/>
       </p:ext>
     </p:extLst>
   </p:cSld>
@@ -5799,6 +5497,825 @@
             <p:ph type="title"/>
           </p:nvPr>
         </p:nvSpPr>
+        <p:spPr>
+          <a:xfrm>
+            <a:off x="533400" y="2514600"/>
+            <a:ext cx="7659687" cy="1168400"/>
+          </a:xfrm>
+        </p:spPr>
+        <p:txBody>
+          <a:bodyPr/>
+          <a:lstStyle/>
+          <a:p>
+            <a:r>
+              <a:rPr lang="en-US" b="1" smtClean="0"/>
+              <a:t>system  Design</a:t>
+            </a:r>
+            <a:endParaRPr lang="en-US" b="1"/>
+          </a:p>
+        </p:txBody>
+      </p:sp>
+      <p:sp>
+        <p:nvSpPr>
+          <p:cNvPr id="3" name="Text Placeholder 2"/>
+          <p:cNvSpPr>
+            <a:spLocks noGrp="1"/>
+          </p:cNvSpPr>
+          <p:nvPr>
+            <p:ph type="body" idx="1"/>
+          </p:nvPr>
+        </p:nvSpPr>
+        <p:spPr>
+          <a:xfrm>
+            <a:off x="533400" y="838200"/>
+            <a:ext cx="6135687" cy="1633538"/>
+          </a:xfrm>
+        </p:spPr>
+        <p:txBody>
+          <a:bodyPr>
+            <a:normAutofit/>
+          </a:bodyPr>
+          <a:lstStyle/>
+          <a:p>
+            <a:r>
+              <a:rPr lang="en-US" sz="4000"/>
+              <a:t>4</a:t>
+            </a:r>
+            <a:r>
+              <a:rPr lang="en-US" sz="4000" smtClean="0"/>
+              <a:t>.</a:t>
+            </a:r>
+            <a:endParaRPr lang="en-US" sz="4000"/>
+          </a:p>
+        </p:txBody>
+      </p:sp>
+    </p:spTree>
+    <p:extLst>
+      <p:ext uri="{BB962C8B-B14F-4D97-AF65-F5344CB8AC3E}">
+        <p14:creationId xmlns:p14="http://schemas.microsoft.com/office/powerpoint/2010/main" val="1044335434"/>
+      </p:ext>
+    </p:extLst>
+  </p:cSld>
+  <p:clrMapOvr>
+    <a:masterClrMapping/>
+  </p:clrMapOvr>
+  <p:timing>
+    <p:tnLst>
+      <p:par>
+        <p:cTn id="1" dur="indefinite" restart="never" nodeType="tmRoot"/>
+      </p:par>
+    </p:tnLst>
+  </p:timing>
+</p:sld>
+</file>
+
+<file path=ppt/slides/slide19.xml><?xml version="1.0" encoding="utf-8"?>
+<p:sld xmlns:a="http://schemas.openxmlformats.org/drawingml/2006/main" xmlns:r="http://schemas.openxmlformats.org/officeDocument/2006/relationships" xmlns:p="http://schemas.openxmlformats.org/presentationml/2006/main">
+  <p:cSld>
+    <p:spTree>
+      <p:nvGrpSpPr>
+        <p:cNvPr id="1" name=""/>
+        <p:cNvGrpSpPr/>
+        <p:nvPr/>
+      </p:nvGrpSpPr>
+      <p:grpSpPr>
+        <a:xfrm>
+          <a:off x="0" y="0"/>
+          <a:ext cx="0" cy="0"/>
+          <a:chOff x="0" y="0"/>
+          <a:chExt cx="0" cy="0"/>
+        </a:xfrm>
+      </p:grpSpPr>
+      <p:sp>
+        <p:nvSpPr>
+          <p:cNvPr id="2" name="Title 1"/>
+          <p:cNvSpPr>
+            <a:spLocks noGrp="1"/>
+          </p:cNvSpPr>
+          <p:nvPr>
+            <p:ph type="title"/>
+          </p:nvPr>
+        </p:nvSpPr>
+        <p:spPr/>
+        <p:txBody>
+          <a:bodyPr/>
+          <a:lstStyle/>
+          <a:p>
+            <a:r>
+              <a:rPr lang="en-US" dirty="0" smtClean="0"/>
+              <a:t>System Design</a:t>
+            </a:r>
+            <a:endParaRPr lang="en-US" dirty="0"/>
+          </a:p>
+        </p:txBody>
+      </p:sp>
+      <p:sp>
+        <p:nvSpPr>
+          <p:cNvPr id="3" name="Content Placeholder 2"/>
+          <p:cNvSpPr>
+            <a:spLocks noGrp="1"/>
+          </p:cNvSpPr>
+          <p:nvPr>
+            <p:ph idx="1"/>
+          </p:nvPr>
+        </p:nvSpPr>
+        <p:spPr>
+          <a:xfrm>
+            <a:off x="457200" y="1371600"/>
+            <a:ext cx="7620000" cy="5029200"/>
+          </a:xfrm>
+        </p:spPr>
+        <p:txBody>
+          <a:bodyPr>
+            <a:normAutofit/>
+          </a:bodyPr>
+          <a:lstStyle/>
+          <a:p>
+            <a:r>
+              <a:rPr lang="en-US" sz="3000" dirty="0" smtClean="0">
+                <a:latin typeface="+mj-lt"/>
+              </a:rPr>
+              <a:t>Use Cases</a:t>
+            </a:r>
+          </a:p>
+          <a:p>
+            <a:pPr lvl="1"/>
+            <a:r>
+              <a:rPr lang="en-US" sz="2200" dirty="0" smtClean="0"/>
+              <a:t>Actors:</a:t>
+            </a:r>
+          </a:p>
+          <a:p>
+            <a:pPr lvl="2"/>
+            <a:r>
+              <a:rPr lang="en-US" sz="2800" b="1" dirty="0" smtClean="0"/>
+              <a:t>Users  (Job seekers)</a:t>
+            </a:r>
+          </a:p>
+          <a:p>
+            <a:pPr lvl="2"/>
+            <a:endParaRPr lang="en-US" sz="2000" dirty="0"/>
+          </a:p>
+          <a:p>
+            <a:pPr lvl="2"/>
+            <a:endParaRPr lang="en-US" sz="2000" dirty="0" smtClean="0"/>
+          </a:p>
+          <a:p>
+            <a:pPr lvl="2"/>
+            <a:endParaRPr lang="en-US" sz="2000" dirty="0"/>
+          </a:p>
+          <a:p>
+            <a:pPr lvl="2"/>
+            <a:endParaRPr lang="en-US" sz="2000" dirty="0" smtClean="0"/>
+          </a:p>
+          <a:p>
+            <a:pPr lvl="2"/>
+            <a:endParaRPr lang="en-US" sz="2000" dirty="0"/>
+          </a:p>
+          <a:p>
+            <a:pPr lvl="2"/>
+            <a:endParaRPr lang="en-US" sz="2000" dirty="0" smtClean="0"/>
+          </a:p>
+          <a:p>
+            <a:pPr lvl="2"/>
+            <a:r>
+              <a:rPr lang="en-US" sz="2400" b="1" dirty="0" smtClean="0"/>
+              <a:t>Admin </a:t>
+            </a:r>
+          </a:p>
+          <a:p>
+            <a:pPr lvl="2"/>
+            <a:endParaRPr lang="en-US" sz="2000" dirty="0" smtClean="0"/>
+          </a:p>
+          <a:p>
+            <a:pPr lvl="3"/>
+            <a:endParaRPr lang="en-US" dirty="0" smtClean="0"/>
+          </a:p>
+        </p:txBody>
+      </p:sp>
+      <p:graphicFrame>
+        <p:nvGraphicFramePr>
+          <p:cNvPr id="4" name="Table 3"/>
+          <p:cNvGraphicFramePr>
+            <a:graphicFrameLocks noGrp="1"/>
+          </p:cNvGraphicFramePr>
+          <p:nvPr>
+            <p:extLst>
+              <p:ext uri="{D42A27DB-BD31-4B8C-83A1-F6EECF244321}">
+                <p14:modId xmlns:p14="http://schemas.microsoft.com/office/powerpoint/2010/main" val="4188644779"/>
+              </p:ext>
+            </p:extLst>
+          </p:nvPr>
+        </p:nvGraphicFramePr>
+        <p:xfrm>
+          <a:off x="1219200" y="2895600"/>
+          <a:ext cx="6096000" cy="1854200"/>
+        </p:xfrm>
+        <a:graphic>
+          <a:graphicData uri="http://schemas.openxmlformats.org/drawingml/2006/table">
+            <a:tbl>
+              <a:tblPr bandRow="1">
+                <a:tableStyleId>{5FD0F851-EC5A-4D38-B0AD-8093EC10F338}</a:tableStyleId>
+              </a:tblPr>
+              <a:tblGrid>
+                <a:gridCol w="3048000"/>
+                <a:gridCol w="3048000"/>
+              </a:tblGrid>
+              <a:tr h="370840">
+                <a:tc>
+                  <a:txBody>
+                    <a:bodyPr/>
+                    <a:lstStyle/>
+                    <a:p>
+                      <a:pPr algn="ctr"/>
+                      <a:r>
+                        <a:rPr lang="en-US" dirty="0" smtClean="0"/>
+                        <a:t>Search</a:t>
+                      </a:r>
+                      <a:r>
+                        <a:rPr lang="en-US" baseline="0" dirty="0" smtClean="0"/>
+                        <a:t> Jobs</a:t>
+                      </a:r>
+                      <a:endParaRPr lang="en-US" b="1" dirty="0">
+                        <a:solidFill>
+                          <a:schemeClr val="tx1"/>
+                        </a:solidFill>
+                      </a:endParaRPr>
+                    </a:p>
+                  </a:txBody>
+                  <a:tcPr/>
+                </a:tc>
+                <a:tc>
+                  <a:txBody>
+                    <a:bodyPr/>
+                    <a:lstStyle/>
+                    <a:p>
+                      <a:pPr algn="ctr"/>
+                      <a:r>
+                        <a:rPr lang="en-US" dirty="0" smtClean="0"/>
+                        <a:t>Forgot Password</a:t>
+                      </a:r>
+                      <a:endParaRPr lang="en-US" b="1" dirty="0">
+                        <a:solidFill>
+                          <a:schemeClr val="tx1"/>
+                        </a:solidFill>
+                      </a:endParaRPr>
+                    </a:p>
+                  </a:txBody>
+                  <a:tcPr/>
+                </a:tc>
+              </a:tr>
+              <a:tr h="370840">
+                <a:tc>
+                  <a:txBody>
+                    <a:bodyPr/>
+                    <a:lstStyle/>
+                    <a:p>
+                      <a:pPr algn="ctr"/>
+                      <a:r>
+                        <a:rPr lang="en-US" dirty="0" smtClean="0"/>
+                        <a:t>Register</a:t>
+                      </a:r>
+                      <a:endParaRPr lang="en-US" b="1" dirty="0">
+                        <a:solidFill>
+                          <a:schemeClr val="tx1"/>
+                        </a:solidFill>
+                      </a:endParaRPr>
+                    </a:p>
+                  </a:txBody>
+                  <a:tcPr/>
+                </a:tc>
+                <a:tc>
+                  <a:txBody>
+                    <a:bodyPr/>
+                    <a:lstStyle/>
+                    <a:p>
+                      <a:pPr algn="ctr"/>
+                      <a:r>
+                        <a:rPr lang="en-US" dirty="0" smtClean="0"/>
+                        <a:t>Change Password</a:t>
+                      </a:r>
+                      <a:endParaRPr lang="en-US" b="1" dirty="0">
+                        <a:solidFill>
+                          <a:schemeClr val="tx1"/>
+                        </a:solidFill>
+                      </a:endParaRPr>
+                    </a:p>
+                  </a:txBody>
+                  <a:tcPr/>
+                </a:tc>
+              </a:tr>
+              <a:tr h="370840">
+                <a:tc>
+                  <a:txBody>
+                    <a:bodyPr/>
+                    <a:lstStyle/>
+                    <a:p>
+                      <a:pPr algn="ctr"/>
+                      <a:r>
+                        <a:rPr lang="en-US" dirty="0" smtClean="0"/>
+                        <a:t>Email Verification</a:t>
+                      </a:r>
+                      <a:endParaRPr lang="en-US" b="1" dirty="0">
+                        <a:solidFill>
+                          <a:schemeClr val="tx1"/>
+                        </a:solidFill>
+                      </a:endParaRPr>
+                    </a:p>
+                  </a:txBody>
+                  <a:tcPr/>
+                </a:tc>
+                <a:tc>
+                  <a:txBody>
+                    <a:bodyPr/>
+                    <a:lstStyle/>
+                    <a:p>
+                      <a:pPr algn="ctr"/>
+                      <a:r>
+                        <a:rPr lang="en-US" dirty="0" smtClean="0"/>
+                        <a:t>Profile Information</a:t>
+                      </a:r>
+                      <a:endParaRPr lang="en-US" b="1" dirty="0">
+                        <a:solidFill>
+                          <a:schemeClr val="tx1"/>
+                        </a:solidFill>
+                      </a:endParaRPr>
+                    </a:p>
+                  </a:txBody>
+                  <a:tcPr/>
+                </a:tc>
+              </a:tr>
+              <a:tr h="370840">
+                <a:tc>
+                  <a:txBody>
+                    <a:bodyPr/>
+                    <a:lstStyle/>
+                    <a:p>
+                      <a:pPr algn="ctr"/>
+                      <a:r>
+                        <a:rPr lang="en-US" dirty="0" smtClean="0"/>
+                        <a:t>Login</a:t>
+                      </a:r>
+                      <a:endParaRPr lang="en-US" b="1" dirty="0">
+                        <a:solidFill>
+                          <a:schemeClr val="tx1"/>
+                        </a:solidFill>
+                      </a:endParaRPr>
+                    </a:p>
+                  </a:txBody>
+                  <a:tcPr/>
+                </a:tc>
+                <a:tc>
+                  <a:txBody>
+                    <a:bodyPr/>
+                    <a:lstStyle/>
+                    <a:p>
+                      <a:pPr algn="ctr"/>
+                      <a:r>
+                        <a:rPr lang="en-US" dirty="0" smtClean="0"/>
+                        <a:t>Filter Jobs</a:t>
+                      </a:r>
+                      <a:endParaRPr lang="en-US" b="1" dirty="0">
+                        <a:solidFill>
+                          <a:schemeClr val="tx1"/>
+                        </a:solidFill>
+                      </a:endParaRPr>
+                    </a:p>
+                  </a:txBody>
+                  <a:tcPr/>
+                </a:tc>
+              </a:tr>
+              <a:tr h="370840">
+                <a:tc>
+                  <a:txBody>
+                    <a:bodyPr/>
+                    <a:lstStyle/>
+                    <a:p>
+                      <a:pPr algn="ctr"/>
+                      <a:r>
+                        <a:rPr lang="en-US" dirty="0" smtClean="0"/>
+                        <a:t>Apply</a:t>
+                      </a:r>
+                      <a:endParaRPr lang="en-US" b="1" dirty="0">
+                        <a:solidFill>
+                          <a:schemeClr val="tx1"/>
+                        </a:solidFill>
+                      </a:endParaRPr>
+                    </a:p>
+                  </a:txBody>
+                  <a:tcPr/>
+                </a:tc>
+                <a:tc>
+                  <a:txBody>
+                    <a:bodyPr/>
+                    <a:lstStyle/>
+                    <a:p>
+                      <a:pPr algn="ctr"/>
+                      <a:r>
+                        <a:rPr lang="en-US" dirty="0" smtClean="0"/>
+                        <a:t>Upload</a:t>
+                      </a:r>
+                      <a:r>
+                        <a:rPr lang="en-US" baseline="0" dirty="0" smtClean="0"/>
+                        <a:t> Resume</a:t>
+                      </a:r>
+                      <a:endParaRPr lang="en-US" b="1" dirty="0">
+                        <a:solidFill>
+                          <a:schemeClr val="tx1"/>
+                        </a:solidFill>
+                      </a:endParaRPr>
+                    </a:p>
+                  </a:txBody>
+                  <a:tcPr/>
+                </a:tc>
+              </a:tr>
+            </a:tbl>
+          </a:graphicData>
+        </a:graphic>
+      </p:graphicFrame>
+      <p:graphicFrame>
+        <p:nvGraphicFramePr>
+          <p:cNvPr id="5" name="Table 4"/>
+          <p:cNvGraphicFramePr>
+            <a:graphicFrameLocks noGrp="1"/>
+          </p:cNvGraphicFramePr>
+          <p:nvPr>
+            <p:extLst>
+              <p:ext uri="{D42A27DB-BD31-4B8C-83A1-F6EECF244321}">
+                <p14:modId xmlns:p14="http://schemas.microsoft.com/office/powerpoint/2010/main" val="4209252914"/>
+              </p:ext>
+            </p:extLst>
+          </p:nvPr>
+        </p:nvGraphicFramePr>
+        <p:xfrm>
+          <a:off x="1447800" y="5562600"/>
+          <a:ext cx="6096000" cy="741680"/>
+        </p:xfrm>
+        <a:graphic>
+          <a:graphicData uri="http://schemas.openxmlformats.org/drawingml/2006/table">
+            <a:tbl>
+              <a:tblPr bandRow="1">
+                <a:tableStyleId>{21E4AEA4-8DFA-4A89-87EB-49C32662AFE0}</a:tableStyleId>
+              </a:tblPr>
+              <a:tblGrid>
+                <a:gridCol w="3048000"/>
+                <a:gridCol w="3048000"/>
+              </a:tblGrid>
+              <a:tr h="370840">
+                <a:tc>
+                  <a:txBody>
+                    <a:bodyPr/>
+                    <a:lstStyle/>
+                    <a:p>
+                      <a:pPr algn="ctr"/>
+                      <a:r>
+                        <a:rPr lang="en-US" dirty="0" smtClean="0"/>
+                        <a:t>Login</a:t>
+                      </a:r>
+                      <a:endParaRPr lang="en-US" b="1" dirty="0">
+                        <a:solidFill>
+                          <a:schemeClr val="tx1"/>
+                        </a:solidFill>
+                      </a:endParaRPr>
+                    </a:p>
+                  </a:txBody>
+                  <a:tcPr/>
+                </a:tc>
+                <a:tc>
+                  <a:txBody>
+                    <a:bodyPr/>
+                    <a:lstStyle/>
+                    <a:p>
+                      <a:pPr algn="ctr"/>
+                      <a:r>
+                        <a:rPr lang="en-US" dirty="0" smtClean="0"/>
+                        <a:t>Search Users</a:t>
+                      </a:r>
+                      <a:endParaRPr lang="en-US" b="1" dirty="0">
+                        <a:solidFill>
+                          <a:schemeClr val="tx1"/>
+                        </a:solidFill>
+                      </a:endParaRPr>
+                    </a:p>
+                  </a:txBody>
+                  <a:tcPr/>
+                </a:tc>
+              </a:tr>
+              <a:tr h="370840">
+                <a:tc>
+                  <a:txBody>
+                    <a:bodyPr/>
+                    <a:lstStyle/>
+                    <a:p>
+                      <a:pPr algn="ctr"/>
+                      <a:r>
+                        <a:rPr lang="en-US" dirty="0" smtClean="0"/>
+                        <a:t>Deactivate Users</a:t>
+                      </a:r>
+                      <a:endParaRPr lang="en-US" b="1" dirty="0">
+                        <a:solidFill>
+                          <a:schemeClr val="tx1"/>
+                        </a:solidFill>
+                      </a:endParaRPr>
+                    </a:p>
+                  </a:txBody>
+                  <a:tcPr/>
+                </a:tc>
+                <a:tc>
+                  <a:txBody>
+                    <a:bodyPr/>
+                    <a:lstStyle/>
+                    <a:p>
+                      <a:pPr algn="ctr"/>
+                      <a:r>
+                        <a:rPr lang="en-US" dirty="0" smtClean="0"/>
+                        <a:t>Delete Users</a:t>
+                      </a:r>
+                      <a:endParaRPr lang="en-US" b="1" dirty="0">
+                        <a:solidFill>
+                          <a:schemeClr val="tx1"/>
+                        </a:solidFill>
+                      </a:endParaRPr>
+                    </a:p>
+                  </a:txBody>
+                  <a:tcPr/>
+                </a:tc>
+              </a:tr>
+            </a:tbl>
+          </a:graphicData>
+        </a:graphic>
+      </p:graphicFrame>
+      <p:pic>
+        <p:nvPicPr>
+          <p:cNvPr id="17410" name="Picture 2" descr="http://www.jsweb.uk/images/loginascustomer_profile.jpg"/>
+          <p:cNvPicPr>
+            <a:picLocks noChangeAspect="1" noChangeArrowheads="1"/>
+          </p:cNvPicPr>
+          <p:nvPr/>
+        </p:nvPicPr>
+        <p:blipFill>
+          <a:blip r:embed="rId2">
+            <a:extLst>
+              <a:ext uri="{28A0092B-C50C-407E-A947-70E740481C1C}">
+                <a14:useLocalDpi xmlns:a14="http://schemas.microsoft.com/office/drawing/2010/main" val="0"/>
+              </a:ext>
+            </a:extLst>
+          </a:blip>
+          <a:srcRect/>
+          <a:stretch>
+            <a:fillRect/>
+          </a:stretch>
+        </p:blipFill>
+        <p:spPr bwMode="auto">
+          <a:xfrm>
+            <a:off x="16641" y="5105400"/>
+            <a:ext cx="1131447" cy="1277079"/>
+          </a:xfrm>
+          <a:prstGeom prst="rect">
+            <a:avLst/>
+          </a:prstGeom>
+          <a:noFill/>
+          <a:extLst>
+            <a:ext uri="{909E8E84-426E-40DD-AFC4-6F175D3DCCD1}">
+              <a14:hiddenFill xmlns:a14="http://schemas.microsoft.com/office/drawing/2010/main">
+                <a:solidFill>
+                  <a:srgbClr val="FFFFFF"/>
+                </a:solidFill>
+              </a14:hiddenFill>
+            </a:ext>
+          </a:extLst>
+        </p:spPr>
+      </p:pic>
+      <p:pic>
+        <p:nvPicPr>
+          <p:cNvPr id="17412" name="Picture 4" descr="https://cdn3.iconfinder.com/data/icons/softwaredemo/PNG/256x256/User1.png"/>
+          <p:cNvPicPr>
+            <a:picLocks noChangeAspect="1" noChangeArrowheads="1"/>
+          </p:cNvPicPr>
+          <p:nvPr/>
+        </p:nvPicPr>
+        <p:blipFill>
+          <a:blip r:embed="rId3">
+            <a:extLst>
+              <a:ext uri="{28A0092B-C50C-407E-A947-70E740481C1C}">
+                <a14:useLocalDpi xmlns:a14="http://schemas.microsoft.com/office/drawing/2010/main" val="0"/>
+              </a:ext>
+            </a:extLst>
+          </a:blip>
+          <a:srcRect/>
+          <a:stretch>
+            <a:fillRect/>
+          </a:stretch>
+        </p:blipFill>
+        <p:spPr bwMode="auto">
+          <a:xfrm>
+            <a:off x="-116784" y="3048000"/>
+            <a:ext cx="1219200" cy="1219200"/>
+          </a:xfrm>
+          <a:prstGeom prst="rect">
+            <a:avLst/>
+          </a:prstGeom>
+          <a:noFill/>
+          <a:extLst>
+            <a:ext uri="{909E8E84-426E-40DD-AFC4-6F175D3DCCD1}">
+              <a14:hiddenFill xmlns:a14="http://schemas.microsoft.com/office/drawing/2010/main">
+                <a:solidFill>
+                  <a:srgbClr val="FFFFFF"/>
+                </a:solidFill>
+              </a14:hiddenFill>
+            </a:ext>
+          </a:extLst>
+        </p:spPr>
+      </p:pic>
+    </p:spTree>
+    <p:extLst>
+      <p:ext uri="{BB962C8B-B14F-4D97-AF65-F5344CB8AC3E}">
+        <p14:creationId xmlns:p14="http://schemas.microsoft.com/office/powerpoint/2010/main" val="774958134"/>
+      </p:ext>
+    </p:extLst>
+  </p:cSld>
+  <p:clrMapOvr>
+    <a:masterClrMapping/>
+  </p:clrMapOvr>
+  <p:timing>
+    <p:tnLst>
+      <p:par>
+        <p:cTn id="1" dur="indefinite" restart="never" nodeType="tmRoot"/>
+      </p:par>
+    </p:tnLst>
+  </p:timing>
+</p:sld>
+</file>
+
+<file path=ppt/slides/slide2.xml><?xml version="1.0" encoding="utf-8"?>
+<p:sld xmlns:a="http://schemas.openxmlformats.org/drawingml/2006/main" xmlns:r="http://schemas.openxmlformats.org/officeDocument/2006/relationships" xmlns:p="http://schemas.openxmlformats.org/presentationml/2006/main">
+  <p:cSld>
+    <p:spTree>
+      <p:nvGrpSpPr>
+        <p:cNvPr id="1" name=""/>
+        <p:cNvGrpSpPr/>
+        <p:nvPr/>
+      </p:nvGrpSpPr>
+      <p:grpSpPr>
+        <a:xfrm>
+          <a:off x="0" y="0"/>
+          <a:ext cx="0" cy="0"/>
+          <a:chOff x="0" y="0"/>
+          <a:chExt cx="0" cy="0"/>
+        </a:xfrm>
+      </p:grpSpPr>
+      <p:sp>
+        <p:nvSpPr>
+          <p:cNvPr id="2" name="Title 1"/>
+          <p:cNvSpPr>
+            <a:spLocks noGrp="1"/>
+          </p:cNvSpPr>
+          <p:nvPr>
+            <p:ph type="title"/>
+          </p:nvPr>
+        </p:nvSpPr>
+        <p:spPr/>
+        <p:txBody>
+          <a:bodyPr/>
+          <a:lstStyle/>
+          <a:p>
+            <a:r>
+              <a:rPr lang="en-US" smtClean="0"/>
+              <a:t>Contents</a:t>
+            </a:r>
+            <a:endParaRPr lang="en-US"/>
+          </a:p>
+        </p:txBody>
+      </p:sp>
+      <p:sp>
+        <p:nvSpPr>
+          <p:cNvPr id="3" name="Content Placeholder 2"/>
+          <p:cNvSpPr>
+            <a:spLocks noGrp="1"/>
+          </p:cNvSpPr>
+          <p:nvPr>
+            <p:ph idx="1"/>
+          </p:nvPr>
+        </p:nvSpPr>
+        <p:spPr>
+          <a:xfrm>
+            <a:off x="152400" y="1066800"/>
+            <a:ext cx="8763000" cy="5029200"/>
+          </a:xfrm>
+        </p:spPr>
+        <p:txBody>
+          <a:bodyPr>
+            <a:normAutofit fontScale="92500" lnSpcReduction="10000"/>
+          </a:bodyPr>
+          <a:lstStyle/>
+          <a:p>
+            <a:pPr marL="571500" indent="-457200">
+              <a:lnSpc>
+                <a:spcPct val="200000"/>
+              </a:lnSpc>
+              <a:buFont typeface="+mj-lt"/>
+              <a:buAutoNum type="arabicPeriod"/>
+            </a:pPr>
+            <a:r>
+              <a:rPr lang="en-US" sz="4400" b="1" smtClean="0"/>
+              <a:t>Introduction</a:t>
+            </a:r>
+          </a:p>
+          <a:p>
+            <a:pPr marL="571500" indent="-457200">
+              <a:lnSpc>
+                <a:spcPct val="200000"/>
+              </a:lnSpc>
+              <a:buFont typeface="+mj-lt"/>
+              <a:buAutoNum type="arabicPeriod"/>
+            </a:pPr>
+            <a:r>
+              <a:rPr lang="en-US" sz="3800" b="1" smtClean="0"/>
+              <a:t>Assumptions, Constraints, and Standards</a:t>
+            </a:r>
+          </a:p>
+          <a:p>
+            <a:pPr marL="571500" indent="-457200">
+              <a:lnSpc>
+                <a:spcPct val="200000"/>
+              </a:lnSpc>
+              <a:buFont typeface="+mj-lt"/>
+              <a:buAutoNum type="arabicPeriod"/>
+            </a:pPr>
+            <a:r>
+              <a:rPr lang="en-US" sz="4400" b="1" smtClean="0"/>
+              <a:t>Architecture Design</a:t>
+            </a:r>
+          </a:p>
+          <a:p>
+            <a:pPr marL="571500" indent="-457200">
+              <a:lnSpc>
+                <a:spcPct val="200000"/>
+              </a:lnSpc>
+              <a:buFont typeface="+mj-lt"/>
+              <a:buAutoNum type="arabicPeriod"/>
+            </a:pPr>
+            <a:r>
+              <a:rPr lang="en-US" sz="4400" b="1" smtClean="0"/>
+              <a:t>System Design</a:t>
+            </a:r>
+          </a:p>
+          <a:p>
+            <a:pPr marL="571500" indent="-457200">
+              <a:buFont typeface="+mj-lt"/>
+              <a:buAutoNum type="arabicPeriod"/>
+            </a:pPr>
+            <a:endParaRPr lang="en-US"/>
+          </a:p>
+        </p:txBody>
+      </p:sp>
+    </p:spTree>
+    <p:extLst>
+      <p:ext uri="{BB962C8B-B14F-4D97-AF65-F5344CB8AC3E}">
+        <p14:creationId xmlns:p14="http://schemas.microsoft.com/office/powerpoint/2010/main" val="2847966912"/>
+      </p:ext>
+    </p:extLst>
+  </p:cSld>
+  <p:clrMapOvr>
+    <a:masterClrMapping/>
+  </p:clrMapOvr>
+  <p:timing>
+    <p:tnLst>
+      <p:par>
+        <p:cTn id="1" dur="indefinite" restart="never" nodeType="tmRoot"/>
+      </p:par>
+    </p:tnLst>
+  </p:timing>
+</p:sld>
+</file>
+
+<file path=ppt/slides/slide20.xml><?xml version="1.0" encoding="utf-8"?>
+<p:sld xmlns:a="http://schemas.openxmlformats.org/drawingml/2006/main" xmlns:r="http://schemas.openxmlformats.org/officeDocument/2006/relationships" xmlns:p="http://schemas.openxmlformats.org/presentationml/2006/main">
+  <p:cSld>
+    <p:spTree>
+      <p:nvGrpSpPr>
+        <p:cNvPr id="1" name=""/>
+        <p:cNvGrpSpPr/>
+        <p:nvPr/>
+      </p:nvGrpSpPr>
+      <p:grpSpPr>
+        <a:xfrm>
+          <a:off x="0" y="0"/>
+          <a:ext cx="0" cy="0"/>
+          <a:chOff x="0" y="0"/>
+          <a:chExt cx="0" cy="0"/>
+        </a:xfrm>
+      </p:grpSpPr>
+      <p:sp>
+        <p:nvSpPr>
+          <p:cNvPr id="2" name="Title 1"/>
+          <p:cNvSpPr>
+            <a:spLocks noGrp="1"/>
+          </p:cNvSpPr>
+          <p:nvPr>
+            <p:ph type="title"/>
+          </p:nvPr>
+        </p:nvSpPr>
         <p:spPr/>
         <p:txBody>
           <a:bodyPr/>
@@ -5925,20 +6442,20 @@
           <p:nvPr>
             <p:extLst>
               <p:ext uri="{D42A27DB-BD31-4B8C-83A1-F6EECF244321}">
-                <p14:modId xmlns:p14="http://schemas.microsoft.com/office/powerpoint/2010/main" val="1314720636"/>
+                <p14:modId xmlns:p14="http://schemas.microsoft.com/office/powerpoint/2010/main" val="114459829"/>
               </p:ext>
             </p:extLst>
           </p:nvPr>
         </p:nvGraphicFramePr>
         <p:xfrm>
-          <a:off x="1295400" y="2667000"/>
-          <a:ext cx="6029325" cy="3333750"/>
+          <a:off x="762000" y="2667000"/>
+          <a:ext cx="6934200" cy="3834075"/>
         </p:xfrm>
         <a:graphic>
           <a:graphicData uri="http://schemas.openxmlformats.org/presentationml/2006/ole">
             <mc:AlternateContent xmlns:mc="http://schemas.openxmlformats.org/markup-compatibility/2006">
               <mc:Choice xmlns:v="urn:schemas-microsoft-com:vml" Requires="v">
-                <p:oleObj spid="_x0000_s10247" name="Visio" r:id="rId3" imgW="7686566" imgH="5410279" progId="Visio.Drawing.15">
+                <p:oleObj spid="_x0000_s10266" name="Visio" r:id="rId3" imgW="7686566" imgH="5410279" progId="Visio.Drawing.15">
                   <p:embed/>
                 </p:oleObj>
               </mc:Choice>
@@ -5968,8 +6485,8 @@
                     </p:blipFill>
                     <p:spPr bwMode="auto">
                       <a:xfrm>
-                        <a:off x="1295400" y="2667000"/>
-                        <a:ext cx="6029325" cy="3333750"/>
+                        <a:off x="762000" y="2667000"/>
+                        <a:ext cx="6934200" cy="3834075"/>
                       </a:xfrm>
                       <a:prstGeom prst="rect">
                         <a:avLst/>
@@ -6003,7 +6520,7 @@
 </p:sld>
 </file>
 
-<file path=ppt/slides/slide19.xml><?xml version="1.0" encoding="utf-8"?>
+<file path=ppt/slides/slide21.xml><?xml version="1.0" encoding="utf-8"?>
 <p:sld xmlns:a="http://schemas.openxmlformats.org/drawingml/2006/main" xmlns:r="http://schemas.openxmlformats.org/officeDocument/2006/relationships" xmlns:p="http://schemas.openxmlformats.org/presentationml/2006/main">
   <p:cSld>
     <p:spTree>
@@ -6107,8 +6624,8 @@
         </p:blipFill>
         <p:spPr bwMode="auto">
           <a:xfrm>
-            <a:off x="1981200" y="2743200"/>
-            <a:ext cx="4572000" cy="2971800"/>
+            <a:off x="1371600" y="2743199"/>
+            <a:ext cx="5462867" cy="3550863"/>
           </a:xfrm>
           <a:prstGeom prst="rect">
             <a:avLst/>
@@ -6168,135 +6685,7 @@
 </p:sld>
 </file>
 
-<file path=ppt/slides/slide2.xml><?xml version="1.0" encoding="utf-8"?>
-<p:sld xmlns:a="http://schemas.openxmlformats.org/drawingml/2006/main" xmlns:r="http://schemas.openxmlformats.org/officeDocument/2006/relationships" xmlns:p="http://schemas.openxmlformats.org/presentationml/2006/main">
-  <p:cSld>
-    <p:spTree>
-      <p:nvGrpSpPr>
-        <p:cNvPr id="1" name=""/>
-        <p:cNvGrpSpPr/>
-        <p:nvPr/>
-      </p:nvGrpSpPr>
-      <p:grpSpPr>
-        <a:xfrm>
-          <a:off x="0" y="0"/>
-          <a:ext cx="0" cy="0"/>
-          <a:chOff x="0" y="0"/>
-          <a:chExt cx="0" cy="0"/>
-        </a:xfrm>
-      </p:grpSpPr>
-      <p:sp>
-        <p:nvSpPr>
-          <p:cNvPr id="2" name="Title 1"/>
-          <p:cNvSpPr>
-            <a:spLocks noGrp="1"/>
-          </p:cNvSpPr>
-          <p:nvPr>
-            <p:ph type="title"/>
-          </p:nvPr>
-        </p:nvSpPr>
-        <p:spPr/>
-        <p:txBody>
-          <a:bodyPr/>
-          <a:lstStyle/>
-          <a:p>
-            <a:r>
-              <a:rPr lang="en-US" smtClean="0"/>
-              <a:t>Contents</a:t>
-            </a:r>
-            <a:endParaRPr lang="en-US"/>
-          </a:p>
-        </p:txBody>
-      </p:sp>
-      <p:sp>
-        <p:nvSpPr>
-          <p:cNvPr id="3" name="Content Placeholder 2"/>
-          <p:cNvSpPr>
-            <a:spLocks noGrp="1"/>
-          </p:cNvSpPr>
-          <p:nvPr>
-            <p:ph idx="1"/>
-          </p:nvPr>
-        </p:nvSpPr>
-        <p:spPr>
-          <a:xfrm>
-            <a:off x="152400" y="1600200"/>
-            <a:ext cx="8763000" cy="4800600"/>
-          </a:xfrm>
-        </p:spPr>
-        <p:txBody>
-          <a:bodyPr/>
-          <a:lstStyle/>
-          <a:p>
-            <a:pPr marL="571500" indent="-457200">
-              <a:buFont typeface="+mj-lt"/>
-              <a:buAutoNum type="arabicPeriod"/>
-            </a:pPr>
-            <a:r>
-              <a:rPr lang="en-US" sz="4400" b="1" smtClean="0"/>
-              <a:t>Introduction</a:t>
-            </a:r>
-          </a:p>
-          <a:p>
-            <a:pPr marL="571500" indent="-457200">
-              <a:buFont typeface="+mj-lt"/>
-              <a:buAutoNum type="arabicPeriod"/>
-            </a:pPr>
-            <a:r>
-              <a:rPr lang="en-US" sz="4400" b="1" smtClean="0"/>
-              <a:t>Assumptions, Constraints, and Standards</a:t>
-            </a:r>
-          </a:p>
-          <a:p>
-            <a:pPr marL="571500" indent="-457200">
-              <a:buFont typeface="+mj-lt"/>
-              <a:buAutoNum type="arabicPeriod"/>
-            </a:pPr>
-            <a:r>
-              <a:rPr lang="en-US" sz="4400" b="1" smtClean="0"/>
-              <a:t>Architecture Design</a:t>
-            </a:r>
-          </a:p>
-          <a:p>
-            <a:pPr marL="571500" indent="-457200">
-              <a:buFont typeface="+mj-lt"/>
-              <a:buAutoNum type="arabicPeriod"/>
-            </a:pPr>
-            <a:r>
-              <a:rPr lang="en-US" sz="4400" b="1" smtClean="0"/>
-              <a:t>System Design</a:t>
-            </a:r>
-          </a:p>
-          <a:p>
-            <a:pPr marL="571500" indent="-457200">
-              <a:buFont typeface="+mj-lt"/>
-              <a:buAutoNum type="arabicPeriod"/>
-            </a:pPr>
-            <a:endParaRPr lang="en-US"/>
-          </a:p>
-        </p:txBody>
-      </p:sp>
-    </p:spTree>
-    <p:extLst>
-      <p:ext uri="{BB962C8B-B14F-4D97-AF65-F5344CB8AC3E}">
-        <p14:creationId xmlns:p14="http://schemas.microsoft.com/office/powerpoint/2010/main" val="2847966912"/>
-      </p:ext>
-    </p:extLst>
-  </p:cSld>
-  <p:clrMapOvr>
-    <a:masterClrMapping/>
-  </p:clrMapOvr>
-  <p:timing>
-    <p:tnLst>
-      <p:par>
-        <p:cTn id="1" dur="indefinite" restart="never" nodeType="tmRoot"/>
-      </p:par>
-    </p:tnLst>
-  </p:timing>
-</p:sld>
-</file>
-
-<file path=ppt/slides/slide20.xml><?xml version="1.0" encoding="utf-8"?>
+<file path=ppt/slides/slide22.xml><?xml version="1.0" encoding="utf-8"?>
 <p:sld xmlns:a="http://schemas.openxmlformats.org/drawingml/2006/main" xmlns:r="http://schemas.openxmlformats.org/officeDocument/2006/relationships" xmlns:p="http://schemas.openxmlformats.org/presentationml/2006/main">
   <p:cSld>
     <p:spTree>
@@ -6400,8 +6789,8 @@
         </p:blipFill>
         <p:spPr bwMode="auto">
           <a:xfrm>
-            <a:off x="685800" y="2971800"/>
-            <a:ext cx="6934200" cy="609600"/>
+            <a:off x="228600" y="3498225"/>
+            <a:ext cx="8229600" cy="723481"/>
           </a:xfrm>
           <a:prstGeom prst="rect">
             <a:avLst/>
@@ -6461,7 +6850,7 @@
 </p:sld>
 </file>
 
-<file path=ppt/slides/slide21.xml><?xml version="1.0" encoding="utf-8"?>
+<file path=ppt/slides/slide23.xml><?xml version="1.0" encoding="utf-8"?>
 <p:sld xmlns:a="http://schemas.openxmlformats.org/drawingml/2006/main" xmlns:r="http://schemas.openxmlformats.org/officeDocument/2006/relationships" xmlns:p="http://schemas.openxmlformats.org/presentationml/2006/main">
   <p:cSld>
     <p:spTree>
@@ -6511,7 +6900,12 @@
             <p:ph idx="1"/>
           </p:nvPr>
         </p:nvSpPr>
-        <p:spPr/>
+        <p:spPr>
+          <a:xfrm>
+            <a:off x="457200" y="1295400"/>
+            <a:ext cx="7620000" cy="5105400"/>
+          </a:xfrm>
+        </p:spPr>
         <p:txBody>
           <a:bodyPr>
             <a:normAutofit/>
@@ -6569,8 +6963,8 @@
         </p:blipFill>
         <p:spPr bwMode="auto">
           <a:xfrm>
-            <a:off x="533400" y="2819400"/>
-            <a:ext cx="7162800" cy="3886200"/>
+            <a:off x="304801" y="2438399"/>
+            <a:ext cx="8093634" cy="4391227"/>
           </a:xfrm>
           <a:prstGeom prst="rect">
             <a:avLst/>
@@ -6630,7 +7024,7 @@
 </p:sld>
 </file>
 
-<file path=ppt/slides/slide22.xml><?xml version="1.0" encoding="utf-8"?>
+<file path=ppt/slides/slide24.xml><?xml version="1.0" encoding="utf-8"?>
 <p:sld xmlns:a="http://schemas.openxmlformats.org/drawingml/2006/main" xmlns:r="http://schemas.openxmlformats.org/officeDocument/2006/relationships" xmlns:p="http://schemas.openxmlformats.org/presentationml/2006/main">
   <p:cSld>
     <p:spTree>
@@ -6680,7 +7074,12 @@
             <p:ph idx="1"/>
           </p:nvPr>
         </p:nvSpPr>
-        <p:spPr/>
+        <p:spPr>
+          <a:xfrm>
+            <a:off x="457200" y="1295400"/>
+            <a:ext cx="7620000" cy="5105400"/>
+          </a:xfrm>
+        </p:spPr>
         <p:txBody>
           <a:bodyPr>
             <a:normAutofit/>
@@ -6720,20 +7119,20 @@
           <p:nvPr>
             <p:extLst>
               <p:ext uri="{D42A27DB-BD31-4B8C-83A1-F6EECF244321}">
-                <p14:modId xmlns:p14="http://schemas.microsoft.com/office/powerpoint/2010/main" val="1510606096"/>
+                <p14:modId xmlns:p14="http://schemas.microsoft.com/office/powerpoint/2010/main" val="758806971"/>
               </p:ext>
             </p:extLst>
           </p:nvPr>
         </p:nvGraphicFramePr>
         <p:xfrm>
-          <a:off x="685800" y="2819400"/>
-          <a:ext cx="7167563" cy="3276600"/>
+          <a:off x="31845" y="2514600"/>
+          <a:ext cx="8437460" cy="4012474"/>
         </p:xfrm>
         <a:graphic>
           <a:graphicData uri="http://schemas.openxmlformats.org/presentationml/2006/ole">
             <mc:AlternateContent xmlns:mc="http://schemas.openxmlformats.org/markup-compatibility/2006">
               <mc:Choice xmlns:v="urn:schemas-microsoft-com:vml" Requires="v">
-                <p:oleObj spid="_x0000_s12292" name="Visio" r:id="rId3" imgW="8277197" imgH="3152824" progId="Visio.Drawing.15">
+                <p:oleObj spid="_x0000_s12311" name="Visio" r:id="rId3" imgW="8277197" imgH="3152824" progId="Visio.Drawing.15">
                   <p:embed/>
                 </p:oleObj>
               </mc:Choice>
@@ -6763,8 +7162,8 @@
                     </p:blipFill>
                     <p:spPr bwMode="auto">
                       <a:xfrm>
-                        <a:off x="685800" y="2819400"/>
-                        <a:ext cx="7167563" cy="3276600"/>
+                        <a:off x="31845" y="2514600"/>
+                        <a:ext cx="8437460" cy="4012474"/>
                       </a:xfrm>
                       <a:prstGeom prst="rect">
                         <a:avLst/>
@@ -6801,7 +7200,7 @@
 </p:sld>
 </file>
 
-<file path=ppt/slides/slide23.xml><?xml version="1.0" encoding="utf-8"?>
+<file path=ppt/slides/slide25.xml><?xml version="1.0" encoding="utf-8"?>
 <p:sld xmlns:a="http://schemas.openxmlformats.org/drawingml/2006/main" xmlns:r="http://schemas.openxmlformats.org/officeDocument/2006/relationships" xmlns:p="http://schemas.openxmlformats.org/presentationml/2006/main">
   <p:cSld>
     <p:spTree>
@@ -6851,7 +7250,12 @@
             <p:ph idx="1"/>
           </p:nvPr>
         </p:nvSpPr>
-        <p:spPr/>
+        <p:spPr>
+          <a:xfrm>
+            <a:off x="457200" y="1295400"/>
+            <a:ext cx="7620000" cy="5105400"/>
+          </a:xfrm>
+        </p:spPr>
         <p:txBody>
           <a:bodyPr>
             <a:normAutofit/>
@@ -6895,20 +7299,20 @@
           <p:nvPr>
             <p:extLst>
               <p:ext uri="{D42A27DB-BD31-4B8C-83A1-F6EECF244321}">
-                <p14:modId xmlns:p14="http://schemas.microsoft.com/office/powerpoint/2010/main" val="4205768309"/>
+                <p14:modId xmlns:p14="http://schemas.microsoft.com/office/powerpoint/2010/main" val="129960243"/>
               </p:ext>
             </p:extLst>
           </p:nvPr>
         </p:nvGraphicFramePr>
         <p:xfrm>
-          <a:off x="533400" y="2667000"/>
-          <a:ext cx="7696200" cy="3657600"/>
+          <a:off x="152400" y="2438400"/>
+          <a:ext cx="8337551" cy="3962400"/>
         </p:xfrm>
         <a:graphic>
           <a:graphicData uri="http://schemas.openxmlformats.org/presentationml/2006/ole">
             <mc:AlternateContent xmlns:mc="http://schemas.openxmlformats.org/markup-compatibility/2006">
               <mc:Choice xmlns:v="urn:schemas-microsoft-com:vml" Requires="v">
-                <p:oleObj spid="_x0000_s13316" name="Visio" r:id="rId3" imgW="8458327" imgH="3876786" progId="Visio.Drawing.15">
+                <p:oleObj spid="_x0000_s13335" name="Visio" r:id="rId3" imgW="8458327" imgH="3876786" progId="Visio.Drawing.15">
                   <p:embed/>
                 </p:oleObj>
               </mc:Choice>
@@ -6938,8 +7342,8 @@
                     </p:blipFill>
                     <p:spPr bwMode="auto">
                       <a:xfrm>
-                        <a:off x="533400" y="2667000"/>
-                        <a:ext cx="7696200" cy="3657600"/>
+                        <a:off x="152400" y="2438400"/>
+                        <a:ext cx="8337551" cy="3962400"/>
                       </a:xfrm>
                       <a:prstGeom prst="rect">
                         <a:avLst/>
@@ -6948,25 +7352,7 @@
                       <a:ln>
                         <a:noFill/>
                       </a:ln>
-                      <a:extLst>
-                        <a:ext uri="{909E8E84-426E-40DD-AFC4-6F175D3DCCD1}">
-                          <a14:hiddenFill xmlns:a14="http://schemas.microsoft.com/office/drawing/2010/main">
-                            <a:solidFill>
-                              <a:srgbClr val="FFFFFF"/>
-                            </a:solidFill>
-                          </a14:hiddenFill>
-                        </a:ext>
-                        <a:ext uri="{91240B29-F687-4F45-9708-019B960494DF}">
-                          <a14:hiddenLine xmlns:a14="http://schemas.microsoft.com/office/drawing/2010/main" w="9525">
-                            <a:solidFill>
-                              <a:srgbClr val="000000"/>
-                            </a:solidFill>
-                            <a:miter lim="800000"/>
-                            <a:headEnd/>
-                            <a:tailEnd/>
-                          </a14:hiddenLine>
-                        </a:ext>
-                      </a:extLst>
+                      <a:extLst/>
                     </p:spPr>
                   </p:pic>
                 </p:oleObj>
@@ -6995,7 +7381,7 @@
 </p:sld>
 </file>
 
-<file path=ppt/slides/slide24.xml><?xml version="1.0" encoding="utf-8"?>
+<file path=ppt/slides/slide26.xml><?xml version="1.0" encoding="utf-8"?>
 <p:sld xmlns:a="http://schemas.openxmlformats.org/drawingml/2006/main" xmlns:r="http://schemas.openxmlformats.org/officeDocument/2006/relationships" xmlns:p="http://schemas.openxmlformats.org/presentationml/2006/main">
   <p:cSld>
     <p:spTree>
@@ -7035,29 +7421,6 @@
           </a:p>
         </p:txBody>
       </p:sp>
-      <p:sp>
-        <p:nvSpPr>
-          <p:cNvPr id="3" name="Content Placeholder 2"/>
-          <p:cNvSpPr>
-            <a:spLocks noGrp="1"/>
-          </p:cNvSpPr>
-          <p:nvPr>
-            <p:ph idx="1"/>
-          </p:nvPr>
-        </p:nvSpPr>
-        <p:spPr/>
-        <p:txBody>
-          <a:bodyPr>
-            <a:normAutofit/>
-          </a:bodyPr>
-          <a:lstStyle/>
-          <a:p>
-            <a:endParaRPr lang="en-US" sz="2800" dirty="0" smtClean="0">
-              <a:latin typeface="+mj-lt"/>
-            </a:endParaRPr>
-          </a:p>
-        </p:txBody>
-      </p:sp>
       <p:graphicFrame>
         <p:nvGraphicFramePr>
           <p:cNvPr id="5" name="Object 4"/>
@@ -7067,25 +7430,25 @@
           <p:nvPr>
             <p:extLst>
               <p:ext uri="{D42A27DB-BD31-4B8C-83A1-F6EECF244321}">
-                <p14:modId xmlns:p14="http://schemas.microsoft.com/office/powerpoint/2010/main" val="3791207940"/>
+                <p14:modId xmlns:p14="http://schemas.microsoft.com/office/powerpoint/2010/main" val="370569943"/>
               </p:ext>
             </p:extLst>
           </p:nvPr>
         </p:nvGraphicFramePr>
         <p:xfrm>
-          <a:off x="533400" y="1219200"/>
+          <a:off x="533400" y="1524000"/>
           <a:ext cx="7239000" cy="5105400"/>
         </p:xfrm>
         <a:graphic>
           <a:graphicData uri="http://schemas.openxmlformats.org/presentationml/2006/ole">
             <mc:AlternateContent xmlns:mc="http://schemas.openxmlformats.org/markup-compatibility/2006">
               <mc:Choice xmlns:v="urn:schemas-microsoft-com:vml" Requires="v">
-                <p:oleObj spid="_x0000_s14340" name="Visio" r:id="rId3" imgW="6200812" imgH="5143584" progId="Visio.Drawing.15">
+                <p:oleObj spid="_x0000_s14359" name="Visio" r:id="rId3" imgW="6200696" imgH="5143584" progId="Visio.Drawing.15">
                   <p:embed/>
                 </p:oleObj>
               </mc:Choice>
               <mc:Fallback>
-                <p:oleObj name="Visio" r:id="rId3" imgW="6200812" imgH="5143584" progId="Visio.Drawing.15">
+                <p:oleObj name="Visio" r:id="rId3" imgW="6200696" imgH="5143584" progId="Visio.Drawing.15">
                   <p:embed/>
                   <p:pic>
                     <p:nvPicPr>
@@ -7096,13 +7459,7 @@
                       <p:nvPr/>
                     </p:nvPicPr>
                     <p:blipFill>
-                      <a:blip r:embed="rId4">
-                        <a:extLst>
-                          <a:ext uri="{28A0092B-C50C-407E-A947-70E740481C1C}">
-                            <a14:useLocalDpi xmlns:a14="http://schemas.microsoft.com/office/drawing/2010/main" val="0"/>
-                          </a:ext>
-                        </a:extLst>
-                      </a:blip>
+                      <a:blip r:embed="rId4"/>
                       <a:srcRect/>
                       <a:stretch>
                         <a:fillRect/>
@@ -7110,7 +7467,7 @@
                     </p:blipFill>
                     <p:spPr bwMode="auto">
                       <a:xfrm>
-                        <a:off x="533400" y="1219200"/>
+                        <a:off x="533400" y="1524000"/>
                         <a:ext cx="7239000" cy="5105400"/>
                       </a:xfrm>
                       <a:prstGeom prst="rect">
@@ -7167,7 +7524,7 @@
 </p:sld>
 </file>
 
-<file path=ppt/slides/slide25.xml><?xml version="1.0" encoding="utf-8"?>
+<file path=ppt/slides/slide27.xml><?xml version="1.0" encoding="utf-8"?>
 <p:sld xmlns:a="http://schemas.openxmlformats.org/drawingml/2006/main" xmlns:r="http://schemas.openxmlformats.org/officeDocument/2006/relationships" xmlns:p="http://schemas.openxmlformats.org/presentationml/2006/main">
   <p:cSld>
     <p:spTree>
@@ -7330,7 +7687,7 @@
 </p:sld>
 </file>
 
-<file path=ppt/slides/slide26.xml><?xml version="1.0" encoding="utf-8"?>
+<file path=ppt/slides/slide28.xml><?xml version="1.0" encoding="utf-8"?>
 <p:sld xmlns:a="http://schemas.openxmlformats.org/drawingml/2006/main" xmlns:r="http://schemas.openxmlformats.org/officeDocument/2006/relationships" xmlns:p="http://schemas.openxmlformats.org/presentationml/2006/main">
   <p:cSld>
     <p:spTree>
@@ -7357,10 +7714,33 @@
             <p:ph type="title"/>
           </p:nvPr>
         </p:nvSpPr>
+        <p:spPr/>
+        <p:txBody>
+          <a:bodyPr/>
+          <a:lstStyle/>
+          <a:p>
+            <a:r>
+              <a:rPr lang="en-US" smtClean="0"/>
+              <a:t>Data Flow Diagrams</a:t>
+            </a:r>
+            <a:endParaRPr lang="en-US"/>
+          </a:p>
+        </p:txBody>
+      </p:sp>
+      <p:sp>
+        <p:nvSpPr>
+          <p:cNvPr id="3" name="Content Placeholder 2"/>
+          <p:cNvSpPr>
+            <a:spLocks noGrp="1"/>
+          </p:cNvSpPr>
+          <p:nvPr>
+            <p:ph idx="1"/>
+          </p:nvPr>
+        </p:nvSpPr>
         <p:spPr>
           <a:xfrm>
-            <a:off x="152400" y="304800"/>
-            <a:ext cx="7659687" cy="914400"/>
+            <a:off x="381000" y="2286000"/>
+            <a:ext cx="4038600" cy="2362200"/>
           </a:xfrm>
         </p:spPr>
         <p:txBody>
@@ -7368,21 +7748,17 @@
           <a:lstStyle/>
           <a:p>
             <a:r>
-              <a:rPr lang="en-US" sz="1600" b="1" i="1" dirty="0"/>
+              <a:rPr lang="en-US" sz="2400" b="1" i="1"/>
               <a:t>Level 2</a:t>
             </a:r>
             <a:br>
-              <a:rPr lang="en-US" sz="1600" b="1" i="1" dirty="0"/>
+              <a:rPr lang="en-US" sz="2400" b="1" i="1"/>
             </a:br>
             <a:r>
-              <a:rPr lang="en-US" sz="1600" dirty="0"/>
-              <a:t>Provides in-depth view of the data flow among the various components of the web </a:t>
-            </a:r>
-            <a:r>
-              <a:rPr lang="en-US" sz="1600" dirty="0" smtClean="0"/>
-              <a:t>application</a:t>
-            </a:r>
-            <a:endParaRPr lang="en-US" dirty="0"/>
+              <a:rPr lang="en-US" sz="2400"/>
+              <a:t>Provides in-depth view of the data flow among the various components of the web application</a:t>
+            </a:r>
+            <a:endParaRPr lang="en-US"/>
           </a:p>
         </p:txBody>
       </p:sp>
@@ -7407,8 +7783,8 @@
         </p:blipFill>
         <p:spPr bwMode="auto">
           <a:xfrm>
-            <a:off x="2438400" y="838200"/>
-            <a:ext cx="3810000" cy="5995990"/>
+            <a:off x="4927979" y="1143000"/>
+            <a:ext cx="3327779" cy="5386316"/>
           </a:xfrm>
           <a:prstGeom prst="rect">
             <a:avLst/>
@@ -7422,7 +7798,7 @@
     </p:spTree>
     <p:extLst>
       <p:ext uri="{BB962C8B-B14F-4D97-AF65-F5344CB8AC3E}">
-        <p14:creationId xmlns:p14="http://schemas.microsoft.com/office/powerpoint/2010/main" val="4210827723"/>
+        <p14:creationId xmlns:p14="http://schemas.microsoft.com/office/powerpoint/2010/main" val="1408169945"/>
       </p:ext>
     </p:extLst>
   </p:cSld>
@@ -7439,7 +7815,7 @@
 </p:sld>
 </file>
 
-<file path=ppt/slides/slide27.xml><?xml version="1.0" encoding="utf-8"?>
+<file path=ppt/slides/slide29.xml><?xml version="1.0" encoding="utf-8"?>
 <p:sld xmlns:a="http://schemas.openxmlformats.org/drawingml/2006/main" xmlns:r="http://schemas.openxmlformats.org/officeDocument/2006/relationships" xmlns:p="http://schemas.openxmlformats.org/presentationml/2006/main">
   <p:cSld>
     <p:spTree>
@@ -7468,8 +7844,8 @@
         </p:nvSpPr>
         <p:spPr>
           <a:xfrm>
-            <a:off x="228600" y="152400"/>
-            <a:ext cx="7659687" cy="762000"/>
+            <a:off x="457200" y="274638"/>
+            <a:ext cx="7620000" cy="1143000"/>
           </a:xfrm>
         </p:spPr>
         <p:txBody>
@@ -7477,16 +7853,45 @@
           <a:lstStyle/>
           <a:p>
             <a:r>
-              <a:rPr lang="en-US" sz="2000" b="1" i="1" dirty="0"/>
+              <a:rPr lang="en-US" smtClean="0"/>
+              <a:t>Data Flow Diagrams</a:t>
+            </a:r>
+            <a:endParaRPr lang="en-US"/>
+          </a:p>
+        </p:txBody>
+      </p:sp>
+      <p:sp>
+        <p:nvSpPr>
+          <p:cNvPr id="3" name="Content Placeholder 2"/>
+          <p:cNvSpPr>
+            <a:spLocks noGrp="1"/>
+          </p:cNvSpPr>
+          <p:nvPr>
+            <p:ph idx="1"/>
+          </p:nvPr>
+        </p:nvSpPr>
+        <p:spPr>
+          <a:xfrm>
+            <a:off x="533400" y="2752867"/>
+            <a:ext cx="3657600" cy="1295400"/>
+          </a:xfrm>
+        </p:spPr>
+        <p:txBody>
+          <a:bodyPr/>
+          <a:lstStyle/>
+          <a:p>
+            <a:r>
+              <a:rPr lang="en-US" sz="2400" b="1" i="1"/>
               <a:t>Level 3-1</a:t>
             </a:r>
             <a:br>
-              <a:rPr lang="en-US" sz="2000" b="1" i="1" dirty="0"/>
+              <a:rPr lang="en-US" sz="2400" b="1" i="1"/>
             </a:br>
             <a:r>
-              <a:rPr lang="en-US" sz="2000" dirty="0"/>
+              <a:rPr lang="en-US" sz="2400"/>
               <a:t>Shows the flow of user data in EJCA </a:t>
             </a:r>
+            <a:endParaRPr lang="en-US"/>
           </a:p>
         </p:txBody>
       </p:sp>
@@ -7511,8 +7916,8 @@
         </p:blipFill>
         <p:spPr bwMode="auto">
           <a:xfrm>
-            <a:off x="5257800" y="152400"/>
-            <a:ext cx="1975485" cy="6581775"/>
+            <a:off x="6019800" y="-1"/>
+            <a:ext cx="2432685" cy="6829567"/>
           </a:xfrm>
           <a:prstGeom prst="rect">
             <a:avLst/>
@@ -7526,194 +7931,20 @@
     </p:spTree>
     <p:extLst>
       <p:ext uri="{BB962C8B-B14F-4D97-AF65-F5344CB8AC3E}">
-        <p14:creationId xmlns:p14="http://schemas.microsoft.com/office/powerpoint/2010/main" val="3316226493"/>
+        <p14:creationId xmlns:p14="http://schemas.microsoft.com/office/powerpoint/2010/main" val="1342464662"/>
       </p:ext>
     </p:extLst>
   </p:cSld>
   <p:clrMapOvr>
     <a:masterClrMapping/>
   </p:clrMapOvr>
-</p:sld>
-</file>
-
-<file path=ppt/slides/slide28.xml><?xml version="1.0" encoding="utf-8"?>
-<p:sld xmlns:a="http://schemas.openxmlformats.org/drawingml/2006/main" xmlns:r="http://schemas.openxmlformats.org/officeDocument/2006/relationships" xmlns:p="http://schemas.openxmlformats.org/presentationml/2006/main">
-  <p:cSld>
-    <p:spTree>
-      <p:nvGrpSpPr>
-        <p:cNvPr id="1" name=""/>
-        <p:cNvGrpSpPr/>
-        <p:nvPr/>
-      </p:nvGrpSpPr>
-      <p:grpSpPr>
-        <a:xfrm>
-          <a:off x="0" y="0"/>
-          <a:ext cx="0" cy="0"/>
-          <a:chOff x="0" y="0"/>
-          <a:chExt cx="0" cy="0"/>
-        </a:xfrm>
-      </p:grpSpPr>
-      <p:sp>
-        <p:nvSpPr>
-          <p:cNvPr id="2" name="Title 1"/>
-          <p:cNvSpPr>
-            <a:spLocks noGrp="1"/>
-          </p:cNvSpPr>
-          <p:nvPr>
-            <p:ph type="title"/>
-          </p:nvPr>
-        </p:nvSpPr>
-        <p:spPr>
-          <a:xfrm>
-            <a:off x="228600" y="152400"/>
-            <a:ext cx="7659687" cy="1168400"/>
-          </a:xfrm>
-        </p:spPr>
-        <p:txBody>
-          <a:bodyPr/>
-          <a:lstStyle/>
-          <a:p>
-            <a:r>
-              <a:rPr lang="en-US" sz="2400" b="1" i="1" dirty="0"/>
-              <a:t>Level 3-2</a:t>
-            </a:r>
-            <a:br>
-              <a:rPr lang="en-US" sz="2400" b="1" i="1" dirty="0"/>
-            </a:br>
-            <a:r>
-              <a:rPr lang="en-US" sz="2400" b="1" dirty="0"/>
-              <a:t>Shows the flow of jobs data in EJCA</a:t>
-            </a:r>
-            <a:r>
-              <a:rPr lang="en-US" b="1" dirty="0"/>
-              <a:t/>
-            </a:r>
-            <a:br>
-              <a:rPr lang="en-US" b="1" dirty="0"/>
-            </a:br>
-            <a:endParaRPr lang="en-US" dirty="0"/>
-          </a:p>
-        </p:txBody>
-      </p:sp>
-      <p:pic>
-        <p:nvPicPr>
-          <p:cNvPr id="4" name="Picture 3"/>
-          <p:cNvPicPr/>
-          <p:nvPr/>
-        </p:nvPicPr>
-        <p:blipFill>
-          <a:blip r:embed="rId2">
-            <a:extLst>
-              <a:ext uri="{28A0092B-C50C-407E-A947-70E740481C1C}">
-                <a14:useLocalDpi xmlns:a14="http://schemas.microsoft.com/office/drawing/2010/main" val="0"/>
-              </a:ext>
-            </a:extLst>
-          </a:blip>
-          <a:srcRect/>
-          <a:stretch>
-            <a:fillRect/>
-          </a:stretch>
-        </p:blipFill>
-        <p:spPr bwMode="auto">
-          <a:xfrm>
-            <a:off x="5867400" y="0"/>
-            <a:ext cx="2233930" cy="6581775"/>
-          </a:xfrm>
-          <a:prstGeom prst="rect">
-            <a:avLst/>
-          </a:prstGeom>
-          <a:noFill/>
-          <a:ln>
-            <a:noFill/>
-          </a:ln>
-        </p:spPr>
-      </p:pic>
-    </p:spTree>
-    <p:extLst>
-      <p:ext uri="{BB962C8B-B14F-4D97-AF65-F5344CB8AC3E}">
-        <p14:creationId xmlns:p14="http://schemas.microsoft.com/office/powerpoint/2010/main" val="2362912670"/>
-      </p:ext>
-    </p:extLst>
-  </p:cSld>
-  <p:clrMapOvr>
-    <a:masterClrMapping/>
-  </p:clrMapOvr>
-</p:sld>
-</file>
-
-<file path=ppt/slides/slide29.xml><?xml version="1.0" encoding="utf-8"?>
-<p:sld xmlns:a="http://schemas.openxmlformats.org/drawingml/2006/main" xmlns:r="http://schemas.openxmlformats.org/officeDocument/2006/relationships" xmlns:p="http://schemas.openxmlformats.org/presentationml/2006/main">
-  <p:cSld>
-    <p:spTree>
-      <p:nvGrpSpPr>
-        <p:cNvPr id="1" name=""/>
-        <p:cNvGrpSpPr/>
-        <p:nvPr/>
-      </p:nvGrpSpPr>
-      <p:grpSpPr>
-        <a:xfrm>
-          <a:off x="0" y="0"/>
-          <a:ext cx="0" cy="0"/>
-          <a:chOff x="0" y="0"/>
-          <a:chExt cx="0" cy="0"/>
-        </a:xfrm>
-      </p:grpSpPr>
-      <p:sp>
-        <p:nvSpPr>
-          <p:cNvPr id="2" name="Title 1"/>
-          <p:cNvSpPr>
-            <a:spLocks noGrp="1"/>
-          </p:cNvSpPr>
-          <p:nvPr>
-            <p:ph type="title"/>
-          </p:nvPr>
-        </p:nvSpPr>
-        <p:spPr/>
-        <p:txBody>
-          <a:bodyPr/>
-          <a:lstStyle/>
-          <a:p>
-            <a:r>
-              <a:rPr lang="en-US" smtClean="0"/>
-              <a:t>User Interface Design</a:t>
-            </a:r>
-            <a:endParaRPr lang="en-US"/>
-          </a:p>
-        </p:txBody>
-      </p:sp>
-      <p:sp>
-        <p:nvSpPr>
-          <p:cNvPr id="3" name="Content Placeholder 2"/>
-          <p:cNvSpPr>
-            <a:spLocks noGrp="1"/>
-          </p:cNvSpPr>
-          <p:nvPr>
-            <p:ph idx="1"/>
-          </p:nvPr>
-        </p:nvSpPr>
-        <p:spPr/>
-        <p:txBody>
-          <a:bodyPr/>
-          <a:lstStyle/>
-          <a:p>
-            <a:r>
-              <a:rPr lang="en-US" smtClean="0"/>
-              <a:t>See Document</a:t>
-            </a:r>
-            <a:endParaRPr lang="en-US"/>
-          </a:p>
-        </p:txBody>
-      </p:sp>
-    </p:spTree>
-    <p:extLst>
-      <p:ext uri="{BB962C8B-B14F-4D97-AF65-F5344CB8AC3E}">
-        <p14:creationId xmlns:p14="http://schemas.microsoft.com/office/powerpoint/2010/main" val="3160369353"/>
-      </p:ext>
-    </p:extLst>
-  </p:cSld>
-  <p:clrMapOvr>
-    <a:masterClrMapping/>
-  </p:clrMapOvr>
+  <p:timing>
+    <p:tnLst>
+      <p:par>
+        <p:cTn id="1" dur="indefinite" restart="never" nodeType="tmRoot"/>
+      </p:par>
+    </p:tnLst>
+  </p:timing>
 </p:sld>
 </file>
 
@@ -7800,6 +8031,2061 @@
     <p:extLst>
       <p:ext uri="{BB962C8B-B14F-4D97-AF65-F5344CB8AC3E}">
         <p14:creationId xmlns:p14="http://schemas.microsoft.com/office/powerpoint/2010/main" val="1044335434"/>
+      </p:ext>
+    </p:extLst>
+  </p:cSld>
+  <p:clrMapOvr>
+    <a:masterClrMapping/>
+  </p:clrMapOvr>
+  <p:timing>
+    <p:tnLst>
+      <p:par>
+        <p:cTn id="1" dur="indefinite" restart="never" nodeType="tmRoot"/>
+      </p:par>
+    </p:tnLst>
+  </p:timing>
+</p:sld>
+</file>
+
+<file path=ppt/slides/slide30.xml><?xml version="1.0" encoding="utf-8"?>
+<p:sld xmlns:a="http://schemas.openxmlformats.org/drawingml/2006/main" xmlns:r="http://schemas.openxmlformats.org/officeDocument/2006/relationships" xmlns:p="http://schemas.openxmlformats.org/presentationml/2006/main">
+  <p:cSld>
+    <p:spTree>
+      <p:nvGrpSpPr>
+        <p:cNvPr id="1" name=""/>
+        <p:cNvGrpSpPr/>
+        <p:nvPr/>
+      </p:nvGrpSpPr>
+      <p:grpSpPr>
+        <a:xfrm>
+          <a:off x="0" y="0"/>
+          <a:ext cx="0" cy="0"/>
+          <a:chOff x="0" y="0"/>
+          <a:chExt cx="0" cy="0"/>
+        </a:xfrm>
+      </p:grpSpPr>
+      <p:sp>
+        <p:nvSpPr>
+          <p:cNvPr id="2" name="Title 1"/>
+          <p:cNvSpPr>
+            <a:spLocks noGrp="1"/>
+          </p:cNvSpPr>
+          <p:nvPr>
+            <p:ph type="title"/>
+          </p:nvPr>
+        </p:nvSpPr>
+        <p:spPr>
+          <a:xfrm>
+            <a:off x="457200" y="274638"/>
+            <a:ext cx="7620000" cy="1143000"/>
+          </a:xfrm>
+        </p:spPr>
+        <p:txBody>
+          <a:bodyPr/>
+          <a:lstStyle/>
+          <a:p>
+            <a:r>
+              <a:rPr lang="en-US" smtClean="0"/>
+              <a:t>Data Flow Diagrams</a:t>
+            </a:r>
+            <a:endParaRPr lang="en-US"/>
+          </a:p>
+        </p:txBody>
+      </p:sp>
+      <p:sp>
+        <p:nvSpPr>
+          <p:cNvPr id="3" name="Content Placeholder 2"/>
+          <p:cNvSpPr>
+            <a:spLocks noGrp="1"/>
+          </p:cNvSpPr>
+          <p:nvPr>
+            <p:ph idx="1"/>
+          </p:nvPr>
+        </p:nvSpPr>
+        <p:spPr>
+          <a:xfrm>
+            <a:off x="533400" y="2752867"/>
+            <a:ext cx="3657600" cy="1295400"/>
+          </a:xfrm>
+        </p:spPr>
+        <p:txBody>
+          <a:bodyPr/>
+          <a:lstStyle/>
+          <a:p>
+            <a:r>
+              <a:rPr lang="en-US" sz="2400" b="1" i="1"/>
+              <a:t>Level 3-1</a:t>
+            </a:r>
+            <a:br>
+              <a:rPr lang="en-US" sz="2400" b="1" i="1"/>
+            </a:br>
+            <a:r>
+              <a:rPr lang="en-US" sz="2400"/>
+              <a:t>Shows the flow </a:t>
+            </a:r>
+            <a:r>
+              <a:rPr lang="en-US" sz="2400"/>
+              <a:t>of </a:t>
+            </a:r>
+            <a:r>
+              <a:rPr lang="en-US" sz="2400" smtClean="0"/>
+              <a:t>jobs </a:t>
+            </a:r>
+            <a:r>
+              <a:rPr lang="en-US" sz="2400"/>
+              <a:t>data in EJCA </a:t>
+            </a:r>
+            <a:endParaRPr lang="en-US"/>
+          </a:p>
+        </p:txBody>
+      </p:sp>
+      <p:pic>
+        <p:nvPicPr>
+          <p:cNvPr id="5" name="Picture 4"/>
+          <p:cNvPicPr/>
+          <p:nvPr/>
+        </p:nvPicPr>
+        <p:blipFill>
+          <a:blip r:embed="rId2">
+            <a:extLst>
+              <a:ext uri="{28A0092B-C50C-407E-A947-70E740481C1C}">
+                <a14:useLocalDpi xmlns:a14="http://schemas.microsoft.com/office/drawing/2010/main" val="0"/>
+              </a:ext>
+            </a:extLst>
+          </a:blip>
+          <a:srcRect/>
+          <a:stretch>
+            <a:fillRect/>
+          </a:stretch>
+        </p:blipFill>
+        <p:spPr bwMode="auto">
+          <a:xfrm>
+            <a:off x="5800299" y="0"/>
+            <a:ext cx="2691130" cy="6858000"/>
+          </a:xfrm>
+          <a:prstGeom prst="rect">
+            <a:avLst/>
+          </a:prstGeom>
+          <a:noFill/>
+          <a:ln>
+            <a:noFill/>
+          </a:ln>
+        </p:spPr>
+      </p:pic>
+    </p:spTree>
+    <p:extLst>
+      <p:ext uri="{BB962C8B-B14F-4D97-AF65-F5344CB8AC3E}">
+        <p14:creationId xmlns:p14="http://schemas.microsoft.com/office/powerpoint/2010/main" val="125364149"/>
+      </p:ext>
+    </p:extLst>
+  </p:cSld>
+  <p:clrMapOvr>
+    <a:masterClrMapping/>
+  </p:clrMapOvr>
+  <p:timing>
+    <p:tnLst>
+      <p:par>
+        <p:cTn id="1" dur="indefinite" restart="never" nodeType="tmRoot"/>
+      </p:par>
+    </p:tnLst>
+  </p:timing>
+</p:sld>
+</file>
+
+<file path=ppt/slides/slide31.xml><?xml version="1.0" encoding="utf-8"?>
+<p:sld xmlns:a="http://schemas.openxmlformats.org/drawingml/2006/main" xmlns:r="http://schemas.openxmlformats.org/officeDocument/2006/relationships" xmlns:p="http://schemas.openxmlformats.org/presentationml/2006/main">
+  <p:cSld>
+    <p:spTree>
+      <p:nvGrpSpPr>
+        <p:cNvPr id="1" name=""/>
+        <p:cNvGrpSpPr/>
+        <p:nvPr/>
+      </p:nvGrpSpPr>
+      <p:grpSpPr>
+        <a:xfrm>
+          <a:off x="0" y="0"/>
+          <a:ext cx="0" cy="0"/>
+          <a:chOff x="0" y="0"/>
+          <a:chExt cx="0" cy="0"/>
+        </a:xfrm>
+      </p:grpSpPr>
+      <p:sp>
+        <p:nvSpPr>
+          <p:cNvPr id="2" name="Title 1"/>
+          <p:cNvSpPr>
+            <a:spLocks noGrp="1"/>
+          </p:cNvSpPr>
+          <p:nvPr>
+            <p:ph type="title"/>
+          </p:nvPr>
+        </p:nvSpPr>
+        <p:spPr/>
+        <p:txBody>
+          <a:bodyPr/>
+          <a:lstStyle/>
+          <a:p>
+            <a:r>
+              <a:rPr lang="en-US" smtClean="0"/>
+              <a:t>User Interface Design</a:t>
+            </a:r>
+            <a:endParaRPr lang="en-US"/>
+          </a:p>
+        </p:txBody>
+      </p:sp>
+      <p:pic>
+        <p:nvPicPr>
+          <p:cNvPr id="19458" name="Picture 6"/>
+          <p:cNvPicPr>
+            <a:picLocks noChangeAspect="1" noChangeArrowheads="1"/>
+          </p:cNvPicPr>
+          <p:nvPr/>
+        </p:nvPicPr>
+        <p:blipFill>
+          <a:blip r:embed="rId2" cstate="print">
+            <a:extLst>
+              <a:ext uri="{28A0092B-C50C-407E-A947-70E740481C1C}">
+                <a14:useLocalDpi xmlns:a14="http://schemas.microsoft.com/office/drawing/2010/main" val="0"/>
+              </a:ext>
+            </a:extLst>
+          </a:blip>
+          <a:srcRect/>
+          <a:stretch>
+            <a:fillRect/>
+          </a:stretch>
+        </p:blipFill>
+        <p:spPr bwMode="auto">
+          <a:xfrm>
+            <a:off x="1600200" y="1681162"/>
+            <a:ext cx="5334000" cy="2657475"/>
+          </a:xfrm>
+          <a:prstGeom prst="rect">
+            <a:avLst/>
+          </a:prstGeom>
+          <a:noFill/>
+          <a:extLst>
+            <a:ext uri="{909E8E84-426E-40DD-AFC4-6F175D3DCCD1}">
+              <a14:hiddenFill xmlns:a14="http://schemas.microsoft.com/office/drawing/2010/main">
+                <a:solidFill>
+                  <a:srgbClr val="FFFFFF"/>
+                </a:solidFill>
+              </a14:hiddenFill>
+            </a:ext>
+          </a:extLst>
+        </p:spPr>
+      </p:pic>
+      <p:pic>
+        <p:nvPicPr>
+          <p:cNvPr id="19457" name="Picture 7"/>
+          <p:cNvPicPr>
+            <a:picLocks noChangeAspect="1" noChangeArrowheads="1"/>
+          </p:cNvPicPr>
+          <p:nvPr/>
+        </p:nvPicPr>
+        <p:blipFill>
+          <a:blip r:embed="rId3" cstate="print">
+            <a:extLst>
+              <a:ext uri="{28A0092B-C50C-407E-A947-70E740481C1C}">
+                <a14:useLocalDpi xmlns:a14="http://schemas.microsoft.com/office/drawing/2010/main" val="0"/>
+              </a:ext>
+            </a:extLst>
+          </a:blip>
+          <a:srcRect/>
+          <a:stretch>
+            <a:fillRect/>
+          </a:stretch>
+        </p:blipFill>
+        <p:spPr bwMode="auto">
+          <a:xfrm>
+            <a:off x="1600200" y="4338637"/>
+            <a:ext cx="5334000" cy="2447925"/>
+          </a:xfrm>
+          <a:prstGeom prst="rect">
+            <a:avLst/>
+          </a:prstGeom>
+          <a:noFill/>
+          <a:extLst>
+            <a:ext uri="{909E8E84-426E-40DD-AFC4-6F175D3DCCD1}">
+              <a14:hiddenFill xmlns:a14="http://schemas.microsoft.com/office/drawing/2010/main">
+                <a:solidFill>
+                  <a:srgbClr val="FFFFFF"/>
+                </a:solidFill>
+              </a14:hiddenFill>
+            </a:ext>
+          </a:extLst>
+        </p:spPr>
+      </p:pic>
+      <p:sp>
+        <p:nvSpPr>
+          <p:cNvPr id="6" name="Rectangle 3"/>
+          <p:cNvSpPr>
+            <a:spLocks noChangeArrowheads="1"/>
+          </p:cNvSpPr>
+          <p:nvPr/>
+        </p:nvSpPr>
+        <p:spPr bwMode="auto">
+          <a:xfrm>
+            <a:off x="221776" y="1219200"/>
+            <a:ext cx="1163204" cy="589865"/>
+          </a:xfrm>
+          <a:prstGeom prst="rect">
+            <a:avLst/>
+          </a:prstGeom>
+          <a:noFill/>
+          <a:ln>
+            <a:noFill/>
+          </a:ln>
+          <a:effectLst/>
+          <a:extLst>
+            <a:ext uri="{909E8E84-426E-40DD-AFC4-6F175D3DCCD1}">
+              <a14:hiddenFill xmlns:a14="http://schemas.microsoft.com/office/drawing/2010/main">
+                <a:solidFill>
+                  <a:schemeClr val="accent1"/>
+                </a:solidFill>
+              </a14:hiddenFill>
+            </a:ext>
+            <a:ext uri="{91240B29-F687-4F45-9708-019B960494DF}">
+              <a14:hiddenLine xmlns:a14="http://schemas.microsoft.com/office/drawing/2010/main" w="9525">
+                <a:solidFill>
+                  <a:schemeClr val="tx1"/>
+                </a:solidFill>
+                <a:miter lim="800000"/>
+                <a:headEnd/>
+                <a:tailEnd/>
+              </a14:hiddenLine>
+            </a:ext>
+            <a:ext uri="{AF507438-7753-43E0-B8FC-AC1667EBCBE1}">
+              <a14:hiddenEffects xmlns:a14="http://schemas.microsoft.com/office/drawing/2010/main">
+                <a:effectLst>
+                  <a:outerShdw dist="35921" dir="2700000" algn="ctr" rotWithShape="0">
+                    <a:schemeClr val="bg2"/>
+                  </a:outerShdw>
+                </a:effectLst>
+              </a14:hiddenEffects>
+            </a:ext>
+          </a:extLst>
+        </p:spPr>
+        <p:txBody>
+          <a:bodyPr vert="horz" wrap="none" lIns="0" tIns="126960" rIns="0" bIns="0" numCol="1" anchor="ctr" anchorCtr="0" compatLnSpc="1">
+            <a:prstTxWarp prst="textNoShape">
+              <a:avLst/>
+            </a:prstTxWarp>
+            <a:spAutoFit/>
+          </a:bodyPr>
+          <a:lstStyle>
+            <a:lvl1pPr fontAlgn="base">
+              <a:spcBef>
+                <a:spcPct val="0"/>
+              </a:spcBef>
+              <a:spcAft>
+                <a:spcPct val="0"/>
+              </a:spcAft>
+              <a:tabLst>
+                <a:tab pos="114300" algn="l"/>
+                <a:tab pos="228600" algn="l"/>
+                <a:tab pos="457200" algn="l"/>
+              </a:tabLst>
+              <a:defRPr>
+                <a:solidFill>
+                  <a:schemeClr val="tx1"/>
+                </a:solidFill>
+                <a:latin typeface="Arial" pitchFamily="34" charset="0"/>
+                <a:cs typeface="Arial" pitchFamily="34" charset="0"/>
+              </a:defRPr>
+            </a:lvl1pPr>
+            <a:lvl2pPr fontAlgn="base">
+              <a:spcBef>
+                <a:spcPct val="0"/>
+              </a:spcBef>
+              <a:spcAft>
+                <a:spcPct val="0"/>
+              </a:spcAft>
+              <a:tabLst>
+                <a:tab pos="114300" algn="l"/>
+                <a:tab pos="228600" algn="l"/>
+                <a:tab pos="457200" algn="l"/>
+              </a:tabLst>
+              <a:defRPr>
+                <a:solidFill>
+                  <a:schemeClr val="tx1"/>
+                </a:solidFill>
+                <a:latin typeface="Arial" pitchFamily="34" charset="0"/>
+                <a:cs typeface="Arial" pitchFamily="34" charset="0"/>
+              </a:defRPr>
+            </a:lvl2pPr>
+            <a:lvl3pPr fontAlgn="base">
+              <a:spcBef>
+                <a:spcPct val="0"/>
+              </a:spcBef>
+              <a:spcAft>
+                <a:spcPct val="0"/>
+              </a:spcAft>
+              <a:tabLst>
+                <a:tab pos="114300" algn="l"/>
+                <a:tab pos="228600" algn="l"/>
+                <a:tab pos="457200" algn="l"/>
+              </a:tabLst>
+              <a:defRPr>
+                <a:solidFill>
+                  <a:schemeClr val="tx1"/>
+                </a:solidFill>
+                <a:latin typeface="Arial" pitchFamily="34" charset="0"/>
+                <a:cs typeface="Arial" pitchFamily="34" charset="0"/>
+              </a:defRPr>
+            </a:lvl3pPr>
+            <a:lvl4pPr fontAlgn="base">
+              <a:spcBef>
+                <a:spcPct val="0"/>
+              </a:spcBef>
+              <a:spcAft>
+                <a:spcPct val="0"/>
+              </a:spcAft>
+              <a:tabLst>
+                <a:tab pos="114300" algn="l"/>
+                <a:tab pos="228600" algn="l"/>
+                <a:tab pos="457200" algn="l"/>
+              </a:tabLst>
+              <a:defRPr>
+                <a:solidFill>
+                  <a:schemeClr val="tx1"/>
+                </a:solidFill>
+                <a:latin typeface="Arial" pitchFamily="34" charset="0"/>
+                <a:cs typeface="Arial" pitchFamily="34" charset="0"/>
+              </a:defRPr>
+            </a:lvl4pPr>
+            <a:lvl5pPr fontAlgn="base">
+              <a:spcBef>
+                <a:spcPct val="0"/>
+              </a:spcBef>
+              <a:spcAft>
+                <a:spcPct val="0"/>
+              </a:spcAft>
+              <a:tabLst>
+                <a:tab pos="114300" algn="l"/>
+                <a:tab pos="228600" algn="l"/>
+                <a:tab pos="457200" algn="l"/>
+              </a:tabLst>
+              <a:defRPr>
+                <a:solidFill>
+                  <a:schemeClr val="tx1"/>
+                </a:solidFill>
+                <a:latin typeface="Arial" pitchFamily="34" charset="0"/>
+                <a:cs typeface="Arial" pitchFamily="34" charset="0"/>
+              </a:defRPr>
+            </a:lvl5pPr>
+            <a:lvl6pPr fontAlgn="base">
+              <a:spcBef>
+                <a:spcPct val="0"/>
+              </a:spcBef>
+              <a:spcAft>
+                <a:spcPct val="0"/>
+              </a:spcAft>
+              <a:tabLst>
+                <a:tab pos="114300" algn="l"/>
+                <a:tab pos="228600" algn="l"/>
+                <a:tab pos="457200" algn="l"/>
+              </a:tabLst>
+              <a:defRPr>
+                <a:solidFill>
+                  <a:schemeClr val="tx1"/>
+                </a:solidFill>
+                <a:latin typeface="Arial" pitchFamily="34" charset="0"/>
+                <a:cs typeface="Arial" pitchFamily="34" charset="0"/>
+              </a:defRPr>
+            </a:lvl6pPr>
+            <a:lvl7pPr fontAlgn="base">
+              <a:spcBef>
+                <a:spcPct val="0"/>
+              </a:spcBef>
+              <a:spcAft>
+                <a:spcPct val="0"/>
+              </a:spcAft>
+              <a:tabLst>
+                <a:tab pos="114300" algn="l"/>
+                <a:tab pos="228600" algn="l"/>
+                <a:tab pos="457200" algn="l"/>
+              </a:tabLst>
+              <a:defRPr>
+                <a:solidFill>
+                  <a:schemeClr val="tx1"/>
+                </a:solidFill>
+                <a:latin typeface="Arial" pitchFamily="34" charset="0"/>
+                <a:cs typeface="Arial" pitchFamily="34" charset="0"/>
+              </a:defRPr>
+            </a:lvl7pPr>
+            <a:lvl8pPr fontAlgn="base">
+              <a:spcBef>
+                <a:spcPct val="0"/>
+              </a:spcBef>
+              <a:spcAft>
+                <a:spcPct val="0"/>
+              </a:spcAft>
+              <a:tabLst>
+                <a:tab pos="114300" algn="l"/>
+                <a:tab pos="228600" algn="l"/>
+                <a:tab pos="457200" algn="l"/>
+              </a:tabLst>
+              <a:defRPr>
+                <a:solidFill>
+                  <a:schemeClr val="tx1"/>
+                </a:solidFill>
+                <a:latin typeface="Arial" pitchFamily="34" charset="0"/>
+                <a:cs typeface="Arial" pitchFamily="34" charset="0"/>
+              </a:defRPr>
+            </a:lvl8pPr>
+            <a:lvl9pPr fontAlgn="base">
+              <a:spcBef>
+                <a:spcPct val="0"/>
+              </a:spcBef>
+              <a:spcAft>
+                <a:spcPct val="0"/>
+              </a:spcAft>
+              <a:tabLst>
+                <a:tab pos="114300" algn="l"/>
+                <a:tab pos="228600" algn="l"/>
+                <a:tab pos="457200" algn="l"/>
+              </a:tabLst>
+              <a:defRPr>
+                <a:solidFill>
+                  <a:schemeClr val="tx1"/>
+                </a:solidFill>
+                <a:latin typeface="Arial" pitchFamily="34" charset="0"/>
+                <a:cs typeface="Arial" pitchFamily="34" charset="0"/>
+              </a:defRPr>
+            </a:lvl9pPr>
+          </a:lstStyle>
+          <a:p>
+            <a:pPr marL="0" marR="0" lvl="0" indent="0" algn="l" defTabSz="914400" rtl="0" eaLnBrk="1" fontAlgn="base" latinLnBrk="0" hangingPunct="1">
+              <a:lnSpc>
+                <a:spcPct val="100000"/>
+              </a:lnSpc>
+              <a:spcBef>
+                <a:spcPct val="0"/>
+              </a:spcBef>
+              <a:spcAft>
+                <a:spcPct val="0"/>
+              </a:spcAft>
+              <a:buClrTx/>
+              <a:buSzTx/>
+              <a:buFontTx/>
+              <a:buNone/>
+              <a:tabLst>
+                <a:tab pos="114300" algn="l"/>
+                <a:tab pos="228600" algn="l"/>
+                <a:tab pos="457200" algn="l"/>
+              </a:tabLst>
+            </a:pPr>
+            <a:r>
+              <a:rPr kumimoji="0" lang="en-US" altLang="en-US" sz="1200" b="1" i="0" u="none" strike="noStrike" cap="none" normalizeH="0" baseline="0" smtClean="0">
+                <a:ln>
+                  <a:noFill/>
+                </a:ln>
+                <a:solidFill>
+                  <a:srgbClr val="4F81BD"/>
+                </a:solidFill>
+                <a:effectLst/>
+                <a:latin typeface="Cambria" pitchFamily="18" charset="0"/>
+                <a:ea typeface="MS Gothic" pitchFamily="49" charset="-128"/>
+                <a:cs typeface="Shruti" pitchFamily="34" charset="0"/>
+              </a:rPr>
+              <a:t>4</a:t>
+            </a:r>
+            <a:r>
+              <a:rPr kumimoji="0" lang="en-US" altLang="en-US" sz="1200" b="1" i="0" u="none" strike="noStrike" cap="none" normalizeH="0" baseline="0" smtClean="0" bmk="">
+                <a:ln>
+                  <a:noFill/>
+                </a:ln>
+                <a:solidFill>
+                  <a:srgbClr val="4F81BD"/>
+                </a:solidFill>
+                <a:effectLst/>
+                <a:latin typeface="Cambria" pitchFamily="18" charset="0"/>
+                <a:ea typeface="MS Gothic" pitchFamily="49" charset="-128"/>
+                <a:cs typeface="Shruti" pitchFamily="34" charset="0"/>
+              </a:rPr>
+              <a:t>.6.1 Home Page</a:t>
+            </a:r>
+            <a:endParaRPr kumimoji="0" lang="en-US" altLang="en-US" sz="1200" b="1" i="0" u="none" strike="noStrike" cap="none" normalizeH="0" baseline="0" smtClean="0">
+              <a:ln>
+                <a:noFill/>
+              </a:ln>
+              <a:solidFill>
+                <a:srgbClr val="4F81BD"/>
+              </a:solidFill>
+              <a:effectLst/>
+              <a:latin typeface="Cambria" pitchFamily="18" charset="0"/>
+              <a:ea typeface="MS Gothic" pitchFamily="49" charset="-128"/>
+              <a:cs typeface="Shruti" pitchFamily="34" charset="0"/>
+            </a:endParaRPr>
+          </a:p>
+          <a:p>
+            <a:pPr marL="0" marR="0" lvl="0" indent="0" algn="l" defTabSz="914400" rtl="0" eaLnBrk="0" fontAlgn="base" latinLnBrk="0" hangingPunct="0">
+              <a:lnSpc>
+                <a:spcPct val="100000"/>
+              </a:lnSpc>
+              <a:spcBef>
+                <a:spcPct val="0"/>
+              </a:spcBef>
+              <a:spcAft>
+                <a:spcPct val="0"/>
+              </a:spcAft>
+              <a:buClrTx/>
+              <a:buSzTx/>
+              <a:buFontTx/>
+              <a:buNone/>
+              <a:tabLst>
+                <a:tab pos="114300" algn="l"/>
+                <a:tab pos="228600" algn="l"/>
+                <a:tab pos="457200" algn="l"/>
+              </a:tabLst>
+            </a:pPr>
+            <a:endParaRPr kumimoji="0" lang="en-US" altLang="en-US" sz="1800" b="0" i="0" u="none" strike="noStrike" cap="none" normalizeH="0" baseline="0" smtClean="0">
+              <a:ln>
+                <a:noFill/>
+              </a:ln>
+              <a:solidFill>
+                <a:schemeClr val="tx1"/>
+              </a:solidFill>
+              <a:effectLst/>
+              <a:latin typeface="Arial" pitchFamily="34" charset="0"/>
+              <a:cs typeface="Arial" pitchFamily="34" charset="0"/>
+            </a:endParaRPr>
+          </a:p>
+        </p:txBody>
+      </p:sp>
+      <p:sp>
+        <p:nvSpPr>
+          <p:cNvPr id="7" name="Rectangle 4"/>
+          <p:cNvSpPr>
+            <a:spLocks noChangeArrowheads="1"/>
+          </p:cNvSpPr>
+          <p:nvPr/>
+        </p:nvSpPr>
+        <p:spPr bwMode="auto">
+          <a:xfrm>
+            <a:off x="0" y="3114675"/>
+            <a:ext cx="9144000" cy="0"/>
+          </a:xfrm>
+          <a:prstGeom prst="rect">
+            <a:avLst/>
+          </a:prstGeom>
+          <a:noFill/>
+          <a:ln>
+            <a:noFill/>
+          </a:ln>
+          <a:effectLst/>
+          <a:extLst>
+            <a:ext uri="{909E8E84-426E-40DD-AFC4-6F175D3DCCD1}">
+              <a14:hiddenFill xmlns:a14="http://schemas.microsoft.com/office/drawing/2010/main">
+                <a:solidFill>
+                  <a:schemeClr val="accent1"/>
+                </a:solidFill>
+              </a14:hiddenFill>
+            </a:ext>
+            <a:ext uri="{91240B29-F687-4F45-9708-019B960494DF}">
+              <a14:hiddenLine xmlns:a14="http://schemas.microsoft.com/office/drawing/2010/main" w="9525">
+                <a:solidFill>
+                  <a:schemeClr val="tx1"/>
+                </a:solidFill>
+                <a:miter lim="800000"/>
+                <a:headEnd/>
+                <a:tailEnd/>
+              </a14:hiddenLine>
+            </a:ext>
+            <a:ext uri="{AF507438-7753-43E0-B8FC-AC1667EBCBE1}">
+              <a14:hiddenEffects xmlns:a14="http://schemas.microsoft.com/office/drawing/2010/main">
+                <a:effectLst>
+                  <a:outerShdw dist="35921" dir="2700000" algn="ctr" rotWithShape="0">
+                    <a:schemeClr val="bg2"/>
+                  </a:outerShdw>
+                </a:effectLst>
+              </a14:hiddenEffects>
+            </a:ext>
+          </a:extLst>
+        </p:spPr>
+        <p:txBody>
+          <a:bodyPr vert="horz" wrap="none" lIns="91440" tIns="45720" rIns="91440" bIns="45720" numCol="1" anchor="ctr" anchorCtr="0" compatLnSpc="1">
+            <a:prstTxWarp prst="textNoShape">
+              <a:avLst/>
+            </a:prstTxWarp>
+            <a:spAutoFit/>
+          </a:bodyPr>
+          <a:lstStyle>
+            <a:lvl1pPr fontAlgn="base">
+              <a:spcBef>
+                <a:spcPct val="0"/>
+              </a:spcBef>
+              <a:spcAft>
+                <a:spcPct val="0"/>
+              </a:spcAft>
+              <a:tabLst>
+                <a:tab pos="114300" algn="l"/>
+                <a:tab pos="228600" algn="l"/>
+                <a:tab pos="457200" algn="l"/>
+              </a:tabLst>
+              <a:defRPr>
+                <a:solidFill>
+                  <a:schemeClr val="tx1"/>
+                </a:solidFill>
+                <a:latin typeface="Arial" pitchFamily="34" charset="0"/>
+                <a:cs typeface="Arial" pitchFamily="34" charset="0"/>
+              </a:defRPr>
+            </a:lvl1pPr>
+            <a:lvl2pPr fontAlgn="base">
+              <a:spcBef>
+                <a:spcPct val="0"/>
+              </a:spcBef>
+              <a:spcAft>
+                <a:spcPct val="0"/>
+              </a:spcAft>
+              <a:tabLst>
+                <a:tab pos="114300" algn="l"/>
+                <a:tab pos="228600" algn="l"/>
+                <a:tab pos="457200" algn="l"/>
+              </a:tabLst>
+              <a:defRPr>
+                <a:solidFill>
+                  <a:schemeClr val="tx1"/>
+                </a:solidFill>
+                <a:latin typeface="Arial" pitchFamily="34" charset="0"/>
+                <a:cs typeface="Arial" pitchFamily="34" charset="0"/>
+              </a:defRPr>
+            </a:lvl2pPr>
+            <a:lvl3pPr fontAlgn="base">
+              <a:spcBef>
+                <a:spcPct val="0"/>
+              </a:spcBef>
+              <a:spcAft>
+                <a:spcPct val="0"/>
+              </a:spcAft>
+              <a:tabLst>
+                <a:tab pos="114300" algn="l"/>
+                <a:tab pos="228600" algn="l"/>
+                <a:tab pos="457200" algn="l"/>
+              </a:tabLst>
+              <a:defRPr>
+                <a:solidFill>
+                  <a:schemeClr val="tx1"/>
+                </a:solidFill>
+                <a:latin typeface="Arial" pitchFamily="34" charset="0"/>
+                <a:cs typeface="Arial" pitchFamily="34" charset="0"/>
+              </a:defRPr>
+            </a:lvl3pPr>
+            <a:lvl4pPr fontAlgn="base">
+              <a:spcBef>
+                <a:spcPct val="0"/>
+              </a:spcBef>
+              <a:spcAft>
+                <a:spcPct val="0"/>
+              </a:spcAft>
+              <a:tabLst>
+                <a:tab pos="114300" algn="l"/>
+                <a:tab pos="228600" algn="l"/>
+                <a:tab pos="457200" algn="l"/>
+              </a:tabLst>
+              <a:defRPr>
+                <a:solidFill>
+                  <a:schemeClr val="tx1"/>
+                </a:solidFill>
+                <a:latin typeface="Arial" pitchFamily="34" charset="0"/>
+                <a:cs typeface="Arial" pitchFamily="34" charset="0"/>
+              </a:defRPr>
+            </a:lvl4pPr>
+            <a:lvl5pPr fontAlgn="base">
+              <a:spcBef>
+                <a:spcPct val="0"/>
+              </a:spcBef>
+              <a:spcAft>
+                <a:spcPct val="0"/>
+              </a:spcAft>
+              <a:tabLst>
+                <a:tab pos="114300" algn="l"/>
+                <a:tab pos="228600" algn="l"/>
+                <a:tab pos="457200" algn="l"/>
+              </a:tabLst>
+              <a:defRPr>
+                <a:solidFill>
+                  <a:schemeClr val="tx1"/>
+                </a:solidFill>
+                <a:latin typeface="Arial" pitchFamily="34" charset="0"/>
+                <a:cs typeface="Arial" pitchFamily="34" charset="0"/>
+              </a:defRPr>
+            </a:lvl5pPr>
+            <a:lvl6pPr fontAlgn="base">
+              <a:spcBef>
+                <a:spcPct val="0"/>
+              </a:spcBef>
+              <a:spcAft>
+                <a:spcPct val="0"/>
+              </a:spcAft>
+              <a:tabLst>
+                <a:tab pos="114300" algn="l"/>
+                <a:tab pos="228600" algn="l"/>
+                <a:tab pos="457200" algn="l"/>
+              </a:tabLst>
+              <a:defRPr>
+                <a:solidFill>
+                  <a:schemeClr val="tx1"/>
+                </a:solidFill>
+                <a:latin typeface="Arial" pitchFamily="34" charset="0"/>
+                <a:cs typeface="Arial" pitchFamily="34" charset="0"/>
+              </a:defRPr>
+            </a:lvl6pPr>
+            <a:lvl7pPr fontAlgn="base">
+              <a:spcBef>
+                <a:spcPct val="0"/>
+              </a:spcBef>
+              <a:spcAft>
+                <a:spcPct val="0"/>
+              </a:spcAft>
+              <a:tabLst>
+                <a:tab pos="114300" algn="l"/>
+                <a:tab pos="228600" algn="l"/>
+                <a:tab pos="457200" algn="l"/>
+              </a:tabLst>
+              <a:defRPr>
+                <a:solidFill>
+                  <a:schemeClr val="tx1"/>
+                </a:solidFill>
+                <a:latin typeface="Arial" pitchFamily="34" charset="0"/>
+                <a:cs typeface="Arial" pitchFamily="34" charset="0"/>
+              </a:defRPr>
+            </a:lvl7pPr>
+            <a:lvl8pPr fontAlgn="base">
+              <a:spcBef>
+                <a:spcPct val="0"/>
+              </a:spcBef>
+              <a:spcAft>
+                <a:spcPct val="0"/>
+              </a:spcAft>
+              <a:tabLst>
+                <a:tab pos="114300" algn="l"/>
+                <a:tab pos="228600" algn="l"/>
+                <a:tab pos="457200" algn="l"/>
+              </a:tabLst>
+              <a:defRPr>
+                <a:solidFill>
+                  <a:schemeClr val="tx1"/>
+                </a:solidFill>
+                <a:latin typeface="Arial" pitchFamily="34" charset="0"/>
+                <a:cs typeface="Arial" pitchFamily="34" charset="0"/>
+              </a:defRPr>
+            </a:lvl8pPr>
+            <a:lvl9pPr fontAlgn="base">
+              <a:spcBef>
+                <a:spcPct val="0"/>
+              </a:spcBef>
+              <a:spcAft>
+                <a:spcPct val="0"/>
+              </a:spcAft>
+              <a:tabLst>
+                <a:tab pos="114300" algn="l"/>
+                <a:tab pos="228600" algn="l"/>
+                <a:tab pos="457200" algn="l"/>
+              </a:tabLst>
+              <a:defRPr>
+                <a:solidFill>
+                  <a:schemeClr val="tx1"/>
+                </a:solidFill>
+                <a:latin typeface="Arial" pitchFamily="34" charset="0"/>
+                <a:cs typeface="Arial" pitchFamily="34" charset="0"/>
+              </a:defRPr>
+            </a:lvl9pPr>
+          </a:lstStyle>
+          <a:p>
+            <a:pPr marL="0" marR="0" lvl="0" indent="0" algn="l" defTabSz="914400" rtl="0" eaLnBrk="1" fontAlgn="base" latinLnBrk="0" hangingPunct="1">
+              <a:lnSpc>
+                <a:spcPct val="100000"/>
+              </a:lnSpc>
+              <a:spcBef>
+                <a:spcPct val="0"/>
+              </a:spcBef>
+              <a:spcAft>
+                <a:spcPct val="0"/>
+              </a:spcAft>
+              <a:buClrTx/>
+              <a:buSzTx/>
+              <a:buFontTx/>
+              <a:buNone/>
+              <a:tabLst>
+                <a:tab pos="114300" algn="l"/>
+                <a:tab pos="228600" algn="l"/>
+                <a:tab pos="457200" algn="l"/>
+              </a:tabLst>
+            </a:pPr>
+            <a:endParaRPr kumimoji="0" lang="en-US" altLang="en-US" sz="1800" b="0" i="0" u="none" strike="noStrike" cap="none" normalizeH="0" baseline="0" smtClean="0">
+              <a:ln>
+                <a:noFill/>
+              </a:ln>
+              <a:solidFill>
+                <a:schemeClr val="tx1"/>
+              </a:solidFill>
+              <a:effectLst/>
+              <a:latin typeface="Arial" pitchFamily="34" charset="0"/>
+              <a:cs typeface="Arial" pitchFamily="34" charset="0"/>
+            </a:endParaRPr>
+          </a:p>
+        </p:txBody>
+      </p:sp>
+      <p:sp>
+        <p:nvSpPr>
+          <p:cNvPr id="8" name="Rectangle 5"/>
+          <p:cNvSpPr>
+            <a:spLocks noChangeArrowheads="1"/>
+          </p:cNvSpPr>
+          <p:nvPr/>
+        </p:nvSpPr>
+        <p:spPr bwMode="auto">
+          <a:xfrm>
+            <a:off x="0" y="5562600"/>
+            <a:ext cx="9144000" cy="0"/>
+          </a:xfrm>
+          <a:prstGeom prst="rect">
+            <a:avLst/>
+          </a:prstGeom>
+          <a:noFill/>
+          <a:ln>
+            <a:noFill/>
+          </a:ln>
+          <a:effectLst/>
+          <a:extLst>
+            <a:ext uri="{909E8E84-426E-40DD-AFC4-6F175D3DCCD1}">
+              <a14:hiddenFill xmlns:a14="http://schemas.microsoft.com/office/drawing/2010/main">
+                <a:solidFill>
+                  <a:schemeClr val="accent1"/>
+                </a:solidFill>
+              </a14:hiddenFill>
+            </a:ext>
+            <a:ext uri="{91240B29-F687-4F45-9708-019B960494DF}">
+              <a14:hiddenLine xmlns:a14="http://schemas.microsoft.com/office/drawing/2010/main" w="9525">
+                <a:solidFill>
+                  <a:schemeClr val="tx1"/>
+                </a:solidFill>
+                <a:miter lim="800000"/>
+                <a:headEnd/>
+                <a:tailEnd/>
+              </a14:hiddenLine>
+            </a:ext>
+            <a:ext uri="{AF507438-7753-43E0-B8FC-AC1667EBCBE1}">
+              <a14:hiddenEffects xmlns:a14="http://schemas.microsoft.com/office/drawing/2010/main">
+                <a:effectLst>
+                  <a:outerShdw dist="35921" dir="2700000" algn="ctr" rotWithShape="0">
+                    <a:schemeClr val="bg2"/>
+                  </a:outerShdw>
+                </a:effectLst>
+              </a14:hiddenEffects>
+            </a:ext>
+          </a:extLst>
+        </p:spPr>
+        <p:txBody>
+          <a:bodyPr vert="horz" wrap="none" lIns="91440" tIns="45720" rIns="91440" bIns="45720" numCol="1" anchor="ctr" anchorCtr="0" compatLnSpc="1">
+            <a:prstTxWarp prst="textNoShape">
+              <a:avLst/>
+            </a:prstTxWarp>
+            <a:spAutoFit/>
+          </a:bodyPr>
+          <a:lstStyle>
+            <a:lvl1pPr fontAlgn="base">
+              <a:spcBef>
+                <a:spcPct val="0"/>
+              </a:spcBef>
+              <a:spcAft>
+                <a:spcPct val="0"/>
+              </a:spcAft>
+              <a:tabLst>
+                <a:tab pos="114300" algn="l"/>
+                <a:tab pos="228600" algn="l"/>
+                <a:tab pos="457200" algn="l"/>
+              </a:tabLst>
+              <a:defRPr>
+                <a:solidFill>
+                  <a:schemeClr val="tx1"/>
+                </a:solidFill>
+                <a:latin typeface="Arial" pitchFamily="34" charset="0"/>
+                <a:cs typeface="Arial" pitchFamily="34" charset="0"/>
+              </a:defRPr>
+            </a:lvl1pPr>
+            <a:lvl2pPr fontAlgn="base">
+              <a:spcBef>
+                <a:spcPct val="0"/>
+              </a:spcBef>
+              <a:spcAft>
+                <a:spcPct val="0"/>
+              </a:spcAft>
+              <a:tabLst>
+                <a:tab pos="114300" algn="l"/>
+                <a:tab pos="228600" algn="l"/>
+                <a:tab pos="457200" algn="l"/>
+              </a:tabLst>
+              <a:defRPr>
+                <a:solidFill>
+                  <a:schemeClr val="tx1"/>
+                </a:solidFill>
+                <a:latin typeface="Arial" pitchFamily="34" charset="0"/>
+                <a:cs typeface="Arial" pitchFamily="34" charset="0"/>
+              </a:defRPr>
+            </a:lvl2pPr>
+            <a:lvl3pPr fontAlgn="base">
+              <a:spcBef>
+                <a:spcPct val="0"/>
+              </a:spcBef>
+              <a:spcAft>
+                <a:spcPct val="0"/>
+              </a:spcAft>
+              <a:tabLst>
+                <a:tab pos="114300" algn="l"/>
+                <a:tab pos="228600" algn="l"/>
+                <a:tab pos="457200" algn="l"/>
+              </a:tabLst>
+              <a:defRPr>
+                <a:solidFill>
+                  <a:schemeClr val="tx1"/>
+                </a:solidFill>
+                <a:latin typeface="Arial" pitchFamily="34" charset="0"/>
+                <a:cs typeface="Arial" pitchFamily="34" charset="0"/>
+              </a:defRPr>
+            </a:lvl3pPr>
+            <a:lvl4pPr fontAlgn="base">
+              <a:spcBef>
+                <a:spcPct val="0"/>
+              </a:spcBef>
+              <a:spcAft>
+                <a:spcPct val="0"/>
+              </a:spcAft>
+              <a:tabLst>
+                <a:tab pos="114300" algn="l"/>
+                <a:tab pos="228600" algn="l"/>
+                <a:tab pos="457200" algn="l"/>
+              </a:tabLst>
+              <a:defRPr>
+                <a:solidFill>
+                  <a:schemeClr val="tx1"/>
+                </a:solidFill>
+                <a:latin typeface="Arial" pitchFamily="34" charset="0"/>
+                <a:cs typeface="Arial" pitchFamily="34" charset="0"/>
+              </a:defRPr>
+            </a:lvl4pPr>
+            <a:lvl5pPr fontAlgn="base">
+              <a:spcBef>
+                <a:spcPct val="0"/>
+              </a:spcBef>
+              <a:spcAft>
+                <a:spcPct val="0"/>
+              </a:spcAft>
+              <a:tabLst>
+                <a:tab pos="114300" algn="l"/>
+                <a:tab pos="228600" algn="l"/>
+                <a:tab pos="457200" algn="l"/>
+              </a:tabLst>
+              <a:defRPr>
+                <a:solidFill>
+                  <a:schemeClr val="tx1"/>
+                </a:solidFill>
+                <a:latin typeface="Arial" pitchFamily="34" charset="0"/>
+                <a:cs typeface="Arial" pitchFamily="34" charset="0"/>
+              </a:defRPr>
+            </a:lvl5pPr>
+            <a:lvl6pPr fontAlgn="base">
+              <a:spcBef>
+                <a:spcPct val="0"/>
+              </a:spcBef>
+              <a:spcAft>
+                <a:spcPct val="0"/>
+              </a:spcAft>
+              <a:tabLst>
+                <a:tab pos="114300" algn="l"/>
+                <a:tab pos="228600" algn="l"/>
+                <a:tab pos="457200" algn="l"/>
+              </a:tabLst>
+              <a:defRPr>
+                <a:solidFill>
+                  <a:schemeClr val="tx1"/>
+                </a:solidFill>
+                <a:latin typeface="Arial" pitchFamily="34" charset="0"/>
+                <a:cs typeface="Arial" pitchFamily="34" charset="0"/>
+              </a:defRPr>
+            </a:lvl6pPr>
+            <a:lvl7pPr fontAlgn="base">
+              <a:spcBef>
+                <a:spcPct val="0"/>
+              </a:spcBef>
+              <a:spcAft>
+                <a:spcPct val="0"/>
+              </a:spcAft>
+              <a:tabLst>
+                <a:tab pos="114300" algn="l"/>
+                <a:tab pos="228600" algn="l"/>
+                <a:tab pos="457200" algn="l"/>
+              </a:tabLst>
+              <a:defRPr>
+                <a:solidFill>
+                  <a:schemeClr val="tx1"/>
+                </a:solidFill>
+                <a:latin typeface="Arial" pitchFamily="34" charset="0"/>
+                <a:cs typeface="Arial" pitchFamily="34" charset="0"/>
+              </a:defRPr>
+            </a:lvl7pPr>
+            <a:lvl8pPr fontAlgn="base">
+              <a:spcBef>
+                <a:spcPct val="0"/>
+              </a:spcBef>
+              <a:spcAft>
+                <a:spcPct val="0"/>
+              </a:spcAft>
+              <a:tabLst>
+                <a:tab pos="114300" algn="l"/>
+                <a:tab pos="228600" algn="l"/>
+                <a:tab pos="457200" algn="l"/>
+              </a:tabLst>
+              <a:defRPr>
+                <a:solidFill>
+                  <a:schemeClr val="tx1"/>
+                </a:solidFill>
+                <a:latin typeface="Arial" pitchFamily="34" charset="0"/>
+                <a:cs typeface="Arial" pitchFamily="34" charset="0"/>
+              </a:defRPr>
+            </a:lvl8pPr>
+            <a:lvl9pPr fontAlgn="base">
+              <a:spcBef>
+                <a:spcPct val="0"/>
+              </a:spcBef>
+              <a:spcAft>
+                <a:spcPct val="0"/>
+              </a:spcAft>
+              <a:tabLst>
+                <a:tab pos="114300" algn="l"/>
+                <a:tab pos="228600" algn="l"/>
+                <a:tab pos="457200" algn="l"/>
+              </a:tabLst>
+              <a:defRPr>
+                <a:solidFill>
+                  <a:schemeClr val="tx1"/>
+                </a:solidFill>
+                <a:latin typeface="Arial" pitchFamily="34" charset="0"/>
+                <a:cs typeface="Arial" pitchFamily="34" charset="0"/>
+              </a:defRPr>
+            </a:lvl9pPr>
+          </a:lstStyle>
+          <a:p>
+            <a:pPr marL="0" marR="0" lvl="0" indent="0" algn="l" defTabSz="914400" rtl="0" eaLnBrk="1" fontAlgn="base" latinLnBrk="0" hangingPunct="1">
+              <a:lnSpc>
+                <a:spcPct val="100000"/>
+              </a:lnSpc>
+              <a:spcBef>
+                <a:spcPct val="0"/>
+              </a:spcBef>
+              <a:spcAft>
+                <a:spcPct val="0"/>
+              </a:spcAft>
+              <a:buClrTx/>
+              <a:buSzTx/>
+              <a:buFontTx/>
+              <a:buNone/>
+              <a:tabLst>
+                <a:tab pos="114300" algn="l"/>
+                <a:tab pos="228600" algn="l"/>
+                <a:tab pos="457200" algn="l"/>
+              </a:tabLst>
+            </a:pPr>
+            <a:endParaRPr kumimoji="0" lang="en-US" altLang="en-US" sz="1800" b="0" i="0" u="none" strike="noStrike" cap="none" normalizeH="0" baseline="0" smtClean="0">
+              <a:ln>
+                <a:noFill/>
+              </a:ln>
+              <a:solidFill>
+                <a:schemeClr val="tx1"/>
+              </a:solidFill>
+              <a:effectLst/>
+              <a:latin typeface="Arial" pitchFamily="34" charset="0"/>
+              <a:cs typeface="Arial" pitchFamily="34" charset="0"/>
+            </a:endParaRPr>
+          </a:p>
+        </p:txBody>
+      </p:sp>
+    </p:spTree>
+    <p:extLst>
+      <p:ext uri="{BB962C8B-B14F-4D97-AF65-F5344CB8AC3E}">
+        <p14:creationId xmlns:p14="http://schemas.microsoft.com/office/powerpoint/2010/main" val="3160369353"/>
+      </p:ext>
+    </p:extLst>
+  </p:cSld>
+  <p:clrMapOvr>
+    <a:masterClrMapping/>
+  </p:clrMapOvr>
+  <p:timing>
+    <p:tnLst>
+      <p:par>
+        <p:cTn id="1" dur="indefinite" restart="never" nodeType="tmRoot"/>
+      </p:par>
+    </p:tnLst>
+  </p:timing>
+</p:sld>
+</file>
+
+<file path=ppt/slides/slide32.xml><?xml version="1.0" encoding="utf-8"?>
+<p:sld xmlns:a="http://schemas.openxmlformats.org/drawingml/2006/main" xmlns:r="http://schemas.openxmlformats.org/officeDocument/2006/relationships" xmlns:p="http://schemas.openxmlformats.org/presentationml/2006/main">
+  <p:cSld>
+    <p:spTree>
+      <p:nvGrpSpPr>
+        <p:cNvPr id="1" name=""/>
+        <p:cNvGrpSpPr/>
+        <p:nvPr/>
+      </p:nvGrpSpPr>
+      <p:grpSpPr>
+        <a:xfrm>
+          <a:off x="0" y="0"/>
+          <a:ext cx="0" cy="0"/>
+          <a:chOff x="0" y="0"/>
+          <a:chExt cx="0" cy="0"/>
+        </a:xfrm>
+      </p:grpSpPr>
+      <p:sp>
+        <p:nvSpPr>
+          <p:cNvPr id="2" name="Title 1"/>
+          <p:cNvSpPr>
+            <a:spLocks noGrp="1"/>
+          </p:cNvSpPr>
+          <p:nvPr>
+            <p:ph type="title"/>
+          </p:nvPr>
+        </p:nvSpPr>
+        <p:spPr/>
+        <p:txBody>
+          <a:bodyPr/>
+          <a:lstStyle/>
+          <a:p>
+            <a:r>
+              <a:rPr lang="en-US" smtClean="0"/>
+              <a:t>User Interface Design</a:t>
+            </a:r>
+            <a:endParaRPr lang="en-US"/>
+          </a:p>
+        </p:txBody>
+      </p:sp>
+      <p:pic>
+        <p:nvPicPr>
+          <p:cNvPr id="18435" name="Picture 3"/>
+          <p:cNvPicPr>
+            <a:picLocks noGrp="1" noChangeAspect="1" noChangeArrowheads="1"/>
+          </p:cNvPicPr>
+          <p:nvPr>
+            <p:ph idx="1"/>
+          </p:nvPr>
+        </p:nvPicPr>
+        <p:blipFill>
+          <a:blip r:embed="rId2" cstate="print">
+            <a:extLst>
+              <a:ext uri="{28A0092B-C50C-407E-A947-70E740481C1C}">
+                <a14:useLocalDpi xmlns:a14="http://schemas.microsoft.com/office/drawing/2010/main" val="0"/>
+              </a:ext>
+            </a:extLst>
+          </a:blip>
+          <a:srcRect/>
+          <a:stretch>
+            <a:fillRect/>
+          </a:stretch>
+        </p:blipFill>
+        <p:spPr bwMode="auto">
+          <a:xfrm>
+            <a:off x="1447800" y="1295400"/>
+            <a:ext cx="5791200" cy="5442937"/>
+          </a:xfrm>
+          <a:prstGeom prst="rect">
+            <a:avLst/>
+          </a:prstGeom>
+          <a:noFill/>
+          <a:ln>
+            <a:noFill/>
+          </a:ln>
+          <a:effectLst/>
+          <a:extLst>
+            <a:ext uri="{909E8E84-426E-40DD-AFC4-6F175D3DCCD1}">
+              <a14:hiddenFill xmlns:a14="http://schemas.microsoft.com/office/drawing/2010/main">
+                <a:solidFill>
+                  <a:schemeClr val="accent1"/>
+                </a:solidFill>
+              </a14:hiddenFill>
+            </a:ext>
+            <a:ext uri="{91240B29-F687-4F45-9708-019B960494DF}">
+              <a14:hiddenLine xmlns:a14="http://schemas.microsoft.com/office/drawing/2010/main" w="9525">
+                <a:solidFill>
+                  <a:schemeClr val="tx1"/>
+                </a:solidFill>
+                <a:miter lim="800000"/>
+                <a:headEnd/>
+                <a:tailEnd/>
+              </a14:hiddenLine>
+            </a:ext>
+            <a:ext uri="{AF507438-7753-43E0-B8FC-AC1667EBCBE1}">
+              <a14:hiddenEffects xmlns:a14="http://schemas.microsoft.com/office/drawing/2010/main">
+                <a:effectLst>
+                  <a:outerShdw dist="35921" dir="2700000" algn="ctr" rotWithShape="0">
+                    <a:schemeClr val="bg2"/>
+                  </a:outerShdw>
+                </a:effectLst>
+              </a14:hiddenEffects>
+            </a:ext>
+          </a:extLst>
+        </p:spPr>
+      </p:pic>
+    </p:spTree>
+    <p:extLst>
+      <p:ext uri="{BB962C8B-B14F-4D97-AF65-F5344CB8AC3E}">
+        <p14:creationId xmlns:p14="http://schemas.microsoft.com/office/powerpoint/2010/main" val="4020320875"/>
+      </p:ext>
+    </p:extLst>
+  </p:cSld>
+  <p:clrMapOvr>
+    <a:masterClrMapping/>
+  </p:clrMapOvr>
+  <p:timing>
+    <p:tnLst>
+      <p:par>
+        <p:cTn id="1" dur="indefinite" restart="never" nodeType="tmRoot"/>
+      </p:par>
+    </p:tnLst>
+  </p:timing>
+</p:sld>
+</file>
+
+<file path=ppt/slides/slide33.xml><?xml version="1.0" encoding="utf-8"?>
+<p:sld xmlns:a="http://schemas.openxmlformats.org/drawingml/2006/main" xmlns:r="http://schemas.openxmlformats.org/officeDocument/2006/relationships" xmlns:p="http://schemas.openxmlformats.org/presentationml/2006/main">
+  <p:cSld>
+    <p:spTree>
+      <p:nvGrpSpPr>
+        <p:cNvPr id="1" name=""/>
+        <p:cNvGrpSpPr/>
+        <p:nvPr/>
+      </p:nvGrpSpPr>
+      <p:grpSpPr>
+        <a:xfrm>
+          <a:off x="0" y="0"/>
+          <a:ext cx="0" cy="0"/>
+          <a:chOff x="0" y="0"/>
+          <a:chExt cx="0" cy="0"/>
+        </a:xfrm>
+      </p:grpSpPr>
+      <p:sp>
+        <p:nvSpPr>
+          <p:cNvPr id="2" name="Title 1"/>
+          <p:cNvSpPr>
+            <a:spLocks noGrp="1"/>
+          </p:cNvSpPr>
+          <p:nvPr>
+            <p:ph type="title"/>
+          </p:nvPr>
+        </p:nvSpPr>
+        <p:spPr/>
+        <p:txBody>
+          <a:bodyPr/>
+          <a:lstStyle/>
+          <a:p>
+            <a:r>
+              <a:rPr lang="en-US" smtClean="0"/>
+              <a:t>User Interface Design</a:t>
+            </a:r>
+            <a:endParaRPr lang="en-US"/>
+          </a:p>
+        </p:txBody>
+      </p:sp>
+      <p:pic>
+        <p:nvPicPr>
+          <p:cNvPr id="24578" name="Picture 2"/>
+          <p:cNvPicPr>
+            <a:picLocks noGrp="1" noChangeAspect="1" noChangeArrowheads="1"/>
+          </p:cNvPicPr>
+          <p:nvPr>
+            <p:ph idx="1"/>
+          </p:nvPr>
+        </p:nvPicPr>
+        <p:blipFill>
+          <a:blip r:embed="rId2" cstate="print">
+            <a:extLst>
+              <a:ext uri="{28A0092B-C50C-407E-A947-70E740481C1C}">
+                <a14:useLocalDpi xmlns:a14="http://schemas.microsoft.com/office/drawing/2010/main" val="0"/>
+              </a:ext>
+            </a:extLst>
+          </a:blip>
+          <a:srcRect/>
+          <a:stretch>
+            <a:fillRect/>
+          </a:stretch>
+        </p:blipFill>
+        <p:spPr bwMode="auto">
+          <a:xfrm>
+            <a:off x="1447800" y="1151720"/>
+            <a:ext cx="5791200" cy="5551468"/>
+          </a:xfrm>
+          <a:prstGeom prst="rect">
+            <a:avLst/>
+          </a:prstGeom>
+          <a:noFill/>
+          <a:ln>
+            <a:noFill/>
+          </a:ln>
+          <a:effectLst/>
+          <a:extLst>
+            <a:ext uri="{909E8E84-426E-40DD-AFC4-6F175D3DCCD1}">
+              <a14:hiddenFill xmlns:a14="http://schemas.microsoft.com/office/drawing/2010/main">
+                <a:solidFill>
+                  <a:schemeClr val="accent1"/>
+                </a:solidFill>
+              </a14:hiddenFill>
+            </a:ext>
+            <a:ext uri="{91240B29-F687-4F45-9708-019B960494DF}">
+              <a14:hiddenLine xmlns:a14="http://schemas.microsoft.com/office/drawing/2010/main" w="9525">
+                <a:solidFill>
+                  <a:schemeClr val="tx1"/>
+                </a:solidFill>
+                <a:miter lim="800000"/>
+                <a:headEnd/>
+                <a:tailEnd/>
+              </a14:hiddenLine>
+            </a:ext>
+            <a:ext uri="{AF507438-7753-43E0-B8FC-AC1667EBCBE1}">
+              <a14:hiddenEffects xmlns:a14="http://schemas.microsoft.com/office/drawing/2010/main">
+                <a:effectLst>
+                  <a:outerShdw dist="35921" dir="2700000" algn="ctr" rotWithShape="0">
+                    <a:schemeClr val="bg2"/>
+                  </a:outerShdw>
+                </a:effectLst>
+              </a14:hiddenEffects>
+            </a:ext>
+          </a:extLst>
+        </p:spPr>
+      </p:pic>
+    </p:spTree>
+    <p:extLst>
+      <p:ext uri="{BB962C8B-B14F-4D97-AF65-F5344CB8AC3E}">
+        <p14:creationId xmlns:p14="http://schemas.microsoft.com/office/powerpoint/2010/main" val="3304432927"/>
+      </p:ext>
+    </p:extLst>
+  </p:cSld>
+  <p:clrMapOvr>
+    <a:masterClrMapping/>
+  </p:clrMapOvr>
+  <p:timing>
+    <p:tnLst>
+      <p:par>
+        <p:cTn id="1" dur="indefinite" restart="never" nodeType="tmRoot"/>
+      </p:par>
+    </p:tnLst>
+  </p:timing>
+</p:sld>
+</file>
+
+<file path=ppt/slides/slide34.xml><?xml version="1.0" encoding="utf-8"?>
+<p:sld xmlns:a="http://schemas.openxmlformats.org/drawingml/2006/main" xmlns:r="http://schemas.openxmlformats.org/officeDocument/2006/relationships" xmlns:p="http://schemas.openxmlformats.org/presentationml/2006/main">
+  <p:cSld>
+    <p:spTree>
+      <p:nvGrpSpPr>
+        <p:cNvPr id="1" name=""/>
+        <p:cNvGrpSpPr/>
+        <p:nvPr/>
+      </p:nvGrpSpPr>
+      <p:grpSpPr>
+        <a:xfrm>
+          <a:off x="0" y="0"/>
+          <a:ext cx="0" cy="0"/>
+          <a:chOff x="0" y="0"/>
+          <a:chExt cx="0" cy="0"/>
+        </a:xfrm>
+      </p:grpSpPr>
+      <p:sp>
+        <p:nvSpPr>
+          <p:cNvPr id="2" name="Title 1"/>
+          <p:cNvSpPr>
+            <a:spLocks noGrp="1"/>
+          </p:cNvSpPr>
+          <p:nvPr>
+            <p:ph type="title"/>
+          </p:nvPr>
+        </p:nvSpPr>
+        <p:spPr/>
+        <p:txBody>
+          <a:bodyPr/>
+          <a:lstStyle/>
+          <a:p>
+            <a:r>
+              <a:rPr lang="en-US" smtClean="0"/>
+              <a:t>User Interface Design</a:t>
+            </a:r>
+            <a:endParaRPr lang="en-US"/>
+          </a:p>
+        </p:txBody>
+      </p:sp>
+      <p:pic>
+        <p:nvPicPr>
+          <p:cNvPr id="25602" name="Picture 2"/>
+          <p:cNvPicPr>
+            <a:picLocks noGrp="1" noChangeAspect="1" noChangeArrowheads="1"/>
+          </p:cNvPicPr>
+          <p:nvPr>
+            <p:ph idx="1"/>
+          </p:nvPr>
+        </p:nvPicPr>
+        <p:blipFill>
+          <a:blip r:embed="rId2" cstate="print">
+            <a:extLst>
+              <a:ext uri="{28A0092B-C50C-407E-A947-70E740481C1C}">
+                <a14:useLocalDpi xmlns:a14="http://schemas.microsoft.com/office/drawing/2010/main" val="0"/>
+              </a:ext>
+            </a:extLst>
+          </a:blip>
+          <a:srcRect/>
+          <a:stretch>
+            <a:fillRect/>
+          </a:stretch>
+        </p:blipFill>
+        <p:spPr bwMode="auto">
+          <a:xfrm>
+            <a:off x="1447800" y="1169015"/>
+            <a:ext cx="5714999" cy="5588458"/>
+          </a:xfrm>
+          <a:prstGeom prst="rect">
+            <a:avLst/>
+          </a:prstGeom>
+          <a:noFill/>
+          <a:ln>
+            <a:noFill/>
+          </a:ln>
+          <a:effectLst/>
+          <a:extLst>
+            <a:ext uri="{909E8E84-426E-40DD-AFC4-6F175D3DCCD1}">
+              <a14:hiddenFill xmlns:a14="http://schemas.microsoft.com/office/drawing/2010/main">
+                <a:solidFill>
+                  <a:schemeClr val="accent1"/>
+                </a:solidFill>
+              </a14:hiddenFill>
+            </a:ext>
+            <a:ext uri="{91240B29-F687-4F45-9708-019B960494DF}">
+              <a14:hiddenLine xmlns:a14="http://schemas.microsoft.com/office/drawing/2010/main" w="9525">
+                <a:solidFill>
+                  <a:schemeClr val="tx1"/>
+                </a:solidFill>
+                <a:miter lim="800000"/>
+                <a:headEnd/>
+                <a:tailEnd/>
+              </a14:hiddenLine>
+            </a:ext>
+            <a:ext uri="{AF507438-7753-43E0-B8FC-AC1667EBCBE1}">
+              <a14:hiddenEffects xmlns:a14="http://schemas.microsoft.com/office/drawing/2010/main">
+                <a:effectLst>
+                  <a:outerShdw dist="35921" dir="2700000" algn="ctr" rotWithShape="0">
+                    <a:schemeClr val="bg2"/>
+                  </a:outerShdw>
+                </a:effectLst>
+              </a14:hiddenEffects>
+            </a:ext>
+          </a:extLst>
+        </p:spPr>
+      </p:pic>
+    </p:spTree>
+    <p:extLst>
+      <p:ext uri="{BB962C8B-B14F-4D97-AF65-F5344CB8AC3E}">
+        <p14:creationId xmlns:p14="http://schemas.microsoft.com/office/powerpoint/2010/main" val="1532744095"/>
+      </p:ext>
+    </p:extLst>
+  </p:cSld>
+  <p:clrMapOvr>
+    <a:masterClrMapping/>
+  </p:clrMapOvr>
+  <p:timing>
+    <p:tnLst>
+      <p:par>
+        <p:cTn id="1" dur="indefinite" restart="never" nodeType="tmRoot"/>
+      </p:par>
+    </p:tnLst>
+  </p:timing>
+</p:sld>
+</file>
+
+<file path=ppt/slides/slide35.xml><?xml version="1.0" encoding="utf-8"?>
+<p:sld xmlns:a="http://schemas.openxmlformats.org/drawingml/2006/main" xmlns:r="http://schemas.openxmlformats.org/officeDocument/2006/relationships" xmlns:p="http://schemas.openxmlformats.org/presentationml/2006/main">
+  <p:cSld>
+    <p:spTree>
+      <p:nvGrpSpPr>
+        <p:cNvPr id="1" name=""/>
+        <p:cNvGrpSpPr/>
+        <p:nvPr/>
+      </p:nvGrpSpPr>
+      <p:grpSpPr>
+        <a:xfrm>
+          <a:off x="0" y="0"/>
+          <a:ext cx="0" cy="0"/>
+          <a:chOff x="0" y="0"/>
+          <a:chExt cx="0" cy="0"/>
+        </a:xfrm>
+      </p:grpSpPr>
+      <p:sp>
+        <p:nvSpPr>
+          <p:cNvPr id="2" name="Title 1"/>
+          <p:cNvSpPr>
+            <a:spLocks noGrp="1"/>
+          </p:cNvSpPr>
+          <p:nvPr>
+            <p:ph type="title"/>
+          </p:nvPr>
+        </p:nvSpPr>
+        <p:spPr/>
+        <p:txBody>
+          <a:bodyPr/>
+          <a:lstStyle/>
+          <a:p>
+            <a:r>
+              <a:rPr lang="en-US" smtClean="0"/>
+              <a:t>User Interface Design</a:t>
+            </a:r>
+            <a:endParaRPr lang="en-US"/>
+          </a:p>
+        </p:txBody>
+      </p:sp>
+      <p:pic>
+        <p:nvPicPr>
+          <p:cNvPr id="23555" name="Picture 3"/>
+          <p:cNvPicPr>
+            <a:picLocks noGrp="1" noChangeAspect="1" noChangeArrowheads="1"/>
+          </p:cNvPicPr>
+          <p:nvPr>
+            <p:ph idx="1"/>
+          </p:nvPr>
+        </p:nvPicPr>
+        <p:blipFill>
+          <a:blip r:embed="rId2" cstate="print">
+            <a:extLst>
+              <a:ext uri="{28A0092B-C50C-407E-A947-70E740481C1C}">
+                <a14:useLocalDpi xmlns:a14="http://schemas.microsoft.com/office/drawing/2010/main" val="0"/>
+              </a:ext>
+            </a:extLst>
+          </a:blip>
+          <a:srcRect/>
+          <a:stretch>
+            <a:fillRect/>
+          </a:stretch>
+        </p:blipFill>
+        <p:spPr bwMode="auto">
+          <a:xfrm>
+            <a:off x="2133600" y="1153872"/>
+            <a:ext cx="4267200" cy="5693254"/>
+          </a:xfrm>
+          <a:prstGeom prst="rect">
+            <a:avLst/>
+          </a:prstGeom>
+          <a:noFill/>
+          <a:ln>
+            <a:noFill/>
+          </a:ln>
+          <a:effectLst/>
+          <a:extLst>
+            <a:ext uri="{909E8E84-426E-40DD-AFC4-6F175D3DCCD1}">
+              <a14:hiddenFill xmlns:a14="http://schemas.microsoft.com/office/drawing/2010/main">
+                <a:solidFill>
+                  <a:schemeClr val="accent1"/>
+                </a:solidFill>
+              </a14:hiddenFill>
+            </a:ext>
+            <a:ext uri="{91240B29-F687-4F45-9708-019B960494DF}">
+              <a14:hiddenLine xmlns:a14="http://schemas.microsoft.com/office/drawing/2010/main" w="9525">
+                <a:solidFill>
+                  <a:schemeClr val="tx1"/>
+                </a:solidFill>
+                <a:miter lim="800000"/>
+                <a:headEnd/>
+                <a:tailEnd/>
+              </a14:hiddenLine>
+            </a:ext>
+            <a:ext uri="{AF507438-7753-43E0-B8FC-AC1667EBCBE1}">
+              <a14:hiddenEffects xmlns:a14="http://schemas.microsoft.com/office/drawing/2010/main">
+                <a:effectLst>
+                  <a:outerShdw dist="35921" dir="2700000" algn="ctr" rotWithShape="0">
+                    <a:schemeClr val="bg2"/>
+                  </a:outerShdw>
+                </a:effectLst>
+              </a14:hiddenEffects>
+            </a:ext>
+          </a:extLst>
+        </p:spPr>
+      </p:pic>
+    </p:spTree>
+    <p:extLst>
+      <p:ext uri="{BB962C8B-B14F-4D97-AF65-F5344CB8AC3E}">
+        <p14:creationId xmlns:p14="http://schemas.microsoft.com/office/powerpoint/2010/main" val="1532744095"/>
+      </p:ext>
+    </p:extLst>
+  </p:cSld>
+  <p:clrMapOvr>
+    <a:masterClrMapping/>
+  </p:clrMapOvr>
+  <p:timing>
+    <p:tnLst>
+      <p:par>
+        <p:cTn id="1" dur="indefinite" restart="never" nodeType="tmRoot"/>
+      </p:par>
+    </p:tnLst>
+  </p:timing>
+</p:sld>
+</file>
+
+<file path=ppt/slides/slide36.xml><?xml version="1.0" encoding="utf-8"?>
+<p:sld xmlns:a="http://schemas.openxmlformats.org/drawingml/2006/main" xmlns:r="http://schemas.openxmlformats.org/officeDocument/2006/relationships" xmlns:p="http://schemas.openxmlformats.org/presentationml/2006/main">
+  <p:cSld>
+    <p:spTree>
+      <p:nvGrpSpPr>
+        <p:cNvPr id="1" name=""/>
+        <p:cNvGrpSpPr/>
+        <p:nvPr/>
+      </p:nvGrpSpPr>
+      <p:grpSpPr>
+        <a:xfrm>
+          <a:off x="0" y="0"/>
+          <a:ext cx="0" cy="0"/>
+          <a:chOff x="0" y="0"/>
+          <a:chExt cx="0" cy="0"/>
+        </a:xfrm>
+      </p:grpSpPr>
+      <p:sp>
+        <p:nvSpPr>
+          <p:cNvPr id="2" name="Title 1"/>
+          <p:cNvSpPr>
+            <a:spLocks noGrp="1"/>
+          </p:cNvSpPr>
+          <p:nvPr>
+            <p:ph type="title"/>
+          </p:nvPr>
+        </p:nvSpPr>
+        <p:spPr/>
+        <p:txBody>
+          <a:bodyPr/>
+          <a:lstStyle/>
+          <a:p>
+            <a:r>
+              <a:rPr lang="en-US" smtClean="0"/>
+              <a:t>User Interface Design</a:t>
+            </a:r>
+            <a:endParaRPr lang="en-US"/>
+          </a:p>
+        </p:txBody>
+      </p:sp>
+      <p:pic>
+        <p:nvPicPr>
+          <p:cNvPr id="22530" name="Picture 2"/>
+          <p:cNvPicPr>
+            <a:picLocks noGrp="1" noChangeAspect="1" noChangeArrowheads="1"/>
+          </p:cNvPicPr>
+          <p:nvPr>
+            <p:ph idx="1"/>
+          </p:nvPr>
+        </p:nvPicPr>
+        <p:blipFill>
+          <a:blip r:embed="rId2" cstate="print">
+            <a:extLst>
+              <a:ext uri="{28A0092B-C50C-407E-A947-70E740481C1C}">
+                <a14:useLocalDpi xmlns:a14="http://schemas.microsoft.com/office/drawing/2010/main" val="0"/>
+              </a:ext>
+            </a:extLst>
+          </a:blip>
+          <a:srcRect/>
+          <a:stretch>
+            <a:fillRect/>
+          </a:stretch>
+        </p:blipFill>
+        <p:spPr bwMode="auto">
+          <a:xfrm>
+            <a:off x="1600201" y="1196733"/>
+            <a:ext cx="5334000" cy="5607533"/>
+          </a:xfrm>
+          <a:prstGeom prst="rect">
+            <a:avLst/>
+          </a:prstGeom>
+          <a:noFill/>
+          <a:ln>
+            <a:noFill/>
+          </a:ln>
+          <a:effectLst/>
+          <a:extLst>
+            <a:ext uri="{909E8E84-426E-40DD-AFC4-6F175D3DCCD1}">
+              <a14:hiddenFill xmlns:a14="http://schemas.microsoft.com/office/drawing/2010/main">
+                <a:solidFill>
+                  <a:schemeClr val="accent1"/>
+                </a:solidFill>
+              </a14:hiddenFill>
+            </a:ext>
+            <a:ext uri="{91240B29-F687-4F45-9708-019B960494DF}">
+              <a14:hiddenLine xmlns:a14="http://schemas.microsoft.com/office/drawing/2010/main" w="9525">
+                <a:solidFill>
+                  <a:schemeClr val="tx1"/>
+                </a:solidFill>
+                <a:miter lim="800000"/>
+                <a:headEnd/>
+                <a:tailEnd/>
+              </a14:hiddenLine>
+            </a:ext>
+            <a:ext uri="{AF507438-7753-43E0-B8FC-AC1667EBCBE1}">
+              <a14:hiddenEffects xmlns:a14="http://schemas.microsoft.com/office/drawing/2010/main">
+                <a:effectLst>
+                  <a:outerShdw dist="35921" dir="2700000" algn="ctr" rotWithShape="0">
+                    <a:schemeClr val="bg2"/>
+                  </a:outerShdw>
+                </a:effectLst>
+              </a14:hiddenEffects>
+            </a:ext>
+          </a:extLst>
+        </p:spPr>
+      </p:pic>
+    </p:spTree>
+    <p:extLst>
+      <p:ext uri="{BB962C8B-B14F-4D97-AF65-F5344CB8AC3E}">
+        <p14:creationId xmlns:p14="http://schemas.microsoft.com/office/powerpoint/2010/main" val="1532744095"/>
+      </p:ext>
+    </p:extLst>
+  </p:cSld>
+  <p:clrMapOvr>
+    <a:masterClrMapping/>
+  </p:clrMapOvr>
+  <p:timing>
+    <p:tnLst>
+      <p:par>
+        <p:cTn id="1" dur="indefinite" restart="never" nodeType="tmRoot"/>
+      </p:par>
+    </p:tnLst>
+  </p:timing>
+</p:sld>
+</file>
+
+<file path=ppt/slides/slide37.xml><?xml version="1.0" encoding="utf-8"?>
+<p:sld xmlns:a="http://schemas.openxmlformats.org/drawingml/2006/main" xmlns:r="http://schemas.openxmlformats.org/officeDocument/2006/relationships" xmlns:p="http://schemas.openxmlformats.org/presentationml/2006/main">
+  <p:cSld>
+    <p:spTree>
+      <p:nvGrpSpPr>
+        <p:cNvPr id="1" name=""/>
+        <p:cNvGrpSpPr/>
+        <p:nvPr/>
+      </p:nvGrpSpPr>
+      <p:grpSpPr>
+        <a:xfrm>
+          <a:off x="0" y="0"/>
+          <a:ext cx="0" cy="0"/>
+          <a:chOff x="0" y="0"/>
+          <a:chExt cx="0" cy="0"/>
+        </a:xfrm>
+      </p:grpSpPr>
+      <p:sp>
+        <p:nvSpPr>
+          <p:cNvPr id="2" name="Title 1"/>
+          <p:cNvSpPr>
+            <a:spLocks noGrp="1"/>
+          </p:cNvSpPr>
+          <p:nvPr>
+            <p:ph type="title"/>
+          </p:nvPr>
+        </p:nvSpPr>
+        <p:spPr/>
+        <p:txBody>
+          <a:bodyPr/>
+          <a:lstStyle/>
+          <a:p>
+            <a:r>
+              <a:rPr lang="en-US" smtClean="0"/>
+              <a:t>User Interface Design</a:t>
+            </a:r>
+            <a:endParaRPr lang="en-US"/>
+          </a:p>
+        </p:txBody>
+      </p:sp>
+      <p:pic>
+        <p:nvPicPr>
+          <p:cNvPr id="21506" name="Picture 2"/>
+          <p:cNvPicPr>
+            <a:picLocks noGrp="1" noChangeAspect="1" noChangeArrowheads="1"/>
+          </p:cNvPicPr>
+          <p:nvPr>
+            <p:ph idx="1"/>
+          </p:nvPr>
+        </p:nvPicPr>
+        <p:blipFill>
+          <a:blip r:embed="rId2" cstate="print">
+            <a:extLst>
+              <a:ext uri="{28A0092B-C50C-407E-A947-70E740481C1C}">
+                <a14:useLocalDpi xmlns:a14="http://schemas.microsoft.com/office/drawing/2010/main" val="0"/>
+              </a:ext>
+            </a:extLst>
+          </a:blip>
+          <a:srcRect/>
+          <a:stretch>
+            <a:fillRect/>
+          </a:stretch>
+        </p:blipFill>
+        <p:spPr bwMode="auto">
+          <a:xfrm>
+            <a:off x="1828800" y="1062179"/>
+            <a:ext cx="5257799" cy="5794684"/>
+          </a:xfrm>
+          <a:prstGeom prst="rect">
+            <a:avLst/>
+          </a:prstGeom>
+          <a:noFill/>
+          <a:ln>
+            <a:noFill/>
+          </a:ln>
+          <a:effectLst/>
+          <a:extLst>
+            <a:ext uri="{909E8E84-426E-40DD-AFC4-6F175D3DCCD1}">
+              <a14:hiddenFill xmlns:a14="http://schemas.microsoft.com/office/drawing/2010/main">
+                <a:solidFill>
+                  <a:schemeClr val="accent1"/>
+                </a:solidFill>
+              </a14:hiddenFill>
+            </a:ext>
+            <a:ext uri="{91240B29-F687-4F45-9708-019B960494DF}">
+              <a14:hiddenLine xmlns:a14="http://schemas.microsoft.com/office/drawing/2010/main" w="9525">
+                <a:solidFill>
+                  <a:schemeClr val="tx1"/>
+                </a:solidFill>
+                <a:miter lim="800000"/>
+                <a:headEnd/>
+                <a:tailEnd/>
+              </a14:hiddenLine>
+            </a:ext>
+            <a:ext uri="{AF507438-7753-43E0-B8FC-AC1667EBCBE1}">
+              <a14:hiddenEffects xmlns:a14="http://schemas.microsoft.com/office/drawing/2010/main">
+                <a:effectLst>
+                  <a:outerShdw dist="35921" dir="2700000" algn="ctr" rotWithShape="0">
+                    <a:schemeClr val="bg2"/>
+                  </a:outerShdw>
+                </a:effectLst>
+              </a14:hiddenEffects>
+            </a:ext>
+          </a:extLst>
+        </p:spPr>
+      </p:pic>
+    </p:spTree>
+    <p:extLst>
+      <p:ext uri="{BB962C8B-B14F-4D97-AF65-F5344CB8AC3E}">
+        <p14:creationId xmlns:p14="http://schemas.microsoft.com/office/powerpoint/2010/main" val="1532744095"/>
+      </p:ext>
+    </p:extLst>
+  </p:cSld>
+  <p:clrMapOvr>
+    <a:masterClrMapping/>
+  </p:clrMapOvr>
+  <p:timing>
+    <p:tnLst>
+      <p:par>
+        <p:cTn id="1" dur="indefinite" restart="never" nodeType="tmRoot"/>
+      </p:par>
+    </p:tnLst>
+  </p:timing>
+</p:sld>
+</file>
+
+<file path=ppt/slides/slide38.xml><?xml version="1.0" encoding="utf-8"?>
+<p:sld xmlns:a="http://schemas.openxmlformats.org/drawingml/2006/main" xmlns:r="http://schemas.openxmlformats.org/officeDocument/2006/relationships" xmlns:p="http://schemas.openxmlformats.org/presentationml/2006/main">
+  <p:cSld>
+    <p:spTree>
+      <p:nvGrpSpPr>
+        <p:cNvPr id="1" name=""/>
+        <p:cNvGrpSpPr/>
+        <p:nvPr/>
+      </p:nvGrpSpPr>
+      <p:grpSpPr>
+        <a:xfrm>
+          <a:off x="0" y="0"/>
+          <a:ext cx="0" cy="0"/>
+          <a:chOff x="0" y="0"/>
+          <a:chExt cx="0" cy="0"/>
+        </a:xfrm>
+      </p:grpSpPr>
+      <p:sp>
+        <p:nvSpPr>
+          <p:cNvPr id="2" name="Title 1"/>
+          <p:cNvSpPr>
+            <a:spLocks noGrp="1"/>
+          </p:cNvSpPr>
+          <p:nvPr>
+            <p:ph type="title"/>
+          </p:nvPr>
+        </p:nvSpPr>
+        <p:spPr/>
+        <p:txBody>
+          <a:bodyPr/>
+          <a:lstStyle/>
+          <a:p>
+            <a:r>
+              <a:rPr lang="en-US" smtClean="0"/>
+              <a:t>User Interface Design</a:t>
+            </a:r>
+            <a:endParaRPr lang="en-US"/>
+          </a:p>
+        </p:txBody>
+      </p:sp>
+      <p:pic>
+        <p:nvPicPr>
+          <p:cNvPr id="20482" name="Picture 2"/>
+          <p:cNvPicPr>
+            <a:picLocks noGrp="1" noChangeAspect="1" noChangeArrowheads="1"/>
+          </p:cNvPicPr>
+          <p:nvPr>
+            <p:ph idx="1"/>
+          </p:nvPr>
+        </p:nvPicPr>
+        <p:blipFill>
+          <a:blip r:embed="rId2" cstate="print">
+            <a:extLst>
+              <a:ext uri="{28A0092B-C50C-407E-A947-70E740481C1C}">
+                <a14:useLocalDpi xmlns:a14="http://schemas.microsoft.com/office/drawing/2010/main" val="0"/>
+              </a:ext>
+            </a:extLst>
+          </a:blip>
+          <a:srcRect/>
+          <a:stretch>
+            <a:fillRect/>
+          </a:stretch>
+        </p:blipFill>
+        <p:spPr bwMode="auto">
+          <a:xfrm>
+            <a:off x="1219200" y="1142894"/>
+            <a:ext cx="6324600" cy="5723067"/>
+          </a:xfrm>
+          <a:prstGeom prst="rect">
+            <a:avLst/>
+          </a:prstGeom>
+          <a:noFill/>
+          <a:ln>
+            <a:noFill/>
+          </a:ln>
+          <a:effectLst/>
+          <a:extLst>
+            <a:ext uri="{909E8E84-426E-40DD-AFC4-6F175D3DCCD1}">
+              <a14:hiddenFill xmlns:a14="http://schemas.microsoft.com/office/drawing/2010/main">
+                <a:solidFill>
+                  <a:schemeClr val="accent1"/>
+                </a:solidFill>
+              </a14:hiddenFill>
+            </a:ext>
+            <a:ext uri="{91240B29-F687-4F45-9708-019B960494DF}">
+              <a14:hiddenLine xmlns:a14="http://schemas.microsoft.com/office/drawing/2010/main" w="9525">
+                <a:solidFill>
+                  <a:schemeClr val="tx1"/>
+                </a:solidFill>
+                <a:miter lim="800000"/>
+                <a:headEnd/>
+                <a:tailEnd/>
+              </a14:hiddenLine>
+            </a:ext>
+            <a:ext uri="{AF507438-7753-43E0-B8FC-AC1667EBCBE1}">
+              <a14:hiddenEffects xmlns:a14="http://schemas.microsoft.com/office/drawing/2010/main">
+                <a:effectLst>
+                  <a:outerShdw dist="35921" dir="2700000" algn="ctr" rotWithShape="0">
+                    <a:schemeClr val="bg2"/>
+                  </a:outerShdw>
+                </a:effectLst>
+              </a14:hiddenEffects>
+            </a:ext>
+          </a:extLst>
+        </p:spPr>
+      </p:pic>
+    </p:spTree>
+    <p:extLst>
+      <p:ext uri="{BB962C8B-B14F-4D97-AF65-F5344CB8AC3E}">
+        <p14:creationId xmlns:p14="http://schemas.microsoft.com/office/powerpoint/2010/main" val="1532744095"/>
       </p:ext>
     </p:extLst>
   </p:cSld>
@@ -8342,6 +10628,10 @@
           <a:bodyPr/>
           <a:lstStyle/>
           <a:p>
+            <a:r>
+              <a:rPr lang="en-US" smtClean="0"/>
+              <a:t>Constraints &amp; Assumptions</a:t>
+            </a:r>
             <a:endParaRPr lang="en-US" dirty="0"/>
           </a:p>
         </p:txBody>
@@ -8359,12 +10649,12 @@
         <p:spPr/>
         <p:txBody>
           <a:bodyPr>
-            <a:normAutofit/>
+            <a:normAutofit fontScale="92500" lnSpcReduction="10000"/>
           </a:bodyPr>
           <a:lstStyle/>
           <a:p>
             <a:r>
-              <a:rPr lang="en-US" sz="3000" dirty="0" smtClean="0"/>
+              <a:rPr lang="en-US" sz="4000" b="1" dirty="0" smtClean="0"/>
               <a:t>Constraints</a:t>
             </a:r>
             <a:r>
@@ -8375,27 +10665,27 @@
           <a:p>
             <a:pPr lvl="1"/>
             <a:r>
-              <a:rPr lang="en-US" dirty="0" smtClean="0"/>
+              <a:rPr lang="en-US" sz="2600" dirty="0" smtClean="0"/>
               <a:t>UI based </a:t>
             </a:r>
             <a:r>
-              <a:rPr lang="en-US" dirty="0"/>
+              <a:rPr lang="en-US" sz="2600" dirty="0"/>
               <a:t>on the type of device used</a:t>
             </a:r>
-            <a:endParaRPr lang="en-US" dirty="0" smtClean="0"/>
+            <a:endParaRPr lang="en-US" sz="2600" dirty="0" smtClean="0"/>
           </a:p>
           <a:p>
             <a:pPr lvl="1"/>
             <a:r>
-              <a:rPr lang="en-US" dirty="0" smtClean="0"/>
+              <a:rPr lang="en-US" sz="2600" dirty="0" smtClean="0"/>
               <a:t>Required modern </a:t>
             </a:r>
             <a:r>
-              <a:rPr lang="en-US" dirty="0"/>
+              <a:rPr lang="en-US" sz="2600" dirty="0"/>
               <a:t>internet browser such as Safari, Google Chrome, or Internet </a:t>
             </a:r>
             <a:r>
-              <a:rPr lang="en-US" dirty="0" smtClean="0"/>
+              <a:rPr lang="en-US" sz="2600" dirty="0" smtClean="0"/>
               <a:t>Explorer.</a:t>
             </a:r>
           </a:p>
@@ -8405,34 +10695,34 @@
           </a:p>
           <a:p>
             <a:r>
-              <a:rPr lang="en-US" sz="3000" dirty="0" smtClean="0"/>
+              <a:rPr lang="en-US" sz="4000" b="1" dirty="0" smtClean="0"/>
               <a:t>Assumptions</a:t>
             </a:r>
           </a:p>
           <a:p>
             <a:pPr lvl="1"/>
             <a:r>
-              <a:rPr lang="en-US" sz="2100" dirty="0"/>
+              <a:rPr lang="en-US" sz="2600" dirty="0"/>
               <a:t>Internet connection with enough bandwidth (about 1 to 2 mbps) </a:t>
             </a:r>
-            <a:endParaRPr lang="en-US" sz="2100" dirty="0" smtClean="0"/>
+            <a:endParaRPr lang="en-US" sz="2600" dirty="0" smtClean="0"/>
           </a:p>
           <a:p>
             <a:pPr lvl="1"/>
             <a:r>
-              <a:rPr lang="en-US" sz="2100" dirty="0" smtClean="0"/>
+              <a:rPr lang="en-US" sz="2600" dirty="0" smtClean="0"/>
               <a:t>Internet </a:t>
             </a:r>
             <a:r>
-              <a:rPr lang="en-US" sz="2100" dirty="0"/>
+              <a:rPr lang="en-US" sz="2600" dirty="0"/>
               <a:t>b</a:t>
             </a:r>
             <a:r>
-              <a:rPr lang="en-US" sz="2100" dirty="0" smtClean="0"/>
+              <a:rPr lang="en-US" sz="2600" dirty="0" smtClean="0"/>
               <a:t>rowser </a:t>
             </a:r>
             <a:r>
-              <a:rPr lang="en-US" sz="2100" dirty="0"/>
+              <a:rPr lang="en-US" sz="2600" dirty="0"/>
               <a:t>with an up to date JavaScript engine and support for HTTP cookies to remember returning user logins </a:t>
             </a:r>
           </a:p>
@@ -8488,62 +10778,294 @@
             <p:ph type="title"/>
           </p:nvPr>
         </p:nvSpPr>
+        <p:spPr/>
+        <p:txBody>
+          <a:bodyPr/>
+          <a:lstStyle/>
+          <a:p>
+            <a:r>
+              <a:rPr lang="en-US" smtClean="0"/>
+              <a:t>Standard Components</a:t>
+            </a:r>
+            <a:endParaRPr lang="en-US"/>
+          </a:p>
+        </p:txBody>
+      </p:sp>
+      <p:sp>
+        <p:nvSpPr>
+          <p:cNvPr id="3" name="Content Placeholder 2"/>
+          <p:cNvSpPr>
+            <a:spLocks noGrp="1"/>
+          </p:cNvSpPr>
+          <p:nvPr>
+            <p:ph idx="1"/>
+          </p:nvPr>
+        </p:nvSpPr>
         <p:spPr>
           <a:xfrm>
-            <a:off x="533400" y="2514600"/>
-            <a:ext cx="7659687" cy="1168400"/>
+            <a:off x="457200" y="1600200"/>
+            <a:ext cx="7620000" cy="5029200"/>
           </a:xfrm>
         </p:spPr>
         <p:txBody>
-          <a:bodyPr/>
-          <a:lstStyle/>
-          <a:p>
-            <a:r>
-              <a:rPr lang="en-US" b="1"/>
-              <a:t>Architecture </a:t>
-            </a:r>
-            <a:r>
-              <a:rPr lang="en-US" b="1" smtClean="0"/>
-              <a:t> Design</a:t>
-            </a:r>
-            <a:endParaRPr lang="en-US" b="1"/>
-          </a:p>
-        </p:txBody>
-      </p:sp>
-      <p:sp>
-        <p:nvSpPr>
-          <p:cNvPr id="3" name="Text Placeholder 2"/>
-          <p:cNvSpPr>
-            <a:spLocks noGrp="1"/>
-          </p:cNvSpPr>
-          <p:nvPr>
-            <p:ph type="body" idx="1"/>
-          </p:nvPr>
-        </p:nvSpPr>
-        <p:spPr>
-          <a:xfrm>
-            <a:off x="533400" y="838200"/>
-            <a:ext cx="6135687" cy="1633538"/>
-          </a:xfrm>
-        </p:spPr>
-        <p:txBody>
           <a:bodyPr>
-            <a:normAutofit/>
+            <a:normAutofit fontScale="92500" lnSpcReduction="10000"/>
           </a:bodyPr>
           <a:lstStyle/>
           <a:p>
             <a:r>
-              <a:rPr lang="en-US" sz="4000" smtClean="0"/>
-              <a:t>3.</a:t>
-            </a:r>
-            <a:endParaRPr lang="en-US" sz="4000"/>
-          </a:p>
-        </p:txBody>
-      </p:sp>
+              <a:rPr lang="en-US" sz="2400" b="1" smtClean="0"/>
+              <a:t>Microsoft ASP.NET MVC framework</a:t>
+            </a:r>
+          </a:p>
+          <a:p>
+            <a:pPr lvl="1"/>
+            <a:r>
+              <a:rPr lang="en-US" sz="2400" smtClean="0"/>
+              <a:t>Using version 5 Razor sytax</a:t>
+            </a:r>
+          </a:p>
+          <a:p>
+            <a:pPr marL="411480" lvl="1" indent="0">
+              <a:buNone/>
+            </a:pPr>
+            <a:endParaRPr lang="en-US" sz="2400" smtClean="0"/>
+          </a:p>
+          <a:p>
+            <a:r>
+              <a:rPr lang="en-US" sz="2400" b="1" smtClean="0"/>
+              <a:t>Microsoft SQL Server</a:t>
+            </a:r>
+          </a:p>
+          <a:p>
+            <a:pPr marL="114300" indent="0">
+              <a:buNone/>
+            </a:pPr>
+            <a:endParaRPr lang="en-US" sz="2400" smtClean="0"/>
+          </a:p>
+          <a:p>
+            <a:r>
+              <a:rPr lang="en-US" sz="2400" b="1" smtClean="0"/>
+              <a:t>jQuery JavaScript library</a:t>
+            </a:r>
+          </a:p>
+          <a:p>
+            <a:pPr marL="114300" indent="0">
+              <a:buNone/>
+            </a:pPr>
+            <a:endParaRPr lang="en-US" sz="2400" smtClean="0"/>
+          </a:p>
+          <a:p>
+            <a:r>
+              <a:rPr lang="en-US" sz="2400" b="1" smtClean="0"/>
+              <a:t>Bootstrap User Interface framework</a:t>
+            </a:r>
+          </a:p>
+          <a:p>
+            <a:pPr lvl="1"/>
+            <a:r>
+              <a:rPr lang="en-US" sz="2400" smtClean="0"/>
+              <a:t>Using version 3.0 mobile first version</a:t>
+            </a:r>
+          </a:p>
+          <a:p>
+            <a:pPr lvl="1"/>
+            <a:r>
+              <a:rPr lang="en-US" sz="2400" smtClean="0"/>
+              <a:t>Components include</a:t>
+            </a:r>
+          </a:p>
+          <a:p>
+            <a:pPr lvl="2"/>
+            <a:r>
+              <a:rPr lang="en-US" sz="2400" smtClean="0"/>
+              <a:t>CSS classes</a:t>
+            </a:r>
+          </a:p>
+          <a:p>
+            <a:pPr lvl="2"/>
+            <a:r>
+              <a:rPr lang="en-US" sz="2400" smtClean="0"/>
+              <a:t>Small JavaScript library</a:t>
+            </a:r>
+          </a:p>
+          <a:p>
+            <a:pPr lvl="2"/>
+            <a:r>
+              <a:rPr lang="en-US" sz="2400" smtClean="0"/>
+              <a:t>Glyphicon image files</a:t>
+            </a:r>
+          </a:p>
+        </p:txBody>
+      </p:sp>
+      <p:pic>
+        <p:nvPicPr>
+          <p:cNvPr id="16386" name="Picture 2" descr="JQuery logo.svg"/>
+          <p:cNvPicPr>
+            <a:picLocks noChangeAspect="1" noChangeArrowheads="1"/>
+          </p:cNvPicPr>
+          <p:nvPr/>
+        </p:nvPicPr>
+        <p:blipFill>
+          <a:blip r:embed="rId2">
+            <a:extLst>
+              <a:ext uri="{28A0092B-C50C-407E-A947-70E740481C1C}">
+                <a14:useLocalDpi xmlns:a14="http://schemas.microsoft.com/office/drawing/2010/main" val="0"/>
+              </a:ext>
+            </a:extLst>
+          </a:blip>
+          <a:srcRect/>
+          <a:stretch>
+            <a:fillRect/>
+          </a:stretch>
+        </p:blipFill>
+        <p:spPr bwMode="auto">
+          <a:xfrm>
+            <a:off x="5520630" y="3657600"/>
+            <a:ext cx="2811661" cy="686818"/>
+          </a:xfrm>
+          <a:prstGeom prst="rect">
+            <a:avLst/>
+          </a:prstGeom>
+          <a:noFill/>
+          <a:extLst>
+            <a:ext uri="{909E8E84-426E-40DD-AFC4-6F175D3DCCD1}">
+              <a14:hiddenFill xmlns:a14="http://schemas.microsoft.com/office/drawing/2010/main">
+                <a:solidFill>
+                  <a:srgbClr val="FFFFFF"/>
+                </a:solidFill>
+              </a14:hiddenFill>
+            </a:ext>
+          </a:extLst>
+        </p:spPr>
+      </p:pic>
+      <p:pic>
+        <p:nvPicPr>
+          <p:cNvPr id="16388" name="Picture 4" descr="Boostrap logo.svg"/>
+          <p:cNvPicPr>
+            <a:picLocks noChangeAspect="1" noChangeArrowheads="1"/>
+          </p:cNvPicPr>
+          <p:nvPr/>
+        </p:nvPicPr>
+        <p:blipFill>
+          <a:blip r:embed="rId3" cstate="print">
+            <a:extLst>
+              <a:ext uri="{28A0092B-C50C-407E-A947-70E740481C1C}">
+                <a14:useLocalDpi xmlns:a14="http://schemas.microsoft.com/office/drawing/2010/main" val="0"/>
+              </a:ext>
+            </a:extLst>
+          </a:blip>
+          <a:srcRect/>
+          <a:stretch>
+            <a:fillRect/>
+          </a:stretch>
+        </p:blipFill>
+        <p:spPr bwMode="auto">
+          <a:xfrm>
+            <a:off x="6096000" y="4724400"/>
+            <a:ext cx="1660922" cy="1668708"/>
+          </a:xfrm>
+          <a:prstGeom prst="rect">
+            <a:avLst/>
+          </a:prstGeom>
+          <a:noFill/>
+          <a:extLst>
+            <a:ext uri="{909E8E84-426E-40DD-AFC4-6F175D3DCCD1}">
+              <a14:hiddenFill xmlns:a14="http://schemas.microsoft.com/office/drawing/2010/main">
+                <a:solidFill>
+                  <a:srgbClr val="FFFFFF"/>
+                </a:solidFill>
+              </a14:hiddenFill>
+            </a:ext>
+          </a:extLst>
+        </p:spPr>
+      </p:pic>
+      <p:pic>
+        <p:nvPicPr>
+          <p:cNvPr id="16390" name="Picture 6" descr="https://objcsharp.files.wordpress.com/2013/10/sqlserver.png?w=510&amp;h=313"/>
+          <p:cNvPicPr>
+            <a:picLocks noChangeAspect="1" noChangeArrowheads="1"/>
+          </p:cNvPicPr>
+          <p:nvPr/>
+        </p:nvPicPr>
+        <p:blipFill>
+          <a:blip r:embed="rId4" cstate="print">
+            <a:extLst>
+              <a:ext uri="{28A0092B-C50C-407E-A947-70E740481C1C}">
+                <a14:useLocalDpi xmlns:a14="http://schemas.microsoft.com/office/drawing/2010/main" val="0"/>
+              </a:ext>
+            </a:extLst>
+          </a:blip>
+          <a:srcRect/>
+          <a:stretch>
+            <a:fillRect/>
+          </a:stretch>
+        </p:blipFill>
+        <p:spPr bwMode="auto">
+          <a:xfrm>
+            <a:off x="5968682" y="2209800"/>
+            <a:ext cx="1915558" cy="1179382"/>
+          </a:xfrm>
+          <a:prstGeom prst="rect">
+            <a:avLst/>
+          </a:prstGeom>
+          <a:noFill/>
+          <a:extLst>
+            <a:ext uri="{909E8E84-426E-40DD-AFC4-6F175D3DCCD1}">
+              <a14:hiddenFill xmlns:a14="http://schemas.microsoft.com/office/drawing/2010/main">
+                <a:solidFill>
+                  <a:srgbClr val="FFFFFF"/>
+                </a:solidFill>
+              </a14:hiddenFill>
+            </a:ext>
+          </a:extLst>
+        </p:spPr>
+      </p:pic>
+      <p:pic>
+        <p:nvPicPr>
+          <p:cNvPr id="16392" name="Picture 8" descr="http://ukwindowshostasp.net/Images/lg_aspmvc5.png"/>
+          <p:cNvPicPr>
+            <a:picLocks noChangeAspect="1" noChangeArrowheads="1"/>
+          </p:cNvPicPr>
+          <p:nvPr/>
+        </p:nvPicPr>
+        <p:blipFill>
+          <a:blip r:embed="rId5">
+            <a:extLst>
+              <a:ext uri="{28A0092B-C50C-407E-A947-70E740481C1C}">
+                <a14:useLocalDpi xmlns:a14="http://schemas.microsoft.com/office/drawing/2010/main" val="0"/>
+              </a:ext>
+            </a:extLst>
+          </a:blip>
+          <a:srcRect/>
+          <a:stretch>
+            <a:fillRect/>
+          </a:stretch>
+        </p:blipFill>
+        <p:spPr bwMode="auto">
+          <a:xfrm>
+            <a:off x="6164460" y="762000"/>
+            <a:ext cx="1524000" cy="1219200"/>
+          </a:xfrm>
+          <a:prstGeom prst="rect">
+            <a:avLst/>
+          </a:prstGeom>
+          <a:noFill/>
+          <a:extLst>
+            <a:ext uri="{909E8E84-426E-40DD-AFC4-6F175D3DCCD1}">
+              <a14:hiddenFill xmlns:a14="http://schemas.microsoft.com/office/drawing/2010/main">
+                <a:solidFill>
+                  <a:srgbClr val="FFFFFF"/>
+                </a:solidFill>
+              </a14:hiddenFill>
+            </a:ext>
+          </a:extLst>
+        </p:spPr>
+      </p:pic>
     </p:spTree>
     <p:extLst>
       <p:ext uri="{BB962C8B-B14F-4D97-AF65-F5344CB8AC3E}">
-        <p14:creationId xmlns:p14="http://schemas.microsoft.com/office/powerpoint/2010/main" val="4170926766"/>
+        <p14:creationId xmlns:p14="http://schemas.microsoft.com/office/powerpoint/2010/main" val="3841891506"/>
       </p:ext>
     </p:extLst>
   </p:cSld>
@@ -8587,172 +11109,62 @@
             <p:ph type="title"/>
           </p:nvPr>
         </p:nvSpPr>
-        <p:spPr/>
+        <p:spPr>
+          <a:xfrm>
+            <a:off x="533400" y="2514600"/>
+            <a:ext cx="7659687" cy="1168400"/>
+          </a:xfrm>
+        </p:spPr>
         <p:txBody>
           <a:bodyPr/>
           <a:lstStyle/>
           <a:p>
             <a:r>
-              <a:rPr lang="en-US" smtClean="0"/>
-              <a:t>Hardware Architecture</a:t>
-            </a:r>
-            <a:endParaRPr lang="en-US"/>
-          </a:p>
-        </p:txBody>
-      </p:sp>
-      <p:sp>
-        <p:nvSpPr>
-          <p:cNvPr id="3" name="Content Placeholder 2"/>
-          <p:cNvSpPr>
-            <a:spLocks noGrp="1"/>
-          </p:cNvSpPr>
-          <p:nvPr>
-            <p:ph idx="1"/>
-          </p:nvPr>
-        </p:nvSpPr>
-        <p:spPr/>
+              <a:rPr lang="en-US" b="1"/>
+              <a:t>Architecture </a:t>
+            </a:r>
+            <a:r>
+              <a:rPr lang="en-US" b="1" smtClean="0"/>
+              <a:t> Design</a:t>
+            </a:r>
+            <a:endParaRPr lang="en-US" b="1"/>
+          </a:p>
+        </p:txBody>
+      </p:sp>
+      <p:sp>
+        <p:nvSpPr>
+          <p:cNvPr id="3" name="Text Placeholder 2"/>
+          <p:cNvSpPr>
+            <a:spLocks noGrp="1"/>
+          </p:cNvSpPr>
+          <p:nvPr>
+            <p:ph type="body" idx="1"/>
+          </p:nvPr>
+        </p:nvSpPr>
+        <p:spPr>
+          <a:xfrm>
+            <a:off x="533400" y="838200"/>
+            <a:ext cx="6135687" cy="1633538"/>
+          </a:xfrm>
+        </p:spPr>
         <p:txBody>
           <a:bodyPr>
-            <a:normAutofit lnSpcReduction="10000"/>
+            <a:normAutofit/>
           </a:bodyPr>
           <a:lstStyle/>
           <a:p>
             <a:r>
-              <a:rPr lang="en-US" sz="2800" b="1" dirty="0" smtClean="0"/>
-              <a:t>Webserver</a:t>
-            </a:r>
-            <a:r>
-              <a:rPr lang="en-US" dirty="0" smtClean="0"/>
-              <a:t> (Owned by Computech)</a:t>
-            </a:r>
-          </a:p>
-          <a:p>
-            <a:pPr lvl="1"/>
-            <a:r>
-              <a:rPr lang="en-US" sz="2400" dirty="0"/>
-              <a:t>Windows Server 2008 R2 </a:t>
-            </a:r>
-            <a:r>
-              <a:rPr lang="en-US" sz="2400" dirty="0" smtClean="0"/>
-              <a:t>Standard</a:t>
-            </a:r>
-          </a:p>
-          <a:p>
-            <a:pPr lvl="1"/>
-            <a:r>
-              <a:rPr lang="en-US" sz="2400" dirty="0"/>
-              <a:t>16 GB of </a:t>
-            </a:r>
-            <a:r>
-              <a:rPr lang="en-US" sz="2400" dirty="0" smtClean="0"/>
-              <a:t>RAM</a:t>
-            </a:r>
-          </a:p>
-          <a:p>
-            <a:pPr lvl="1"/>
-            <a:r>
-              <a:rPr lang="en-US" sz="2400" dirty="0" smtClean="0"/>
-              <a:t>Runs the following software:</a:t>
-            </a:r>
-          </a:p>
-          <a:p>
-            <a:pPr lvl="2"/>
-            <a:r>
-              <a:rPr lang="en-US" sz="2400" dirty="0" smtClean="0"/>
-              <a:t>Microsoft IIS </a:t>
-            </a:r>
-            <a:r>
-              <a:rPr lang="en-US" sz="2400" dirty="0"/>
-              <a:t>7.5 </a:t>
-            </a:r>
-            <a:r>
-              <a:rPr lang="en-US" sz="2400" dirty="0" smtClean="0"/>
-              <a:t>Webserver </a:t>
-            </a:r>
-          </a:p>
-          <a:p>
-            <a:pPr lvl="2"/>
-            <a:r>
-              <a:rPr lang="en-US" sz="2400" dirty="0"/>
-              <a:t>Microsoft SQL Server 2008 R2 </a:t>
-            </a:r>
-            <a:r>
-              <a:rPr lang="en-US" sz="2400" dirty="0" smtClean="0"/>
-              <a:t>Database</a:t>
-            </a:r>
-          </a:p>
-          <a:p>
-            <a:pPr marL="777240" lvl="2" indent="0">
-              <a:buNone/>
-            </a:pPr>
-            <a:endParaRPr lang="en-US" dirty="0"/>
-          </a:p>
-          <a:p>
-            <a:r>
-              <a:rPr lang="en-US" sz="2800" b="1" dirty="0" smtClean="0"/>
-              <a:t>User Machine </a:t>
-            </a:r>
-          </a:p>
-          <a:p>
-            <a:pPr lvl="1"/>
-            <a:r>
-              <a:rPr lang="en-US" sz="2400" dirty="0" smtClean="0"/>
-              <a:t>Any PC with latest version of </a:t>
-            </a:r>
-            <a:r>
-              <a:rPr lang="en-US" sz="2400" dirty="0" smtClean="0"/>
-              <a:t>IE, Google Chrome, Firefox </a:t>
-            </a:r>
-            <a:r>
-              <a:rPr lang="en-US" sz="2400" dirty="0" smtClean="0"/>
-              <a:t>or Safari</a:t>
-            </a:r>
-          </a:p>
-          <a:p>
-            <a:pPr lvl="1"/>
-            <a:r>
-              <a:rPr lang="en-US" sz="2400" dirty="0"/>
-              <a:t>iPhone 6 and iPad Air </a:t>
-            </a:r>
-            <a:r>
-              <a:rPr lang="en-US" sz="2400" dirty="0" smtClean="0"/>
-              <a:t>running </a:t>
-            </a:r>
-            <a:r>
-              <a:rPr lang="en-US" sz="2400" dirty="0"/>
-              <a:t>iOS 8.1.3</a:t>
-            </a:r>
-            <a:r>
-              <a:rPr lang="en-US" sz="2400" dirty="0" smtClean="0"/>
-              <a:t> </a:t>
-            </a:r>
-          </a:p>
-          <a:p>
-            <a:pPr lvl="1"/>
-            <a:r>
-              <a:rPr lang="en-US" sz="2400" dirty="0"/>
-              <a:t>Samsung Galaxy S5 </a:t>
-            </a:r>
-            <a:r>
-              <a:rPr lang="en-US" sz="2400" dirty="0" smtClean="0"/>
-              <a:t>running </a:t>
-            </a:r>
-            <a:r>
-              <a:rPr lang="en-US" sz="2400" dirty="0"/>
-              <a:t>Android v5.0 Lollipop </a:t>
-            </a:r>
-            <a:endParaRPr lang="en-US" sz="2400" dirty="0" smtClean="0"/>
-          </a:p>
-          <a:p>
-            <a:pPr lvl="1"/>
-            <a:endParaRPr lang="en-US" dirty="0"/>
+              <a:rPr lang="en-US" sz="4000" smtClean="0"/>
+              <a:t>3.</a:t>
+            </a:r>
+            <a:endParaRPr lang="en-US" sz="4000"/>
           </a:p>
         </p:txBody>
       </p:sp>
     </p:spTree>
     <p:extLst>
       <p:ext uri="{BB962C8B-B14F-4D97-AF65-F5344CB8AC3E}">
-        <p14:creationId xmlns:p14="http://schemas.microsoft.com/office/powerpoint/2010/main" val="3180127955"/>
+        <p14:creationId xmlns:p14="http://schemas.microsoft.com/office/powerpoint/2010/main" val="4170926766"/>
       </p:ext>
     </p:extLst>
   </p:cSld>

--- a/Design Specification/Design Specification.pptx
+++ b/Design Specification/Design Specification.pptx
@@ -5,7 +5,7 @@
     <p:sldMasterId id="2147483660" r:id="rId1"/>
   </p:sldMasterIdLst>
   <p:notesMasterIdLst>
-    <p:notesMasterId r:id="rId40"/>
+    <p:notesMasterId r:id="rId42"/>
   </p:notesMasterIdLst>
   <p:sldIdLst>
     <p:sldId id="257" r:id="rId2"/>
@@ -35,17 +35,19 @@
     <p:sldId id="297" r:id="rId26"/>
     <p:sldId id="298" r:id="rId27"/>
     <p:sldId id="284" r:id="rId28"/>
-    <p:sldId id="307" r:id="rId29"/>
-    <p:sldId id="308" r:id="rId30"/>
-    <p:sldId id="309" r:id="rId31"/>
-    <p:sldId id="285" r:id="rId32"/>
-    <p:sldId id="300" r:id="rId33"/>
-    <p:sldId id="301" r:id="rId34"/>
-    <p:sldId id="302" r:id="rId35"/>
-    <p:sldId id="303" r:id="rId36"/>
-    <p:sldId id="304" r:id="rId37"/>
-    <p:sldId id="305" r:id="rId38"/>
-    <p:sldId id="306" r:id="rId39"/>
+    <p:sldId id="311" r:id="rId29"/>
+    <p:sldId id="312" r:id="rId30"/>
+    <p:sldId id="307" r:id="rId31"/>
+    <p:sldId id="308" r:id="rId32"/>
+    <p:sldId id="309" r:id="rId33"/>
+    <p:sldId id="285" r:id="rId34"/>
+    <p:sldId id="300" r:id="rId35"/>
+    <p:sldId id="301" r:id="rId36"/>
+    <p:sldId id="302" r:id="rId37"/>
+    <p:sldId id="303" r:id="rId38"/>
+    <p:sldId id="304" r:id="rId39"/>
+    <p:sldId id="305" r:id="rId40"/>
+    <p:sldId id="306" r:id="rId41"/>
   </p:sldIdLst>
   <p:sldSz cx="9144000" cy="6858000" type="screen4x3"/>
   <p:notesSz cx="6858000" cy="9144000"/>
@@ -4700,11 +4702,7 @@
             <a:pPr lvl="2"/>
             <a:r>
               <a:rPr lang="en-US" sz="2200" smtClean="0"/>
-              <a:t>Entity Framework C# classes representing db </a:t>
-            </a:r>
-            <a:r>
-              <a:rPr lang="en-US" sz="2200" smtClean="0"/>
-              <a:t>tables</a:t>
+              <a:t>Entity Framework C# classes representing db tables</a:t>
             </a:r>
           </a:p>
           <a:p>
@@ -4738,11 +4736,7 @@
             <a:pPr lvl="2"/>
             <a:r>
               <a:rPr lang="en-US" sz="2200" smtClean="0"/>
-              <a:t>Uses Bootstrap CSS and JavaScript, as well as Jquery </a:t>
-            </a:r>
-            <a:r>
-              <a:rPr lang="en-US" sz="2200" smtClean="0"/>
-              <a:t>JavaScript</a:t>
+              <a:t>Uses Bootstrap CSS and JavaScript, as well as Jquery JavaScript</a:t>
             </a:r>
           </a:p>
           <a:p>
@@ -5253,11 +5247,7 @@
             </a:r>
             <a:r>
               <a:rPr lang="en-US" sz="1400"/>
-              <a:t>https</a:t>
-            </a:r>
-            <a:r>
-              <a:rPr lang="en-US" sz="1400"/>
-              <a:t>://</a:t>
+              <a:t>https://</a:t>
             </a:r>
             <a:r>
               <a:rPr lang="en-US" sz="1400" smtClean="0"/>
@@ -6455,7 +6445,7 @@
           <a:graphicData uri="http://schemas.openxmlformats.org/presentationml/2006/ole">
             <mc:AlternateContent xmlns:mc="http://schemas.openxmlformats.org/markup-compatibility/2006">
               <mc:Choice xmlns:v="urn:schemas-microsoft-com:vml" Requires="v">
-                <p:oleObj spid="_x0000_s10266" name="Visio" r:id="rId3" imgW="7686566" imgH="5410279" progId="Visio.Drawing.15">
+                <p:oleObj spid="_x0000_s10268" name="Visio" r:id="rId3" imgW="7686566" imgH="5410279" progId="Visio.Drawing.15">
                   <p:embed/>
                 </p:oleObj>
               </mc:Choice>
@@ -7132,7 +7122,7 @@
           <a:graphicData uri="http://schemas.openxmlformats.org/presentationml/2006/ole">
             <mc:AlternateContent xmlns:mc="http://schemas.openxmlformats.org/markup-compatibility/2006">
               <mc:Choice xmlns:v="urn:schemas-microsoft-com:vml" Requires="v">
-                <p:oleObj spid="_x0000_s12311" name="Visio" r:id="rId3" imgW="8277197" imgH="3152824" progId="Visio.Drawing.15">
+                <p:oleObj spid="_x0000_s12313" name="Visio" r:id="rId3" imgW="8277197" imgH="3152824" progId="Visio.Drawing.15">
                   <p:embed/>
                 </p:oleObj>
               </mc:Choice>
@@ -7312,7 +7302,7 @@
           <a:graphicData uri="http://schemas.openxmlformats.org/presentationml/2006/ole">
             <mc:AlternateContent xmlns:mc="http://schemas.openxmlformats.org/markup-compatibility/2006">
               <mc:Choice xmlns:v="urn:schemas-microsoft-com:vml" Requires="v">
-                <p:oleObj spid="_x0000_s13335" name="Visio" r:id="rId3" imgW="8458327" imgH="3876786" progId="Visio.Drawing.15">
+                <p:oleObj spid="_x0000_s13337" name="Visio" r:id="rId3" imgW="8458327" imgH="3876786" progId="Visio.Drawing.15">
                   <p:embed/>
                 </p:oleObj>
               </mc:Choice>
@@ -7443,7 +7433,7 @@
           <a:graphicData uri="http://schemas.openxmlformats.org/presentationml/2006/ole">
             <mc:AlternateContent xmlns:mc="http://schemas.openxmlformats.org/markup-compatibility/2006">
               <mc:Choice xmlns:v="urn:schemas-microsoft-com:vml" Requires="v">
-                <p:oleObj spid="_x0000_s14359" name="Visio" r:id="rId3" imgW="6200696" imgH="5143584" progId="Visio.Drawing.15">
+                <p:oleObj spid="_x0000_s14361" name="Visio" r:id="rId3" imgW="6200696" imgH="5143584" progId="Visio.Drawing.15">
                   <p:embed/>
                 </p:oleObj>
               </mc:Choice>
@@ -7704,6 +7694,289 @@
           <a:chExt cx="0" cy="0"/>
         </a:xfrm>
       </p:grpSpPr>
+      <p:pic>
+        <p:nvPicPr>
+          <p:cNvPr id="4" name="Content Placeholder 3"/>
+          <p:cNvPicPr>
+            <a:picLocks noGrp="1"/>
+          </p:cNvPicPr>
+          <p:nvPr>
+            <p:ph idx="1"/>
+          </p:nvPr>
+        </p:nvPicPr>
+        <p:blipFill>
+          <a:blip r:embed="rId2" cstate="print">
+            <a:extLst>
+              <a:ext uri="{28A0092B-C50C-407E-A947-70E740481C1C}">
+                <a14:useLocalDpi xmlns:a14="http://schemas.microsoft.com/office/drawing/2010/main" val="0"/>
+              </a:ext>
+            </a:extLst>
+          </a:blip>
+          <a:stretch>
+            <a:fillRect/>
+          </a:stretch>
+        </p:blipFill>
+        <p:spPr>
+          <a:xfrm>
+            <a:off x="304800" y="533400"/>
+            <a:ext cx="7924800" cy="7315200"/>
+          </a:xfrm>
+          <a:prstGeom prst="rect">
+            <a:avLst/>
+          </a:prstGeom>
+        </p:spPr>
+      </p:pic>
+      <p:sp>
+        <p:nvSpPr>
+          <p:cNvPr id="2" name="Title 1"/>
+          <p:cNvSpPr>
+            <a:spLocks noGrp="1"/>
+          </p:cNvSpPr>
+          <p:nvPr>
+            <p:ph type="title"/>
+          </p:nvPr>
+        </p:nvSpPr>
+        <p:spPr/>
+        <p:txBody>
+          <a:bodyPr/>
+          <a:lstStyle/>
+          <a:p>
+            <a:r>
+              <a:rPr lang="en-US" smtClean="0"/>
+              <a:t>Sequence Diagrams</a:t>
+            </a:r>
+            <a:endParaRPr lang="en-US"/>
+          </a:p>
+        </p:txBody>
+      </p:sp>
+    </p:spTree>
+    <p:extLst>
+      <p:ext uri="{BB962C8B-B14F-4D97-AF65-F5344CB8AC3E}">
+        <p14:creationId xmlns:p14="http://schemas.microsoft.com/office/powerpoint/2010/main" val="2939365971"/>
+      </p:ext>
+    </p:extLst>
+  </p:cSld>
+  <p:clrMapOvr>
+    <a:masterClrMapping/>
+  </p:clrMapOvr>
+  <p:timing>
+    <p:tnLst>
+      <p:par>
+        <p:cTn id="1" dur="indefinite" restart="never" nodeType="tmRoot"/>
+      </p:par>
+    </p:tnLst>
+  </p:timing>
+</p:sld>
+</file>
+
+<file path=ppt/slides/slide29.xml><?xml version="1.0" encoding="utf-8"?>
+<p:sld xmlns:a="http://schemas.openxmlformats.org/drawingml/2006/main" xmlns:r="http://schemas.openxmlformats.org/officeDocument/2006/relationships" xmlns:p="http://schemas.openxmlformats.org/presentationml/2006/main">
+  <p:cSld>
+    <p:spTree>
+      <p:nvGrpSpPr>
+        <p:cNvPr id="1" name=""/>
+        <p:cNvGrpSpPr/>
+        <p:nvPr/>
+      </p:nvGrpSpPr>
+      <p:grpSpPr>
+        <a:xfrm>
+          <a:off x="0" y="0"/>
+          <a:ext cx="0" cy="0"/>
+          <a:chOff x="0" y="0"/>
+          <a:chExt cx="0" cy="0"/>
+        </a:xfrm>
+      </p:grpSpPr>
+      <p:pic>
+        <p:nvPicPr>
+          <p:cNvPr id="4" name="Content Placeholder 3"/>
+          <p:cNvPicPr>
+            <a:picLocks noGrp="1"/>
+          </p:cNvPicPr>
+          <p:nvPr>
+            <p:ph idx="1"/>
+          </p:nvPr>
+        </p:nvPicPr>
+        <p:blipFill>
+          <a:blip r:embed="rId2" cstate="print">
+            <a:extLst>
+              <a:ext uri="{28A0092B-C50C-407E-A947-70E740481C1C}">
+                <a14:useLocalDpi xmlns:a14="http://schemas.microsoft.com/office/drawing/2010/main" val="0"/>
+              </a:ext>
+            </a:extLst>
+          </a:blip>
+          <a:stretch>
+            <a:fillRect/>
+          </a:stretch>
+        </p:blipFill>
+        <p:spPr>
+          <a:xfrm>
+            <a:off x="609600" y="609600"/>
+            <a:ext cx="7010399" cy="7086600"/>
+          </a:xfrm>
+          <a:prstGeom prst="rect">
+            <a:avLst/>
+          </a:prstGeom>
+        </p:spPr>
+      </p:pic>
+      <p:sp>
+        <p:nvSpPr>
+          <p:cNvPr id="2" name="Title 1"/>
+          <p:cNvSpPr>
+            <a:spLocks noGrp="1"/>
+          </p:cNvSpPr>
+          <p:nvPr>
+            <p:ph type="title"/>
+          </p:nvPr>
+        </p:nvSpPr>
+        <p:spPr/>
+        <p:txBody>
+          <a:bodyPr/>
+          <a:lstStyle/>
+          <a:p>
+            <a:r>
+              <a:rPr lang="en-US" smtClean="0"/>
+              <a:t>Sequence Diagrams</a:t>
+            </a:r>
+            <a:endParaRPr lang="en-US"/>
+          </a:p>
+        </p:txBody>
+      </p:sp>
+    </p:spTree>
+    <p:extLst>
+      <p:ext uri="{BB962C8B-B14F-4D97-AF65-F5344CB8AC3E}">
+        <p14:creationId xmlns:p14="http://schemas.microsoft.com/office/powerpoint/2010/main" val="2681175197"/>
+      </p:ext>
+    </p:extLst>
+  </p:cSld>
+  <p:clrMapOvr>
+    <a:masterClrMapping/>
+  </p:clrMapOvr>
+  <p:timing>
+    <p:tnLst>
+      <p:par>
+        <p:cTn id="1" dur="indefinite" restart="never" nodeType="tmRoot"/>
+      </p:par>
+    </p:tnLst>
+  </p:timing>
+</p:sld>
+</file>
+
+<file path=ppt/slides/slide3.xml><?xml version="1.0" encoding="utf-8"?>
+<p:sld xmlns:a="http://schemas.openxmlformats.org/drawingml/2006/main" xmlns:r="http://schemas.openxmlformats.org/officeDocument/2006/relationships" xmlns:p="http://schemas.openxmlformats.org/presentationml/2006/main">
+  <p:cSld>
+    <p:spTree>
+      <p:nvGrpSpPr>
+        <p:cNvPr id="1" name=""/>
+        <p:cNvGrpSpPr/>
+        <p:nvPr/>
+      </p:nvGrpSpPr>
+      <p:grpSpPr>
+        <a:xfrm>
+          <a:off x="0" y="0"/>
+          <a:ext cx="0" cy="0"/>
+          <a:chOff x="0" y="0"/>
+          <a:chExt cx="0" cy="0"/>
+        </a:xfrm>
+      </p:grpSpPr>
+      <p:sp>
+        <p:nvSpPr>
+          <p:cNvPr id="2" name="Title 1"/>
+          <p:cNvSpPr>
+            <a:spLocks noGrp="1"/>
+          </p:cNvSpPr>
+          <p:nvPr>
+            <p:ph type="title"/>
+          </p:nvPr>
+        </p:nvSpPr>
+        <p:spPr>
+          <a:xfrm>
+            <a:off x="533400" y="2514600"/>
+            <a:ext cx="7659687" cy="1168400"/>
+          </a:xfrm>
+        </p:spPr>
+        <p:txBody>
+          <a:bodyPr/>
+          <a:lstStyle/>
+          <a:p>
+            <a:r>
+              <a:rPr lang="en-US" b="1" smtClean="0"/>
+              <a:t>Introduction</a:t>
+            </a:r>
+            <a:endParaRPr lang="en-US" b="1"/>
+          </a:p>
+        </p:txBody>
+      </p:sp>
+      <p:sp>
+        <p:nvSpPr>
+          <p:cNvPr id="3" name="Text Placeholder 2"/>
+          <p:cNvSpPr>
+            <a:spLocks noGrp="1"/>
+          </p:cNvSpPr>
+          <p:nvPr>
+            <p:ph type="body" idx="1"/>
+          </p:nvPr>
+        </p:nvSpPr>
+        <p:spPr>
+          <a:xfrm>
+            <a:off x="533400" y="838200"/>
+            <a:ext cx="6135687" cy="1633538"/>
+          </a:xfrm>
+        </p:spPr>
+        <p:txBody>
+          <a:bodyPr>
+            <a:normAutofit/>
+          </a:bodyPr>
+          <a:lstStyle/>
+          <a:p>
+            <a:r>
+              <a:rPr lang="en-US" sz="4000"/>
+              <a:t>1</a:t>
+            </a:r>
+            <a:r>
+              <a:rPr lang="en-US" sz="4000" smtClean="0"/>
+              <a:t>.</a:t>
+            </a:r>
+            <a:endParaRPr lang="en-US" sz="4000"/>
+          </a:p>
+        </p:txBody>
+      </p:sp>
+    </p:spTree>
+    <p:extLst>
+      <p:ext uri="{BB962C8B-B14F-4D97-AF65-F5344CB8AC3E}">
+        <p14:creationId xmlns:p14="http://schemas.microsoft.com/office/powerpoint/2010/main" val="1044335434"/>
+      </p:ext>
+    </p:extLst>
+  </p:cSld>
+  <p:clrMapOvr>
+    <a:masterClrMapping/>
+  </p:clrMapOvr>
+  <p:timing>
+    <p:tnLst>
+      <p:par>
+        <p:cTn id="1" dur="indefinite" restart="never" nodeType="tmRoot"/>
+      </p:par>
+    </p:tnLst>
+  </p:timing>
+</p:sld>
+</file>
+
+<file path=ppt/slides/slide30.xml><?xml version="1.0" encoding="utf-8"?>
+<p:sld xmlns:a="http://schemas.openxmlformats.org/drawingml/2006/main" xmlns:r="http://schemas.openxmlformats.org/officeDocument/2006/relationships" xmlns:p="http://schemas.openxmlformats.org/presentationml/2006/main">
+  <p:cSld>
+    <p:spTree>
+      <p:nvGrpSpPr>
+        <p:cNvPr id="1" name=""/>
+        <p:cNvGrpSpPr/>
+        <p:nvPr/>
+      </p:nvGrpSpPr>
+      <p:grpSpPr>
+        <a:xfrm>
+          <a:off x="0" y="0"/>
+          <a:ext cx="0" cy="0"/>
+          <a:chOff x="0" y="0"/>
+          <a:chExt cx="0" cy="0"/>
+        </a:xfrm>
+      </p:grpSpPr>
       <p:sp>
         <p:nvSpPr>
           <p:cNvPr id="2" name="Title 1"/>
@@ -7815,7 +8088,7 @@
 </p:sld>
 </file>
 
-<file path=ppt/slides/slide29.xml><?xml version="1.0" encoding="utf-8"?>
+<file path=ppt/slides/slide31.xml><?xml version="1.0" encoding="utf-8"?>
 <p:sld xmlns:a="http://schemas.openxmlformats.org/drawingml/2006/main" xmlns:r="http://schemas.openxmlformats.org/officeDocument/2006/relationships" xmlns:p="http://schemas.openxmlformats.org/presentationml/2006/main">
   <p:cSld>
     <p:spTree>
@@ -7948,7 +8221,7 @@
 </p:sld>
 </file>
 
-<file path=ppt/slides/slide3.xml><?xml version="1.0" encoding="utf-8"?>
+<file path=ppt/slides/slide32.xml><?xml version="1.0" encoding="utf-8"?>
 <p:sld xmlns:a="http://schemas.openxmlformats.org/drawingml/2006/main" xmlns:r="http://schemas.openxmlformats.org/officeDocument/2006/relationships" xmlns:p="http://schemas.openxmlformats.org/presentationml/2006/main">
   <p:cSld>
     <p:spTree>
@@ -7977,105 +8250,6 @@
         </p:nvSpPr>
         <p:spPr>
           <a:xfrm>
-            <a:off x="533400" y="2514600"/>
-            <a:ext cx="7659687" cy="1168400"/>
-          </a:xfrm>
-        </p:spPr>
-        <p:txBody>
-          <a:bodyPr/>
-          <a:lstStyle/>
-          <a:p>
-            <a:r>
-              <a:rPr lang="en-US" b="1" smtClean="0"/>
-              <a:t>Introduction</a:t>
-            </a:r>
-            <a:endParaRPr lang="en-US" b="1"/>
-          </a:p>
-        </p:txBody>
-      </p:sp>
-      <p:sp>
-        <p:nvSpPr>
-          <p:cNvPr id="3" name="Text Placeholder 2"/>
-          <p:cNvSpPr>
-            <a:spLocks noGrp="1"/>
-          </p:cNvSpPr>
-          <p:nvPr>
-            <p:ph type="body" idx="1"/>
-          </p:nvPr>
-        </p:nvSpPr>
-        <p:spPr>
-          <a:xfrm>
-            <a:off x="533400" y="838200"/>
-            <a:ext cx="6135687" cy="1633538"/>
-          </a:xfrm>
-        </p:spPr>
-        <p:txBody>
-          <a:bodyPr>
-            <a:normAutofit/>
-          </a:bodyPr>
-          <a:lstStyle/>
-          <a:p>
-            <a:r>
-              <a:rPr lang="en-US" sz="4000"/>
-              <a:t>1</a:t>
-            </a:r>
-            <a:r>
-              <a:rPr lang="en-US" sz="4000" smtClean="0"/>
-              <a:t>.</a:t>
-            </a:r>
-            <a:endParaRPr lang="en-US" sz="4000"/>
-          </a:p>
-        </p:txBody>
-      </p:sp>
-    </p:spTree>
-    <p:extLst>
-      <p:ext uri="{BB962C8B-B14F-4D97-AF65-F5344CB8AC3E}">
-        <p14:creationId xmlns:p14="http://schemas.microsoft.com/office/powerpoint/2010/main" val="1044335434"/>
-      </p:ext>
-    </p:extLst>
-  </p:cSld>
-  <p:clrMapOvr>
-    <a:masterClrMapping/>
-  </p:clrMapOvr>
-  <p:timing>
-    <p:tnLst>
-      <p:par>
-        <p:cTn id="1" dur="indefinite" restart="never" nodeType="tmRoot"/>
-      </p:par>
-    </p:tnLst>
-  </p:timing>
-</p:sld>
-</file>
-
-<file path=ppt/slides/slide30.xml><?xml version="1.0" encoding="utf-8"?>
-<p:sld xmlns:a="http://schemas.openxmlformats.org/drawingml/2006/main" xmlns:r="http://schemas.openxmlformats.org/officeDocument/2006/relationships" xmlns:p="http://schemas.openxmlformats.org/presentationml/2006/main">
-  <p:cSld>
-    <p:spTree>
-      <p:nvGrpSpPr>
-        <p:cNvPr id="1" name=""/>
-        <p:cNvGrpSpPr/>
-        <p:nvPr/>
-      </p:nvGrpSpPr>
-      <p:grpSpPr>
-        <a:xfrm>
-          <a:off x="0" y="0"/>
-          <a:ext cx="0" cy="0"/>
-          <a:chOff x="0" y="0"/>
-          <a:chExt cx="0" cy="0"/>
-        </a:xfrm>
-      </p:grpSpPr>
-      <p:sp>
-        <p:nvSpPr>
-          <p:cNvPr id="2" name="Title 1"/>
-          <p:cNvSpPr>
-            <a:spLocks noGrp="1"/>
-          </p:cNvSpPr>
-          <p:nvPr>
-            <p:ph type="title"/>
-          </p:nvPr>
-        </p:nvSpPr>
-        <p:spPr>
-          <a:xfrm>
             <a:off x="457200" y="274638"/>
             <a:ext cx="7620000" cy="1143000"/>
           </a:xfrm>
@@ -8121,11 +8295,7 @@
             </a:br>
             <a:r>
               <a:rPr lang="en-US" sz="2400"/>
-              <a:t>Shows the flow </a:t>
-            </a:r>
-            <a:r>
-              <a:rPr lang="en-US" sz="2400"/>
-              <a:t>of </a:t>
+              <a:t>Shows the flow of </a:t>
             </a:r>
             <a:r>
               <a:rPr lang="en-US" sz="2400" smtClean="0"/>
@@ -8192,7 +8362,7 @@
 </p:sld>
 </file>
 
-<file path=ppt/slides/slide31.xml><?xml version="1.0" encoding="utf-8"?>
+<file path=ppt/slides/slide33.xml><?xml version="1.0" encoding="utf-8"?>
 <p:sld xmlns:a="http://schemas.openxmlformats.org/drawingml/2006/main" xmlns:r="http://schemas.openxmlformats.org/officeDocument/2006/relationships" xmlns:p="http://schemas.openxmlformats.org/presentationml/2006/main">
   <p:cSld>
     <p:spTree>
@@ -9220,7 +9390,7 @@
 </p:sld>
 </file>
 
-<file path=ppt/slides/slide32.xml><?xml version="1.0" encoding="utf-8"?>
+<file path=ppt/slides/slide34.xml><?xml version="1.0" encoding="utf-8"?>
 <p:sld xmlns:a="http://schemas.openxmlformats.org/drawingml/2006/main" xmlns:r="http://schemas.openxmlformats.org/officeDocument/2006/relationships" xmlns:p="http://schemas.openxmlformats.org/presentationml/2006/main">
   <p:cSld>
     <p:spTree>
@@ -9346,7 +9516,7 @@
 </p:sld>
 </file>
 
-<file path=ppt/slides/slide33.xml><?xml version="1.0" encoding="utf-8"?>
+<file path=ppt/slides/slide35.xml><?xml version="1.0" encoding="utf-8"?>
 <p:sld xmlns:a="http://schemas.openxmlformats.org/drawingml/2006/main" xmlns:r="http://schemas.openxmlformats.org/officeDocument/2006/relationships" xmlns:p="http://schemas.openxmlformats.org/presentationml/2006/main">
   <p:cSld>
     <p:spTree>
@@ -9472,7 +9642,7 @@
 </p:sld>
 </file>
 
-<file path=ppt/slides/slide34.xml><?xml version="1.0" encoding="utf-8"?>
+<file path=ppt/slides/slide36.xml><?xml version="1.0" encoding="utf-8"?>
 <p:sld xmlns:a="http://schemas.openxmlformats.org/drawingml/2006/main" xmlns:r="http://schemas.openxmlformats.org/officeDocument/2006/relationships" xmlns:p="http://schemas.openxmlformats.org/presentationml/2006/main">
   <p:cSld>
     <p:spTree>
@@ -9539,258 +9709,6 @@
           <a:xfrm>
             <a:off x="1447800" y="1169015"/>
             <a:ext cx="5714999" cy="5588458"/>
-          </a:xfrm>
-          <a:prstGeom prst="rect">
-            <a:avLst/>
-          </a:prstGeom>
-          <a:noFill/>
-          <a:ln>
-            <a:noFill/>
-          </a:ln>
-          <a:effectLst/>
-          <a:extLst>
-            <a:ext uri="{909E8E84-426E-40DD-AFC4-6F175D3DCCD1}">
-              <a14:hiddenFill xmlns:a14="http://schemas.microsoft.com/office/drawing/2010/main">
-                <a:solidFill>
-                  <a:schemeClr val="accent1"/>
-                </a:solidFill>
-              </a14:hiddenFill>
-            </a:ext>
-            <a:ext uri="{91240B29-F687-4F45-9708-019B960494DF}">
-              <a14:hiddenLine xmlns:a14="http://schemas.microsoft.com/office/drawing/2010/main" w="9525">
-                <a:solidFill>
-                  <a:schemeClr val="tx1"/>
-                </a:solidFill>
-                <a:miter lim="800000"/>
-                <a:headEnd/>
-                <a:tailEnd/>
-              </a14:hiddenLine>
-            </a:ext>
-            <a:ext uri="{AF507438-7753-43E0-B8FC-AC1667EBCBE1}">
-              <a14:hiddenEffects xmlns:a14="http://schemas.microsoft.com/office/drawing/2010/main">
-                <a:effectLst>
-                  <a:outerShdw dist="35921" dir="2700000" algn="ctr" rotWithShape="0">
-                    <a:schemeClr val="bg2"/>
-                  </a:outerShdw>
-                </a:effectLst>
-              </a14:hiddenEffects>
-            </a:ext>
-          </a:extLst>
-        </p:spPr>
-      </p:pic>
-    </p:spTree>
-    <p:extLst>
-      <p:ext uri="{BB962C8B-B14F-4D97-AF65-F5344CB8AC3E}">
-        <p14:creationId xmlns:p14="http://schemas.microsoft.com/office/powerpoint/2010/main" val="1532744095"/>
-      </p:ext>
-    </p:extLst>
-  </p:cSld>
-  <p:clrMapOvr>
-    <a:masterClrMapping/>
-  </p:clrMapOvr>
-  <p:timing>
-    <p:tnLst>
-      <p:par>
-        <p:cTn id="1" dur="indefinite" restart="never" nodeType="tmRoot"/>
-      </p:par>
-    </p:tnLst>
-  </p:timing>
-</p:sld>
-</file>
-
-<file path=ppt/slides/slide35.xml><?xml version="1.0" encoding="utf-8"?>
-<p:sld xmlns:a="http://schemas.openxmlformats.org/drawingml/2006/main" xmlns:r="http://schemas.openxmlformats.org/officeDocument/2006/relationships" xmlns:p="http://schemas.openxmlformats.org/presentationml/2006/main">
-  <p:cSld>
-    <p:spTree>
-      <p:nvGrpSpPr>
-        <p:cNvPr id="1" name=""/>
-        <p:cNvGrpSpPr/>
-        <p:nvPr/>
-      </p:nvGrpSpPr>
-      <p:grpSpPr>
-        <a:xfrm>
-          <a:off x="0" y="0"/>
-          <a:ext cx="0" cy="0"/>
-          <a:chOff x="0" y="0"/>
-          <a:chExt cx="0" cy="0"/>
-        </a:xfrm>
-      </p:grpSpPr>
-      <p:sp>
-        <p:nvSpPr>
-          <p:cNvPr id="2" name="Title 1"/>
-          <p:cNvSpPr>
-            <a:spLocks noGrp="1"/>
-          </p:cNvSpPr>
-          <p:nvPr>
-            <p:ph type="title"/>
-          </p:nvPr>
-        </p:nvSpPr>
-        <p:spPr/>
-        <p:txBody>
-          <a:bodyPr/>
-          <a:lstStyle/>
-          <a:p>
-            <a:r>
-              <a:rPr lang="en-US" smtClean="0"/>
-              <a:t>User Interface Design</a:t>
-            </a:r>
-            <a:endParaRPr lang="en-US"/>
-          </a:p>
-        </p:txBody>
-      </p:sp>
-      <p:pic>
-        <p:nvPicPr>
-          <p:cNvPr id="23555" name="Picture 3"/>
-          <p:cNvPicPr>
-            <a:picLocks noGrp="1" noChangeAspect="1" noChangeArrowheads="1"/>
-          </p:cNvPicPr>
-          <p:nvPr>
-            <p:ph idx="1"/>
-          </p:nvPr>
-        </p:nvPicPr>
-        <p:blipFill>
-          <a:blip r:embed="rId2" cstate="print">
-            <a:extLst>
-              <a:ext uri="{28A0092B-C50C-407E-A947-70E740481C1C}">
-                <a14:useLocalDpi xmlns:a14="http://schemas.microsoft.com/office/drawing/2010/main" val="0"/>
-              </a:ext>
-            </a:extLst>
-          </a:blip>
-          <a:srcRect/>
-          <a:stretch>
-            <a:fillRect/>
-          </a:stretch>
-        </p:blipFill>
-        <p:spPr bwMode="auto">
-          <a:xfrm>
-            <a:off x="2133600" y="1153872"/>
-            <a:ext cx="4267200" cy="5693254"/>
-          </a:xfrm>
-          <a:prstGeom prst="rect">
-            <a:avLst/>
-          </a:prstGeom>
-          <a:noFill/>
-          <a:ln>
-            <a:noFill/>
-          </a:ln>
-          <a:effectLst/>
-          <a:extLst>
-            <a:ext uri="{909E8E84-426E-40DD-AFC4-6F175D3DCCD1}">
-              <a14:hiddenFill xmlns:a14="http://schemas.microsoft.com/office/drawing/2010/main">
-                <a:solidFill>
-                  <a:schemeClr val="accent1"/>
-                </a:solidFill>
-              </a14:hiddenFill>
-            </a:ext>
-            <a:ext uri="{91240B29-F687-4F45-9708-019B960494DF}">
-              <a14:hiddenLine xmlns:a14="http://schemas.microsoft.com/office/drawing/2010/main" w="9525">
-                <a:solidFill>
-                  <a:schemeClr val="tx1"/>
-                </a:solidFill>
-                <a:miter lim="800000"/>
-                <a:headEnd/>
-                <a:tailEnd/>
-              </a14:hiddenLine>
-            </a:ext>
-            <a:ext uri="{AF507438-7753-43E0-B8FC-AC1667EBCBE1}">
-              <a14:hiddenEffects xmlns:a14="http://schemas.microsoft.com/office/drawing/2010/main">
-                <a:effectLst>
-                  <a:outerShdw dist="35921" dir="2700000" algn="ctr" rotWithShape="0">
-                    <a:schemeClr val="bg2"/>
-                  </a:outerShdw>
-                </a:effectLst>
-              </a14:hiddenEffects>
-            </a:ext>
-          </a:extLst>
-        </p:spPr>
-      </p:pic>
-    </p:spTree>
-    <p:extLst>
-      <p:ext uri="{BB962C8B-B14F-4D97-AF65-F5344CB8AC3E}">
-        <p14:creationId xmlns:p14="http://schemas.microsoft.com/office/powerpoint/2010/main" val="1532744095"/>
-      </p:ext>
-    </p:extLst>
-  </p:cSld>
-  <p:clrMapOvr>
-    <a:masterClrMapping/>
-  </p:clrMapOvr>
-  <p:timing>
-    <p:tnLst>
-      <p:par>
-        <p:cTn id="1" dur="indefinite" restart="never" nodeType="tmRoot"/>
-      </p:par>
-    </p:tnLst>
-  </p:timing>
-</p:sld>
-</file>
-
-<file path=ppt/slides/slide36.xml><?xml version="1.0" encoding="utf-8"?>
-<p:sld xmlns:a="http://schemas.openxmlformats.org/drawingml/2006/main" xmlns:r="http://schemas.openxmlformats.org/officeDocument/2006/relationships" xmlns:p="http://schemas.openxmlformats.org/presentationml/2006/main">
-  <p:cSld>
-    <p:spTree>
-      <p:nvGrpSpPr>
-        <p:cNvPr id="1" name=""/>
-        <p:cNvGrpSpPr/>
-        <p:nvPr/>
-      </p:nvGrpSpPr>
-      <p:grpSpPr>
-        <a:xfrm>
-          <a:off x="0" y="0"/>
-          <a:ext cx="0" cy="0"/>
-          <a:chOff x="0" y="0"/>
-          <a:chExt cx="0" cy="0"/>
-        </a:xfrm>
-      </p:grpSpPr>
-      <p:sp>
-        <p:nvSpPr>
-          <p:cNvPr id="2" name="Title 1"/>
-          <p:cNvSpPr>
-            <a:spLocks noGrp="1"/>
-          </p:cNvSpPr>
-          <p:nvPr>
-            <p:ph type="title"/>
-          </p:nvPr>
-        </p:nvSpPr>
-        <p:spPr/>
-        <p:txBody>
-          <a:bodyPr/>
-          <a:lstStyle/>
-          <a:p>
-            <a:r>
-              <a:rPr lang="en-US" smtClean="0"/>
-              <a:t>User Interface Design</a:t>
-            </a:r>
-            <a:endParaRPr lang="en-US"/>
-          </a:p>
-        </p:txBody>
-      </p:sp>
-      <p:pic>
-        <p:nvPicPr>
-          <p:cNvPr id="22530" name="Picture 2"/>
-          <p:cNvPicPr>
-            <a:picLocks noGrp="1" noChangeAspect="1" noChangeArrowheads="1"/>
-          </p:cNvPicPr>
-          <p:nvPr>
-            <p:ph idx="1"/>
-          </p:nvPr>
-        </p:nvPicPr>
-        <p:blipFill>
-          <a:blip r:embed="rId2" cstate="print">
-            <a:extLst>
-              <a:ext uri="{28A0092B-C50C-407E-A947-70E740481C1C}">
-                <a14:useLocalDpi xmlns:a14="http://schemas.microsoft.com/office/drawing/2010/main" val="0"/>
-              </a:ext>
-            </a:extLst>
-          </a:blip>
-          <a:srcRect/>
-          <a:stretch>
-            <a:fillRect/>
-          </a:stretch>
-        </p:blipFill>
-        <p:spPr bwMode="auto">
-          <a:xfrm>
-            <a:off x="1600201" y="1196733"/>
-            <a:ext cx="5334000" cy="5607533"/>
           </a:xfrm>
           <a:prstGeom prst="rect">
             <a:avLst/>
@@ -9892,7 +9810,7 @@
       </p:sp>
       <p:pic>
         <p:nvPicPr>
-          <p:cNvPr id="21506" name="Picture 2"/>
+          <p:cNvPr id="23555" name="Picture 3"/>
           <p:cNvPicPr>
             <a:picLocks noGrp="1" noChangeAspect="1" noChangeArrowheads="1"/>
           </p:cNvPicPr>
@@ -9915,8 +9833,8 @@
         </p:blipFill>
         <p:spPr bwMode="auto">
           <a:xfrm>
-            <a:off x="1828800" y="1062179"/>
-            <a:ext cx="5257799" cy="5794684"/>
+            <a:off x="2133600" y="1153872"/>
+            <a:ext cx="4267200" cy="5693254"/>
           </a:xfrm>
           <a:prstGeom prst="rect">
             <a:avLst/>
@@ -10018,7 +9936,7 @@
       </p:sp>
       <p:pic>
         <p:nvPicPr>
-          <p:cNvPr id="20482" name="Picture 2"/>
+          <p:cNvPr id="22530" name="Picture 2"/>
           <p:cNvPicPr>
             <a:picLocks noGrp="1" noChangeAspect="1" noChangeArrowheads="1"/>
           </p:cNvPicPr>
@@ -10041,8 +9959,134 @@
         </p:blipFill>
         <p:spPr bwMode="auto">
           <a:xfrm>
-            <a:off x="1219200" y="1142894"/>
-            <a:ext cx="6324600" cy="5723067"/>
+            <a:off x="1600201" y="1196733"/>
+            <a:ext cx="5334000" cy="5607533"/>
+          </a:xfrm>
+          <a:prstGeom prst="rect">
+            <a:avLst/>
+          </a:prstGeom>
+          <a:noFill/>
+          <a:ln>
+            <a:noFill/>
+          </a:ln>
+          <a:effectLst/>
+          <a:extLst>
+            <a:ext uri="{909E8E84-426E-40DD-AFC4-6F175D3DCCD1}">
+              <a14:hiddenFill xmlns:a14="http://schemas.microsoft.com/office/drawing/2010/main">
+                <a:solidFill>
+                  <a:schemeClr val="accent1"/>
+                </a:solidFill>
+              </a14:hiddenFill>
+            </a:ext>
+            <a:ext uri="{91240B29-F687-4F45-9708-019B960494DF}">
+              <a14:hiddenLine xmlns:a14="http://schemas.microsoft.com/office/drawing/2010/main" w="9525">
+                <a:solidFill>
+                  <a:schemeClr val="tx1"/>
+                </a:solidFill>
+                <a:miter lim="800000"/>
+                <a:headEnd/>
+                <a:tailEnd/>
+              </a14:hiddenLine>
+            </a:ext>
+            <a:ext uri="{AF507438-7753-43E0-B8FC-AC1667EBCBE1}">
+              <a14:hiddenEffects xmlns:a14="http://schemas.microsoft.com/office/drawing/2010/main">
+                <a:effectLst>
+                  <a:outerShdw dist="35921" dir="2700000" algn="ctr" rotWithShape="0">
+                    <a:schemeClr val="bg2"/>
+                  </a:outerShdw>
+                </a:effectLst>
+              </a14:hiddenEffects>
+            </a:ext>
+          </a:extLst>
+        </p:spPr>
+      </p:pic>
+    </p:spTree>
+    <p:extLst>
+      <p:ext uri="{BB962C8B-B14F-4D97-AF65-F5344CB8AC3E}">
+        <p14:creationId xmlns:p14="http://schemas.microsoft.com/office/powerpoint/2010/main" val="1532744095"/>
+      </p:ext>
+    </p:extLst>
+  </p:cSld>
+  <p:clrMapOvr>
+    <a:masterClrMapping/>
+  </p:clrMapOvr>
+  <p:timing>
+    <p:tnLst>
+      <p:par>
+        <p:cTn id="1" dur="indefinite" restart="never" nodeType="tmRoot"/>
+      </p:par>
+    </p:tnLst>
+  </p:timing>
+</p:sld>
+</file>
+
+<file path=ppt/slides/slide39.xml><?xml version="1.0" encoding="utf-8"?>
+<p:sld xmlns:a="http://schemas.openxmlformats.org/drawingml/2006/main" xmlns:r="http://schemas.openxmlformats.org/officeDocument/2006/relationships" xmlns:p="http://schemas.openxmlformats.org/presentationml/2006/main">
+  <p:cSld>
+    <p:spTree>
+      <p:nvGrpSpPr>
+        <p:cNvPr id="1" name=""/>
+        <p:cNvGrpSpPr/>
+        <p:nvPr/>
+      </p:nvGrpSpPr>
+      <p:grpSpPr>
+        <a:xfrm>
+          <a:off x="0" y="0"/>
+          <a:ext cx="0" cy="0"/>
+          <a:chOff x="0" y="0"/>
+          <a:chExt cx="0" cy="0"/>
+        </a:xfrm>
+      </p:grpSpPr>
+      <p:sp>
+        <p:nvSpPr>
+          <p:cNvPr id="2" name="Title 1"/>
+          <p:cNvSpPr>
+            <a:spLocks noGrp="1"/>
+          </p:cNvSpPr>
+          <p:nvPr>
+            <p:ph type="title"/>
+          </p:nvPr>
+        </p:nvSpPr>
+        <p:spPr/>
+        <p:txBody>
+          <a:bodyPr/>
+          <a:lstStyle/>
+          <a:p>
+            <a:r>
+              <a:rPr lang="en-US" smtClean="0"/>
+              <a:t>User Interface Design</a:t>
+            </a:r>
+            <a:endParaRPr lang="en-US"/>
+          </a:p>
+        </p:txBody>
+      </p:sp>
+      <p:pic>
+        <p:nvPicPr>
+          <p:cNvPr id="21506" name="Picture 2"/>
+          <p:cNvPicPr>
+            <a:picLocks noGrp="1" noChangeAspect="1" noChangeArrowheads="1"/>
+          </p:cNvPicPr>
+          <p:nvPr>
+            <p:ph idx="1"/>
+          </p:nvPr>
+        </p:nvPicPr>
+        <p:blipFill>
+          <a:blip r:embed="rId2" cstate="print">
+            <a:extLst>
+              <a:ext uri="{28A0092B-C50C-407E-A947-70E740481C1C}">
+                <a14:useLocalDpi xmlns:a14="http://schemas.microsoft.com/office/drawing/2010/main" val="0"/>
+              </a:ext>
+            </a:extLst>
+          </a:blip>
+          <a:srcRect/>
+          <a:stretch>
+            <a:fillRect/>
+          </a:stretch>
+        </p:blipFill>
+        <p:spPr bwMode="auto">
+          <a:xfrm>
+            <a:off x="1828800" y="1062179"/>
+            <a:ext cx="5257799" cy="5794684"/>
           </a:xfrm>
           <a:prstGeom prst="rect">
             <a:avLst/>
@@ -10226,6 +10270,132 @@
     <p:extLst>
       <p:ext uri="{BB962C8B-B14F-4D97-AF65-F5344CB8AC3E}">
         <p14:creationId xmlns:p14="http://schemas.microsoft.com/office/powerpoint/2010/main" val="923897623"/>
+      </p:ext>
+    </p:extLst>
+  </p:cSld>
+  <p:clrMapOvr>
+    <a:masterClrMapping/>
+  </p:clrMapOvr>
+  <p:timing>
+    <p:tnLst>
+      <p:par>
+        <p:cTn id="1" dur="indefinite" restart="never" nodeType="tmRoot"/>
+      </p:par>
+    </p:tnLst>
+  </p:timing>
+</p:sld>
+</file>
+
+<file path=ppt/slides/slide40.xml><?xml version="1.0" encoding="utf-8"?>
+<p:sld xmlns:a="http://schemas.openxmlformats.org/drawingml/2006/main" xmlns:r="http://schemas.openxmlformats.org/officeDocument/2006/relationships" xmlns:p="http://schemas.openxmlformats.org/presentationml/2006/main">
+  <p:cSld>
+    <p:spTree>
+      <p:nvGrpSpPr>
+        <p:cNvPr id="1" name=""/>
+        <p:cNvGrpSpPr/>
+        <p:nvPr/>
+      </p:nvGrpSpPr>
+      <p:grpSpPr>
+        <a:xfrm>
+          <a:off x="0" y="0"/>
+          <a:ext cx="0" cy="0"/>
+          <a:chOff x="0" y="0"/>
+          <a:chExt cx="0" cy="0"/>
+        </a:xfrm>
+      </p:grpSpPr>
+      <p:sp>
+        <p:nvSpPr>
+          <p:cNvPr id="2" name="Title 1"/>
+          <p:cNvSpPr>
+            <a:spLocks noGrp="1"/>
+          </p:cNvSpPr>
+          <p:nvPr>
+            <p:ph type="title"/>
+          </p:nvPr>
+        </p:nvSpPr>
+        <p:spPr/>
+        <p:txBody>
+          <a:bodyPr/>
+          <a:lstStyle/>
+          <a:p>
+            <a:r>
+              <a:rPr lang="en-US" smtClean="0"/>
+              <a:t>User Interface Design</a:t>
+            </a:r>
+            <a:endParaRPr lang="en-US"/>
+          </a:p>
+        </p:txBody>
+      </p:sp>
+      <p:pic>
+        <p:nvPicPr>
+          <p:cNvPr id="20482" name="Picture 2"/>
+          <p:cNvPicPr>
+            <a:picLocks noGrp="1" noChangeAspect="1" noChangeArrowheads="1"/>
+          </p:cNvPicPr>
+          <p:nvPr>
+            <p:ph idx="1"/>
+          </p:nvPr>
+        </p:nvPicPr>
+        <p:blipFill>
+          <a:blip r:embed="rId2" cstate="print">
+            <a:extLst>
+              <a:ext uri="{28A0092B-C50C-407E-A947-70E740481C1C}">
+                <a14:useLocalDpi xmlns:a14="http://schemas.microsoft.com/office/drawing/2010/main" val="0"/>
+              </a:ext>
+            </a:extLst>
+          </a:blip>
+          <a:srcRect/>
+          <a:stretch>
+            <a:fillRect/>
+          </a:stretch>
+        </p:blipFill>
+        <p:spPr bwMode="auto">
+          <a:xfrm>
+            <a:off x="1219200" y="1142894"/>
+            <a:ext cx="6324600" cy="5723067"/>
+          </a:xfrm>
+          <a:prstGeom prst="rect">
+            <a:avLst/>
+          </a:prstGeom>
+          <a:noFill/>
+          <a:ln>
+            <a:noFill/>
+          </a:ln>
+          <a:effectLst/>
+          <a:extLst>
+            <a:ext uri="{909E8E84-426E-40DD-AFC4-6F175D3DCCD1}">
+              <a14:hiddenFill xmlns:a14="http://schemas.microsoft.com/office/drawing/2010/main">
+                <a:solidFill>
+                  <a:schemeClr val="accent1"/>
+                </a:solidFill>
+              </a14:hiddenFill>
+            </a:ext>
+            <a:ext uri="{91240B29-F687-4F45-9708-019B960494DF}">
+              <a14:hiddenLine xmlns:a14="http://schemas.microsoft.com/office/drawing/2010/main" w="9525">
+                <a:solidFill>
+                  <a:schemeClr val="tx1"/>
+                </a:solidFill>
+                <a:miter lim="800000"/>
+                <a:headEnd/>
+                <a:tailEnd/>
+              </a14:hiddenLine>
+            </a:ext>
+            <a:ext uri="{AF507438-7753-43E0-B8FC-AC1667EBCBE1}">
+              <a14:hiddenEffects xmlns:a14="http://schemas.microsoft.com/office/drawing/2010/main">
+                <a:effectLst>
+                  <a:outerShdw dist="35921" dir="2700000" algn="ctr" rotWithShape="0">
+                    <a:schemeClr val="bg2"/>
+                  </a:outerShdw>
+                </a:effectLst>
+              </a14:hiddenEffects>
+            </a:ext>
+          </a:extLst>
+        </p:spPr>
+      </p:pic>
+    </p:spTree>
+    <p:extLst>
+      <p:ext uri="{BB962C8B-B14F-4D97-AF65-F5344CB8AC3E}">
+        <p14:creationId xmlns:p14="http://schemas.microsoft.com/office/powerpoint/2010/main" val="1532744095"/>
       </p:ext>
     </p:extLst>
   </p:cSld>

--- a/Design Specification/Design Specification.pptx
+++ b/Design Specification/Design Specification.pptx
@@ -6445,12 +6445,12 @@
           <a:graphicData uri="http://schemas.openxmlformats.org/presentationml/2006/ole">
             <mc:AlternateContent xmlns:mc="http://schemas.openxmlformats.org/markup-compatibility/2006">
               <mc:Choice xmlns:v="urn:schemas-microsoft-com:vml" Requires="v">
-                <p:oleObj spid="_x0000_s10268" name="Visio" r:id="rId3" imgW="7686566" imgH="5410279" progId="Visio.Drawing.15">
+                <p:oleObj spid="_x0000_s10269" name="Visio" r:id="rId4" imgW="7686566" imgH="5410279" progId="Visio.Drawing.15">
                   <p:embed/>
                 </p:oleObj>
               </mc:Choice>
               <mc:Fallback>
-                <p:oleObj name="Visio" r:id="rId3" imgW="7686566" imgH="5410279" progId="Visio.Drawing.15">
+                <p:oleObj name="Visio" r:id="rId4" imgW="7686566" imgH="5410279" progId="Visio.Drawing.15">
                   <p:embed/>
                   <p:pic>
                     <p:nvPicPr>
@@ -6461,7 +6461,7 @@
                       <p:nvPr/>
                     </p:nvPicPr>
                     <p:blipFill>
-                      <a:blip r:embed="rId4">
+                      <a:blip r:embed="rId5">
                         <a:extLst>
                           <a:ext uri="{28A0092B-C50C-407E-A947-70E740481C1C}">
                             <a14:useLocalDpi xmlns:a14="http://schemas.microsoft.com/office/drawing/2010/main" val="0"/>
@@ -7122,12 +7122,12 @@
           <a:graphicData uri="http://schemas.openxmlformats.org/presentationml/2006/ole">
             <mc:AlternateContent xmlns:mc="http://schemas.openxmlformats.org/markup-compatibility/2006">
               <mc:Choice xmlns:v="urn:schemas-microsoft-com:vml" Requires="v">
-                <p:oleObj spid="_x0000_s12313" name="Visio" r:id="rId3" imgW="8277197" imgH="3152824" progId="Visio.Drawing.15">
+                <p:oleObj spid="_x0000_s12314" name="Visio" r:id="rId4" imgW="8277197" imgH="3152824" progId="Visio.Drawing.15">
                   <p:embed/>
                 </p:oleObj>
               </mc:Choice>
               <mc:Fallback>
-                <p:oleObj name="Visio" r:id="rId3" imgW="8277197" imgH="3152824" progId="Visio.Drawing.15">
+                <p:oleObj name="Visio" r:id="rId4" imgW="8277197" imgH="3152824" progId="Visio.Drawing.15">
                   <p:embed/>
                   <p:pic>
                     <p:nvPicPr>
@@ -7138,7 +7138,7 @@
                       <p:nvPr/>
                     </p:nvPicPr>
                     <p:blipFill>
-                      <a:blip r:embed="rId4">
+                      <a:blip r:embed="rId5">
                         <a:extLst>
                           <a:ext uri="{28A0092B-C50C-407E-A947-70E740481C1C}">
                             <a14:useLocalDpi xmlns:a14="http://schemas.microsoft.com/office/drawing/2010/main" val="0"/>
@@ -7302,12 +7302,12 @@
           <a:graphicData uri="http://schemas.openxmlformats.org/presentationml/2006/ole">
             <mc:AlternateContent xmlns:mc="http://schemas.openxmlformats.org/markup-compatibility/2006">
               <mc:Choice xmlns:v="urn:schemas-microsoft-com:vml" Requires="v">
-                <p:oleObj spid="_x0000_s13337" name="Visio" r:id="rId3" imgW="8458327" imgH="3876786" progId="Visio.Drawing.15">
+                <p:oleObj spid="_x0000_s13338" name="Visio" r:id="rId4" imgW="8458327" imgH="3876786" progId="Visio.Drawing.15">
                   <p:embed/>
                 </p:oleObj>
               </mc:Choice>
               <mc:Fallback>
-                <p:oleObj name="Visio" r:id="rId3" imgW="8458327" imgH="3876786" progId="Visio.Drawing.15">
+                <p:oleObj name="Visio" r:id="rId4" imgW="8458327" imgH="3876786" progId="Visio.Drawing.15">
                   <p:embed/>
                   <p:pic>
                     <p:nvPicPr>
@@ -7318,7 +7318,7 @@
                       <p:nvPr/>
                     </p:nvPicPr>
                     <p:blipFill>
-                      <a:blip r:embed="rId4">
+                      <a:blip r:embed="rId5">
                         <a:extLst>
                           <a:ext uri="{28A0092B-C50C-407E-A947-70E740481C1C}">
                             <a14:useLocalDpi xmlns:a14="http://schemas.microsoft.com/office/drawing/2010/main" val="0"/>
@@ -7433,12 +7433,12 @@
           <a:graphicData uri="http://schemas.openxmlformats.org/presentationml/2006/ole">
             <mc:AlternateContent xmlns:mc="http://schemas.openxmlformats.org/markup-compatibility/2006">
               <mc:Choice xmlns:v="urn:schemas-microsoft-com:vml" Requires="v">
-                <p:oleObj spid="_x0000_s14361" name="Visio" r:id="rId3" imgW="6200696" imgH="5143584" progId="Visio.Drawing.15">
+                <p:oleObj spid="_x0000_s14362" name="Visio" r:id="rId4" imgW="6200696" imgH="5143584" progId="Visio.Drawing.15">
                   <p:embed/>
                 </p:oleObj>
               </mc:Choice>
               <mc:Fallback>
-                <p:oleObj name="Visio" r:id="rId3" imgW="6200696" imgH="5143584" progId="Visio.Drawing.15">
+                <p:oleObj name="Visio" r:id="rId4" imgW="6200696" imgH="5143584" progId="Visio.Drawing.15">
                   <p:embed/>
                   <p:pic>
                     <p:nvPicPr>
@@ -7449,7 +7449,7 @@
                       <p:nvPr/>
                     </p:nvPicPr>
                     <p:blipFill>
-                      <a:blip r:embed="rId4"/>
+                      <a:blip r:embed="rId5"/>
                       <a:srcRect/>
                       <a:stretch>
                         <a:fillRect/>
@@ -8288,7 +8288,15 @@
           <a:p>
             <a:r>
               <a:rPr lang="en-US" sz="2400" b="1" i="1"/>
-              <a:t>Level 3-1</a:t>
+              <a:t>Level </a:t>
+            </a:r>
+            <a:r>
+              <a:rPr lang="en-US" sz="2400" b="1" i="1" smtClean="0"/>
+              <a:t>3-2</a:t>
+            </a:r>
+            <a:r>
+              <a:rPr lang="en-US" sz="2400" b="1" i="1"/>
+              <a:t/>
             </a:r>
             <a:br>
               <a:rPr lang="en-US" sz="2400" b="1" i="1"/>

--- a/Design Specification/Design Specification.pptx
+++ b/Design Specification/Design Specification.pptx
@@ -5,7 +5,7 @@
     <p:sldMasterId id="2147483660" r:id="rId1"/>
   </p:sldMasterIdLst>
   <p:notesMasterIdLst>
-    <p:notesMasterId r:id="rId42"/>
+    <p:notesMasterId r:id="rId41"/>
   </p:notesMasterIdLst>
   <p:sldIdLst>
     <p:sldId id="257" r:id="rId2"/>
@@ -36,18 +36,17 @@
     <p:sldId id="298" r:id="rId27"/>
     <p:sldId id="284" r:id="rId28"/>
     <p:sldId id="311" r:id="rId29"/>
-    <p:sldId id="312" r:id="rId30"/>
-    <p:sldId id="307" r:id="rId31"/>
-    <p:sldId id="308" r:id="rId32"/>
-    <p:sldId id="309" r:id="rId33"/>
-    <p:sldId id="285" r:id="rId34"/>
-    <p:sldId id="300" r:id="rId35"/>
-    <p:sldId id="301" r:id="rId36"/>
-    <p:sldId id="302" r:id="rId37"/>
-    <p:sldId id="303" r:id="rId38"/>
-    <p:sldId id="304" r:id="rId39"/>
-    <p:sldId id="305" r:id="rId40"/>
-    <p:sldId id="306" r:id="rId41"/>
+    <p:sldId id="307" r:id="rId30"/>
+    <p:sldId id="308" r:id="rId31"/>
+    <p:sldId id="309" r:id="rId32"/>
+    <p:sldId id="285" r:id="rId33"/>
+    <p:sldId id="300" r:id="rId34"/>
+    <p:sldId id="301" r:id="rId35"/>
+    <p:sldId id="302" r:id="rId36"/>
+    <p:sldId id="303" r:id="rId37"/>
+    <p:sldId id="304" r:id="rId38"/>
+    <p:sldId id="305" r:id="rId39"/>
+    <p:sldId id="306" r:id="rId40"/>
   </p:sldIdLst>
   <p:sldSz cx="9144000" cy="6858000" type="screen4x3"/>
   <p:notesSz cx="6858000" cy="9144000"/>
@@ -231,7 +230,7 @@
           <a:p>
             <a:fld id="{25DD7029-E72D-42B7-BC2F-E441BF7460C3}" type="datetimeFigureOut">
               <a:rPr lang="en-US" smtClean="0"/>
-              <a:t>3/12/2015</a:t>
+              <a:t>3/15/2015</a:t>
             </a:fld>
             <a:endParaRPr lang="en-US"/>
           </a:p>
@@ -786,7 +785,7 @@
                 </a:solidFill>
               </a:rPr>
               <a:pPr/>
-              <a:t>3/12/2015</a:t>
+              <a:t>3/15/2015</a:t>
             </a:fld>
             <a:endParaRPr lang="en-US">
               <a:solidFill>
@@ -970,7 +969,7 @@
                 </a:solidFill>
               </a:rPr>
               <a:pPr/>
-              <a:t>3/12/2015</a:t>
+              <a:t>3/15/2015</a:t>
             </a:fld>
             <a:endParaRPr lang="en-US">
               <a:solidFill>
@@ -1164,7 +1163,7 @@
                 </a:solidFill>
               </a:rPr>
               <a:pPr/>
-              <a:t>3/12/2015</a:t>
+              <a:t>3/15/2015</a:t>
             </a:fld>
             <a:endParaRPr lang="en-US">
               <a:solidFill>
@@ -1348,7 +1347,7 @@
                 </a:solidFill>
               </a:rPr>
               <a:pPr/>
-              <a:t>3/12/2015</a:t>
+              <a:t>3/15/2015</a:t>
             </a:fld>
             <a:endParaRPr lang="en-US">
               <a:solidFill>
@@ -1608,7 +1607,7 @@
                 </a:solidFill>
               </a:rPr>
               <a:pPr/>
-              <a:t>3/12/2015</a:t>
+              <a:t>3/15/2015</a:t>
             </a:fld>
             <a:endParaRPr lang="en-US">
               <a:solidFill>
@@ -1910,7 +1909,7 @@
                 </a:solidFill>
               </a:rPr>
               <a:pPr/>
-              <a:t>3/12/2015</a:t>
+              <a:t>3/15/2015</a:t>
             </a:fld>
             <a:endParaRPr lang="en-US">
               <a:solidFill>
@@ -2358,7 +2357,7 @@
                 </a:solidFill>
               </a:rPr>
               <a:pPr/>
-              <a:t>3/12/2015</a:t>
+              <a:t>3/15/2015</a:t>
             </a:fld>
             <a:endParaRPr lang="en-US">
               <a:solidFill>
@@ -2490,7 +2489,7 @@
                 </a:solidFill>
               </a:rPr>
               <a:pPr/>
-              <a:t>3/12/2015</a:t>
+              <a:t>3/15/2015</a:t>
             </a:fld>
             <a:endParaRPr lang="en-US">
               <a:solidFill>
@@ -2599,7 +2598,7 @@
                 </a:solidFill>
               </a:rPr>
               <a:pPr/>
-              <a:t>3/12/2015</a:t>
+              <a:t>3/15/2015</a:t>
             </a:fld>
             <a:endParaRPr lang="en-US">
               <a:solidFill>
@@ -2807,7 +2806,7 @@
                 </a:solidFill>
               </a:rPr>
               <a:pPr/>
-              <a:t>3/12/2015</a:t>
+              <a:t>3/15/2015</a:t>
             </a:fld>
             <a:endParaRPr lang="en-US">
               <a:solidFill>
@@ -3144,7 +3143,7 @@
                 </a:solidFill>
               </a:rPr>
               <a:pPr/>
-              <a:t>3/12/2015</a:t>
+              <a:t>3/15/2015</a:t>
             </a:fld>
             <a:endParaRPr lang="en-US">
               <a:solidFill>
@@ -3555,7 +3554,7 @@
                 </a:solidFill>
               </a:rPr>
               <a:pPr/>
-              <a:t>3/12/2015</a:t>
+              <a:t>3/15/2015</a:t>
             </a:fld>
             <a:endParaRPr lang="en-US">
               <a:solidFill>
@@ -6445,7 +6444,7 @@
           <a:graphicData uri="http://schemas.openxmlformats.org/presentationml/2006/ole">
             <mc:AlternateContent xmlns:mc="http://schemas.openxmlformats.org/markup-compatibility/2006">
               <mc:Choice xmlns:v="urn:schemas-microsoft-com:vml" Requires="v">
-                <p:oleObj spid="_x0000_s10269" name="Visio" r:id="rId4" imgW="7686566" imgH="5410279" progId="Visio.Drawing.15">
+                <p:oleObj spid="_x0000_s10270" name="Visio" r:id="rId4" imgW="7686566" imgH="5410279" progId="Visio.Drawing.15">
                   <p:embed/>
                 </p:oleObj>
               </mc:Choice>
@@ -6591,31 +6590,18 @@
           </a:p>
         </p:txBody>
       </p:sp>
-      <p:pic>
-        <p:nvPicPr>
-          <p:cNvPr id="10242" name="Picture 2"/>
-          <p:cNvPicPr>
-            <a:picLocks noChangeAspect="1" noChangeArrowheads="1"/>
-          </p:cNvPicPr>
+      <p:sp>
+        <p:nvSpPr>
+          <p:cNvPr id="4" name="Rectangle 2"/>
+          <p:cNvSpPr>
+            <a:spLocks noChangeArrowheads="1"/>
+          </p:cNvSpPr>
           <p:nvPr/>
-        </p:nvPicPr>
-        <p:blipFill>
-          <a:blip r:embed="rId2">
-            <a:extLst>
-              <a:ext uri="{28A0092B-C50C-407E-A947-70E740481C1C}">
-                <a14:useLocalDpi xmlns:a14="http://schemas.microsoft.com/office/drawing/2010/main" val="0"/>
-              </a:ext>
-            </a:extLst>
-          </a:blip>
-          <a:srcRect/>
-          <a:stretch>
-            <a:fillRect/>
-          </a:stretch>
-        </p:blipFill>
+        </p:nvSpPr>
         <p:spPr bwMode="auto">
           <a:xfrm>
-            <a:off x="1371600" y="2743199"/>
-            <a:ext cx="5462867" cy="3550863"/>
+            <a:off x="0" y="0"/>
+            <a:ext cx="9144000" cy="0"/>
           </a:xfrm>
           <a:prstGeom prst="rect">
             <a:avLst/>
@@ -6654,7 +6640,86 @@
             </a:ext>
           </a:extLst>
         </p:spPr>
-      </p:pic>
+        <p:txBody>
+          <a:bodyPr vert="horz" wrap="none" lIns="91440" tIns="45720" rIns="91440" bIns="45720" numCol="1" anchor="ctr" anchorCtr="0" compatLnSpc="1">
+            <a:prstTxWarp prst="textNoShape">
+              <a:avLst/>
+            </a:prstTxWarp>
+            <a:spAutoFit/>
+          </a:bodyPr>
+          <a:lstStyle/>
+          <a:p>
+            <a:endParaRPr lang="en-US"/>
+          </a:p>
+        </p:txBody>
+      </p:sp>
+      <p:graphicFrame>
+        <p:nvGraphicFramePr>
+          <p:cNvPr id="5" name="Object 4"/>
+          <p:cNvGraphicFramePr>
+            <a:graphicFrameLocks noChangeAspect="1"/>
+          </p:cNvGraphicFramePr>
+          <p:nvPr>
+            <p:extLst>
+              <p:ext uri="{D42A27DB-BD31-4B8C-83A1-F6EECF244321}">
+                <p14:modId xmlns:p14="http://schemas.microsoft.com/office/powerpoint/2010/main" val="4000870973"/>
+              </p:ext>
+            </p:extLst>
+          </p:nvPr>
+        </p:nvGraphicFramePr>
+        <p:xfrm>
+          <a:off x="1143000" y="2971800"/>
+          <a:ext cx="5638800" cy="2895600"/>
+        </p:xfrm>
+        <a:graphic>
+          <a:graphicData uri="http://schemas.openxmlformats.org/presentationml/2006/ole">
+            <mc:AlternateContent xmlns:mc="http://schemas.openxmlformats.org/markup-compatibility/2006">
+              <mc:Choice xmlns:v="urn:schemas-microsoft-com:vml" Requires="v">
+                <p:oleObj spid="_x0000_s15363" name="Visio" r:id="rId3" imgW="5048164" imgH="2914743" progId="Visio.Drawing.15">
+                  <p:embed/>
+                </p:oleObj>
+              </mc:Choice>
+              <mc:Fallback>
+                <p:oleObj name="Visio" r:id="rId3" imgW="5048164" imgH="2914743" progId="Visio.Drawing.15">
+                  <p:embed/>
+                  <p:pic>
+                    <p:nvPicPr>
+                      <p:cNvPr id="0" name="Object 1"/>
+                      <p:cNvPicPr>
+                        <a:picLocks noChangeAspect="1" noChangeArrowheads="1"/>
+                      </p:cNvPicPr>
+                      <p:nvPr/>
+                    </p:nvPicPr>
+                    <p:blipFill>
+                      <a:blip r:embed="rId4">
+                        <a:extLst>
+                          <a:ext uri="{28A0092B-C50C-407E-A947-70E740481C1C}">
+                            <a14:useLocalDpi xmlns:a14="http://schemas.microsoft.com/office/drawing/2010/main" val="0"/>
+                          </a:ext>
+                        </a:extLst>
+                      </a:blip>
+                      <a:srcRect/>
+                      <a:stretch>
+                        <a:fillRect/>
+                      </a:stretch>
+                    </p:blipFill>
+                    <p:spPr bwMode="auto">
+                      <a:xfrm>
+                        <a:off x="1143000" y="2971800"/>
+                        <a:ext cx="5638800" cy="2895600"/>
+                      </a:xfrm>
+                      <a:prstGeom prst="rect">
+                        <a:avLst/>
+                      </a:prstGeom>
+                      <a:noFill/>
+                    </p:spPr>
+                  </p:pic>
+                </p:oleObj>
+              </mc:Fallback>
+            </mc:AlternateContent>
+          </a:graphicData>
+        </a:graphic>
+      </p:graphicFrame>
     </p:spTree>
     <p:extLst>
       <p:ext uri="{BB962C8B-B14F-4D97-AF65-F5344CB8AC3E}">
@@ -7122,7 +7187,7 @@
           <a:graphicData uri="http://schemas.openxmlformats.org/presentationml/2006/ole">
             <mc:AlternateContent xmlns:mc="http://schemas.openxmlformats.org/markup-compatibility/2006">
               <mc:Choice xmlns:v="urn:schemas-microsoft-com:vml" Requires="v">
-                <p:oleObj spid="_x0000_s12314" name="Visio" r:id="rId4" imgW="8277197" imgH="3152824" progId="Visio.Drawing.15">
+                <p:oleObj spid="_x0000_s12315" name="Visio" r:id="rId4" imgW="8277197" imgH="3152824" progId="Visio.Drawing.15">
                   <p:embed/>
                 </p:oleObj>
               </mc:Choice>
@@ -7302,7 +7367,7 @@
           <a:graphicData uri="http://schemas.openxmlformats.org/presentationml/2006/ole">
             <mc:AlternateContent xmlns:mc="http://schemas.openxmlformats.org/markup-compatibility/2006">
               <mc:Choice xmlns:v="urn:schemas-microsoft-com:vml" Requires="v">
-                <p:oleObj spid="_x0000_s13338" name="Visio" r:id="rId4" imgW="8458327" imgH="3876786" progId="Visio.Drawing.15">
+                <p:oleObj spid="_x0000_s13339" name="Visio" r:id="rId4" imgW="8458327" imgH="3876786" progId="Visio.Drawing.15">
                   <p:embed/>
                 </p:oleObj>
               </mc:Choice>
@@ -7420,20 +7485,20 @@
           <p:nvPr>
             <p:extLst>
               <p:ext uri="{D42A27DB-BD31-4B8C-83A1-F6EECF244321}">
-                <p14:modId xmlns:p14="http://schemas.microsoft.com/office/powerpoint/2010/main" val="370569943"/>
+                <p14:modId xmlns:p14="http://schemas.microsoft.com/office/powerpoint/2010/main" val="1405732731"/>
               </p:ext>
             </p:extLst>
           </p:nvPr>
         </p:nvGraphicFramePr>
         <p:xfrm>
-          <a:off x="533400" y="1524000"/>
+          <a:off x="457200" y="1143000"/>
           <a:ext cx="7239000" cy="5105400"/>
         </p:xfrm>
         <a:graphic>
           <a:graphicData uri="http://schemas.openxmlformats.org/presentationml/2006/ole">
             <mc:AlternateContent xmlns:mc="http://schemas.openxmlformats.org/markup-compatibility/2006">
               <mc:Choice xmlns:v="urn:schemas-microsoft-com:vml" Requires="v">
-                <p:oleObj spid="_x0000_s14362" name="Visio" r:id="rId4" imgW="6200696" imgH="5143584" progId="Visio.Drawing.15">
+                <p:oleObj spid="_x0000_s14363" name="Visio" r:id="rId4" imgW="6200696" imgH="5143584" progId="Visio.Drawing.15">
                   <p:embed/>
                 </p:oleObj>
               </mc:Choice>
@@ -7457,7 +7522,7 @@
                     </p:blipFill>
                     <p:spPr bwMode="auto">
                       <a:xfrm>
-                        <a:off x="533400" y="1524000"/>
+                        <a:off x="457200" y="1143000"/>
                         <a:ext cx="7239000" cy="5105400"/>
                       </a:xfrm>
                       <a:prstGeom prst="rect">
@@ -7547,16 +7612,16 @@
           <a:lstStyle/>
           <a:p>
             <a:r>
-              <a:rPr lang="en-US" smtClean="0"/>
+              <a:rPr lang="en-US" dirty="0" smtClean="0"/>
               <a:t>Software Class Diagrams</a:t>
             </a:r>
-            <a:endParaRPr lang="en-US"/>
+            <a:endParaRPr lang="en-US" dirty="0"/>
           </a:p>
         </p:txBody>
       </p:sp>
       <p:pic>
         <p:nvPicPr>
-          <p:cNvPr id="4" name="Content Placeholder 3"/>
+          <p:cNvPr id="7" name="Content Placeholder 6"/>
           <p:cNvPicPr>
             <a:picLocks noGrp="1"/>
           </p:cNvPicPr>
@@ -7565,96 +7630,19 @@
           </p:nvPr>
         </p:nvPicPr>
         <p:blipFill>
-          <a:blip r:embed="rId2">
-            <a:extLst>
-              <a:ext uri="{28A0092B-C50C-407E-A947-70E740481C1C}">
-                <a14:useLocalDpi xmlns:a14="http://schemas.microsoft.com/office/drawing/2010/main" val="0"/>
-              </a:ext>
-            </a:extLst>
-          </a:blip>
-          <a:srcRect/>
+          <a:blip r:embed="rId2"/>
           <a:stretch>
             <a:fillRect/>
           </a:stretch>
         </p:blipFill>
-        <p:spPr bwMode="auto">
+        <p:spPr>
           <a:xfrm>
-            <a:off x="304800" y="2209800"/>
-            <a:ext cx="3620293" cy="3493360"/>
+            <a:off x="685800" y="1676400"/>
+            <a:ext cx="7239000" cy="4800600"/>
           </a:xfrm>
           <a:prstGeom prst="rect">
             <a:avLst/>
           </a:prstGeom>
-          <a:noFill/>
-          <a:ln>
-            <a:noFill/>
-          </a:ln>
-        </p:spPr>
-      </p:pic>
-      <p:pic>
-        <p:nvPicPr>
-          <p:cNvPr id="5" name="Picture 4"/>
-          <p:cNvPicPr/>
-          <p:nvPr/>
-        </p:nvPicPr>
-        <p:blipFill>
-          <a:blip r:embed="rId3">
-            <a:extLst>
-              <a:ext uri="{28A0092B-C50C-407E-A947-70E740481C1C}">
-                <a14:useLocalDpi xmlns:a14="http://schemas.microsoft.com/office/drawing/2010/main" val="0"/>
-              </a:ext>
-            </a:extLst>
-          </a:blip>
-          <a:srcRect/>
-          <a:stretch>
-            <a:fillRect/>
-          </a:stretch>
-        </p:blipFill>
-        <p:spPr bwMode="auto">
-          <a:xfrm>
-            <a:off x="4038600" y="1676400"/>
-            <a:ext cx="3200400" cy="1981200"/>
-          </a:xfrm>
-          <a:prstGeom prst="rect">
-            <a:avLst/>
-          </a:prstGeom>
-          <a:noFill/>
-          <a:ln>
-            <a:noFill/>
-          </a:ln>
-        </p:spPr>
-      </p:pic>
-      <p:pic>
-        <p:nvPicPr>
-          <p:cNvPr id="6" name="Picture 5"/>
-          <p:cNvPicPr/>
-          <p:nvPr/>
-        </p:nvPicPr>
-        <p:blipFill>
-          <a:blip r:embed="rId4">
-            <a:extLst>
-              <a:ext uri="{28A0092B-C50C-407E-A947-70E740481C1C}">
-                <a14:useLocalDpi xmlns:a14="http://schemas.microsoft.com/office/drawing/2010/main" val="0"/>
-              </a:ext>
-            </a:extLst>
-          </a:blip>
-          <a:srcRect/>
-          <a:stretch>
-            <a:fillRect/>
-          </a:stretch>
-        </p:blipFill>
-        <p:spPr bwMode="auto">
-          <a:xfrm>
-            <a:off x="4038600" y="3657600"/>
-            <a:ext cx="3581399" cy="2384946"/>
-          </a:xfrm>
-          <a:prstGeom prst="rect">
-            <a:avLst/>
-          </a:prstGeom>
-          <a:noFill/>
-          <a:ln>
-            <a:noFill/>
-          </a:ln>
         </p:spPr>
       </p:pic>
     </p:spTree>
@@ -7694,38 +7682,6 @@
           <a:chExt cx="0" cy="0"/>
         </a:xfrm>
       </p:grpSpPr>
-      <p:pic>
-        <p:nvPicPr>
-          <p:cNvPr id="4" name="Content Placeholder 3"/>
-          <p:cNvPicPr>
-            <a:picLocks noGrp="1"/>
-          </p:cNvPicPr>
-          <p:nvPr>
-            <p:ph idx="1"/>
-          </p:nvPr>
-        </p:nvPicPr>
-        <p:blipFill>
-          <a:blip r:embed="rId2" cstate="print">
-            <a:extLst>
-              <a:ext uri="{28A0092B-C50C-407E-A947-70E740481C1C}">
-                <a14:useLocalDpi xmlns:a14="http://schemas.microsoft.com/office/drawing/2010/main" val="0"/>
-              </a:ext>
-            </a:extLst>
-          </a:blip>
-          <a:stretch>
-            <a:fillRect/>
-          </a:stretch>
-        </p:blipFill>
-        <p:spPr>
-          <a:xfrm>
-            <a:off x="304800" y="533400"/>
-            <a:ext cx="7924800" cy="7315200"/>
-          </a:xfrm>
-          <a:prstGeom prst="rect">
-            <a:avLst/>
-          </a:prstGeom>
-        </p:spPr>
-      </p:pic>
       <p:sp>
         <p:nvSpPr>
           <p:cNvPr id="2" name="Title 1"/>
@@ -7746,6 +7702,29 @@
               <a:t>Sequence Diagrams</a:t>
             </a:r>
             <a:endParaRPr lang="en-US"/>
+          </a:p>
+        </p:txBody>
+      </p:sp>
+      <p:sp>
+        <p:nvSpPr>
+          <p:cNvPr id="3" name="Content Placeholder 2"/>
+          <p:cNvSpPr>
+            <a:spLocks noGrp="1"/>
+          </p:cNvSpPr>
+          <p:nvPr>
+            <p:ph idx="1"/>
+          </p:nvPr>
+        </p:nvSpPr>
+        <p:spPr/>
+        <p:txBody>
+          <a:bodyPr/>
+          <a:lstStyle/>
+          <a:p>
+            <a:r>
+              <a:rPr lang="en-US" dirty="0" smtClean="0"/>
+              <a:t>Sequence Diagrams in document – starting at page 26</a:t>
+            </a:r>
+            <a:endParaRPr lang="en-US" dirty="0"/>
           </a:p>
         </p:txBody>
       </p:sp>
@@ -7770,197 +7749,6 @@
 </file>
 
 <file path=ppt/slides/slide29.xml><?xml version="1.0" encoding="utf-8"?>
-<p:sld xmlns:a="http://schemas.openxmlformats.org/drawingml/2006/main" xmlns:r="http://schemas.openxmlformats.org/officeDocument/2006/relationships" xmlns:p="http://schemas.openxmlformats.org/presentationml/2006/main">
-  <p:cSld>
-    <p:spTree>
-      <p:nvGrpSpPr>
-        <p:cNvPr id="1" name=""/>
-        <p:cNvGrpSpPr/>
-        <p:nvPr/>
-      </p:nvGrpSpPr>
-      <p:grpSpPr>
-        <a:xfrm>
-          <a:off x="0" y="0"/>
-          <a:ext cx="0" cy="0"/>
-          <a:chOff x="0" y="0"/>
-          <a:chExt cx="0" cy="0"/>
-        </a:xfrm>
-      </p:grpSpPr>
-      <p:pic>
-        <p:nvPicPr>
-          <p:cNvPr id="4" name="Content Placeholder 3"/>
-          <p:cNvPicPr>
-            <a:picLocks noGrp="1"/>
-          </p:cNvPicPr>
-          <p:nvPr>
-            <p:ph idx="1"/>
-          </p:nvPr>
-        </p:nvPicPr>
-        <p:blipFill>
-          <a:blip r:embed="rId2" cstate="print">
-            <a:extLst>
-              <a:ext uri="{28A0092B-C50C-407E-A947-70E740481C1C}">
-                <a14:useLocalDpi xmlns:a14="http://schemas.microsoft.com/office/drawing/2010/main" val="0"/>
-              </a:ext>
-            </a:extLst>
-          </a:blip>
-          <a:stretch>
-            <a:fillRect/>
-          </a:stretch>
-        </p:blipFill>
-        <p:spPr>
-          <a:xfrm>
-            <a:off x="609600" y="609600"/>
-            <a:ext cx="7010399" cy="7086600"/>
-          </a:xfrm>
-          <a:prstGeom prst="rect">
-            <a:avLst/>
-          </a:prstGeom>
-        </p:spPr>
-      </p:pic>
-      <p:sp>
-        <p:nvSpPr>
-          <p:cNvPr id="2" name="Title 1"/>
-          <p:cNvSpPr>
-            <a:spLocks noGrp="1"/>
-          </p:cNvSpPr>
-          <p:nvPr>
-            <p:ph type="title"/>
-          </p:nvPr>
-        </p:nvSpPr>
-        <p:spPr/>
-        <p:txBody>
-          <a:bodyPr/>
-          <a:lstStyle/>
-          <a:p>
-            <a:r>
-              <a:rPr lang="en-US" smtClean="0"/>
-              <a:t>Sequence Diagrams</a:t>
-            </a:r>
-            <a:endParaRPr lang="en-US"/>
-          </a:p>
-        </p:txBody>
-      </p:sp>
-    </p:spTree>
-    <p:extLst>
-      <p:ext uri="{BB962C8B-B14F-4D97-AF65-F5344CB8AC3E}">
-        <p14:creationId xmlns:p14="http://schemas.microsoft.com/office/powerpoint/2010/main" val="2681175197"/>
-      </p:ext>
-    </p:extLst>
-  </p:cSld>
-  <p:clrMapOvr>
-    <a:masterClrMapping/>
-  </p:clrMapOvr>
-  <p:timing>
-    <p:tnLst>
-      <p:par>
-        <p:cTn id="1" dur="indefinite" restart="never" nodeType="tmRoot"/>
-      </p:par>
-    </p:tnLst>
-  </p:timing>
-</p:sld>
-</file>
-
-<file path=ppt/slides/slide3.xml><?xml version="1.0" encoding="utf-8"?>
-<p:sld xmlns:a="http://schemas.openxmlformats.org/drawingml/2006/main" xmlns:r="http://schemas.openxmlformats.org/officeDocument/2006/relationships" xmlns:p="http://schemas.openxmlformats.org/presentationml/2006/main">
-  <p:cSld>
-    <p:spTree>
-      <p:nvGrpSpPr>
-        <p:cNvPr id="1" name=""/>
-        <p:cNvGrpSpPr/>
-        <p:nvPr/>
-      </p:nvGrpSpPr>
-      <p:grpSpPr>
-        <a:xfrm>
-          <a:off x="0" y="0"/>
-          <a:ext cx="0" cy="0"/>
-          <a:chOff x="0" y="0"/>
-          <a:chExt cx="0" cy="0"/>
-        </a:xfrm>
-      </p:grpSpPr>
-      <p:sp>
-        <p:nvSpPr>
-          <p:cNvPr id="2" name="Title 1"/>
-          <p:cNvSpPr>
-            <a:spLocks noGrp="1"/>
-          </p:cNvSpPr>
-          <p:nvPr>
-            <p:ph type="title"/>
-          </p:nvPr>
-        </p:nvSpPr>
-        <p:spPr>
-          <a:xfrm>
-            <a:off x="533400" y="2514600"/>
-            <a:ext cx="7659687" cy="1168400"/>
-          </a:xfrm>
-        </p:spPr>
-        <p:txBody>
-          <a:bodyPr/>
-          <a:lstStyle/>
-          <a:p>
-            <a:r>
-              <a:rPr lang="en-US" b="1" smtClean="0"/>
-              <a:t>Introduction</a:t>
-            </a:r>
-            <a:endParaRPr lang="en-US" b="1"/>
-          </a:p>
-        </p:txBody>
-      </p:sp>
-      <p:sp>
-        <p:nvSpPr>
-          <p:cNvPr id="3" name="Text Placeholder 2"/>
-          <p:cNvSpPr>
-            <a:spLocks noGrp="1"/>
-          </p:cNvSpPr>
-          <p:nvPr>
-            <p:ph type="body" idx="1"/>
-          </p:nvPr>
-        </p:nvSpPr>
-        <p:spPr>
-          <a:xfrm>
-            <a:off x="533400" y="838200"/>
-            <a:ext cx="6135687" cy="1633538"/>
-          </a:xfrm>
-        </p:spPr>
-        <p:txBody>
-          <a:bodyPr>
-            <a:normAutofit/>
-          </a:bodyPr>
-          <a:lstStyle/>
-          <a:p>
-            <a:r>
-              <a:rPr lang="en-US" sz="4000"/>
-              <a:t>1</a:t>
-            </a:r>
-            <a:r>
-              <a:rPr lang="en-US" sz="4000" smtClean="0"/>
-              <a:t>.</a:t>
-            </a:r>
-            <a:endParaRPr lang="en-US" sz="4000"/>
-          </a:p>
-        </p:txBody>
-      </p:sp>
-    </p:spTree>
-    <p:extLst>
-      <p:ext uri="{BB962C8B-B14F-4D97-AF65-F5344CB8AC3E}">
-        <p14:creationId xmlns:p14="http://schemas.microsoft.com/office/powerpoint/2010/main" val="1044335434"/>
-      </p:ext>
-    </p:extLst>
-  </p:cSld>
-  <p:clrMapOvr>
-    <a:masterClrMapping/>
-  </p:clrMapOvr>
-  <p:timing>
-    <p:tnLst>
-      <p:par>
-        <p:cTn id="1" dur="indefinite" restart="never" nodeType="tmRoot"/>
-      </p:par>
-    </p:tnLst>
-  </p:timing>
-</p:sld>
-</file>
-
-<file path=ppt/slides/slide30.xml><?xml version="1.0" encoding="utf-8"?>
 <p:sld xmlns:a="http://schemas.openxmlformats.org/drawingml/2006/main" xmlns:r="http://schemas.openxmlformats.org/officeDocument/2006/relationships" xmlns:p="http://schemas.openxmlformats.org/presentationml/2006/main">
   <p:cSld>
     <p:spTree>
@@ -8088,7 +7876,106 @@
 </p:sld>
 </file>
 
-<file path=ppt/slides/slide31.xml><?xml version="1.0" encoding="utf-8"?>
+<file path=ppt/slides/slide3.xml><?xml version="1.0" encoding="utf-8"?>
+<p:sld xmlns:a="http://schemas.openxmlformats.org/drawingml/2006/main" xmlns:r="http://schemas.openxmlformats.org/officeDocument/2006/relationships" xmlns:p="http://schemas.openxmlformats.org/presentationml/2006/main">
+  <p:cSld>
+    <p:spTree>
+      <p:nvGrpSpPr>
+        <p:cNvPr id="1" name=""/>
+        <p:cNvGrpSpPr/>
+        <p:nvPr/>
+      </p:nvGrpSpPr>
+      <p:grpSpPr>
+        <a:xfrm>
+          <a:off x="0" y="0"/>
+          <a:ext cx="0" cy="0"/>
+          <a:chOff x="0" y="0"/>
+          <a:chExt cx="0" cy="0"/>
+        </a:xfrm>
+      </p:grpSpPr>
+      <p:sp>
+        <p:nvSpPr>
+          <p:cNvPr id="2" name="Title 1"/>
+          <p:cNvSpPr>
+            <a:spLocks noGrp="1"/>
+          </p:cNvSpPr>
+          <p:nvPr>
+            <p:ph type="title"/>
+          </p:nvPr>
+        </p:nvSpPr>
+        <p:spPr>
+          <a:xfrm>
+            <a:off x="533400" y="2514600"/>
+            <a:ext cx="7659687" cy="1168400"/>
+          </a:xfrm>
+        </p:spPr>
+        <p:txBody>
+          <a:bodyPr/>
+          <a:lstStyle/>
+          <a:p>
+            <a:r>
+              <a:rPr lang="en-US" b="1" smtClean="0"/>
+              <a:t>Introduction</a:t>
+            </a:r>
+            <a:endParaRPr lang="en-US" b="1"/>
+          </a:p>
+        </p:txBody>
+      </p:sp>
+      <p:sp>
+        <p:nvSpPr>
+          <p:cNvPr id="3" name="Text Placeholder 2"/>
+          <p:cNvSpPr>
+            <a:spLocks noGrp="1"/>
+          </p:cNvSpPr>
+          <p:nvPr>
+            <p:ph type="body" idx="1"/>
+          </p:nvPr>
+        </p:nvSpPr>
+        <p:spPr>
+          <a:xfrm>
+            <a:off x="533400" y="838200"/>
+            <a:ext cx="6135687" cy="1633538"/>
+          </a:xfrm>
+        </p:spPr>
+        <p:txBody>
+          <a:bodyPr>
+            <a:normAutofit/>
+          </a:bodyPr>
+          <a:lstStyle/>
+          <a:p>
+            <a:r>
+              <a:rPr lang="en-US" sz="4000"/>
+              <a:t>1</a:t>
+            </a:r>
+            <a:r>
+              <a:rPr lang="en-US" sz="4000" smtClean="0"/>
+              <a:t>.</a:t>
+            </a:r>
+            <a:endParaRPr lang="en-US" sz="4000"/>
+          </a:p>
+        </p:txBody>
+      </p:sp>
+    </p:spTree>
+    <p:extLst>
+      <p:ext uri="{BB962C8B-B14F-4D97-AF65-F5344CB8AC3E}">
+        <p14:creationId xmlns:p14="http://schemas.microsoft.com/office/powerpoint/2010/main" val="1044335434"/>
+      </p:ext>
+    </p:extLst>
+  </p:cSld>
+  <p:clrMapOvr>
+    <a:masterClrMapping/>
+  </p:clrMapOvr>
+  <p:timing>
+    <p:tnLst>
+      <p:par>
+        <p:cTn id="1" dur="indefinite" restart="never" nodeType="tmRoot"/>
+      </p:par>
+    </p:tnLst>
+  </p:timing>
+</p:sld>
+</file>
+
+<file path=ppt/slides/slide30.xml><?xml version="1.0" encoding="utf-8"?>
 <p:sld xmlns:a="http://schemas.openxmlformats.org/drawingml/2006/main" xmlns:r="http://schemas.openxmlformats.org/officeDocument/2006/relationships" xmlns:p="http://schemas.openxmlformats.org/presentationml/2006/main">
   <p:cSld>
     <p:spTree>
@@ -8221,7 +8108,7 @@
 </p:sld>
 </file>
 
-<file path=ppt/slides/slide32.xml><?xml version="1.0" encoding="utf-8"?>
+<file path=ppt/slides/slide31.xml><?xml version="1.0" encoding="utf-8"?>
 <p:sld xmlns:a="http://schemas.openxmlformats.org/drawingml/2006/main" xmlns:r="http://schemas.openxmlformats.org/officeDocument/2006/relationships" xmlns:p="http://schemas.openxmlformats.org/presentationml/2006/main">
   <p:cSld>
     <p:spTree>
@@ -8370,7 +8257,7 @@
 </p:sld>
 </file>
 
-<file path=ppt/slides/slide33.xml><?xml version="1.0" encoding="utf-8"?>
+<file path=ppt/slides/slide32.xml><?xml version="1.0" encoding="utf-8"?>
 <p:sld xmlns:a="http://schemas.openxmlformats.org/drawingml/2006/main" xmlns:r="http://schemas.openxmlformats.org/officeDocument/2006/relationships" xmlns:p="http://schemas.openxmlformats.org/presentationml/2006/main">
   <p:cSld>
     <p:spTree>
@@ -8410,88 +8297,6 @@
           </a:p>
         </p:txBody>
       </p:sp>
-      <p:pic>
-        <p:nvPicPr>
-          <p:cNvPr id="19458" name="Picture 6"/>
-          <p:cNvPicPr>
-            <a:picLocks noChangeAspect="1" noChangeArrowheads="1"/>
-          </p:cNvPicPr>
-          <p:nvPr/>
-        </p:nvPicPr>
-        <p:blipFill>
-          <a:blip r:embed="rId2" cstate="print">
-            <a:extLst>
-              <a:ext uri="{28A0092B-C50C-407E-A947-70E740481C1C}">
-                <a14:useLocalDpi xmlns:a14="http://schemas.microsoft.com/office/drawing/2010/main" val="0"/>
-              </a:ext>
-            </a:extLst>
-          </a:blip>
-          <a:srcRect/>
-          <a:stretch>
-            <a:fillRect/>
-          </a:stretch>
-        </p:blipFill>
-        <p:spPr bwMode="auto">
-          <a:xfrm>
-            <a:off x="1600200" y="1681162"/>
-            <a:ext cx="5334000" cy="2657475"/>
-          </a:xfrm>
-          <a:prstGeom prst="rect">
-            <a:avLst/>
-          </a:prstGeom>
-          <a:noFill/>
-          <a:extLst>
-            <a:ext uri="{909E8E84-426E-40DD-AFC4-6F175D3DCCD1}">
-              <a14:hiddenFill xmlns:a14="http://schemas.microsoft.com/office/drawing/2010/main">
-                <a:solidFill>
-                  <a:srgbClr val="FFFFFF"/>
-                </a:solidFill>
-              </a14:hiddenFill>
-            </a:ext>
-          </a:extLst>
-        </p:spPr>
-      </p:pic>
-      <p:pic>
-        <p:nvPicPr>
-          <p:cNvPr id="19457" name="Picture 7"/>
-          <p:cNvPicPr>
-            <a:picLocks noChangeAspect="1" noChangeArrowheads="1"/>
-          </p:cNvPicPr>
-          <p:nvPr/>
-        </p:nvPicPr>
-        <p:blipFill>
-          <a:blip r:embed="rId3" cstate="print">
-            <a:extLst>
-              <a:ext uri="{28A0092B-C50C-407E-A947-70E740481C1C}">
-                <a14:useLocalDpi xmlns:a14="http://schemas.microsoft.com/office/drawing/2010/main" val="0"/>
-              </a:ext>
-            </a:extLst>
-          </a:blip>
-          <a:srcRect/>
-          <a:stretch>
-            <a:fillRect/>
-          </a:stretch>
-        </p:blipFill>
-        <p:spPr bwMode="auto">
-          <a:xfrm>
-            <a:off x="1600200" y="4338637"/>
-            <a:ext cx="5334000" cy="2447925"/>
-          </a:xfrm>
-          <a:prstGeom prst="rect">
-            <a:avLst/>
-          </a:prstGeom>
-          <a:noFill/>
-          <a:extLst>
-            <a:ext uri="{909E8E84-426E-40DD-AFC4-6F175D3DCCD1}">
-              <a14:hiddenFill xmlns:a14="http://schemas.microsoft.com/office/drawing/2010/main">
-                <a:solidFill>
-                  <a:srgbClr val="FFFFFF"/>
-                </a:solidFill>
-              </a14:hiddenFill>
-            </a:ext>
-          </a:extLst>
-        </p:spPr>
-      </p:pic>
       <p:sp>
         <p:nvSpPr>
           <p:cNvPr id="6" name="Rectangle 3"/>
@@ -9378,6 +9183,28 @@
           </a:p>
         </p:txBody>
       </p:sp>
+      <p:pic>
+        <p:nvPicPr>
+          <p:cNvPr id="9" name="Picture 8"/>
+          <p:cNvPicPr/>
+          <p:nvPr/>
+        </p:nvPicPr>
+        <p:blipFill>
+          <a:blip r:embed="rId2"/>
+          <a:stretch>
+            <a:fillRect/>
+          </a:stretch>
+        </p:blipFill>
+        <p:spPr>
+          <a:xfrm>
+            <a:off x="914400" y="1809065"/>
+            <a:ext cx="5943600" cy="4401820"/>
+          </a:xfrm>
+          <a:prstGeom prst="rect">
+            <a:avLst/>
+          </a:prstGeom>
+        </p:spPr>
+      </p:pic>
     </p:spTree>
     <p:extLst>
       <p:ext uri="{BB962C8B-B14F-4D97-AF65-F5344CB8AC3E}">
@@ -9398,7 +9225,7 @@
 </p:sld>
 </file>
 
-<file path=ppt/slides/slide34.xml><?xml version="1.0" encoding="utf-8"?>
+<file path=ppt/slides/slide33.xml><?xml version="1.0" encoding="utf-8"?>
 <p:sld xmlns:a="http://schemas.openxmlformats.org/drawingml/2006/main" xmlns:r="http://schemas.openxmlformats.org/officeDocument/2006/relationships" xmlns:p="http://schemas.openxmlformats.org/presentationml/2006/main">
   <p:cSld>
     <p:spTree>
@@ -9524,7 +9351,7 @@
 </p:sld>
 </file>
 
-<file path=ppt/slides/slide35.xml><?xml version="1.0" encoding="utf-8"?>
+<file path=ppt/slides/slide34.xml><?xml version="1.0" encoding="utf-8"?>
 <p:sld xmlns:a="http://schemas.openxmlformats.org/drawingml/2006/main" xmlns:r="http://schemas.openxmlformats.org/officeDocument/2006/relationships" xmlns:p="http://schemas.openxmlformats.org/presentationml/2006/main">
   <p:cSld>
     <p:spTree>
@@ -9650,7 +9477,7 @@
 </p:sld>
 </file>
 
-<file path=ppt/slides/slide36.xml><?xml version="1.0" encoding="utf-8"?>
+<file path=ppt/slides/slide35.xml><?xml version="1.0" encoding="utf-8"?>
 <p:sld xmlns:a="http://schemas.openxmlformats.org/drawingml/2006/main" xmlns:r="http://schemas.openxmlformats.org/officeDocument/2006/relationships" xmlns:p="http://schemas.openxmlformats.org/presentationml/2006/main">
   <p:cSld>
     <p:spTree>
@@ -9717,6 +9544,132 @@
           <a:xfrm>
             <a:off x="1447800" y="1169015"/>
             <a:ext cx="5714999" cy="5588458"/>
+          </a:xfrm>
+          <a:prstGeom prst="rect">
+            <a:avLst/>
+          </a:prstGeom>
+          <a:noFill/>
+          <a:ln>
+            <a:noFill/>
+          </a:ln>
+          <a:effectLst/>
+          <a:extLst>
+            <a:ext uri="{909E8E84-426E-40DD-AFC4-6F175D3DCCD1}">
+              <a14:hiddenFill xmlns:a14="http://schemas.microsoft.com/office/drawing/2010/main">
+                <a:solidFill>
+                  <a:schemeClr val="accent1"/>
+                </a:solidFill>
+              </a14:hiddenFill>
+            </a:ext>
+            <a:ext uri="{91240B29-F687-4F45-9708-019B960494DF}">
+              <a14:hiddenLine xmlns:a14="http://schemas.microsoft.com/office/drawing/2010/main" w="9525">
+                <a:solidFill>
+                  <a:schemeClr val="tx1"/>
+                </a:solidFill>
+                <a:miter lim="800000"/>
+                <a:headEnd/>
+                <a:tailEnd/>
+              </a14:hiddenLine>
+            </a:ext>
+            <a:ext uri="{AF507438-7753-43E0-B8FC-AC1667EBCBE1}">
+              <a14:hiddenEffects xmlns:a14="http://schemas.microsoft.com/office/drawing/2010/main">
+                <a:effectLst>
+                  <a:outerShdw dist="35921" dir="2700000" algn="ctr" rotWithShape="0">
+                    <a:schemeClr val="bg2"/>
+                  </a:outerShdw>
+                </a:effectLst>
+              </a14:hiddenEffects>
+            </a:ext>
+          </a:extLst>
+        </p:spPr>
+      </p:pic>
+    </p:spTree>
+    <p:extLst>
+      <p:ext uri="{BB962C8B-B14F-4D97-AF65-F5344CB8AC3E}">
+        <p14:creationId xmlns:p14="http://schemas.microsoft.com/office/powerpoint/2010/main" val="1532744095"/>
+      </p:ext>
+    </p:extLst>
+  </p:cSld>
+  <p:clrMapOvr>
+    <a:masterClrMapping/>
+  </p:clrMapOvr>
+  <p:timing>
+    <p:tnLst>
+      <p:par>
+        <p:cTn id="1" dur="indefinite" restart="never" nodeType="tmRoot"/>
+      </p:par>
+    </p:tnLst>
+  </p:timing>
+</p:sld>
+</file>
+
+<file path=ppt/slides/slide36.xml><?xml version="1.0" encoding="utf-8"?>
+<p:sld xmlns:a="http://schemas.openxmlformats.org/drawingml/2006/main" xmlns:r="http://schemas.openxmlformats.org/officeDocument/2006/relationships" xmlns:p="http://schemas.openxmlformats.org/presentationml/2006/main">
+  <p:cSld>
+    <p:spTree>
+      <p:nvGrpSpPr>
+        <p:cNvPr id="1" name=""/>
+        <p:cNvGrpSpPr/>
+        <p:nvPr/>
+      </p:nvGrpSpPr>
+      <p:grpSpPr>
+        <a:xfrm>
+          <a:off x="0" y="0"/>
+          <a:ext cx="0" cy="0"/>
+          <a:chOff x="0" y="0"/>
+          <a:chExt cx="0" cy="0"/>
+        </a:xfrm>
+      </p:grpSpPr>
+      <p:sp>
+        <p:nvSpPr>
+          <p:cNvPr id="2" name="Title 1"/>
+          <p:cNvSpPr>
+            <a:spLocks noGrp="1"/>
+          </p:cNvSpPr>
+          <p:nvPr>
+            <p:ph type="title"/>
+          </p:nvPr>
+        </p:nvSpPr>
+        <p:spPr/>
+        <p:txBody>
+          <a:bodyPr/>
+          <a:lstStyle/>
+          <a:p>
+            <a:r>
+              <a:rPr lang="en-US" smtClean="0"/>
+              <a:t>User Interface Design</a:t>
+            </a:r>
+            <a:endParaRPr lang="en-US"/>
+          </a:p>
+        </p:txBody>
+      </p:sp>
+      <p:pic>
+        <p:nvPicPr>
+          <p:cNvPr id="23555" name="Picture 3"/>
+          <p:cNvPicPr>
+            <a:picLocks noGrp="1" noChangeAspect="1" noChangeArrowheads="1"/>
+          </p:cNvPicPr>
+          <p:nvPr>
+            <p:ph idx="1"/>
+          </p:nvPr>
+        </p:nvPicPr>
+        <p:blipFill>
+          <a:blip r:embed="rId2" cstate="print">
+            <a:extLst>
+              <a:ext uri="{28A0092B-C50C-407E-A947-70E740481C1C}">
+                <a14:useLocalDpi xmlns:a14="http://schemas.microsoft.com/office/drawing/2010/main" val="0"/>
+              </a:ext>
+            </a:extLst>
+          </a:blip>
+          <a:srcRect/>
+          <a:stretch>
+            <a:fillRect/>
+          </a:stretch>
+        </p:blipFill>
+        <p:spPr bwMode="auto">
+          <a:xfrm>
+            <a:off x="2133600" y="1153872"/>
+            <a:ext cx="4267200" cy="5693254"/>
           </a:xfrm>
           <a:prstGeom prst="rect">
             <a:avLst/>
@@ -9818,7 +9771,7 @@
       </p:sp>
       <p:pic>
         <p:nvPicPr>
-          <p:cNvPr id="23555" name="Picture 3"/>
+          <p:cNvPr id="22530" name="Picture 2"/>
           <p:cNvPicPr>
             <a:picLocks noGrp="1" noChangeAspect="1" noChangeArrowheads="1"/>
           </p:cNvPicPr>
@@ -9841,8 +9794,8 @@
         </p:blipFill>
         <p:spPr bwMode="auto">
           <a:xfrm>
-            <a:off x="2133600" y="1153872"/>
-            <a:ext cx="4267200" cy="5693254"/>
+            <a:off x="1600201" y="1196733"/>
+            <a:ext cx="5334000" cy="5607533"/>
           </a:xfrm>
           <a:prstGeom prst="rect">
             <a:avLst/>
@@ -9944,7 +9897,7 @@
       </p:sp>
       <p:pic>
         <p:nvPicPr>
-          <p:cNvPr id="22530" name="Picture 2"/>
+          <p:cNvPr id="21506" name="Picture 2"/>
           <p:cNvPicPr>
             <a:picLocks noGrp="1" noChangeAspect="1" noChangeArrowheads="1"/>
           </p:cNvPicPr>
@@ -9967,8 +9920,8 @@
         </p:blipFill>
         <p:spPr bwMode="auto">
           <a:xfrm>
-            <a:off x="1600201" y="1196733"/>
-            <a:ext cx="5334000" cy="5607533"/>
+            <a:off x="1828800" y="1062179"/>
+            <a:ext cx="5257799" cy="5794684"/>
           </a:xfrm>
           <a:prstGeom prst="rect">
             <a:avLst/>
@@ -10070,7 +10023,7 @@
       </p:sp>
       <p:pic>
         <p:nvPicPr>
-          <p:cNvPr id="21506" name="Picture 2"/>
+          <p:cNvPr id="20482" name="Picture 2"/>
           <p:cNvPicPr>
             <a:picLocks noGrp="1" noChangeAspect="1" noChangeArrowheads="1"/>
           </p:cNvPicPr>
@@ -10093,8 +10046,8 @@
         </p:blipFill>
         <p:spPr bwMode="auto">
           <a:xfrm>
-            <a:off x="1828800" y="1062179"/>
-            <a:ext cx="5257799" cy="5794684"/>
+            <a:off x="1219200" y="1142894"/>
+            <a:ext cx="6324600" cy="5723067"/>
           </a:xfrm>
           <a:prstGeom prst="rect">
             <a:avLst/>
@@ -10278,132 +10231,6 @@
     <p:extLst>
       <p:ext uri="{BB962C8B-B14F-4D97-AF65-F5344CB8AC3E}">
         <p14:creationId xmlns:p14="http://schemas.microsoft.com/office/powerpoint/2010/main" val="923897623"/>
-      </p:ext>
-    </p:extLst>
-  </p:cSld>
-  <p:clrMapOvr>
-    <a:masterClrMapping/>
-  </p:clrMapOvr>
-  <p:timing>
-    <p:tnLst>
-      <p:par>
-        <p:cTn id="1" dur="indefinite" restart="never" nodeType="tmRoot"/>
-      </p:par>
-    </p:tnLst>
-  </p:timing>
-</p:sld>
-</file>
-
-<file path=ppt/slides/slide40.xml><?xml version="1.0" encoding="utf-8"?>
-<p:sld xmlns:a="http://schemas.openxmlformats.org/drawingml/2006/main" xmlns:r="http://schemas.openxmlformats.org/officeDocument/2006/relationships" xmlns:p="http://schemas.openxmlformats.org/presentationml/2006/main">
-  <p:cSld>
-    <p:spTree>
-      <p:nvGrpSpPr>
-        <p:cNvPr id="1" name=""/>
-        <p:cNvGrpSpPr/>
-        <p:nvPr/>
-      </p:nvGrpSpPr>
-      <p:grpSpPr>
-        <a:xfrm>
-          <a:off x="0" y="0"/>
-          <a:ext cx="0" cy="0"/>
-          <a:chOff x="0" y="0"/>
-          <a:chExt cx="0" cy="0"/>
-        </a:xfrm>
-      </p:grpSpPr>
-      <p:sp>
-        <p:nvSpPr>
-          <p:cNvPr id="2" name="Title 1"/>
-          <p:cNvSpPr>
-            <a:spLocks noGrp="1"/>
-          </p:cNvSpPr>
-          <p:nvPr>
-            <p:ph type="title"/>
-          </p:nvPr>
-        </p:nvSpPr>
-        <p:spPr/>
-        <p:txBody>
-          <a:bodyPr/>
-          <a:lstStyle/>
-          <a:p>
-            <a:r>
-              <a:rPr lang="en-US" smtClean="0"/>
-              <a:t>User Interface Design</a:t>
-            </a:r>
-            <a:endParaRPr lang="en-US"/>
-          </a:p>
-        </p:txBody>
-      </p:sp>
-      <p:pic>
-        <p:nvPicPr>
-          <p:cNvPr id="20482" name="Picture 2"/>
-          <p:cNvPicPr>
-            <a:picLocks noGrp="1" noChangeAspect="1" noChangeArrowheads="1"/>
-          </p:cNvPicPr>
-          <p:nvPr>
-            <p:ph idx="1"/>
-          </p:nvPr>
-        </p:nvPicPr>
-        <p:blipFill>
-          <a:blip r:embed="rId2" cstate="print">
-            <a:extLst>
-              <a:ext uri="{28A0092B-C50C-407E-A947-70E740481C1C}">
-                <a14:useLocalDpi xmlns:a14="http://schemas.microsoft.com/office/drawing/2010/main" val="0"/>
-              </a:ext>
-            </a:extLst>
-          </a:blip>
-          <a:srcRect/>
-          <a:stretch>
-            <a:fillRect/>
-          </a:stretch>
-        </p:blipFill>
-        <p:spPr bwMode="auto">
-          <a:xfrm>
-            <a:off x="1219200" y="1142894"/>
-            <a:ext cx="6324600" cy="5723067"/>
-          </a:xfrm>
-          <a:prstGeom prst="rect">
-            <a:avLst/>
-          </a:prstGeom>
-          <a:noFill/>
-          <a:ln>
-            <a:noFill/>
-          </a:ln>
-          <a:effectLst/>
-          <a:extLst>
-            <a:ext uri="{909E8E84-426E-40DD-AFC4-6F175D3DCCD1}">
-              <a14:hiddenFill xmlns:a14="http://schemas.microsoft.com/office/drawing/2010/main">
-                <a:solidFill>
-                  <a:schemeClr val="accent1"/>
-                </a:solidFill>
-              </a14:hiddenFill>
-            </a:ext>
-            <a:ext uri="{91240B29-F687-4F45-9708-019B960494DF}">
-              <a14:hiddenLine xmlns:a14="http://schemas.microsoft.com/office/drawing/2010/main" w="9525">
-                <a:solidFill>
-                  <a:schemeClr val="tx1"/>
-                </a:solidFill>
-                <a:miter lim="800000"/>
-                <a:headEnd/>
-                <a:tailEnd/>
-              </a14:hiddenLine>
-            </a:ext>
-            <a:ext uri="{AF507438-7753-43E0-B8FC-AC1667EBCBE1}">
-              <a14:hiddenEffects xmlns:a14="http://schemas.microsoft.com/office/drawing/2010/main">
-                <a:effectLst>
-                  <a:outerShdw dist="35921" dir="2700000" algn="ctr" rotWithShape="0">
-                    <a:schemeClr val="bg2"/>
-                  </a:outerShdw>
-                </a:effectLst>
-              </a14:hiddenEffects>
-            </a:ext>
-          </a:extLst>
-        </p:spPr>
-      </p:pic>
-    </p:spTree>
-    <p:extLst>
-      <p:ext uri="{BB962C8B-B14F-4D97-AF65-F5344CB8AC3E}">
-        <p14:creationId xmlns:p14="http://schemas.microsoft.com/office/powerpoint/2010/main" val="1532744095"/>
       </p:ext>
     </p:extLst>
   </p:cSld>
